--- a/edm-project.pptx
+++ b/edm-project.pptx
@@ -2,15 +2,17 @@
 <file path=ppt/presentation.xml><?xml version="1.0" encoding="utf-8"?>
 <p:presentation xmlns:a="http://schemas.openxmlformats.org/drawingml/2006/main" xmlns:r="http://schemas.openxmlformats.org/officeDocument/2006/relationships" xmlns:p="http://schemas.openxmlformats.org/presentationml/2006/main" saveSubsetFonts="1">
   <p:sldMasterIdLst>
-    <p:sldMasterId id="2147483648" r:id="rId1"/>
+    <p:sldMasterId id="2147483660" r:id="rId1"/>
   </p:sldMasterIdLst>
   <p:sldIdLst>
     <p:sldId id="256" r:id="rId2"/>
-    <p:sldId id="257" r:id="rId3"/>
-    <p:sldId id="259" r:id="rId4"/>
-    <p:sldId id="258" r:id="rId5"/>
-    <p:sldId id="260" r:id="rId6"/>
-    <p:sldId id="261" r:id="rId7"/>
+    <p:sldId id="259" r:id="rId3"/>
+    <p:sldId id="258" r:id="rId4"/>
+    <p:sldId id="260" r:id="rId5"/>
+    <p:sldId id="261" r:id="rId6"/>
+    <p:sldId id="264" r:id="rId7"/>
+    <p:sldId id="263" r:id="rId8"/>
+    <p:sldId id="262" r:id="rId9"/>
   </p:sldIdLst>
   <p:sldSz cx="12192000" cy="6858000"/>
   <p:notesSz cx="6858000" cy="9144000"/>
@@ -109,6 +111,11 @@
       </a:defRPr>
     </a:lvl9pPr>
   </p:defaultTextStyle>
+  <p:extLst>
+    <p:ext uri="{EFAFB233-063F-42B5-8137-9DF3F51BA10A}">
+      <p15:sldGuideLst xmlns:p15="http://schemas.microsoft.com/office/powerpoint/2012/main"/>
+    </p:ext>
+  </p:extLst>
 </p:presentation>
 </file>
 
@@ -116,12 +123,818 @@
 <p1510:revInfo xmlns:a="http://schemas.openxmlformats.org/drawingml/2006/main" xmlns:r="http://schemas.openxmlformats.org/officeDocument/2006/relationships" xmlns:p1510="http://schemas.microsoft.com/office/powerpoint/2015/10/main">
   <p1510:revLst>
     <p1510:client id="{D44E5873-CDAB-47DF-95E1-D784EB74AE2C}" v="1" dt="2024-04-09T19:20:24.065"/>
+    <p1510:client id="{E2B5C3F3-6A21-5FFA-74D2-B4EF3E4B32FE}" v="1549" dt="2024-04-10T06:06:50.797"/>
   </p1510:revLst>
 </p1510:revInfo>
 </file>
 
 <file path=ppt/changesInfos/changesInfo1.xml><?xml version="1.0" encoding="utf-8"?>
 <pc:chgInfo xmlns:a="http://schemas.openxmlformats.org/drawingml/2006/main" xmlns:r="http://schemas.openxmlformats.org/officeDocument/2006/relationships" xmlns:ac="http://schemas.microsoft.com/office/drawing/2013/main/command" xmlns:pc="http://schemas.microsoft.com/office/powerpoint/2013/main/command">
+  <pc:docChgLst>
+    <pc:chgData name="Riihimäki, Johanna" userId="S::jopariih@jyu.fi::f06ad8bf-b251-424f-a727-84aaec4fba8d" providerId="AD" clId="Web-{E2B5C3F3-6A21-5FFA-74D2-B4EF3E4B32FE}"/>
+    <pc:docChg chg="addSld delSld modSld sldOrd addMainMaster delMainMaster">
+      <pc:chgData name="Riihimäki, Johanna" userId="S::jopariih@jyu.fi::f06ad8bf-b251-424f-a727-84aaec4fba8d" providerId="AD" clId="Web-{E2B5C3F3-6A21-5FFA-74D2-B4EF3E4B32FE}" dt="2024-04-10T06:06:50.797" v="1533" actId="1076"/>
+      <pc:docMkLst>
+        <pc:docMk/>
+      </pc:docMkLst>
+      <pc:sldChg chg="delSp modSp mod modClrScheme chgLayout">
+        <pc:chgData name="Riihimäki, Johanna" userId="S::jopariih@jyu.fi::f06ad8bf-b251-424f-a727-84aaec4fba8d" providerId="AD" clId="Web-{E2B5C3F3-6A21-5FFA-74D2-B4EF3E4B32FE}" dt="2024-04-10T05:58:02.331" v="1235"/>
+        <pc:sldMkLst>
+          <pc:docMk/>
+          <pc:sldMk cId="2473777132" sldId="256"/>
+        </pc:sldMkLst>
+        <pc:spChg chg="mod ord">
+          <ac:chgData name="Riihimäki, Johanna" userId="S::jopariih@jyu.fi::f06ad8bf-b251-424f-a727-84aaec4fba8d" providerId="AD" clId="Web-{E2B5C3F3-6A21-5FFA-74D2-B4EF3E4B32FE}" dt="2024-04-10T05:57:45.956" v="1216"/>
+          <ac:spMkLst>
+            <pc:docMk/>
+            <pc:sldMk cId="2473777132" sldId="256"/>
+            <ac:spMk id="2" creationId="{74F0E030-7B18-307B-6FF5-DDD2385CBE36}"/>
+          </ac:spMkLst>
+        </pc:spChg>
+        <pc:spChg chg="mod ord">
+          <ac:chgData name="Riihimäki, Johanna" userId="S::jopariih@jyu.fi::f06ad8bf-b251-424f-a727-84aaec4fba8d" providerId="AD" clId="Web-{E2B5C3F3-6A21-5FFA-74D2-B4EF3E4B32FE}" dt="2024-04-10T05:57:45.956" v="1216"/>
+          <ac:spMkLst>
+            <pc:docMk/>
+            <pc:sldMk cId="2473777132" sldId="256"/>
+            <ac:spMk id="3" creationId="{7D84FB2D-3216-2BFF-CB5F-5E22FA2BDDAE}"/>
+          </ac:spMkLst>
+        </pc:spChg>
+        <pc:spChg chg="del mod">
+          <ac:chgData name="Riihimäki, Johanna" userId="S::jopariih@jyu.fi::f06ad8bf-b251-424f-a727-84aaec4fba8d" providerId="AD" clId="Web-{E2B5C3F3-6A21-5FFA-74D2-B4EF3E4B32FE}" dt="2024-04-10T05:58:02.331" v="1235"/>
+          <ac:spMkLst>
+            <pc:docMk/>
+            <pc:sldMk cId="2473777132" sldId="256"/>
+            <ac:spMk id="4" creationId="{2013227A-0A53-B825-4AB5-946CF89C0115}"/>
+          </ac:spMkLst>
+        </pc:spChg>
+      </pc:sldChg>
+      <pc:sldChg chg="modSp del mod modClrScheme chgLayout">
+        <pc:chgData name="Riihimäki, Johanna" userId="S::jopariih@jyu.fi::f06ad8bf-b251-424f-a727-84aaec4fba8d" providerId="AD" clId="Web-{E2B5C3F3-6A21-5FFA-74D2-B4EF3E4B32FE}" dt="2024-04-10T06:02:27.197" v="1489"/>
+        <pc:sldMkLst>
+          <pc:docMk/>
+          <pc:sldMk cId="3372192238" sldId="257"/>
+        </pc:sldMkLst>
+        <pc:spChg chg="mod ord">
+          <ac:chgData name="Riihimäki, Johanna" userId="S::jopariih@jyu.fi::f06ad8bf-b251-424f-a727-84aaec4fba8d" providerId="AD" clId="Web-{E2B5C3F3-6A21-5FFA-74D2-B4EF3E4B32FE}" dt="2024-04-10T05:57:45.956" v="1216"/>
+          <ac:spMkLst>
+            <pc:docMk/>
+            <pc:sldMk cId="3372192238" sldId="257"/>
+            <ac:spMk id="2" creationId="{12FC630A-161F-5E5A-6CE0-34A11F69B664}"/>
+          </ac:spMkLst>
+        </pc:spChg>
+        <pc:spChg chg="mod ord">
+          <ac:chgData name="Riihimäki, Johanna" userId="S::jopariih@jyu.fi::f06ad8bf-b251-424f-a727-84aaec4fba8d" providerId="AD" clId="Web-{E2B5C3F3-6A21-5FFA-74D2-B4EF3E4B32FE}" dt="2024-04-10T06:02:22.509" v="1488" actId="20577"/>
+          <ac:spMkLst>
+            <pc:docMk/>
+            <pc:sldMk cId="3372192238" sldId="257"/>
+            <ac:spMk id="3" creationId="{D2D795D8-4A3B-7D7A-1D84-6D02008F4B32}"/>
+          </ac:spMkLst>
+        </pc:spChg>
+      </pc:sldChg>
+      <pc:sldChg chg="modSp mod modClrScheme chgLayout">
+        <pc:chgData name="Riihimäki, Johanna" userId="S::jopariih@jyu.fi::f06ad8bf-b251-424f-a727-84aaec4fba8d" providerId="AD" clId="Web-{E2B5C3F3-6A21-5FFA-74D2-B4EF3E4B32FE}" dt="2024-04-10T06:04:41.622" v="1525" actId="20577"/>
+        <pc:sldMkLst>
+          <pc:docMk/>
+          <pc:sldMk cId="4159415826" sldId="258"/>
+        </pc:sldMkLst>
+        <pc:spChg chg="mod ord">
+          <ac:chgData name="Riihimäki, Johanna" userId="S::jopariih@jyu.fi::f06ad8bf-b251-424f-a727-84aaec4fba8d" providerId="AD" clId="Web-{E2B5C3F3-6A21-5FFA-74D2-B4EF3E4B32FE}" dt="2024-04-10T05:57:45.956" v="1216"/>
+          <ac:spMkLst>
+            <pc:docMk/>
+            <pc:sldMk cId="4159415826" sldId="258"/>
+            <ac:spMk id="2" creationId="{15ED45A9-EC62-433E-C397-C678FFC4BFC0}"/>
+          </ac:spMkLst>
+        </pc:spChg>
+        <pc:spChg chg="mod ord">
+          <ac:chgData name="Riihimäki, Johanna" userId="S::jopariih@jyu.fi::f06ad8bf-b251-424f-a727-84aaec4fba8d" providerId="AD" clId="Web-{E2B5C3F3-6A21-5FFA-74D2-B4EF3E4B32FE}" dt="2024-04-10T06:04:41.622" v="1525" actId="20577"/>
+          <ac:spMkLst>
+            <pc:docMk/>
+            <pc:sldMk cId="4159415826" sldId="258"/>
+            <ac:spMk id="3" creationId="{D86CE192-4586-DB48-7AAA-2D9A164B5AAE}"/>
+          </ac:spMkLst>
+        </pc:spChg>
+      </pc:sldChg>
+      <pc:sldChg chg="delSp modSp mod modClrScheme chgLayout">
+        <pc:chgData name="Riihimäki, Johanna" userId="S::jopariih@jyu.fi::f06ad8bf-b251-424f-a727-84aaec4fba8d" providerId="AD" clId="Web-{E2B5C3F3-6A21-5FFA-74D2-B4EF3E4B32FE}" dt="2024-04-10T06:02:47.760" v="1491"/>
+        <pc:sldMkLst>
+          <pc:docMk/>
+          <pc:sldMk cId="426450475" sldId="259"/>
+        </pc:sldMkLst>
+        <pc:spChg chg="mod ord">
+          <ac:chgData name="Riihimäki, Johanna" userId="S::jopariih@jyu.fi::f06ad8bf-b251-424f-a727-84aaec4fba8d" providerId="AD" clId="Web-{E2B5C3F3-6A21-5FFA-74D2-B4EF3E4B32FE}" dt="2024-04-10T05:57:45.956" v="1216"/>
+          <ac:spMkLst>
+            <pc:docMk/>
+            <pc:sldMk cId="426450475" sldId="259"/>
+            <ac:spMk id="4" creationId="{63FD4E4A-FB14-DCCC-BFF2-136AD63716F9}"/>
+          </ac:spMkLst>
+        </pc:spChg>
+        <pc:spChg chg="mod ord">
+          <ac:chgData name="Riihimäki, Johanna" userId="S::jopariih@jyu.fi::f06ad8bf-b251-424f-a727-84aaec4fba8d" providerId="AD" clId="Web-{E2B5C3F3-6A21-5FFA-74D2-B4EF3E4B32FE}" dt="2024-04-10T05:57:45.956" v="1216"/>
+          <ac:spMkLst>
+            <pc:docMk/>
+            <pc:sldMk cId="426450475" sldId="259"/>
+            <ac:spMk id="6" creationId="{AFF3DB45-E302-4670-75B3-7AC4A64D2F66}"/>
+          </ac:spMkLst>
+        </pc:spChg>
+        <pc:spChg chg="del mod">
+          <ac:chgData name="Riihimäki, Johanna" userId="S::jopariih@jyu.fi::f06ad8bf-b251-424f-a727-84aaec4fba8d" providerId="AD" clId="Web-{E2B5C3F3-6A21-5FFA-74D2-B4EF3E4B32FE}" dt="2024-04-10T06:02:47.760" v="1491"/>
+          <ac:spMkLst>
+            <pc:docMk/>
+            <pc:sldMk cId="426450475" sldId="259"/>
+            <ac:spMk id="11" creationId="{F63174D4-1103-3DEA-DA32-C74599CDE2FC}"/>
+          </ac:spMkLst>
+        </pc:spChg>
+        <pc:picChg chg="mod ord">
+          <ac:chgData name="Riihimäki, Johanna" userId="S::jopariih@jyu.fi::f06ad8bf-b251-424f-a727-84aaec4fba8d" providerId="AD" clId="Web-{E2B5C3F3-6A21-5FFA-74D2-B4EF3E4B32FE}" dt="2024-04-10T05:57:45.956" v="1216"/>
+          <ac:picMkLst>
+            <pc:docMk/>
+            <pc:sldMk cId="426450475" sldId="259"/>
+            <ac:picMk id="8" creationId="{87DD2B49-E047-0A7D-2316-A4AB9881626B}"/>
+          </ac:picMkLst>
+        </pc:picChg>
+      </pc:sldChg>
+      <pc:sldChg chg="modSp mod modClrScheme chgLayout">
+        <pc:chgData name="Riihimäki, Johanna" userId="S::jopariih@jyu.fi::f06ad8bf-b251-424f-a727-84aaec4fba8d" providerId="AD" clId="Web-{E2B5C3F3-6A21-5FFA-74D2-B4EF3E4B32FE}" dt="2024-04-10T05:57:45.956" v="1216"/>
+        <pc:sldMkLst>
+          <pc:docMk/>
+          <pc:sldMk cId="827827499" sldId="260"/>
+        </pc:sldMkLst>
+        <pc:spChg chg="mod ord">
+          <ac:chgData name="Riihimäki, Johanna" userId="S::jopariih@jyu.fi::f06ad8bf-b251-424f-a727-84aaec4fba8d" providerId="AD" clId="Web-{E2B5C3F3-6A21-5FFA-74D2-B4EF3E4B32FE}" dt="2024-04-10T05:57:45.956" v="1216"/>
+          <ac:spMkLst>
+            <pc:docMk/>
+            <pc:sldMk cId="827827499" sldId="260"/>
+            <ac:spMk id="2" creationId="{F25E4AA6-F6AA-B07F-9246-03A6D22661F7}"/>
+          </ac:spMkLst>
+        </pc:spChg>
+        <pc:spChg chg="mod ord">
+          <ac:chgData name="Riihimäki, Johanna" userId="S::jopariih@jyu.fi::f06ad8bf-b251-424f-a727-84aaec4fba8d" providerId="AD" clId="Web-{E2B5C3F3-6A21-5FFA-74D2-B4EF3E4B32FE}" dt="2024-04-10T05:57:45.956" v="1216"/>
+          <ac:spMkLst>
+            <pc:docMk/>
+            <pc:sldMk cId="827827499" sldId="260"/>
+            <ac:spMk id="3" creationId="{251D08DA-1A0A-3DDF-8F26-1938022CF5CF}"/>
+          </ac:spMkLst>
+        </pc:spChg>
+      </pc:sldChg>
+      <pc:sldChg chg="addSp delSp modSp mod setBg modClrScheme delDesignElem chgLayout">
+        <pc:chgData name="Riihimäki, Johanna" userId="S::jopariih@jyu.fi::f06ad8bf-b251-424f-a727-84aaec4fba8d" providerId="AD" clId="Web-{E2B5C3F3-6A21-5FFA-74D2-B4EF3E4B32FE}" dt="2024-04-10T06:06:50.797" v="1533" actId="1076"/>
+        <pc:sldMkLst>
+          <pc:docMk/>
+          <pc:sldMk cId="3116678895" sldId="261"/>
+        </pc:sldMkLst>
+        <pc:spChg chg="mod ord">
+          <ac:chgData name="Riihimäki, Johanna" userId="S::jopariih@jyu.fi::f06ad8bf-b251-424f-a727-84aaec4fba8d" providerId="AD" clId="Web-{E2B5C3F3-6A21-5FFA-74D2-B4EF3E4B32FE}" dt="2024-04-10T06:06:40.250" v="1531" actId="1076"/>
+          <ac:spMkLst>
+            <pc:docMk/>
+            <pc:sldMk cId="3116678895" sldId="261"/>
+            <ac:spMk id="2" creationId="{871493D0-421A-731A-15F8-199F0756E2FB}"/>
+          </ac:spMkLst>
+        </pc:spChg>
+        <pc:spChg chg="mod ord">
+          <ac:chgData name="Riihimäki, Johanna" userId="S::jopariih@jyu.fi::f06ad8bf-b251-424f-a727-84aaec4fba8d" providerId="AD" clId="Web-{E2B5C3F3-6A21-5FFA-74D2-B4EF3E4B32FE}" dt="2024-04-10T06:06:47.938" v="1532" actId="1076"/>
+          <ac:spMkLst>
+            <pc:docMk/>
+            <pc:sldMk cId="3116678895" sldId="261"/>
+            <ac:spMk id="3" creationId="{09F1A851-803D-339D-199F-94C9F38D2B70}"/>
+          </ac:spMkLst>
+        </pc:spChg>
+        <pc:spChg chg="add del">
+          <ac:chgData name="Riihimäki, Johanna" userId="S::jopariih@jyu.fi::f06ad8bf-b251-424f-a727-84aaec4fba8d" providerId="AD" clId="Web-{E2B5C3F3-6A21-5FFA-74D2-B4EF3E4B32FE}" dt="2024-04-10T05:27:35.849" v="188"/>
+          <ac:spMkLst>
+            <pc:docMk/>
+            <pc:sldMk cId="3116678895" sldId="261"/>
+            <ac:spMk id="9" creationId="{743AA782-23D1-4521-8CAD-47662984AA08}"/>
+          </ac:spMkLst>
+        </pc:spChg>
+        <pc:spChg chg="add del">
+          <ac:chgData name="Riihimäki, Johanna" userId="S::jopariih@jyu.fi::f06ad8bf-b251-424f-a727-84aaec4fba8d" providerId="AD" clId="Web-{E2B5C3F3-6A21-5FFA-74D2-B4EF3E4B32FE}" dt="2024-04-10T05:27:35.849" v="188"/>
+          <ac:spMkLst>
+            <pc:docMk/>
+            <pc:sldMk cId="3116678895" sldId="261"/>
+            <ac:spMk id="11" creationId="{650D18FE-0824-4A46-B22C-A86B52E5780A}"/>
+          </ac:spMkLst>
+        </pc:spChg>
+        <pc:spChg chg="add del">
+          <ac:chgData name="Riihimäki, Johanna" userId="S::jopariih@jyu.fi::f06ad8bf-b251-424f-a727-84aaec4fba8d" providerId="AD" clId="Web-{E2B5C3F3-6A21-5FFA-74D2-B4EF3E4B32FE}" dt="2024-04-10T05:32:34.935" v="245"/>
+          <ac:spMkLst>
+            <pc:docMk/>
+            <pc:sldMk cId="3116678895" sldId="261"/>
+            <ac:spMk id="16" creationId="{0288C6B4-AFC3-407F-A595-EFFD38D4CCAF}"/>
+          </ac:spMkLst>
+        </pc:spChg>
+        <pc:spChg chg="add del">
+          <ac:chgData name="Riihimäki, Johanna" userId="S::jopariih@jyu.fi::f06ad8bf-b251-424f-a727-84aaec4fba8d" providerId="AD" clId="Web-{E2B5C3F3-6A21-5FFA-74D2-B4EF3E4B32FE}" dt="2024-04-10T05:32:34.935" v="245"/>
+          <ac:spMkLst>
+            <pc:docMk/>
+            <pc:sldMk cId="3116678895" sldId="261"/>
+            <ac:spMk id="18" creationId="{CF236821-17FE-429B-8D2C-08E13A64EA40}"/>
+          </ac:spMkLst>
+        </pc:spChg>
+        <pc:spChg chg="add del">
+          <ac:chgData name="Riihimäki, Johanna" userId="S::jopariih@jyu.fi::f06ad8bf-b251-424f-a727-84aaec4fba8d" providerId="AD" clId="Web-{E2B5C3F3-6A21-5FFA-74D2-B4EF3E4B32FE}" dt="2024-04-10T05:32:34.935" v="245"/>
+          <ac:spMkLst>
+            <pc:docMk/>
+            <pc:sldMk cId="3116678895" sldId="261"/>
+            <ac:spMk id="20" creationId="{C0BDBCD2-E081-43AB-9119-C55465E59757}"/>
+          </ac:spMkLst>
+        </pc:spChg>
+        <pc:spChg chg="add del">
+          <ac:chgData name="Riihimäki, Johanna" userId="S::jopariih@jyu.fi::f06ad8bf-b251-424f-a727-84aaec4fba8d" providerId="AD" clId="Web-{E2B5C3F3-6A21-5FFA-74D2-B4EF3E4B32FE}" dt="2024-04-10T05:32:34.935" v="245"/>
+          <ac:spMkLst>
+            <pc:docMk/>
+            <pc:sldMk cId="3116678895" sldId="261"/>
+            <ac:spMk id="22" creationId="{98E79BE4-34FE-485A-98A5-92CE8F7C4743}"/>
+          </ac:spMkLst>
+        </pc:spChg>
+        <pc:spChg chg="add del">
+          <ac:chgData name="Riihimäki, Johanna" userId="S::jopariih@jyu.fi::f06ad8bf-b251-424f-a727-84aaec4fba8d" providerId="AD" clId="Web-{E2B5C3F3-6A21-5FFA-74D2-B4EF3E4B32FE}" dt="2024-04-10T05:32:34.935" v="245"/>
+          <ac:spMkLst>
+            <pc:docMk/>
+            <pc:sldMk cId="3116678895" sldId="261"/>
+            <ac:spMk id="24" creationId="{7A5F0580-5EE9-419F-96EE-B6529EF6E7D0}"/>
+          </ac:spMkLst>
+        </pc:spChg>
+        <pc:spChg chg="add del">
+          <ac:chgData name="Riihimäki, Johanna" userId="S::jopariih@jyu.fi::f06ad8bf-b251-424f-a727-84aaec4fba8d" providerId="AD" clId="Web-{E2B5C3F3-6A21-5FFA-74D2-B4EF3E4B32FE}" dt="2024-04-10T05:32:27.106" v="238"/>
+          <ac:spMkLst>
+            <pc:docMk/>
+            <pc:sldMk cId="3116678895" sldId="261"/>
+            <ac:spMk id="29" creationId="{2C9A9DA9-7DC8-488B-A882-123947B0F3D9}"/>
+          </ac:spMkLst>
+        </pc:spChg>
+        <pc:spChg chg="add del">
+          <ac:chgData name="Riihimäki, Johanna" userId="S::jopariih@jyu.fi::f06ad8bf-b251-424f-a727-84aaec4fba8d" providerId="AD" clId="Web-{E2B5C3F3-6A21-5FFA-74D2-B4EF3E4B32FE}" dt="2024-04-10T05:32:27.106" v="238"/>
+          <ac:spMkLst>
+            <pc:docMk/>
+            <pc:sldMk cId="3116678895" sldId="261"/>
+            <ac:spMk id="31" creationId="{57F6BDD4-E066-4008-8011-6CC31AEB4556}"/>
+          </ac:spMkLst>
+        </pc:spChg>
+        <pc:spChg chg="add del">
+          <ac:chgData name="Riihimäki, Johanna" userId="S::jopariih@jyu.fi::f06ad8bf-b251-424f-a727-84aaec4fba8d" providerId="AD" clId="Web-{E2B5C3F3-6A21-5FFA-74D2-B4EF3E4B32FE}" dt="2024-04-10T05:32:27.106" v="238"/>
+          <ac:spMkLst>
+            <pc:docMk/>
+            <pc:sldMk cId="3116678895" sldId="261"/>
+            <ac:spMk id="33" creationId="{2711A8FB-68FC-45FC-B01E-38F809E2D439}"/>
+          </ac:spMkLst>
+        </pc:spChg>
+        <pc:spChg chg="add del">
+          <ac:chgData name="Riihimäki, Johanna" userId="S::jopariih@jyu.fi::f06ad8bf-b251-424f-a727-84aaec4fba8d" providerId="AD" clId="Web-{E2B5C3F3-6A21-5FFA-74D2-B4EF3E4B32FE}" dt="2024-04-10T05:32:27.106" v="238"/>
+          <ac:spMkLst>
+            <pc:docMk/>
+            <pc:sldMk cId="3116678895" sldId="261"/>
+            <ac:spMk id="35" creationId="{2A865FE3-5FC9-4049-87CF-30019C46C0F5}"/>
+          </ac:spMkLst>
+        </pc:spChg>
+        <pc:spChg chg="add del">
+          <ac:chgData name="Riihimäki, Johanna" userId="S::jopariih@jyu.fi::f06ad8bf-b251-424f-a727-84aaec4fba8d" providerId="AD" clId="Web-{E2B5C3F3-6A21-5FFA-74D2-B4EF3E4B32FE}" dt="2024-04-10T05:32:29.638" v="240"/>
+          <ac:spMkLst>
+            <pc:docMk/>
+            <pc:sldMk cId="3116678895" sldId="261"/>
+            <ac:spMk id="37" creationId="{0B9EE3F3-89B7-43C3-8651-C4C96830993D}"/>
+          </ac:spMkLst>
+        </pc:spChg>
+        <pc:spChg chg="add del">
+          <ac:chgData name="Riihimäki, Johanna" userId="S::jopariih@jyu.fi::f06ad8bf-b251-424f-a727-84aaec4fba8d" providerId="AD" clId="Web-{E2B5C3F3-6A21-5FFA-74D2-B4EF3E4B32FE}" dt="2024-04-10T05:32:29.638" v="240"/>
+          <ac:spMkLst>
+            <pc:docMk/>
+            <pc:sldMk cId="3116678895" sldId="261"/>
+            <ac:spMk id="38" creationId="{33AE4636-AEEC-45D6-84D4-7AC2DA48ECF8}"/>
+          </ac:spMkLst>
+        </pc:spChg>
+        <pc:spChg chg="add del">
+          <ac:chgData name="Riihimäki, Johanna" userId="S::jopariih@jyu.fi::f06ad8bf-b251-424f-a727-84aaec4fba8d" providerId="AD" clId="Web-{E2B5C3F3-6A21-5FFA-74D2-B4EF3E4B32FE}" dt="2024-04-10T05:32:29.638" v="240"/>
+          <ac:spMkLst>
+            <pc:docMk/>
+            <pc:sldMk cId="3116678895" sldId="261"/>
+            <ac:spMk id="39" creationId="{8D9CE0F4-2EB2-4F1F-8AAC-DB3571D9FE10}"/>
+          </ac:spMkLst>
+        </pc:spChg>
+        <pc:spChg chg="add del">
+          <ac:chgData name="Riihimäki, Johanna" userId="S::jopariih@jyu.fi::f06ad8bf-b251-424f-a727-84aaec4fba8d" providerId="AD" clId="Web-{E2B5C3F3-6A21-5FFA-74D2-B4EF3E4B32FE}" dt="2024-04-10T05:32:32.216" v="242"/>
+          <ac:spMkLst>
+            <pc:docMk/>
+            <pc:sldMk cId="3116678895" sldId="261"/>
+            <ac:spMk id="41" creationId="{A8908DB7-C3A6-4FCB-9820-CEE02B398C4A}"/>
+          </ac:spMkLst>
+        </pc:spChg>
+        <pc:spChg chg="add del">
+          <ac:chgData name="Riihimäki, Johanna" userId="S::jopariih@jyu.fi::f06ad8bf-b251-424f-a727-84aaec4fba8d" providerId="AD" clId="Web-{E2B5C3F3-6A21-5FFA-74D2-B4EF3E4B32FE}" dt="2024-04-10T05:32:32.216" v="242"/>
+          <ac:spMkLst>
+            <pc:docMk/>
+            <pc:sldMk cId="3116678895" sldId="261"/>
+            <ac:spMk id="42" creationId="{535742DD-1B16-4E9D-B715-0D74B4574A68}"/>
+          </ac:spMkLst>
+        </pc:spChg>
+        <pc:spChg chg="add del">
+          <ac:chgData name="Riihimäki, Johanna" userId="S::jopariih@jyu.fi::f06ad8bf-b251-424f-a727-84aaec4fba8d" providerId="AD" clId="Web-{E2B5C3F3-6A21-5FFA-74D2-B4EF3E4B32FE}" dt="2024-04-10T05:32:34.919" v="244"/>
+          <ac:spMkLst>
+            <pc:docMk/>
+            <pc:sldMk cId="3116678895" sldId="261"/>
+            <ac:spMk id="44" creationId="{0B9EE3F3-89B7-43C3-8651-C4C96830993D}"/>
+          </ac:spMkLst>
+        </pc:spChg>
+        <pc:spChg chg="add del">
+          <ac:chgData name="Riihimäki, Johanna" userId="S::jopariih@jyu.fi::f06ad8bf-b251-424f-a727-84aaec4fba8d" providerId="AD" clId="Web-{E2B5C3F3-6A21-5FFA-74D2-B4EF3E4B32FE}" dt="2024-04-10T05:32:34.919" v="244"/>
+          <ac:spMkLst>
+            <pc:docMk/>
+            <pc:sldMk cId="3116678895" sldId="261"/>
+            <ac:spMk id="45" creationId="{33AE4636-AEEC-45D6-84D4-7AC2DA48ECF8}"/>
+          </ac:spMkLst>
+        </pc:spChg>
+        <pc:spChg chg="add del">
+          <ac:chgData name="Riihimäki, Johanna" userId="S::jopariih@jyu.fi::f06ad8bf-b251-424f-a727-84aaec4fba8d" providerId="AD" clId="Web-{E2B5C3F3-6A21-5FFA-74D2-B4EF3E4B32FE}" dt="2024-04-10T05:32:34.919" v="244"/>
+          <ac:spMkLst>
+            <pc:docMk/>
+            <pc:sldMk cId="3116678895" sldId="261"/>
+            <ac:spMk id="46" creationId="{8D9CE0F4-2EB2-4F1F-8AAC-DB3571D9FE10}"/>
+          </ac:spMkLst>
+        </pc:spChg>
+        <pc:spChg chg="add del">
+          <ac:chgData name="Riihimäki, Johanna" userId="S::jopariih@jyu.fi::f06ad8bf-b251-424f-a727-84aaec4fba8d" providerId="AD" clId="Web-{E2B5C3F3-6A21-5FFA-74D2-B4EF3E4B32FE}" dt="2024-04-10T05:32:41.560" v="247"/>
+          <ac:spMkLst>
+            <pc:docMk/>
+            <pc:sldMk cId="3116678895" sldId="261"/>
+            <ac:spMk id="48" creationId="{0288C6B4-AFC3-407F-A595-EFFD38D4CCAF}"/>
+          </ac:spMkLst>
+        </pc:spChg>
+        <pc:spChg chg="add del">
+          <ac:chgData name="Riihimäki, Johanna" userId="S::jopariih@jyu.fi::f06ad8bf-b251-424f-a727-84aaec4fba8d" providerId="AD" clId="Web-{E2B5C3F3-6A21-5FFA-74D2-B4EF3E4B32FE}" dt="2024-04-10T05:32:41.560" v="247"/>
+          <ac:spMkLst>
+            <pc:docMk/>
+            <pc:sldMk cId="3116678895" sldId="261"/>
+            <ac:spMk id="49" creationId="{CF236821-17FE-429B-8D2C-08E13A64EA40}"/>
+          </ac:spMkLst>
+        </pc:spChg>
+        <pc:spChg chg="add del">
+          <ac:chgData name="Riihimäki, Johanna" userId="S::jopariih@jyu.fi::f06ad8bf-b251-424f-a727-84aaec4fba8d" providerId="AD" clId="Web-{E2B5C3F3-6A21-5FFA-74D2-B4EF3E4B32FE}" dt="2024-04-10T05:32:41.560" v="247"/>
+          <ac:spMkLst>
+            <pc:docMk/>
+            <pc:sldMk cId="3116678895" sldId="261"/>
+            <ac:spMk id="50" creationId="{C0BDBCD2-E081-43AB-9119-C55465E59757}"/>
+          </ac:spMkLst>
+        </pc:spChg>
+        <pc:spChg chg="add del">
+          <ac:chgData name="Riihimäki, Johanna" userId="S::jopariih@jyu.fi::f06ad8bf-b251-424f-a727-84aaec4fba8d" providerId="AD" clId="Web-{E2B5C3F3-6A21-5FFA-74D2-B4EF3E4B32FE}" dt="2024-04-10T05:32:41.560" v="247"/>
+          <ac:spMkLst>
+            <pc:docMk/>
+            <pc:sldMk cId="3116678895" sldId="261"/>
+            <ac:spMk id="51" creationId="{98E79BE4-34FE-485A-98A5-92CE8F7C4743}"/>
+          </ac:spMkLst>
+        </pc:spChg>
+        <pc:spChg chg="add del">
+          <ac:chgData name="Riihimäki, Johanna" userId="S::jopariih@jyu.fi::f06ad8bf-b251-424f-a727-84aaec4fba8d" providerId="AD" clId="Web-{E2B5C3F3-6A21-5FFA-74D2-B4EF3E4B32FE}" dt="2024-04-10T05:32:41.560" v="247"/>
+          <ac:spMkLst>
+            <pc:docMk/>
+            <pc:sldMk cId="3116678895" sldId="261"/>
+            <ac:spMk id="52" creationId="{7A5F0580-5EE9-419F-96EE-B6529EF6E7D0}"/>
+          </ac:spMkLst>
+        </pc:spChg>
+        <pc:spChg chg="add del">
+          <ac:chgData name="Riihimäki, Johanna" userId="S::jopariih@jyu.fi::f06ad8bf-b251-424f-a727-84aaec4fba8d" providerId="AD" clId="Web-{E2B5C3F3-6A21-5FFA-74D2-B4EF3E4B32FE}" dt="2024-04-10T05:32:52.951" v="249"/>
+          <ac:spMkLst>
+            <pc:docMk/>
+            <pc:sldMk cId="3116678895" sldId="261"/>
+            <ac:spMk id="57" creationId="{0B9EE3F3-89B7-43C3-8651-C4C96830993D}"/>
+          </ac:spMkLst>
+        </pc:spChg>
+        <pc:spChg chg="add del">
+          <ac:chgData name="Riihimäki, Johanna" userId="S::jopariih@jyu.fi::f06ad8bf-b251-424f-a727-84aaec4fba8d" providerId="AD" clId="Web-{E2B5C3F3-6A21-5FFA-74D2-B4EF3E4B32FE}" dt="2024-04-10T05:32:52.951" v="249"/>
+          <ac:spMkLst>
+            <pc:docMk/>
+            <pc:sldMk cId="3116678895" sldId="261"/>
+            <ac:spMk id="59" creationId="{33AE4636-AEEC-45D6-84D4-7AC2DA48ECF8}"/>
+          </ac:spMkLst>
+        </pc:spChg>
+        <pc:spChg chg="add del">
+          <ac:chgData name="Riihimäki, Johanna" userId="S::jopariih@jyu.fi::f06ad8bf-b251-424f-a727-84aaec4fba8d" providerId="AD" clId="Web-{E2B5C3F3-6A21-5FFA-74D2-B4EF3E4B32FE}" dt="2024-04-10T05:32:52.951" v="249"/>
+          <ac:spMkLst>
+            <pc:docMk/>
+            <pc:sldMk cId="3116678895" sldId="261"/>
+            <ac:spMk id="61" creationId="{8D9CE0F4-2EB2-4F1F-8AAC-DB3571D9FE10}"/>
+          </ac:spMkLst>
+        </pc:spChg>
+        <pc:spChg chg="add del">
+          <ac:chgData name="Riihimäki, Johanna" userId="S::jopariih@jyu.fi::f06ad8bf-b251-424f-a727-84aaec4fba8d" providerId="AD" clId="Web-{E2B5C3F3-6A21-5FFA-74D2-B4EF3E4B32FE}" dt="2024-04-10T05:57:45.956" v="1216"/>
+          <ac:spMkLst>
+            <pc:docMk/>
+            <pc:sldMk cId="3116678895" sldId="261"/>
+            <ac:spMk id="66" creationId="{2B97F24A-32CE-4C1C-A50D-3016B394DCFB}"/>
+          </ac:spMkLst>
+        </pc:spChg>
+        <pc:spChg chg="add del">
+          <ac:chgData name="Riihimäki, Johanna" userId="S::jopariih@jyu.fi::f06ad8bf-b251-424f-a727-84aaec4fba8d" providerId="AD" clId="Web-{E2B5C3F3-6A21-5FFA-74D2-B4EF3E4B32FE}" dt="2024-04-10T05:57:45.956" v="1216"/>
+          <ac:spMkLst>
+            <pc:docMk/>
+            <pc:sldMk cId="3116678895" sldId="261"/>
+            <ac:spMk id="68" creationId="{CD8B4F24-440B-49E9-B85D-733523DC064B}"/>
+          </ac:spMkLst>
+        </pc:spChg>
+        <pc:picChg chg="add del mod">
+          <ac:chgData name="Riihimäki, Johanna" userId="S::jopariih@jyu.fi::f06ad8bf-b251-424f-a727-84aaec4fba8d" providerId="AD" clId="Web-{E2B5C3F3-6A21-5FFA-74D2-B4EF3E4B32FE}" dt="2024-04-10T05:28:52.961" v="195"/>
+          <ac:picMkLst>
+            <pc:docMk/>
+            <pc:sldMk cId="3116678895" sldId="261"/>
+            <ac:picMk id="4" creationId="{BEE54C2E-96F2-1E79-BACA-D3C951F05D77}"/>
+          </ac:picMkLst>
+        </pc:picChg>
+        <pc:picChg chg="add del mod">
+          <ac:chgData name="Riihimäki, Johanna" userId="S::jopariih@jyu.fi::f06ad8bf-b251-424f-a727-84aaec4fba8d" providerId="AD" clId="Web-{E2B5C3F3-6A21-5FFA-74D2-B4EF3E4B32FE}" dt="2024-04-10T05:31:52.621" v="233"/>
+          <ac:picMkLst>
+            <pc:docMk/>
+            <pc:sldMk cId="3116678895" sldId="261"/>
+            <ac:picMk id="5" creationId="{FD64BB3A-BADA-594C-24C7-DBBD4FAAFC50}"/>
+          </ac:picMkLst>
+        </pc:picChg>
+        <pc:picChg chg="add mod">
+          <ac:chgData name="Riihimäki, Johanna" userId="S::jopariih@jyu.fi::f06ad8bf-b251-424f-a727-84aaec4fba8d" providerId="AD" clId="Web-{E2B5C3F3-6A21-5FFA-74D2-B4EF3E4B32FE}" dt="2024-04-10T06:06:50.797" v="1533" actId="1076"/>
+          <ac:picMkLst>
+            <pc:docMk/>
+            <pc:sldMk cId="3116678895" sldId="261"/>
+            <ac:picMk id="6" creationId="{661D9C16-B604-55CA-2B30-6F83D4590CDF}"/>
+          </ac:picMkLst>
+        </pc:picChg>
+      </pc:sldChg>
+      <pc:sldChg chg="modSp new mod ord modClrScheme chgLayout">
+        <pc:chgData name="Riihimäki, Johanna" userId="S::jopariih@jyu.fi::f06ad8bf-b251-424f-a727-84aaec4fba8d" providerId="AD" clId="Web-{E2B5C3F3-6A21-5FFA-74D2-B4EF3E4B32FE}" dt="2024-04-10T05:57:45.956" v="1216"/>
+        <pc:sldMkLst>
+          <pc:docMk/>
+          <pc:sldMk cId="3594638006" sldId="262"/>
+        </pc:sldMkLst>
+        <pc:spChg chg="mod ord">
+          <ac:chgData name="Riihimäki, Johanna" userId="S::jopariih@jyu.fi::f06ad8bf-b251-424f-a727-84aaec4fba8d" providerId="AD" clId="Web-{E2B5C3F3-6A21-5FFA-74D2-B4EF3E4B32FE}" dt="2024-04-10T05:57:45.956" v="1216"/>
+          <ac:spMkLst>
+            <pc:docMk/>
+            <pc:sldMk cId="3594638006" sldId="262"/>
+            <ac:spMk id="2" creationId="{D010584C-DBC3-0B03-1601-C693CD204DD2}"/>
+          </ac:spMkLst>
+        </pc:spChg>
+        <pc:spChg chg="mod ord">
+          <ac:chgData name="Riihimäki, Johanna" userId="S::jopariih@jyu.fi::f06ad8bf-b251-424f-a727-84aaec4fba8d" providerId="AD" clId="Web-{E2B5C3F3-6A21-5FFA-74D2-B4EF3E4B32FE}" dt="2024-04-10T05:57:45.956" v="1216"/>
+          <ac:spMkLst>
+            <pc:docMk/>
+            <pc:sldMk cId="3594638006" sldId="262"/>
+            <ac:spMk id="3" creationId="{16AEF29D-CC7E-64BE-5D33-C41370619029}"/>
+          </ac:spMkLst>
+        </pc:spChg>
+      </pc:sldChg>
+      <pc:sldChg chg="modSp new mod modClrScheme chgLayout">
+        <pc:chgData name="Riihimäki, Johanna" userId="S::jopariih@jyu.fi::f06ad8bf-b251-424f-a727-84aaec4fba8d" providerId="AD" clId="Web-{E2B5C3F3-6A21-5FFA-74D2-B4EF3E4B32FE}" dt="2024-04-10T05:57:45.956" v="1216"/>
+        <pc:sldMkLst>
+          <pc:docMk/>
+          <pc:sldMk cId="1732863363" sldId="263"/>
+        </pc:sldMkLst>
+        <pc:spChg chg="mod ord">
+          <ac:chgData name="Riihimäki, Johanna" userId="S::jopariih@jyu.fi::f06ad8bf-b251-424f-a727-84aaec4fba8d" providerId="AD" clId="Web-{E2B5C3F3-6A21-5FFA-74D2-B4EF3E4B32FE}" dt="2024-04-10T05:57:45.956" v="1216"/>
+          <ac:spMkLst>
+            <pc:docMk/>
+            <pc:sldMk cId="1732863363" sldId="263"/>
+            <ac:spMk id="2" creationId="{9D27FD30-3FE5-356F-D334-04EA15279315}"/>
+          </ac:spMkLst>
+        </pc:spChg>
+        <pc:spChg chg="mod ord">
+          <ac:chgData name="Riihimäki, Johanna" userId="S::jopariih@jyu.fi::f06ad8bf-b251-424f-a727-84aaec4fba8d" providerId="AD" clId="Web-{E2B5C3F3-6A21-5FFA-74D2-B4EF3E4B32FE}" dt="2024-04-10T05:57:45.956" v="1216"/>
+          <ac:spMkLst>
+            <pc:docMk/>
+            <pc:sldMk cId="1732863363" sldId="263"/>
+            <ac:spMk id="3" creationId="{97097577-6DDE-C60B-114D-E37EAD9C34BE}"/>
+          </ac:spMkLst>
+        </pc:spChg>
+      </pc:sldChg>
+      <pc:sldChg chg="addSp delSp modSp add mod replId modClrScheme delDesignElem chgLayout">
+        <pc:chgData name="Riihimäki, Johanna" userId="S::jopariih@jyu.fi::f06ad8bf-b251-424f-a727-84aaec4fba8d" providerId="AD" clId="Web-{E2B5C3F3-6A21-5FFA-74D2-B4EF3E4B32FE}" dt="2024-04-10T05:57:45.956" v="1216"/>
+        <pc:sldMkLst>
+          <pc:docMk/>
+          <pc:sldMk cId="830418775" sldId="264"/>
+        </pc:sldMkLst>
+        <pc:spChg chg="mod ord">
+          <ac:chgData name="Riihimäki, Johanna" userId="S::jopariih@jyu.fi::f06ad8bf-b251-424f-a727-84aaec4fba8d" providerId="AD" clId="Web-{E2B5C3F3-6A21-5FFA-74D2-B4EF3E4B32FE}" dt="2024-04-10T05:57:45.956" v="1216"/>
+          <ac:spMkLst>
+            <pc:docMk/>
+            <pc:sldMk cId="830418775" sldId="264"/>
+            <ac:spMk id="2" creationId="{871493D0-421A-731A-15F8-199F0756E2FB}"/>
+          </ac:spMkLst>
+        </pc:spChg>
+        <pc:spChg chg="mod ord">
+          <ac:chgData name="Riihimäki, Johanna" userId="S::jopariih@jyu.fi::f06ad8bf-b251-424f-a727-84aaec4fba8d" providerId="AD" clId="Web-{E2B5C3F3-6A21-5FFA-74D2-B4EF3E4B32FE}" dt="2024-04-10T05:57:45.956" v="1216"/>
+          <ac:spMkLst>
+            <pc:docMk/>
+            <pc:sldMk cId="830418775" sldId="264"/>
+            <ac:spMk id="3" creationId="{09F1A851-803D-339D-199F-94C9F38D2B70}"/>
+          </ac:spMkLst>
+        </pc:spChg>
+        <pc:spChg chg="add del">
+          <ac:chgData name="Riihimäki, Johanna" userId="S::jopariih@jyu.fi::f06ad8bf-b251-424f-a727-84aaec4fba8d" providerId="AD" clId="Web-{E2B5C3F3-6A21-5FFA-74D2-B4EF3E4B32FE}" dt="2024-04-10T05:57:45.956" v="1216"/>
+          <ac:spMkLst>
+            <pc:docMk/>
+            <pc:sldMk cId="830418775" sldId="264"/>
+            <ac:spMk id="66" creationId="{2B97F24A-32CE-4C1C-A50D-3016B394DCFB}"/>
+          </ac:spMkLst>
+        </pc:spChg>
+        <pc:spChg chg="add del">
+          <ac:chgData name="Riihimäki, Johanna" userId="S::jopariih@jyu.fi::f06ad8bf-b251-424f-a727-84aaec4fba8d" providerId="AD" clId="Web-{E2B5C3F3-6A21-5FFA-74D2-B4EF3E4B32FE}" dt="2024-04-10T05:57:45.956" v="1216"/>
+          <ac:spMkLst>
+            <pc:docMk/>
+            <pc:sldMk cId="830418775" sldId="264"/>
+            <ac:spMk id="68" creationId="{CD8B4F24-440B-49E9-B85D-733523DC064B}"/>
+          </ac:spMkLst>
+        </pc:spChg>
+        <pc:picChg chg="del">
+          <ac:chgData name="Riihimäki, Johanna" userId="S::jopariih@jyu.fi::f06ad8bf-b251-424f-a727-84aaec4fba8d" providerId="AD" clId="Web-{E2B5C3F3-6A21-5FFA-74D2-B4EF3E4B32FE}" dt="2024-04-10T05:53:59.122" v="429"/>
+          <ac:picMkLst>
+            <pc:docMk/>
+            <pc:sldMk cId="830418775" sldId="264"/>
+            <ac:picMk id="6" creationId="{661D9C16-B604-55CA-2B30-6F83D4590CDF}"/>
+          </ac:picMkLst>
+        </pc:picChg>
+      </pc:sldChg>
+      <pc:sldMasterChg chg="add del addSldLayout delSldLayout">
+        <pc:chgData name="Riihimäki, Johanna" userId="S::jopariih@jyu.fi::f06ad8bf-b251-424f-a727-84aaec4fba8d" providerId="AD" clId="Web-{E2B5C3F3-6A21-5FFA-74D2-B4EF3E4B32FE}" dt="2024-04-10T05:57:45.956" v="1216"/>
+        <pc:sldMasterMkLst>
+          <pc:docMk/>
+          <pc:sldMasterMk cId="2685460780" sldId="2147483648"/>
+        </pc:sldMasterMkLst>
+        <pc:sldLayoutChg chg="add del">
+          <pc:chgData name="Riihimäki, Johanna" userId="S::jopariih@jyu.fi::f06ad8bf-b251-424f-a727-84aaec4fba8d" providerId="AD" clId="Web-{E2B5C3F3-6A21-5FFA-74D2-B4EF3E4B32FE}" dt="2024-04-10T05:57:45.956" v="1216"/>
+          <pc:sldLayoutMkLst>
+            <pc:docMk/>
+            <pc:sldMasterMk cId="2685460780" sldId="2147483648"/>
+            <pc:sldLayoutMk cId="3939650435" sldId="2147483649"/>
+          </pc:sldLayoutMkLst>
+        </pc:sldLayoutChg>
+        <pc:sldLayoutChg chg="add del">
+          <pc:chgData name="Riihimäki, Johanna" userId="S::jopariih@jyu.fi::f06ad8bf-b251-424f-a727-84aaec4fba8d" providerId="AD" clId="Web-{E2B5C3F3-6A21-5FFA-74D2-B4EF3E4B32FE}" dt="2024-04-10T05:57:45.956" v="1216"/>
+          <pc:sldLayoutMkLst>
+            <pc:docMk/>
+            <pc:sldMasterMk cId="2685460780" sldId="2147483648"/>
+            <pc:sldLayoutMk cId="2914139155" sldId="2147483650"/>
+          </pc:sldLayoutMkLst>
+        </pc:sldLayoutChg>
+        <pc:sldLayoutChg chg="add del">
+          <pc:chgData name="Riihimäki, Johanna" userId="S::jopariih@jyu.fi::f06ad8bf-b251-424f-a727-84aaec4fba8d" providerId="AD" clId="Web-{E2B5C3F3-6A21-5FFA-74D2-B4EF3E4B32FE}" dt="2024-04-10T05:57:45.956" v="1216"/>
+          <pc:sldLayoutMkLst>
+            <pc:docMk/>
+            <pc:sldMasterMk cId="2685460780" sldId="2147483648"/>
+            <pc:sldLayoutMk cId="2984720434" sldId="2147483651"/>
+          </pc:sldLayoutMkLst>
+        </pc:sldLayoutChg>
+        <pc:sldLayoutChg chg="add del">
+          <pc:chgData name="Riihimäki, Johanna" userId="S::jopariih@jyu.fi::f06ad8bf-b251-424f-a727-84aaec4fba8d" providerId="AD" clId="Web-{E2B5C3F3-6A21-5FFA-74D2-B4EF3E4B32FE}" dt="2024-04-10T05:57:45.956" v="1216"/>
+          <pc:sldLayoutMkLst>
+            <pc:docMk/>
+            <pc:sldMasterMk cId="2685460780" sldId="2147483648"/>
+            <pc:sldLayoutMk cId="285717604" sldId="2147483652"/>
+          </pc:sldLayoutMkLst>
+        </pc:sldLayoutChg>
+        <pc:sldLayoutChg chg="add del">
+          <pc:chgData name="Riihimäki, Johanna" userId="S::jopariih@jyu.fi::f06ad8bf-b251-424f-a727-84aaec4fba8d" providerId="AD" clId="Web-{E2B5C3F3-6A21-5FFA-74D2-B4EF3E4B32FE}" dt="2024-04-10T05:57:45.956" v="1216"/>
+          <pc:sldLayoutMkLst>
+            <pc:docMk/>
+            <pc:sldMasterMk cId="2685460780" sldId="2147483648"/>
+            <pc:sldLayoutMk cId="1967997515" sldId="2147483653"/>
+          </pc:sldLayoutMkLst>
+        </pc:sldLayoutChg>
+        <pc:sldLayoutChg chg="add del">
+          <pc:chgData name="Riihimäki, Johanna" userId="S::jopariih@jyu.fi::f06ad8bf-b251-424f-a727-84aaec4fba8d" providerId="AD" clId="Web-{E2B5C3F3-6A21-5FFA-74D2-B4EF3E4B32FE}" dt="2024-04-10T05:57:45.956" v="1216"/>
+          <pc:sldLayoutMkLst>
+            <pc:docMk/>
+            <pc:sldMasterMk cId="2685460780" sldId="2147483648"/>
+            <pc:sldLayoutMk cId="3221632390" sldId="2147483654"/>
+          </pc:sldLayoutMkLst>
+        </pc:sldLayoutChg>
+        <pc:sldLayoutChg chg="add del">
+          <pc:chgData name="Riihimäki, Johanna" userId="S::jopariih@jyu.fi::f06ad8bf-b251-424f-a727-84aaec4fba8d" providerId="AD" clId="Web-{E2B5C3F3-6A21-5FFA-74D2-B4EF3E4B32FE}" dt="2024-04-10T05:57:45.956" v="1216"/>
+          <pc:sldLayoutMkLst>
+            <pc:docMk/>
+            <pc:sldMasterMk cId="2685460780" sldId="2147483648"/>
+            <pc:sldLayoutMk cId="2333974260" sldId="2147483655"/>
+          </pc:sldLayoutMkLst>
+        </pc:sldLayoutChg>
+        <pc:sldLayoutChg chg="add del">
+          <pc:chgData name="Riihimäki, Johanna" userId="S::jopariih@jyu.fi::f06ad8bf-b251-424f-a727-84aaec4fba8d" providerId="AD" clId="Web-{E2B5C3F3-6A21-5FFA-74D2-B4EF3E4B32FE}" dt="2024-04-10T05:57:45.956" v="1216"/>
+          <pc:sldLayoutMkLst>
+            <pc:docMk/>
+            <pc:sldMasterMk cId="2685460780" sldId="2147483648"/>
+            <pc:sldLayoutMk cId="3708739623" sldId="2147483656"/>
+          </pc:sldLayoutMkLst>
+        </pc:sldLayoutChg>
+        <pc:sldLayoutChg chg="add del">
+          <pc:chgData name="Riihimäki, Johanna" userId="S::jopariih@jyu.fi::f06ad8bf-b251-424f-a727-84aaec4fba8d" providerId="AD" clId="Web-{E2B5C3F3-6A21-5FFA-74D2-B4EF3E4B32FE}" dt="2024-04-10T05:57:45.956" v="1216"/>
+          <pc:sldLayoutMkLst>
+            <pc:docMk/>
+            <pc:sldMasterMk cId="2685460780" sldId="2147483648"/>
+            <pc:sldLayoutMk cId="2895062710" sldId="2147483657"/>
+          </pc:sldLayoutMkLst>
+        </pc:sldLayoutChg>
+        <pc:sldLayoutChg chg="add del">
+          <pc:chgData name="Riihimäki, Johanna" userId="S::jopariih@jyu.fi::f06ad8bf-b251-424f-a727-84aaec4fba8d" providerId="AD" clId="Web-{E2B5C3F3-6A21-5FFA-74D2-B4EF3E4B32FE}" dt="2024-04-10T05:57:45.956" v="1216"/>
+          <pc:sldLayoutMkLst>
+            <pc:docMk/>
+            <pc:sldMasterMk cId="2685460780" sldId="2147483648"/>
+            <pc:sldLayoutMk cId="1408259005" sldId="2147483658"/>
+          </pc:sldLayoutMkLst>
+        </pc:sldLayoutChg>
+        <pc:sldLayoutChg chg="add del">
+          <pc:chgData name="Riihimäki, Johanna" userId="S::jopariih@jyu.fi::f06ad8bf-b251-424f-a727-84aaec4fba8d" providerId="AD" clId="Web-{E2B5C3F3-6A21-5FFA-74D2-B4EF3E4B32FE}" dt="2024-04-10T05:57:45.956" v="1216"/>
+          <pc:sldLayoutMkLst>
+            <pc:docMk/>
+            <pc:sldMasterMk cId="2685460780" sldId="2147483648"/>
+            <pc:sldLayoutMk cId="2239792720" sldId="2147483659"/>
+          </pc:sldLayoutMkLst>
+        </pc:sldLayoutChg>
+      </pc:sldMasterChg>
+      <pc:sldMasterChg chg="add addSldLayout modSldLayout">
+        <pc:chgData name="Riihimäki, Johanna" userId="S::jopariih@jyu.fi::f06ad8bf-b251-424f-a727-84aaec4fba8d" providerId="AD" clId="Web-{E2B5C3F3-6A21-5FFA-74D2-B4EF3E4B32FE}" dt="2024-04-10T05:57:45.956" v="1216"/>
+        <pc:sldMasterMkLst>
+          <pc:docMk/>
+          <pc:sldMasterMk cId="777485583" sldId="2147483660"/>
+        </pc:sldMasterMkLst>
+        <pc:sldLayoutChg chg="add mod replId">
+          <pc:chgData name="Riihimäki, Johanna" userId="S::jopariih@jyu.fi::f06ad8bf-b251-424f-a727-84aaec4fba8d" providerId="AD" clId="Web-{E2B5C3F3-6A21-5FFA-74D2-B4EF3E4B32FE}" dt="2024-04-10T05:57:45.956" v="1216"/>
+          <pc:sldLayoutMkLst>
+            <pc:docMk/>
+            <pc:sldMasterMk cId="777485583" sldId="2147483660"/>
+            <pc:sldLayoutMk cId="4231511172" sldId="2147483661"/>
+          </pc:sldLayoutMkLst>
+        </pc:sldLayoutChg>
+        <pc:sldLayoutChg chg="add mod replId">
+          <pc:chgData name="Riihimäki, Johanna" userId="S::jopariih@jyu.fi::f06ad8bf-b251-424f-a727-84aaec4fba8d" providerId="AD" clId="Web-{E2B5C3F3-6A21-5FFA-74D2-B4EF3E4B32FE}" dt="2024-04-10T05:57:45.956" v="1216"/>
+          <pc:sldLayoutMkLst>
+            <pc:docMk/>
+            <pc:sldMasterMk cId="777485583" sldId="2147483660"/>
+            <pc:sldLayoutMk cId="3986243442" sldId="2147483662"/>
+          </pc:sldLayoutMkLst>
+        </pc:sldLayoutChg>
+        <pc:sldLayoutChg chg="add mod replId">
+          <pc:chgData name="Riihimäki, Johanna" userId="S::jopariih@jyu.fi::f06ad8bf-b251-424f-a727-84aaec4fba8d" providerId="AD" clId="Web-{E2B5C3F3-6A21-5FFA-74D2-B4EF3E4B32FE}" dt="2024-04-10T05:57:45.956" v="1216"/>
+          <pc:sldLayoutMkLst>
+            <pc:docMk/>
+            <pc:sldMasterMk cId="777485583" sldId="2147483660"/>
+            <pc:sldLayoutMk cId="2274769685" sldId="2147483663"/>
+          </pc:sldLayoutMkLst>
+        </pc:sldLayoutChg>
+        <pc:sldLayoutChg chg="add mod replId">
+          <pc:chgData name="Riihimäki, Johanna" userId="S::jopariih@jyu.fi::f06ad8bf-b251-424f-a727-84aaec4fba8d" providerId="AD" clId="Web-{E2B5C3F3-6A21-5FFA-74D2-B4EF3E4B32FE}" dt="2024-04-10T05:57:45.956" v="1216"/>
+          <pc:sldLayoutMkLst>
+            <pc:docMk/>
+            <pc:sldMasterMk cId="777485583" sldId="2147483660"/>
+            <pc:sldLayoutMk cId="2844695321" sldId="2147483664"/>
+          </pc:sldLayoutMkLst>
+        </pc:sldLayoutChg>
+        <pc:sldLayoutChg chg="add mod replId">
+          <pc:chgData name="Riihimäki, Johanna" userId="S::jopariih@jyu.fi::f06ad8bf-b251-424f-a727-84aaec4fba8d" providerId="AD" clId="Web-{E2B5C3F3-6A21-5FFA-74D2-B4EF3E4B32FE}" dt="2024-04-10T05:57:45.956" v="1216"/>
+          <pc:sldLayoutMkLst>
+            <pc:docMk/>
+            <pc:sldMasterMk cId="777485583" sldId="2147483660"/>
+            <pc:sldLayoutMk cId="3001545152" sldId="2147483665"/>
+          </pc:sldLayoutMkLst>
+        </pc:sldLayoutChg>
+        <pc:sldLayoutChg chg="add mod replId">
+          <pc:chgData name="Riihimäki, Johanna" userId="S::jopariih@jyu.fi::f06ad8bf-b251-424f-a727-84aaec4fba8d" providerId="AD" clId="Web-{E2B5C3F3-6A21-5FFA-74D2-B4EF3E4B32FE}" dt="2024-04-10T05:57:45.956" v="1216"/>
+          <pc:sldLayoutMkLst>
+            <pc:docMk/>
+            <pc:sldMasterMk cId="777485583" sldId="2147483660"/>
+            <pc:sldLayoutMk cId="1009404726" sldId="2147483666"/>
+          </pc:sldLayoutMkLst>
+        </pc:sldLayoutChg>
+        <pc:sldLayoutChg chg="add mod replId">
+          <pc:chgData name="Riihimäki, Johanna" userId="S::jopariih@jyu.fi::f06ad8bf-b251-424f-a727-84aaec4fba8d" providerId="AD" clId="Web-{E2B5C3F3-6A21-5FFA-74D2-B4EF3E4B32FE}" dt="2024-04-10T05:57:45.956" v="1216"/>
+          <pc:sldLayoutMkLst>
+            <pc:docMk/>
+            <pc:sldMasterMk cId="777485583" sldId="2147483660"/>
+            <pc:sldLayoutMk cId="869668647" sldId="2147483667"/>
+          </pc:sldLayoutMkLst>
+        </pc:sldLayoutChg>
+        <pc:sldLayoutChg chg="add mod replId">
+          <pc:chgData name="Riihimäki, Johanna" userId="S::jopariih@jyu.fi::f06ad8bf-b251-424f-a727-84aaec4fba8d" providerId="AD" clId="Web-{E2B5C3F3-6A21-5FFA-74D2-B4EF3E4B32FE}" dt="2024-04-10T05:57:45.956" v="1216"/>
+          <pc:sldLayoutMkLst>
+            <pc:docMk/>
+            <pc:sldMasterMk cId="777485583" sldId="2147483660"/>
+            <pc:sldLayoutMk cId="4156882223" sldId="2147483668"/>
+          </pc:sldLayoutMkLst>
+        </pc:sldLayoutChg>
+        <pc:sldLayoutChg chg="add mod replId">
+          <pc:chgData name="Riihimäki, Johanna" userId="S::jopariih@jyu.fi::f06ad8bf-b251-424f-a727-84aaec4fba8d" providerId="AD" clId="Web-{E2B5C3F3-6A21-5FFA-74D2-B4EF3E4B32FE}" dt="2024-04-10T05:57:45.956" v="1216"/>
+          <pc:sldLayoutMkLst>
+            <pc:docMk/>
+            <pc:sldMasterMk cId="777485583" sldId="2147483660"/>
+            <pc:sldLayoutMk cId="1908275589" sldId="2147483669"/>
+          </pc:sldLayoutMkLst>
+        </pc:sldLayoutChg>
+        <pc:sldLayoutChg chg="add mod replId">
+          <pc:chgData name="Riihimäki, Johanna" userId="S::jopariih@jyu.fi::f06ad8bf-b251-424f-a727-84aaec4fba8d" providerId="AD" clId="Web-{E2B5C3F3-6A21-5FFA-74D2-B4EF3E4B32FE}" dt="2024-04-10T05:57:45.956" v="1216"/>
+          <pc:sldLayoutMkLst>
+            <pc:docMk/>
+            <pc:sldMasterMk cId="777485583" sldId="2147483660"/>
+            <pc:sldLayoutMk cId="3621225239" sldId="2147483670"/>
+          </pc:sldLayoutMkLst>
+        </pc:sldLayoutChg>
+        <pc:sldLayoutChg chg="add mod replId">
+          <pc:chgData name="Riihimäki, Johanna" userId="S::jopariih@jyu.fi::f06ad8bf-b251-424f-a727-84aaec4fba8d" providerId="AD" clId="Web-{E2B5C3F3-6A21-5FFA-74D2-B4EF3E4B32FE}" dt="2024-04-10T05:57:45.956" v="1216"/>
+          <pc:sldLayoutMkLst>
+            <pc:docMk/>
+            <pc:sldMasterMk cId="777485583" sldId="2147483660"/>
+            <pc:sldLayoutMk cId="2667323727" sldId="2147483671"/>
+          </pc:sldLayoutMkLst>
+        </pc:sldLayoutChg>
+      </pc:sldMasterChg>
+      <pc:sldMasterChg chg="add del addSldLayout delSldLayout modSldLayout">
+        <pc:chgData name="Riihimäki, Johanna" userId="S::jopariih@jyu.fi::f06ad8bf-b251-424f-a727-84aaec4fba8d" providerId="AD" clId="Web-{E2B5C3F3-6A21-5FFA-74D2-B4EF3E4B32FE}" dt="2024-04-10T05:57:32.502" v="703"/>
+        <pc:sldMasterMkLst>
+          <pc:docMk/>
+          <pc:sldMasterMk cId="2093472072" sldId="2147483660"/>
+        </pc:sldMasterMkLst>
+        <pc:sldLayoutChg chg="add del mod replId">
+          <pc:chgData name="Riihimäki, Johanna" userId="S::jopariih@jyu.fi::f06ad8bf-b251-424f-a727-84aaec4fba8d" providerId="AD" clId="Web-{E2B5C3F3-6A21-5FFA-74D2-B4EF3E4B32FE}" dt="2024-04-10T05:57:32.502" v="703"/>
+          <pc:sldLayoutMkLst>
+            <pc:docMk/>
+            <pc:sldMasterMk cId="2093472072" sldId="2147483660"/>
+            <pc:sldLayoutMk cId="3206537318" sldId="2147483661"/>
+          </pc:sldLayoutMkLst>
+        </pc:sldLayoutChg>
+        <pc:sldLayoutChg chg="add del mod replId">
+          <pc:chgData name="Riihimäki, Johanna" userId="S::jopariih@jyu.fi::f06ad8bf-b251-424f-a727-84aaec4fba8d" providerId="AD" clId="Web-{E2B5C3F3-6A21-5FFA-74D2-B4EF3E4B32FE}" dt="2024-04-10T05:57:32.502" v="703"/>
+          <pc:sldLayoutMkLst>
+            <pc:docMk/>
+            <pc:sldMasterMk cId="2093472072" sldId="2147483660"/>
+            <pc:sldLayoutMk cId="1372092966" sldId="2147483662"/>
+          </pc:sldLayoutMkLst>
+        </pc:sldLayoutChg>
+        <pc:sldLayoutChg chg="add del mod replId">
+          <pc:chgData name="Riihimäki, Johanna" userId="S::jopariih@jyu.fi::f06ad8bf-b251-424f-a727-84aaec4fba8d" providerId="AD" clId="Web-{E2B5C3F3-6A21-5FFA-74D2-B4EF3E4B32FE}" dt="2024-04-10T05:57:32.502" v="703"/>
+          <pc:sldLayoutMkLst>
+            <pc:docMk/>
+            <pc:sldMasterMk cId="2093472072" sldId="2147483660"/>
+            <pc:sldLayoutMk cId="2901315582" sldId="2147483663"/>
+          </pc:sldLayoutMkLst>
+        </pc:sldLayoutChg>
+        <pc:sldLayoutChg chg="add del mod replId">
+          <pc:chgData name="Riihimäki, Johanna" userId="S::jopariih@jyu.fi::f06ad8bf-b251-424f-a727-84aaec4fba8d" providerId="AD" clId="Web-{E2B5C3F3-6A21-5FFA-74D2-B4EF3E4B32FE}" dt="2024-04-10T05:57:32.502" v="703"/>
+          <pc:sldLayoutMkLst>
+            <pc:docMk/>
+            <pc:sldMasterMk cId="2093472072" sldId="2147483660"/>
+            <pc:sldLayoutMk cId="1383653382" sldId="2147483664"/>
+          </pc:sldLayoutMkLst>
+        </pc:sldLayoutChg>
+        <pc:sldLayoutChg chg="add del mod replId">
+          <pc:chgData name="Riihimäki, Johanna" userId="S::jopariih@jyu.fi::f06ad8bf-b251-424f-a727-84aaec4fba8d" providerId="AD" clId="Web-{E2B5C3F3-6A21-5FFA-74D2-B4EF3E4B32FE}" dt="2024-04-10T05:57:32.502" v="703"/>
+          <pc:sldLayoutMkLst>
+            <pc:docMk/>
+            <pc:sldMasterMk cId="2093472072" sldId="2147483660"/>
+            <pc:sldLayoutMk cId="2915382397" sldId="2147483665"/>
+          </pc:sldLayoutMkLst>
+        </pc:sldLayoutChg>
+        <pc:sldLayoutChg chg="add del mod replId">
+          <pc:chgData name="Riihimäki, Johanna" userId="S::jopariih@jyu.fi::f06ad8bf-b251-424f-a727-84aaec4fba8d" providerId="AD" clId="Web-{E2B5C3F3-6A21-5FFA-74D2-B4EF3E4B32FE}" dt="2024-04-10T05:57:32.502" v="703"/>
+          <pc:sldLayoutMkLst>
+            <pc:docMk/>
+            <pc:sldMasterMk cId="2093472072" sldId="2147483660"/>
+            <pc:sldLayoutMk cId="1591528710" sldId="2147483666"/>
+          </pc:sldLayoutMkLst>
+        </pc:sldLayoutChg>
+        <pc:sldLayoutChg chg="add del mod replId">
+          <pc:chgData name="Riihimäki, Johanna" userId="S::jopariih@jyu.fi::f06ad8bf-b251-424f-a727-84aaec4fba8d" providerId="AD" clId="Web-{E2B5C3F3-6A21-5FFA-74D2-B4EF3E4B32FE}" dt="2024-04-10T05:57:32.502" v="703"/>
+          <pc:sldLayoutMkLst>
+            <pc:docMk/>
+            <pc:sldMasterMk cId="2093472072" sldId="2147483660"/>
+            <pc:sldLayoutMk cId="222235148" sldId="2147483667"/>
+          </pc:sldLayoutMkLst>
+        </pc:sldLayoutChg>
+        <pc:sldLayoutChg chg="add del mod replId">
+          <pc:chgData name="Riihimäki, Johanna" userId="S::jopariih@jyu.fi::f06ad8bf-b251-424f-a727-84aaec4fba8d" providerId="AD" clId="Web-{E2B5C3F3-6A21-5FFA-74D2-B4EF3E4B32FE}" dt="2024-04-10T05:57:32.502" v="703"/>
+          <pc:sldLayoutMkLst>
+            <pc:docMk/>
+            <pc:sldMasterMk cId="2093472072" sldId="2147483660"/>
+            <pc:sldLayoutMk cId="3909181443" sldId="2147483668"/>
+          </pc:sldLayoutMkLst>
+        </pc:sldLayoutChg>
+        <pc:sldLayoutChg chg="add del mod replId">
+          <pc:chgData name="Riihimäki, Johanna" userId="S::jopariih@jyu.fi::f06ad8bf-b251-424f-a727-84aaec4fba8d" providerId="AD" clId="Web-{E2B5C3F3-6A21-5FFA-74D2-B4EF3E4B32FE}" dt="2024-04-10T05:57:32.502" v="703"/>
+          <pc:sldLayoutMkLst>
+            <pc:docMk/>
+            <pc:sldMasterMk cId="2093472072" sldId="2147483660"/>
+            <pc:sldLayoutMk cId="867802297" sldId="2147483669"/>
+          </pc:sldLayoutMkLst>
+        </pc:sldLayoutChg>
+        <pc:sldLayoutChg chg="add del mod replId">
+          <pc:chgData name="Riihimäki, Johanna" userId="S::jopariih@jyu.fi::f06ad8bf-b251-424f-a727-84aaec4fba8d" providerId="AD" clId="Web-{E2B5C3F3-6A21-5FFA-74D2-B4EF3E4B32FE}" dt="2024-04-10T05:57:32.502" v="703"/>
+          <pc:sldLayoutMkLst>
+            <pc:docMk/>
+            <pc:sldMasterMk cId="2093472072" sldId="2147483660"/>
+            <pc:sldLayoutMk cId="229226257" sldId="2147483670"/>
+          </pc:sldLayoutMkLst>
+        </pc:sldLayoutChg>
+        <pc:sldLayoutChg chg="add del mod replId">
+          <pc:chgData name="Riihimäki, Johanna" userId="S::jopariih@jyu.fi::f06ad8bf-b251-424f-a727-84aaec4fba8d" providerId="AD" clId="Web-{E2B5C3F3-6A21-5FFA-74D2-B4EF3E4B32FE}" dt="2024-04-10T05:57:32.502" v="703"/>
+          <pc:sldLayoutMkLst>
+            <pc:docMk/>
+            <pc:sldMasterMk cId="2093472072" sldId="2147483660"/>
+            <pc:sldLayoutMk cId="2635114559" sldId="2147483671"/>
+          </pc:sldLayoutMkLst>
+        </pc:sldLayoutChg>
+      </pc:sldMasterChg>
+    </pc:docChg>
+  </pc:docChgLst>
   <pc:docChgLst>
     <pc:chgData name="Giulia Ortolani" userId="d9212689-430e-4ee3-81b3-d947e43afdd0" providerId="ADAL" clId="{D44E5873-CDAB-47DF-95E1-D784EB74AE2C}"/>
     <pc:docChg chg="custSel addSld modSld">
@@ -196,8 +1009,18 @@
 </file>
 
 <file path=ppt/slideLayouts/slideLayout1.xml><?xml version="1.0" encoding="utf-8"?>
-<p:sldLayout xmlns:a="http://schemas.openxmlformats.org/drawingml/2006/main" xmlns:r="http://schemas.openxmlformats.org/officeDocument/2006/relationships" xmlns:p="http://schemas.openxmlformats.org/presentationml/2006/main" type="title" preserve="1">
+<p:sldLayout xmlns:a="http://schemas.openxmlformats.org/drawingml/2006/main" xmlns:r="http://schemas.openxmlformats.org/officeDocument/2006/relationships" xmlns:p="http://schemas.openxmlformats.org/presentationml/2006/main" showMasterSp="0" type="title" preserve="1">
   <p:cSld name="Title Slide">
+    <p:bg>
+      <p:bgPr>
+        <a:solidFill>
+          <a:schemeClr val="bg2">
+            <a:lumMod val="75000"/>
+          </a:schemeClr>
+        </a:solidFill>
+        <a:effectLst/>
+      </p:bgPr>
+    </p:bg>
     <p:spTree>
       <p:nvGrpSpPr>
         <p:cNvPr id="1" name=""/>
@@ -214,13 +1037,7 @@
       </p:grpSpPr>
       <p:sp>
         <p:nvSpPr>
-          <p:cNvPr id="2" name="Title 1">
-            <a:extLst>
-              <a:ext uri="{FF2B5EF4-FFF2-40B4-BE49-F238E27FC236}">
-                <a16:creationId xmlns:a16="http://schemas.microsoft.com/office/drawing/2014/main" id="{6D21348C-320D-4D56-53DA-DCDA76309A3A}"/>
-              </a:ext>
-            </a:extLst>
-          </p:cNvPr>
+          <p:cNvPr id="2" name="Title 1"/>
           <p:cNvSpPr>
             <a:spLocks noGrp="1"/>
           </p:cNvSpPr>
@@ -230,35 +1047,37 @@
         </p:nvSpPr>
         <p:spPr>
           <a:xfrm>
-            <a:off x="1524000" y="1122363"/>
-            <a:ext cx="9144000" cy="2387600"/>
+            <a:off x="1261872" y="758952"/>
+            <a:ext cx="9418320" cy="4041648"/>
           </a:xfrm>
         </p:spPr>
         <p:txBody>
-          <a:bodyPr anchor="b"/>
+          <a:bodyPr anchor="b">
+            <a:normAutofit/>
+          </a:bodyPr>
           <a:lstStyle>
-            <a:lvl1pPr algn="ctr">
-              <a:defRPr sz="6000"/>
+            <a:lvl1pPr algn="l">
+              <a:lnSpc>
+                <a:spcPct val="85000"/>
+              </a:lnSpc>
+              <a:defRPr sz="7200" baseline="0">
+                <a:solidFill>
+                  <a:schemeClr val="tx1"/>
+                </a:solidFill>
+              </a:defRPr>
             </a:lvl1pPr>
           </a:lstStyle>
           <a:p>
             <a:r>
-              <a:rPr lang="en-US"/>
+              <a:rPr lang="en-US" dirty="0"/>
               <a:t>Click to edit Master title style</a:t>
             </a:r>
-            <a:endParaRPr lang="en-GB"/>
-          </a:p>
-        </p:txBody>
-      </p:sp>
-      <p:sp>
-        <p:nvSpPr>
-          <p:cNvPr id="3" name="Subtitle 2">
-            <a:extLst>
-              <a:ext uri="{FF2B5EF4-FFF2-40B4-BE49-F238E27FC236}">
-                <a16:creationId xmlns:a16="http://schemas.microsoft.com/office/drawing/2014/main" id="{33EE66A6-437B-0C0A-D4E2-D88F30543E6A}"/>
-              </a:ext>
-            </a:extLst>
-          </p:cNvPr>
+          </a:p>
+        </p:txBody>
+      </p:sp>
+      <p:sp>
+        <p:nvSpPr>
+          <p:cNvPr id="3" name="Subtitle 2"/>
           <p:cNvSpPr>
             <a:spLocks noGrp="1"/>
           </p:cNvSpPr>
@@ -268,151 +1087,209 @@
         </p:nvSpPr>
         <p:spPr>
           <a:xfrm>
-            <a:off x="1524000" y="3602038"/>
-            <a:ext cx="9144000" cy="1655762"/>
+            <a:off x="1261872" y="4800600"/>
+            <a:ext cx="9418320" cy="1691640"/>
           </a:xfrm>
         </p:spPr>
         <p:txBody>
+          <a:bodyPr>
+            <a:normAutofit/>
+          </a:bodyPr>
+          <a:lstStyle>
+            <a:lvl1pPr marL="0" indent="0" algn="l">
+              <a:buNone/>
+              <a:defRPr sz="2200" baseline="0">
+                <a:solidFill>
+                  <a:schemeClr val="tx1">
+                    <a:lumMod val="75000"/>
+                  </a:schemeClr>
+                </a:solidFill>
+              </a:defRPr>
+            </a:lvl1pPr>
+            <a:lvl2pPr marL="457200" indent="0" algn="ctr">
+              <a:buNone/>
+              <a:defRPr sz="2200"/>
+            </a:lvl2pPr>
+            <a:lvl3pPr marL="914400" indent="0" algn="ctr">
+              <a:buNone/>
+              <a:defRPr sz="2200"/>
+            </a:lvl3pPr>
+            <a:lvl4pPr marL="1371600" indent="0" algn="ctr">
+              <a:buNone/>
+              <a:defRPr sz="2000"/>
+            </a:lvl4pPr>
+            <a:lvl5pPr marL="1828800" indent="0" algn="ctr">
+              <a:buNone/>
+              <a:defRPr sz="2000"/>
+            </a:lvl5pPr>
+            <a:lvl6pPr marL="2286000" indent="0" algn="ctr">
+              <a:buNone/>
+              <a:defRPr sz="2000"/>
+            </a:lvl6pPr>
+            <a:lvl7pPr marL="2743200" indent="0" algn="ctr">
+              <a:buNone/>
+              <a:defRPr sz="2000"/>
+            </a:lvl7pPr>
+            <a:lvl8pPr marL="3200400" indent="0" algn="ctr">
+              <a:buNone/>
+              <a:defRPr sz="2000"/>
+            </a:lvl8pPr>
+            <a:lvl9pPr marL="3657600" indent="0" algn="ctr">
+              <a:buNone/>
+              <a:defRPr sz="2000"/>
+            </a:lvl9pPr>
+          </a:lstStyle>
+          <a:p>
+            <a:r>
+              <a:rPr lang="en-US" dirty="0"/>
+              <a:t>Click to edit Master subtitle style</a:t>
+            </a:r>
+          </a:p>
+        </p:txBody>
+      </p:sp>
+      <p:sp>
+        <p:nvSpPr>
+          <p:cNvPr id="4" name="Date Placeholder 3"/>
+          <p:cNvSpPr>
+            <a:spLocks noGrp="1"/>
+          </p:cNvSpPr>
+          <p:nvPr>
+            <p:ph type="dt" sz="half" idx="10"/>
+          </p:nvPr>
+        </p:nvSpPr>
+        <p:spPr/>
+        <p:txBody>
           <a:bodyPr/>
           <a:lstStyle>
-            <a:lvl1pPr marL="0" indent="0" algn="ctr">
-              <a:buNone/>
-              <a:defRPr sz="2400"/>
+            <a:lvl1pPr>
+              <a:defRPr>
+                <a:solidFill>
+                  <a:schemeClr val="tx1">
+                    <a:lumMod val="50000"/>
+                  </a:schemeClr>
+                </a:solidFill>
+              </a:defRPr>
             </a:lvl1pPr>
-            <a:lvl2pPr marL="457200" indent="0" algn="ctr">
-              <a:buNone/>
-              <a:defRPr sz="2000"/>
-            </a:lvl2pPr>
-            <a:lvl3pPr marL="914400" indent="0" algn="ctr">
-              <a:buNone/>
-              <a:defRPr sz="1800"/>
-            </a:lvl3pPr>
-            <a:lvl4pPr marL="1371600" indent="0" algn="ctr">
-              <a:buNone/>
-              <a:defRPr sz="1600"/>
-            </a:lvl4pPr>
-            <a:lvl5pPr marL="1828800" indent="0" algn="ctr">
-              <a:buNone/>
-              <a:defRPr sz="1600"/>
-            </a:lvl5pPr>
-            <a:lvl6pPr marL="2286000" indent="0" algn="ctr">
-              <a:buNone/>
-              <a:defRPr sz="1600"/>
-            </a:lvl6pPr>
-            <a:lvl7pPr marL="2743200" indent="0" algn="ctr">
-              <a:buNone/>
-              <a:defRPr sz="1600"/>
-            </a:lvl7pPr>
-            <a:lvl8pPr marL="3200400" indent="0" algn="ctr">
-              <a:buNone/>
-              <a:defRPr sz="1600"/>
-            </a:lvl8pPr>
-            <a:lvl9pPr marL="3657600" indent="0" algn="ctr">
-              <a:buNone/>
-              <a:defRPr sz="1600"/>
-            </a:lvl9pPr>
           </a:lstStyle>
           <a:p>
-            <a:r>
-              <a:rPr lang="en-US"/>
-              <a:t>Click to edit Master subtitle style</a:t>
-            </a:r>
-            <a:endParaRPr lang="en-GB"/>
-          </a:p>
-        </p:txBody>
-      </p:sp>
-      <p:sp>
-        <p:nvSpPr>
-          <p:cNvPr id="4" name="Date Placeholder 3">
-            <a:extLst>
-              <a:ext uri="{FF2B5EF4-FFF2-40B4-BE49-F238E27FC236}">
-                <a16:creationId xmlns:a16="http://schemas.microsoft.com/office/drawing/2014/main" id="{6336352A-C0D3-5BA6-F9B6-0B274FFA00D4}"/>
-              </a:ext>
-            </a:extLst>
-          </p:cNvPr>
-          <p:cNvSpPr>
-            <a:spLocks noGrp="1"/>
-          </p:cNvSpPr>
-          <p:nvPr>
-            <p:ph type="dt" sz="half" idx="10"/>
+            <a:fld id="{9E016143-E03C-4CFD-AFDC-14E5BDEA754C}" type="datetimeFigureOut">
+              <a:rPr lang="en-US" dirty="0"/>
+              <a:t>4/9/2024</a:t>
+            </a:fld>
+            <a:endParaRPr lang="en-US" dirty="0"/>
+          </a:p>
+        </p:txBody>
+      </p:sp>
+      <p:sp>
+        <p:nvSpPr>
+          <p:cNvPr id="5" name="Footer Placeholder 4"/>
+          <p:cNvSpPr>
+            <a:spLocks noGrp="1"/>
+          </p:cNvSpPr>
+          <p:nvPr>
+            <p:ph type="ftr" sz="quarter" idx="11"/>
           </p:nvPr>
         </p:nvSpPr>
         <p:spPr/>
         <p:txBody>
           <a:bodyPr/>
-          <a:lstStyle/>
-          <a:p>
-            <a:fld id="{DAF30F48-86DF-437A-92A5-AADD40346249}" type="datetimeFigureOut">
-              <a:rPr lang="en-GB" smtClean="0"/>
-              <a:t>09/04/2024</a:t>
-            </a:fld>
-            <a:endParaRPr lang="en-GB"/>
-          </a:p>
-        </p:txBody>
-      </p:sp>
-      <p:sp>
-        <p:nvSpPr>
-          <p:cNvPr id="5" name="Footer Placeholder 4">
-            <a:extLst>
-              <a:ext uri="{FF2B5EF4-FFF2-40B4-BE49-F238E27FC236}">
-                <a16:creationId xmlns:a16="http://schemas.microsoft.com/office/drawing/2014/main" id="{4902C518-5EEB-402F-C33D-3DB49ABEE33E}"/>
-              </a:ext>
-            </a:extLst>
-          </p:cNvPr>
-          <p:cNvSpPr>
-            <a:spLocks noGrp="1"/>
-          </p:cNvSpPr>
-          <p:nvPr>
-            <p:ph type="ftr" sz="quarter" idx="11"/>
+          <a:lstStyle>
+            <a:lvl1pPr>
+              <a:defRPr>
+                <a:solidFill>
+                  <a:schemeClr val="tx1">
+                    <a:lumMod val="65000"/>
+                  </a:schemeClr>
+                </a:solidFill>
+              </a:defRPr>
+            </a:lvl1pPr>
+          </a:lstStyle>
+          <a:p>
+            <a:endParaRPr lang="en-US" dirty="0"/>
+          </a:p>
+        </p:txBody>
+      </p:sp>
+      <p:sp>
+        <p:nvSpPr>
+          <p:cNvPr id="6" name="Slide Number Placeholder 5"/>
+          <p:cNvSpPr>
+            <a:spLocks noGrp="1"/>
+          </p:cNvSpPr>
+          <p:nvPr>
+            <p:ph type="sldNum" sz="quarter" idx="12"/>
           </p:nvPr>
         </p:nvSpPr>
         <p:spPr/>
         <p:txBody>
           <a:bodyPr/>
-          <a:lstStyle/>
-          <a:p>
-            <a:endParaRPr lang="en-GB"/>
-          </a:p>
-        </p:txBody>
-      </p:sp>
-      <p:sp>
-        <p:nvSpPr>
-          <p:cNvPr id="6" name="Slide Number Placeholder 5">
-            <a:extLst>
-              <a:ext uri="{FF2B5EF4-FFF2-40B4-BE49-F238E27FC236}">
-                <a16:creationId xmlns:a16="http://schemas.microsoft.com/office/drawing/2014/main" id="{823B42E8-73C9-5926-2B56-8F30AE53D09D}"/>
-              </a:ext>
-            </a:extLst>
-          </p:cNvPr>
-          <p:cNvSpPr>
-            <a:spLocks noGrp="1"/>
-          </p:cNvSpPr>
-          <p:nvPr>
-            <p:ph type="sldNum" sz="quarter" idx="12"/>
-          </p:nvPr>
-        </p:nvSpPr>
-        <p:spPr/>
-        <p:txBody>
-          <a:bodyPr/>
-          <a:lstStyle/>
-          <a:p>
-            <a:fld id="{8B005DEF-992F-4156-9C7D-B290D42ACB40}" type="slidenum">
-              <a:rPr lang="en-GB" smtClean="0"/>
+          <a:lstStyle>
+            <a:lvl1pPr>
+              <a:defRPr>
+                <a:solidFill>
+                  <a:schemeClr val="tx1">
+                    <a:lumMod val="65000"/>
+                  </a:schemeClr>
+                </a:solidFill>
+              </a:defRPr>
+            </a:lvl1pPr>
+          </a:lstStyle>
+          <a:p>
+            <a:fld id="{4FAB73BC-B049-4115-A692-8D63A059BFB8}" type="slidenum">
+              <a:rPr lang="en-US" dirty="0"/>
+              <a:pPr/>
               <a:t>‹#›</a:t>
             </a:fld>
-            <a:endParaRPr lang="en-GB"/>
-          </a:p>
-        </p:txBody>
+            <a:endParaRPr lang="en-US" dirty="0"/>
+          </a:p>
+        </p:txBody>
+      </p:sp>
+      <p:sp>
+        <p:nvSpPr>
+          <p:cNvPr id="7" name="Rectangle 6"/>
+          <p:cNvSpPr/>
+          <p:nvPr/>
+        </p:nvSpPr>
+        <p:spPr>
+          <a:xfrm>
+            <a:off x="0" y="0"/>
+            <a:ext cx="457200" cy="6858000"/>
+          </a:xfrm>
+          <a:prstGeom prst="rect">
+            <a:avLst/>
+          </a:prstGeom>
+          <a:solidFill>
+            <a:schemeClr val="accent1"/>
+          </a:solidFill>
+          <a:ln>
+            <a:noFill/>
+          </a:ln>
+        </p:spPr>
+        <p:style>
+          <a:lnRef idx="2">
+            <a:schemeClr val="accent1">
+              <a:shade val="50000"/>
+            </a:schemeClr>
+          </a:lnRef>
+          <a:fillRef idx="1">
+            <a:schemeClr val="accent1"/>
+          </a:fillRef>
+          <a:effectRef idx="0">
+            <a:schemeClr val="accent1"/>
+          </a:effectRef>
+          <a:fontRef idx="minor">
+            <a:schemeClr val="lt1"/>
+          </a:fontRef>
+        </p:style>
       </p:sp>
     </p:spTree>
     <p:extLst>
       <p:ext uri="{BB962C8B-B14F-4D97-AF65-F5344CB8AC3E}">
-        <p14:creationId xmlns:p14="http://schemas.microsoft.com/office/powerpoint/2010/main" val="3939650435"/>
+        <p14:creationId xmlns:p14="http://schemas.microsoft.com/office/powerpoint/2010/main" val="4231511172"/>
       </p:ext>
     </p:extLst>
   </p:cSld>
   <p:clrMapOvr>
-    <a:masterClrMapping/>
+    <a:overrideClrMapping bg1="dk1" tx1="lt1" bg2="dk2" tx2="lt2" accent1="accent1" accent2="accent2" accent3="accent3" accent4="accent4" accent5="accent5" accent6="accent6" hlink="hlink" folHlink="folHlink"/>
   </p:clrMapOvr>
 </p:sldLayout>
 </file>
@@ -436,13 +1313,7 @@
       </p:grpSpPr>
       <p:sp>
         <p:nvSpPr>
-          <p:cNvPr id="2" name="Title 1">
-            <a:extLst>
-              <a:ext uri="{FF2B5EF4-FFF2-40B4-BE49-F238E27FC236}">
-                <a16:creationId xmlns:a16="http://schemas.microsoft.com/office/drawing/2014/main" id="{E9A56B59-0F45-314D-E90B-04589E73B698}"/>
-              </a:ext>
-            </a:extLst>
-          </p:cNvPr>
+          <p:cNvPr id="2" name="Title 1"/>
           <p:cNvSpPr>
             <a:spLocks noGrp="1"/>
           </p:cNvSpPr>
@@ -456,22 +1327,15 @@
           <a:lstStyle/>
           <a:p>
             <a:r>
-              <a:rPr lang="en-US"/>
+              <a:rPr lang="en-US" dirty="0"/>
               <a:t>Click to edit Master title style</a:t>
             </a:r>
-            <a:endParaRPr lang="en-GB"/>
-          </a:p>
-        </p:txBody>
-      </p:sp>
-      <p:sp>
-        <p:nvSpPr>
-          <p:cNvPr id="3" name="Vertical Text Placeholder 2">
-            <a:extLst>
-              <a:ext uri="{FF2B5EF4-FFF2-40B4-BE49-F238E27FC236}">
-                <a16:creationId xmlns:a16="http://schemas.microsoft.com/office/drawing/2014/main" id="{9E6609B4-1C4F-5A8E-1F55-6A043D12E597}"/>
-              </a:ext>
-            </a:extLst>
-          </p:cNvPr>
+          </a:p>
+        </p:txBody>
+      </p:sp>
+      <p:sp>
+        <p:nvSpPr>
+          <p:cNvPr id="3" name="Vertical Text Placeholder 2"/>
           <p:cNvSpPr>
             <a:spLocks noGrp="1"/>
           </p:cNvSpPr>
@@ -486,50 +1350,43 @@
           <a:p>
             <a:pPr lvl="0"/>
             <a:r>
-              <a:rPr lang="en-US"/>
+              <a:rPr lang="en-US" dirty="0"/>
               <a:t>Click to edit Master text styles</a:t>
             </a:r>
           </a:p>
           <a:p>
             <a:pPr lvl="1"/>
             <a:r>
-              <a:rPr lang="en-US"/>
+              <a:rPr lang="en-US" dirty="0"/>
               <a:t>Second level</a:t>
             </a:r>
           </a:p>
           <a:p>
             <a:pPr lvl="2"/>
             <a:r>
-              <a:rPr lang="en-US"/>
+              <a:rPr lang="en-US" dirty="0"/>
               <a:t>Third level</a:t>
             </a:r>
           </a:p>
           <a:p>
             <a:pPr lvl="3"/>
             <a:r>
-              <a:rPr lang="en-US"/>
+              <a:rPr lang="en-US" dirty="0"/>
               <a:t>Fourth level</a:t>
             </a:r>
           </a:p>
           <a:p>
             <a:pPr lvl="4"/>
             <a:r>
-              <a:rPr lang="en-US"/>
+              <a:rPr lang="en-US" dirty="0"/>
               <a:t>Fifth level</a:t>
             </a:r>
-            <a:endParaRPr lang="en-GB"/>
-          </a:p>
-        </p:txBody>
-      </p:sp>
-      <p:sp>
-        <p:nvSpPr>
-          <p:cNvPr id="4" name="Date Placeholder 3">
-            <a:extLst>
-              <a:ext uri="{FF2B5EF4-FFF2-40B4-BE49-F238E27FC236}">
-                <a16:creationId xmlns:a16="http://schemas.microsoft.com/office/drawing/2014/main" id="{1CB6D5C8-B33E-CB40-A473-6049DAA4B345}"/>
-              </a:ext>
-            </a:extLst>
-          </p:cNvPr>
+          </a:p>
+        </p:txBody>
+      </p:sp>
+      <p:sp>
+        <p:nvSpPr>
+          <p:cNvPr id="4" name="Date Placeholder 3"/>
           <p:cNvSpPr>
             <a:spLocks noGrp="1"/>
           </p:cNvSpPr>
@@ -542,23 +1399,17 @@
           <a:bodyPr/>
           <a:lstStyle/>
           <a:p>
-            <a:fld id="{DAF30F48-86DF-437A-92A5-AADD40346249}" type="datetimeFigureOut">
-              <a:rPr lang="en-GB" smtClean="0"/>
-              <a:t>09/04/2024</a:t>
+            <a:fld id="{C033E54A-A8CA-48C1-9504-691B58049D29}" type="datetimeFigureOut">
+              <a:rPr lang="en-US" dirty="0"/>
+              <a:t>4/9/2024</a:t>
             </a:fld>
-            <a:endParaRPr lang="en-GB"/>
-          </a:p>
-        </p:txBody>
-      </p:sp>
-      <p:sp>
-        <p:nvSpPr>
-          <p:cNvPr id="5" name="Footer Placeholder 4">
-            <a:extLst>
-              <a:ext uri="{FF2B5EF4-FFF2-40B4-BE49-F238E27FC236}">
-                <a16:creationId xmlns:a16="http://schemas.microsoft.com/office/drawing/2014/main" id="{75BFD634-0E49-B7BF-FB74-DAD7D92D05CB}"/>
-              </a:ext>
-            </a:extLst>
-          </p:cNvPr>
+            <a:endParaRPr lang="en-US" dirty="0"/>
+          </a:p>
+        </p:txBody>
+      </p:sp>
+      <p:sp>
+        <p:nvSpPr>
+          <p:cNvPr id="5" name="Footer Placeholder 4"/>
           <p:cNvSpPr>
             <a:spLocks noGrp="1"/>
           </p:cNvSpPr>
@@ -571,19 +1422,13 @@
           <a:bodyPr/>
           <a:lstStyle/>
           <a:p>
-            <a:endParaRPr lang="en-GB"/>
-          </a:p>
-        </p:txBody>
-      </p:sp>
-      <p:sp>
-        <p:nvSpPr>
-          <p:cNvPr id="6" name="Slide Number Placeholder 5">
-            <a:extLst>
-              <a:ext uri="{FF2B5EF4-FFF2-40B4-BE49-F238E27FC236}">
-                <a16:creationId xmlns:a16="http://schemas.microsoft.com/office/drawing/2014/main" id="{8439B576-9D79-4AC0-B3D1-D5275FBA6475}"/>
-              </a:ext>
-            </a:extLst>
-          </p:cNvPr>
+            <a:endParaRPr lang="en-US" dirty="0"/>
+          </a:p>
+        </p:txBody>
+      </p:sp>
+      <p:sp>
+        <p:nvSpPr>
+          <p:cNvPr id="6" name="Slide Number Placeholder 5"/>
           <p:cNvSpPr>
             <a:spLocks noGrp="1"/>
           </p:cNvSpPr>
@@ -596,18 +1441,18 @@
           <a:bodyPr/>
           <a:lstStyle/>
           <a:p>
-            <a:fld id="{8B005DEF-992F-4156-9C7D-B290D42ACB40}" type="slidenum">
-              <a:rPr lang="en-GB" smtClean="0"/>
+            <a:fld id="{4FAB73BC-B049-4115-A692-8D63A059BFB8}" type="slidenum">
+              <a:rPr lang="en-US" dirty="0"/>
               <a:t>‹#›</a:t>
             </a:fld>
-            <a:endParaRPr lang="en-GB"/>
+            <a:endParaRPr lang="en-US" dirty="0"/>
           </a:p>
         </p:txBody>
       </p:sp>
     </p:spTree>
     <p:extLst>
       <p:ext uri="{BB962C8B-B14F-4D97-AF65-F5344CB8AC3E}">
-        <p14:creationId xmlns:p14="http://schemas.microsoft.com/office/powerpoint/2010/main" val="1408259005"/>
+        <p14:creationId xmlns:p14="http://schemas.microsoft.com/office/powerpoint/2010/main" val="3621225239"/>
       </p:ext>
     </p:extLst>
   </p:cSld>
@@ -636,13 +1481,7 @@
       </p:grpSpPr>
       <p:sp>
         <p:nvSpPr>
-          <p:cNvPr id="2" name="Vertical Title 1">
-            <a:extLst>
-              <a:ext uri="{FF2B5EF4-FFF2-40B4-BE49-F238E27FC236}">
-                <a16:creationId xmlns:a16="http://schemas.microsoft.com/office/drawing/2014/main" id="{6B5623B3-C34D-4200-BD79-9D12B2140177}"/>
-              </a:ext>
-            </a:extLst>
-          </p:cNvPr>
+          <p:cNvPr id="2" name="Vertical Title 1"/>
           <p:cNvSpPr>
             <a:spLocks noGrp="1"/>
           </p:cNvSpPr>
@@ -652,8 +1491,8 @@
         </p:nvSpPr>
         <p:spPr>
           <a:xfrm>
-            <a:off x="8724900" y="365125"/>
-            <a:ext cx="2628900" cy="5811838"/>
+            <a:off x="8648700" y="381000"/>
+            <a:ext cx="2476500" cy="5897562"/>
           </a:xfrm>
         </p:spPr>
         <p:txBody>
@@ -661,22 +1500,15 @@
           <a:lstStyle/>
           <a:p>
             <a:r>
-              <a:rPr lang="en-US"/>
+              <a:rPr lang="en-US" dirty="0"/>
               <a:t>Click to edit Master title style</a:t>
             </a:r>
-            <a:endParaRPr lang="en-GB"/>
-          </a:p>
-        </p:txBody>
-      </p:sp>
-      <p:sp>
-        <p:nvSpPr>
-          <p:cNvPr id="3" name="Vertical Text Placeholder 2">
-            <a:extLst>
-              <a:ext uri="{FF2B5EF4-FFF2-40B4-BE49-F238E27FC236}">
-                <a16:creationId xmlns:a16="http://schemas.microsoft.com/office/drawing/2014/main" id="{0906E719-5570-670F-C358-D63D5C0A5967}"/>
-              </a:ext>
-            </a:extLst>
-          </p:cNvPr>
+          </a:p>
+        </p:txBody>
+      </p:sp>
+      <p:sp>
+        <p:nvSpPr>
+          <p:cNvPr id="3" name="Vertical Text Placeholder 2"/>
           <p:cNvSpPr>
             <a:spLocks noGrp="1"/>
           </p:cNvSpPr>
@@ -686,8 +1518,8 @@
         </p:nvSpPr>
         <p:spPr>
           <a:xfrm>
-            <a:off x="838200" y="365125"/>
-            <a:ext cx="7734300" cy="5811838"/>
+            <a:off x="762000" y="381000"/>
+            <a:ext cx="7734300" cy="5897562"/>
           </a:xfrm>
         </p:spPr>
         <p:txBody>
@@ -696,50 +1528,43 @@
           <a:p>
             <a:pPr lvl="0"/>
             <a:r>
-              <a:rPr lang="en-US"/>
+              <a:rPr lang="en-US" dirty="0"/>
               <a:t>Click to edit Master text styles</a:t>
             </a:r>
           </a:p>
           <a:p>
             <a:pPr lvl="1"/>
             <a:r>
-              <a:rPr lang="en-US"/>
+              <a:rPr lang="en-US" dirty="0"/>
               <a:t>Second level</a:t>
             </a:r>
           </a:p>
           <a:p>
             <a:pPr lvl="2"/>
             <a:r>
-              <a:rPr lang="en-US"/>
+              <a:rPr lang="en-US" dirty="0"/>
               <a:t>Third level</a:t>
             </a:r>
           </a:p>
           <a:p>
             <a:pPr lvl="3"/>
             <a:r>
-              <a:rPr lang="en-US"/>
+              <a:rPr lang="en-US" dirty="0"/>
               <a:t>Fourth level</a:t>
             </a:r>
           </a:p>
           <a:p>
             <a:pPr lvl="4"/>
             <a:r>
-              <a:rPr lang="en-US"/>
+              <a:rPr lang="en-US" dirty="0"/>
               <a:t>Fifth level</a:t>
             </a:r>
-            <a:endParaRPr lang="en-GB"/>
-          </a:p>
-        </p:txBody>
-      </p:sp>
-      <p:sp>
-        <p:nvSpPr>
-          <p:cNvPr id="4" name="Date Placeholder 3">
-            <a:extLst>
-              <a:ext uri="{FF2B5EF4-FFF2-40B4-BE49-F238E27FC236}">
-                <a16:creationId xmlns:a16="http://schemas.microsoft.com/office/drawing/2014/main" id="{E81C1BA9-A5C8-85F9-65D7-2923FF6EC33C}"/>
-              </a:ext>
-            </a:extLst>
-          </p:cNvPr>
+          </a:p>
+        </p:txBody>
+      </p:sp>
+      <p:sp>
+        <p:nvSpPr>
+          <p:cNvPr id="4" name="Date Placeholder 3"/>
           <p:cNvSpPr>
             <a:spLocks noGrp="1"/>
           </p:cNvSpPr>
@@ -752,23 +1577,17 @@
           <a:bodyPr/>
           <a:lstStyle/>
           <a:p>
-            <a:fld id="{DAF30F48-86DF-437A-92A5-AADD40346249}" type="datetimeFigureOut">
-              <a:rPr lang="en-GB" smtClean="0"/>
-              <a:t>09/04/2024</a:t>
+            <a:fld id="{B5F6C806-BBF7-471C-9527-881CE2266695}" type="datetimeFigureOut">
+              <a:rPr lang="en-US" dirty="0"/>
+              <a:t>4/9/2024</a:t>
             </a:fld>
-            <a:endParaRPr lang="en-GB"/>
-          </a:p>
-        </p:txBody>
-      </p:sp>
-      <p:sp>
-        <p:nvSpPr>
-          <p:cNvPr id="5" name="Footer Placeholder 4">
-            <a:extLst>
-              <a:ext uri="{FF2B5EF4-FFF2-40B4-BE49-F238E27FC236}">
-                <a16:creationId xmlns:a16="http://schemas.microsoft.com/office/drawing/2014/main" id="{0E4D4C03-016E-DDEF-7184-18F08C568ED8}"/>
-              </a:ext>
-            </a:extLst>
-          </p:cNvPr>
+            <a:endParaRPr lang="en-US" dirty="0"/>
+          </a:p>
+        </p:txBody>
+      </p:sp>
+      <p:sp>
+        <p:nvSpPr>
+          <p:cNvPr id="5" name="Footer Placeholder 4"/>
           <p:cNvSpPr>
             <a:spLocks noGrp="1"/>
           </p:cNvSpPr>
@@ -781,19 +1600,13 @@
           <a:bodyPr/>
           <a:lstStyle/>
           <a:p>
-            <a:endParaRPr lang="en-GB"/>
-          </a:p>
-        </p:txBody>
-      </p:sp>
-      <p:sp>
-        <p:nvSpPr>
-          <p:cNvPr id="6" name="Slide Number Placeholder 5">
-            <a:extLst>
-              <a:ext uri="{FF2B5EF4-FFF2-40B4-BE49-F238E27FC236}">
-                <a16:creationId xmlns:a16="http://schemas.microsoft.com/office/drawing/2014/main" id="{E8502F20-9CE6-F5C3-9F8E-CA06EEE5F864}"/>
-              </a:ext>
-            </a:extLst>
-          </p:cNvPr>
+            <a:endParaRPr lang="en-US" dirty="0"/>
+          </a:p>
+        </p:txBody>
+      </p:sp>
+      <p:sp>
+        <p:nvSpPr>
+          <p:cNvPr id="6" name="Slide Number Placeholder 5"/>
           <p:cNvSpPr>
             <a:spLocks noGrp="1"/>
           </p:cNvSpPr>
@@ -806,18 +1619,18 @@
           <a:bodyPr/>
           <a:lstStyle/>
           <a:p>
-            <a:fld id="{8B005DEF-992F-4156-9C7D-B290D42ACB40}" type="slidenum">
-              <a:rPr lang="en-GB" smtClean="0"/>
+            <a:fld id="{4FAB73BC-B049-4115-A692-8D63A059BFB8}" type="slidenum">
+              <a:rPr lang="en-US" dirty="0"/>
               <a:t>‹#›</a:t>
             </a:fld>
-            <a:endParaRPr lang="en-GB"/>
+            <a:endParaRPr lang="en-US" dirty="0"/>
           </a:p>
         </p:txBody>
       </p:sp>
     </p:spTree>
     <p:extLst>
       <p:ext uri="{BB962C8B-B14F-4D97-AF65-F5344CB8AC3E}">
-        <p14:creationId xmlns:p14="http://schemas.microsoft.com/office/powerpoint/2010/main" val="2239792720"/>
+        <p14:creationId xmlns:p14="http://schemas.microsoft.com/office/powerpoint/2010/main" val="2667323727"/>
       </p:ext>
     </p:extLst>
   </p:cSld>
@@ -846,13 +1659,7 @@
       </p:grpSpPr>
       <p:sp>
         <p:nvSpPr>
-          <p:cNvPr id="2" name="Title 1">
-            <a:extLst>
-              <a:ext uri="{FF2B5EF4-FFF2-40B4-BE49-F238E27FC236}">
-                <a16:creationId xmlns:a16="http://schemas.microsoft.com/office/drawing/2014/main" id="{9F96A69D-4487-6F15-B49A-FAFC60E7560B}"/>
-              </a:ext>
-            </a:extLst>
-          </p:cNvPr>
+          <p:cNvPr id="2" name="Title 1"/>
           <p:cNvSpPr>
             <a:spLocks noGrp="1"/>
           </p:cNvSpPr>
@@ -866,22 +1673,15 @@
           <a:lstStyle/>
           <a:p>
             <a:r>
-              <a:rPr lang="en-US"/>
+              <a:rPr lang="en-US" dirty="0"/>
               <a:t>Click to edit Master title style</a:t>
             </a:r>
-            <a:endParaRPr lang="en-GB"/>
-          </a:p>
-        </p:txBody>
-      </p:sp>
-      <p:sp>
-        <p:nvSpPr>
-          <p:cNvPr id="3" name="Content Placeholder 2">
-            <a:extLst>
-              <a:ext uri="{FF2B5EF4-FFF2-40B4-BE49-F238E27FC236}">
-                <a16:creationId xmlns:a16="http://schemas.microsoft.com/office/drawing/2014/main" id="{8C5A126B-64F9-D226-C618-A7AF093E41C2}"/>
-              </a:ext>
-            </a:extLst>
-          </p:cNvPr>
+          </a:p>
+        </p:txBody>
+      </p:sp>
+      <p:sp>
+        <p:nvSpPr>
+          <p:cNvPr id="3" name="Content Placeholder 2"/>
           <p:cNvSpPr>
             <a:spLocks noGrp="1"/>
           </p:cNvSpPr>
@@ -896,50 +1696,43 @@
           <a:p>
             <a:pPr lvl="0"/>
             <a:r>
-              <a:rPr lang="en-US"/>
+              <a:rPr lang="en-US" dirty="0"/>
               <a:t>Click to edit Master text styles</a:t>
             </a:r>
           </a:p>
           <a:p>
             <a:pPr lvl="1"/>
             <a:r>
-              <a:rPr lang="en-US"/>
+              <a:rPr lang="en-US" dirty="0"/>
               <a:t>Second level</a:t>
             </a:r>
           </a:p>
           <a:p>
             <a:pPr lvl="2"/>
             <a:r>
-              <a:rPr lang="en-US"/>
+              <a:rPr lang="en-US" dirty="0"/>
               <a:t>Third level</a:t>
             </a:r>
           </a:p>
           <a:p>
             <a:pPr lvl="3"/>
             <a:r>
-              <a:rPr lang="en-US"/>
+              <a:rPr lang="en-US" dirty="0"/>
               <a:t>Fourth level</a:t>
             </a:r>
           </a:p>
           <a:p>
             <a:pPr lvl="4"/>
             <a:r>
-              <a:rPr lang="en-US"/>
+              <a:rPr lang="en-US" dirty="0"/>
               <a:t>Fifth level</a:t>
             </a:r>
-            <a:endParaRPr lang="en-GB"/>
-          </a:p>
-        </p:txBody>
-      </p:sp>
-      <p:sp>
-        <p:nvSpPr>
-          <p:cNvPr id="4" name="Date Placeholder 3">
-            <a:extLst>
-              <a:ext uri="{FF2B5EF4-FFF2-40B4-BE49-F238E27FC236}">
-                <a16:creationId xmlns:a16="http://schemas.microsoft.com/office/drawing/2014/main" id="{35FA042D-0AF8-BE68-7B3C-2C6621265273}"/>
-              </a:ext>
-            </a:extLst>
-          </p:cNvPr>
+          </a:p>
+        </p:txBody>
+      </p:sp>
+      <p:sp>
+        <p:nvSpPr>
+          <p:cNvPr id="4" name="Date Placeholder 3"/>
           <p:cNvSpPr>
             <a:spLocks noGrp="1"/>
           </p:cNvSpPr>
@@ -952,23 +1745,17 @@
           <a:bodyPr/>
           <a:lstStyle/>
           <a:p>
-            <a:fld id="{DAF30F48-86DF-437A-92A5-AADD40346249}" type="datetimeFigureOut">
-              <a:rPr lang="en-GB" smtClean="0"/>
-              <a:t>09/04/2024</a:t>
+            <a:fld id="{78C94063-DF36-4330-A365-08DA1FA5B7D6}" type="datetimeFigureOut">
+              <a:rPr lang="en-US" dirty="0"/>
+              <a:t>4/9/2024</a:t>
             </a:fld>
-            <a:endParaRPr lang="en-GB"/>
-          </a:p>
-        </p:txBody>
-      </p:sp>
-      <p:sp>
-        <p:nvSpPr>
-          <p:cNvPr id="5" name="Footer Placeholder 4">
-            <a:extLst>
-              <a:ext uri="{FF2B5EF4-FFF2-40B4-BE49-F238E27FC236}">
-                <a16:creationId xmlns:a16="http://schemas.microsoft.com/office/drawing/2014/main" id="{526CA8FC-86C8-0E10-3B3B-5BC5817B333C}"/>
-              </a:ext>
-            </a:extLst>
-          </p:cNvPr>
+            <a:endParaRPr lang="en-US" dirty="0"/>
+          </a:p>
+        </p:txBody>
+      </p:sp>
+      <p:sp>
+        <p:nvSpPr>
+          <p:cNvPr id="5" name="Footer Placeholder 4"/>
           <p:cNvSpPr>
             <a:spLocks noGrp="1"/>
           </p:cNvSpPr>
@@ -981,19 +1768,13 @@
           <a:bodyPr/>
           <a:lstStyle/>
           <a:p>
-            <a:endParaRPr lang="en-GB"/>
-          </a:p>
-        </p:txBody>
-      </p:sp>
-      <p:sp>
-        <p:nvSpPr>
-          <p:cNvPr id="6" name="Slide Number Placeholder 5">
-            <a:extLst>
-              <a:ext uri="{FF2B5EF4-FFF2-40B4-BE49-F238E27FC236}">
-                <a16:creationId xmlns:a16="http://schemas.microsoft.com/office/drawing/2014/main" id="{738B185E-276B-33E3-1A8B-D24BD710DF73}"/>
-              </a:ext>
-            </a:extLst>
-          </p:cNvPr>
+            <a:endParaRPr lang="en-US" dirty="0"/>
+          </a:p>
+        </p:txBody>
+      </p:sp>
+      <p:sp>
+        <p:nvSpPr>
+          <p:cNvPr id="6" name="Slide Number Placeholder 5"/>
           <p:cNvSpPr>
             <a:spLocks noGrp="1"/>
           </p:cNvSpPr>
@@ -1006,18 +1787,18 @@
           <a:bodyPr/>
           <a:lstStyle/>
           <a:p>
-            <a:fld id="{8B005DEF-992F-4156-9C7D-B290D42ACB40}" type="slidenum">
-              <a:rPr lang="en-GB" smtClean="0"/>
+            <a:fld id="{4FAB73BC-B049-4115-A692-8D63A059BFB8}" type="slidenum">
+              <a:rPr lang="en-US" dirty="0"/>
               <a:t>‹#›</a:t>
             </a:fld>
-            <a:endParaRPr lang="en-GB"/>
+            <a:endParaRPr lang="en-US" dirty="0"/>
           </a:p>
         </p:txBody>
       </p:sp>
     </p:spTree>
     <p:extLst>
       <p:ext uri="{BB962C8B-B14F-4D97-AF65-F5344CB8AC3E}">
-        <p14:creationId xmlns:p14="http://schemas.microsoft.com/office/powerpoint/2010/main" val="2914139155"/>
+        <p14:creationId xmlns:p14="http://schemas.microsoft.com/office/powerpoint/2010/main" val="3986243442"/>
       </p:ext>
     </p:extLst>
   </p:cSld>
@@ -1046,13 +1827,7 @@
       </p:grpSpPr>
       <p:sp>
         <p:nvSpPr>
-          <p:cNvPr id="2" name="Title 1">
-            <a:extLst>
-              <a:ext uri="{FF2B5EF4-FFF2-40B4-BE49-F238E27FC236}">
-                <a16:creationId xmlns:a16="http://schemas.microsoft.com/office/drawing/2014/main" id="{150CEA7F-2F50-B455-975F-95190BEA8E19}"/>
-              </a:ext>
-            </a:extLst>
-          </p:cNvPr>
+          <p:cNvPr id="2" name="Title 1"/>
           <p:cNvSpPr>
             <a:spLocks noGrp="1"/>
           </p:cNvSpPr>
@@ -1062,35 +1837,33 @@
         </p:nvSpPr>
         <p:spPr>
           <a:xfrm>
-            <a:off x="831850" y="1709738"/>
-            <a:ext cx="10515600" cy="2852737"/>
+            <a:off x="1261872" y="758952"/>
+            <a:ext cx="9418320" cy="4041648"/>
           </a:xfrm>
         </p:spPr>
         <p:txBody>
-          <a:bodyPr anchor="b"/>
+          <a:bodyPr anchor="b">
+            <a:normAutofit/>
+          </a:bodyPr>
           <a:lstStyle>
             <a:lvl1pPr>
-              <a:defRPr sz="6000"/>
+              <a:lnSpc>
+                <a:spcPct val="85000"/>
+              </a:lnSpc>
+              <a:defRPr sz="7200" b="0"/>
             </a:lvl1pPr>
           </a:lstStyle>
           <a:p>
             <a:r>
-              <a:rPr lang="en-US"/>
+              <a:rPr lang="en-US" dirty="0"/>
               <a:t>Click to edit Master title style</a:t>
             </a:r>
-            <a:endParaRPr lang="en-GB"/>
-          </a:p>
-        </p:txBody>
-      </p:sp>
-      <p:sp>
-        <p:nvSpPr>
-          <p:cNvPr id="3" name="Text Placeholder 2">
-            <a:extLst>
-              <a:ext uri="{FF2B5EF4-FFF2-40B4-BE49-F238E27FC236}">
-                <a16:creationId xmlns:a16="http://schemas.microsoft.com/office/drawing/2014/main" id="{762C4D6D-7E2D-4A23-70B5-CEB812F1DDED}"/>
-              </a:ext>
-            </a:extLst>
-          </p:cNvPr>
+          </a:p>
+        </p:txBody>
+      </p:sp>
+      <p:sp>
+        <p:nvSpPr>
+          <p:cNvPr id="3" name="Text Placeholder 2"/>
           <p:cNvSpPr>
             <a:spLocks noGrp="1"/>
           </p:cNvSpPr>
@@ -1100,99 +1873,102 @@
         </p:nvSpPr>
         <p:spPr>
           <a:xfrm>
-            <a:off x="831850" y="4589463"/>
-            <a:ext cx="10515600" cy="1500187"/>
+            <a:off x="1261872" y="4800600"/>
+            <a:ext cx="9418320" cy="1691640"/>
           </a:xfrm>
         </p:spPr>
         <p:txBody>
-          <a:bodyPr/>
+          <a:bodyPr anchor="t">
+            <a:normAutofit/>
+          </a:bodyPr>
           <a:lstStyle>
             <a:lvl1pPr marL="0" indent="0">
               <a:buNone/>
-              <a:defRPr sz="2400">
+              <a:defRPr sz="2200">
                 <a:solidFill>
                   <a:schemeClr val="tx1">
-                    <a:tint val="82000"/>
+                    <a:lumMod val="65000"/>
+                    <a:lumOff val="35000"/>
                   </a:schemeClr>
                 </a:solidFill>
               </a:defRPr>
             </a:lvl1pPr>
             <a:lvl2pPr marL="457200" indent="0">
               <a:buNone/>
-              <a:defRPr sz="2000">
+              <a:defRPr sz="1800">
                 <a:solidFill>
                   <a:schemeClr val="tx1">
-                    <a:tint val="82000"/>
+                    <a:tint val="75000"/>
                   </a:schemeClr>
                 </a:solidFill>
               </a:defRPr>
             </a:lvl2pPr>
             <a:lvl3pPr marL="914400" indent="0">
               <a:buNone/>
-              <a:defRPr sz="1800">
+              <a:defRPr sz="1600">
                 <a:solidFill>
                   <a:schemeClr val="tx1">
-                    <a:tint val="82000"/>
+                    <a:tint val="75000"/>
                   </a:schemeClr>
                 </a:solidFill>
               </a:defRPr>
             </a:lvl3pPr>
             <a:lvl4pPr marL="1371600" indent="0">
               <a:buNone/>
-              <a:defRPr sz="1600">
+              <a:defRPr sz="1400">
                 <a:solidFill>
                   <a:schemeClr val="tx1">
-                    <a:tint val="82000"/>
+                    <a:tint val="75000"/>
                   </a:schemeClr>
                 </a:solidFill>
               </a:defRPr>
             </a:lvl4pPr>
             <a:lvl5pPr marL="1828800" indent="0">
               <a:buNone/>
-              <a:defRPr sz="1600">
+              <a:defRPr sz="1400">
                 <a:solidFill>
                   <a:schemeClr val="tx1">
-                    <a:tint val="82000"/>
+                    <a:tint val="75000"/>
                   </a:schemeClr>
                 </a:solidFill>
               </a:defRPr>
             </a:lvl5pPr>
             <a:lvl6pPr marL="2286000" indent="0">
               <a:buNone/>
-              <a:defRPr sz="1600">
+              <a:defRPr sz="1400">
                 <a:solidFill>
                   <a:schemeClr val="tx1">
-                    <a:tint val="82000"/>
+                    <a:tint val="75000"/>
                   </a:schemeClr>
                 </a:solidFill>
               </a:defRPr>
             </a:lvl6pPr>
             <a:lvl7pPr marL="2743200" indent="0">
               <a:buNone/>
-              <a:defRPr sz="1600">
+              <a:defRPr sz="1400">
                 <a:solidFill>
                   <a:schemeClr val="tx1">
-                    <a:tint val="82000"/>
+                    <a:tint val="75000"/>
                   </a:schemeClr>
                 </a:solidFill>
               </a:defRPr>
             </a:lvl7pPr>
             <a:lvl8pPr marL="3200400" indent="0">
               <a:buNone/>
-              <a:defRPr sz="1600">
+              <a:defRPr sz="1400">
                 <a:solidFill>
                   <a:schemeClr val="tx1">
-                    <a:tint val="82000"/>
+                    <a:tint val="75000"/>
                   </a:schemeClr>
                 </a:solidFill>
               </a:defRPr>
             </a:lvl8pPr>
             <a:lvl9pPr marL="3657600" indent="0">
               <a:buNone/>
-              <a:defRPr sz="1600">
+              <a:defRPr sz="1400">
                 <a:solidFill>
                   <a:schemeClr val="tx1">
-                    <a:tint val="82000"/>
+                    <a:tint val="75000"/>
                   </a:schemeClr>
                 </a:solidFill>
               </a:defRPr>
@@ -1201,7 +1977,7 @@
           <a:p>
             <a:pPr lvl="0"/>
             <a:r>
-              <a:rPr lang="en-US"/>
+              <a:rPr lang="en-US" dirty="0"/>
               <a:t>Click to edit Master text styles</a:t>
             </a:r>
           </a:p>
@@ -1209,13 +1985,7 @@
       </p:sp>
       <p:sp>
         <p:nvSpPr>
-          <p:cNvPr id="4" name="Date Placeholder 3">
-            <a:extLst>
-              <a:ext uri="{FF2B5EF4-FFF2-40B4-BE49-F238E27FC236}">
-                <a16:creationId xmlns:a16="http://schemas.microsoft.com/office/drawing/2014/main" id="{3D5E9528-382F-7125-59FA-764E2F49C77B}"/>
-              </a:ext>
-            </a:extLst>
-          </p:cNvPr>
+          <p:cNvPr id="4" name="Date Placeholder 3"/>
           <p:cNvSpPr>
             <a:spLocks noGrp="1"/>
           </p:cNvSpPr>
@@ -1228,23 +1998,17 @@
           <a:bodyPr/>
           <a:lstStyle/>
           <a:p>
-            <a:fld id="{DAF30F48-86DF-437A-92A5-AADD40346249}" type="datetimeFigureOut">
-              <a:rPr lang="en-GB" smtClean="0"/>
-              <a:t>09/04/2024</a:t>
+            <a:fld id="{908A7C6C-0F39-4D70-8E8D-FE5B9C95FA73}" type="datetimeFigureOut">
+              <a:rPr lang="en-US" dirty="0"/>
+              <a:t>4/9/2024</a:t>
             </a:fld>
-            <a:endParaRPr lang="en-GB"/>
-          </a:p>
-        </p:txBody>
-      </p:sp>
-      <p:sp>
-        <p:nvSpPr>
-          <p:cNvPr id="5" name="Footer Placeholder 4">
-            <a:extLst>
-              <a:ext uri="{FF2B5EF4-FFF2-40B4-BE49-F238E27FC236}">
-                <a16:creationId xmlns:a16="http://schemas.microsoft.com/office/drawing/2014/main" id="{0E2B5BE9-64C1-079A-4144-79BF4EB6D673}"/>
-              </a:ext>
-            </a:extLst>
-          </p:cNvPr>
+            <a:endParaRPr lang="en-US" dirty="0"/>
+          </a:p>
+        </p:txBody>
+      </p:sp>
+      <p:sp>
+        <p:nvSpPr>
+          <p:cNvPr id="5" name="Footer Placeholder 4"/>
           <p:cNvSpPr>
             <a:spLocks noGrp="1"/>
           </p:cNvSpPr>
@@ -1257,19 +2021,13 @@
           <a:bodyPr/>
           <a:lstStyle/>
           <a:p>
-            <a:endParaRPr lang="en-GB"/>
-          </a:p>
-        </p:txBody>
-      </p:sp>
-      <p:sp>
-        <p:nvSpPr>
-          <p:cNvPr id="6" name="Slide Number Placeholder 5">
-            <a:extLst>
-              <a:ext uri="{FF2B5EF4-FFF2-40B4-BE49-F238E27FC236}">
-                <a16:creationId xmlns:a16="http://schemas.microsoft.com/office/drawing/2014/main" id="{973CB566-2D7F-B00B-B7D6-6B411986BE35}"/>
-              </a:ext>
-            </a:extLst>
-          </p:cNvPr>
+            <a:endParaRPr lang="en-US" dirty="0"/>
+          </a:p>
+        </p:txBody>
+      </p:sp>
+      <p:sp>
+        <p:nvSpPr>
+          <p:cNvPr id="6" name="Slide Number Placeholder 5"/>
           <p:cNvSpPr>
             <a:spLocks noGrp="1"/>
           </p:cNvSpPr>
@@ -1282,18 +2040,56 @@
           <a:bodyPr/>
           <a:lstStyle/>
           <a:p>
-            <a:fld id="{8B005DEF-992F-4156-9C7D-B290D42ACB40}" type="slidenum">
-              <a:rPr lang="en-GB" smtClean="0"/>
+            <a:fld id="{4FAB73BC-B049-4115-A692-8D63A059BFB8}" type="slidenum">
+              <a:rPr lang="en-US" dirty="0"/>
               <a:t>‹#›</a:t>
             </a:fld>
-            <a:endParaRPr lang="en-GB"/>
-          </a:p>
-        </p:txBody>
+            <a:endParaRPr lang="en-US" dirty="0"/>
+          </a:p>
+        </p:txBody>
+      </p:sp>
+      <p:sp>
+        <p:nvSpPr>
+          <p:cNvPr id="7" name="Rectangle 6"/>
+          <p:cNvSpPr/>
+          <p:nvPr/>
+        </p:nvSpPr>
+        <p:spPr>
+          <a:xfrm>
+            <a:off x="0" y="0"/>
+            <a:ext cx="457200" cy="6858000"/>
+          </a:xfrm>
+          <a:prstGeom prst="rect">
+            <a:avLst/>
+          </a:prstGeom>
+          <a:solidFill>
+            <a:schemeClr val="accent1"/>
+          </a:solidFill>
+          <a:ln>
+            <a:noFill/>
+          </a:ln>
+        </p:spPr>
+        <p:style>
+          <a:lnRef idx="2">
+            <a:schemeClr val="accent1">
+              <a:shade val="50000"/>
+            </a:schemeClr>
+          </a:lnRef>
+          <a:fillRef idx="1">
+            <a:schemeClr val="accent1"/>
+          </a:fillRef>
+          <a:effectRef idx="0">
+            <a:schemeClr val="accent1"/>
+          </a:effectRef>
+          <a:fontRef idx="minor">
+            <a:schemeClr val="lt1"/>
+          </a:fontRef>
+        </p:style>
       </p:sp>
     </p:spTree>
     <p:extLst>
       <p:ext uri="{BB962C8B-B14F-4D97-AF65-F5344CB8AC3E}">
-        <p14:creationId xmlns:p14="http://schemas.microsoft.com/office/powerpoint/2010/main" val="2984720434"/>
+        <p14:creationId xmlns:p14="http://schemas.microsoft.com/office/powerpoint/2010/main" val="2274769685"/>
       </p:ext>
     </p:extLst>
   </p:cSld>
@@ -1322,13 +2118,7 @@
       </p:grpSpPr>
       <p:sp>
         <p:nvSpPr>
-          <p:cNvPr id="2" name="Title 1">
-            <a:extLst>
-              <a:ext uri="{FF2B5EF4-FFF2-40B4-BE49-F238E27FC236}">
-                <a16:creationId xmlns:a16="http://schemas.microsoft.com/office/drawing/2014/main" id="{04CB9E60-402B-4F91-E349-34EC358BB962}"/>
-              </a:ext>
-            </a:extLst>
-          </p:cNvPr>
+          <p:cNvPr id="2" name="Title 1"/>
           <p:cNvSpPr>
             <a:spLocks noGrp="1"/>
           </p:cNvSpPr>
@@ -1342,22 +2132,15 @@
           <a:lstStyle/>
           <a:p>
             <a:r>
-              <a:rPr lang="en-US"/>
+              <a:rPr lang="en-US" dirty="0"/>
               <a:t>Click to edit Master title style</a:t>
             </a:r>
-            <a:endParaRPr lang="en-GB"/>
-          </a:p>
-        </p:txBody>
-      </p:sp>
-      <p:sp>
-        <p:nvSpPr>
-          <p:cNvPr id="3" name="Content Placeholder 2">
-            <a:extLst>
-              <a:ext uri="{FF2B5EF4-FFF2-40B4-BE49-F238E27FC236}">
-                <a16:creationId xmlns:a16="http://schemas.microsoft.com/office/drawing/2014/main" id="{C8118A70-F4A6-C30A-7CAB-EC8F4A7D464A}"/>
-              </a:ext>
-            </a:extLst>
-          </p:cNvPr>
+          </a:p>
+        </p:txBody>
+      </p:sp>
+      <p:sp>
+        <p:nvSpPr>
+          <p:cNvPr id="3" name="Content Placeholder 2"/>
           <p:cNvSpPr>
             <a:spLocks noGrp="1"/>
           </p:cNvSpPr>
@@ -1367,60 +2150,81 @@
         </p:nvSpPr>
         <p:spPr>
           <a:xfrm>
-            <a:off x="838200" y="1825625"/>
-            <a:ext cx="5181600" cy="4351338"/>
+            <a:off x="1261872" y="1828800"/>
+            <a:ext cx="4480560" cy="4351337"/>
           </a:xfrm>
         </p:spPr>
         <p:txBody>
           <a:bodyPr/>
-          <a:lstStyle/>
+          <a:lstStyle>
+            <a:lvl1pPr>
+              <a:defRPr sz="1800"/>
+            </a:lvl1pPr>
+            <a:lvl2pPr>
+              <a:defRPr sz="1600"/>
+            </a:lvl2pPr>
+            <a:lvl3pPr>
+              <a:defRPr sz="1400"/>
+            </a:lvl3pPr>
+            <a:lvl4pPr>
+              <a:defRPr sz="1400"/>
+            </a:lvl4pPr>
+            <a:lvl5pPr>
+              <a:defRPr sz="1400"/>
+            </a:lvl5pPr>
+            <a:lvl6pPr>
+              <a:defRPr sz="1400"/>
+            </a:lvl6pPr>
+            <a:lvl7pPr>
+              <a:defRPr sz="1400"/>
+            </a:lvl7pPr>
+            <a:lvl8pPr>
+              <a:defRPr sz="1400"/>
+            </a:lvl8pPr>
+            <a:lvl9pPr>
+              <a:defRPr sz="1400"/>
+            </a:lvl9pPr>
+          </a:lstStyle>
           <a:p>
             <a:pPr lvl="0"/>
             <a:r>
-              <a:rPr lang="en-US"/>
+              <a:rPr lang="en-US" dirty="0"/>
               <a:t>Click to edit Master text styles</a:t>
             </a:r>
           </a:p>
           <a:p>
             <a:pPr lvl="1"/>
             <a:r>
-              <a:rPr lang="en-US"/>
+              <a:rPr lang="en-US" dirty="0"/>
               <a:t>Second level</a:t>
             </a:r>
           </a:p>
           <a:p>
             <a:pPr lvl="2"/>
             <a:r>
-              <a:rPr lang="en-US"/>
+              <a:rPr lang="en-US" dirty="0"/>
               <a:t>Third level</a:t>
             </a:r>
           </a:p>
           <a:p>
             <a:pPr lvl="3"/>
             <a:r>
-              <a:rPr lang="en-US"/>
+              <a:rPr lang="en-US" dirty="0"/>
               <a:t>Fourth level</a:t>
             </a:r>
           </a:p>
           <a:p>
             <a:pPr lvl="4"/>
             <a:r>
-              <a:rPr lang="en-US"/>
+              <a:rPr lang="en-US" dirty="0"/>
               <a:t>Fifth level</a:t>
             </a:r>
-            <a:endParaRPr lang="en-GB"/>
-          </a:p>
-        </p:txBody>
-      </p:sp>
-      <p:sp>
-        <p:nvSpPr>
-          <p:cNvPr id="4" name="Content Placeholder 3">
-            <a:extLst>
-              <a:ext uri="{FF2B5EF4-FFF2-40B4-BE49-F238E27FC236}">
-                <a16:creationId xmlns:a16="http://schemas.microsoft.com/office/drawing/2014/main" id="{A47E6CF3-8EE4-7A73-F07C-52A7234D74DC}"/>
-              </a:ext>
-            </a:extLst>
-          </p:cNvPr>
+          </a:p>
+        </p:txBody>
+      </p:sp>
+      <p:sp>
+        <p:nvSpPr>
+          <p:cNvPr id="4" name="Content Placeholder 3"/>
           <p:cNvSpPr>
             <a:spLocks noGrp="1"/>
           </p:cNvSpPr>
@@ -1430,60 +2234,81 @@
         </p:nvSpPr>
         <p:spPr>
           <a:xfrm>
-            <a:off x="6172200" y="1825625"/>
-            <a:ext cx="5181600" cy="4351338"/>
+            <a:off x="6126480" y="1828800"/>
+            <a:ext cx="4480560" cy="4351337"/>
           </a:xfrm>
         </p:spPr>
         <p:txBody>
           <a:bodyPr/>
-          <a:lstStyle/>
+          <a:lstStyle>
+            <a:lvl1pPr>
+              <a:defRPr sz="1800"/>
+            </a:lvl1pPr>
+            <a:lvl2pPr>
+              <a:defRPr sz="1600"/>
+            </a:lvl2pPr>
+            <a:lvl3pPr>
+              <a:defRPr sz="1400"/>
+            </a:lvl3pPr>
+            <a:lvl4pPr>
+              <a:defRPr sz="1400"/>
+            </a:lvl4pPr>
+            <a:lvl5pPr>
+              <a:defRPr sz="1400"/>
+            </a:lvl5pPr>
+            <a:lvl6pPr>
+              <a:defRPr sz="1400"/>
+            </a:lvl6pPr>
+            <a:lvl7pPr>
+              <a:defRPr sz="1400"/>
+            </a:lvl7pPr>
+            <a:lvl8pPr>
+              <a:defRPr sz="1400"/>
+            </a:lvl8pPr>
+            <a:lvl9pPr>
+              <a:defRPr sz="1400"/>
+            </a:lvl9pPr>
+          </a:lstStyle>
           <a:p>
             <a:pPr lvl="0"/>
             <a:r>
-              <a:rPr lang="en-US"/>
+              <a:rPr lang="en-US" dirty="0"/>
               <a:t>Click to edit Master text styles</a:t>
             </a:r>
           </a:p>
           <a:p>
             <a:pPr lvl="1"/>
             <a:r>
-              <a:rPr lang="en-US"/>
+              <a:rPr lang="en-US" dirty="0"/>
               <a:t>Second level</a:t>
             </a:r>
           </a:p>
           <a:p>
             <a:pPr lvl="2"/>
             <a:r>
-              <a:rPr lang="en-US"/>
+              <a:rPr lang="en-US" dirty="0"/>
               <a:t>Third level</a:t>
             </a:r>
           </a:p>
           <a:p>
             <a:pPr lvl="3"/>
             <a:r>
-              <a:rPr lang="en-US"/>
+              <a:rPr lang="en-US" dirty="0"/>
               <a:t>Fourth level</a:t>
             </a:r>
           </a:p>
           <a:p>
             <a:pPr lvl="4"/>
             <a:r>
-              <a:rPr lang="en-US"/>
+              <a:rPr lang="en-US" dirty="0"/>
               <a:t>Fifth level</a:t>
             </a:r>
-            <a:endParaRPr lang="en-GB"/>
-          </a:p>
-        </p:txBody>
-      </p:sp>
-      <p:sp>
-        <p:nvSpPr>
-          <p:cNvPr id="5" name="Date Placeholder 4">
-            <a:extLst>
-              <a:ext uri="{FF2B5EF4-FFF2-40B4-BE49-F238E27FC236}">
-                <a16:creationId xmlns:a16="http://schemas.microsoft.com/office/drawing/2014/main" id="{8AB93B10-D912-301A-E60E-2557F6129D47}"/>
-              </a:ext>
-            </a:extLst>
-          </p:cNvPr>
+          </a:p>
+        </p:txBody>
+      </p:sp>
+      <p:sp>
+        <p:nvSpPr>
+          <p:cNvPr id="5" name="Date Placeholder 4"/>
           <p:cNvSpPr>
             <a:spLocks noGrp="1"/>
           </p:cNvSpPr>
@@ -1496,23 +2321,17 @@
           <a:bodyPr/>
           <a:lstStyle/>
           <a:p>
-            <a:fld id="{DAF30F48-86DF-437A-92A5-AADD40346249}" type="datetimeFigureOut">
-              <a:rPr lang="en-GB" smtClean="0"/>
-              <a:t>09/04/2024</a:t>
+            <a:fld id="{DFCFA4AC-08CC-42CE-BD01-C191750A04EC}" type="datetimeFigureOut">
+              <a:rPr lang="en-US" dirty="0"/>
+              <a:t>4/9/2024</a:t>
             </a:fld>
-            <a:endParaRPr lang="en-GB"/>
-          </a:p>
-        </p:txBody>
-      </p:sp>
-      <p:sp>
-        <p:nvSpPr>
-          <p:cNvPr id="6" name="Footer Placeholder 5">
-            <a:extLst>
-              <a:ext uri="{FF2B5EF4-FFF2-40B4-BE49-F238E27FC236}">
-                <a16:creationId xmlns:a16="http://schemas.microsoft.com/office/drawing/2014/main" id="{824FDFB4-FA52-A989-0003-D9CC8FCC753D}"/>
-              </a:ext>
-            </a:extLst>
-          </p:cNvPr>
+            <a:endParaRPr lang="en-US" dirty="0"/>
+          </a:p>
+        </p:txBody>
+      </p:sp>
+      <p:sp>
+        <p:nvSpPr>
+          <p:cNvPr id="6" name="Footer Placeholder 5"/>
           <p:cNvSpPr>
             <a:spLocks noGrp="1"/>
           </p:cNvSpPr>
@@ -1525,19 +2344,13 @@
           <a:bodyPr/>
           <a:lstStyle/>
           <a:p>
-            <a:endParaRPr lang="en-GB"/>
-          </a:p>
-        </p:txBody>
-      </p:sp>
-      <p:sp>
-        <p:nvSpPr>
-          <p:cNvPr id="7" name="Slide Number Placeholder 6">
-            <a:extLst>
-              <a:ext uri="{FF2B5EF4-FFF2-40B4-BE49-F238E27FC236}">
-                <a16:creationId xmlns:a16="http://schemas.microsoft.com/office/drawing/2014/main" id="{17ABDEE2-D852-9DA6-75BE-ACB648CD0D04}"/>
-              </a:ext>
-            </a:extLst>
-          </p:cNvPr>
+            <a:endParaRPr lang="en-US" dirty="0"/>
+          </a:p>
+        </p:txBody>
+      </p:sp>
+      <p:sp>
+        <p:nvSpPr>
+          <p:cNvPr id="7" name="Slide Number Placeholder 6"/>
           <p:cNvSpPr>
             <a:spLocks noGrp="1"/>
           </p:cNvSpPr>
@@ -1550,18 +2363,18 @@
           <a:bodyPr/>
           <a:lstStyle/>
           <a:p>
-            <a:fld id="{8B005DEF-992F-4156-9C7D-B290D42ACB40}" type="slidenum">
-              <a:rPr lang="en-GB" smtClean="0"/>
+            <a:fld id="{4FAB73BC-B049-4115-A692-8D63A059BFB8}" type="slidenum">
+              <a:rPr lang="en-US" dirty="0"/>
               <a:t>‹#›</a:t>
             </a:fld>
-            <a:endParaRPr lang="en-GB"/>
+            <a:endParaRPr lang="en-US" dirty="0"/>
           </a:p>
         </p:txBody>
       </p:sp>
     </p:spTree>
     <p:extLst>
       <p:ext uri="{BB962C8B-B14F-4D97-AF65-F5344CB8AC3E}">
-        <p14:creationId xmlns:p14="http://schemas.microsoft.com/office/powerpoint/2010/main" val="285717604"/>
+        <p14:creationId xmlns:p14="http://schemas.microsoft.com/office/powerpoint/2010/main" val="2844695321"/>
       </p:ext>
     </p:extLst>
   </p:cSld>
@@ -1590,66 +2403,57 @@
       </p:grpSpPr>
       <p:sp>
         <p:nvSpPr>
-          <p:cNvPr id="2" name="Title 1">
-            <a:extLst>
-              <a:ext uri="{FF2B5EF4-FFF2-40B4-BE49-F238E27FC236}">
-                <a16:creationId xmlns:a16="http://schemas.microsoft.com/office/drawing/2014/main" id="{B3A14A27-EC9C-C0C3-C625-6B911683ADC7}"/>
-              </a:ext>
-            </a:extLst>
-          </p:cNvPr>
+          <p:cNvPr id="10" name="Title 9"/>
           <p:cNvSpPr>
             <a:spLocks noGrp="1"/>
           </p:cNvSpPr>
           <p:nvPr>
             <p:ph type="title"/>
+          </p:nvPr>
+        </p:nvSpPr>
+        <p:spPr/>
+        <p:txBody>
+          <a:bodyPr/>
+          <a:lstStyle/>
+          <a:p>
+            <a:r>
+              <a:rPr lang="en-US" dirty="0"/>
+              <a:t>Click to edit Master title style</a:t>
+            </a:r>
+          </a:p>
+        </p:txBody>
+      </p:sp>
+      <p:sp>
+        <p:nvSpPr>
+          <p:cNvPr id="3" name="Text Placeholder 2"/>
+          <p:cNvSpPr>
+            <a:spLocks noGrp="1"/>
+          </p:cNvSpPr>
+          <p:nvPr>
+            <p:ph type="body" idx="1"/>
           </p:nvPr>
         </p:nvSpPr>
         <p:spPr>
           <a:xfrm>
-            <a:off x="839788" y="365125"/>
-            <a:ext cx="10515600" cy="1325563"/>
+            <a:off x="1261872" y="1713655"/>
+            <a:ext cx="4480560" cy="731520"/>
           </a:xfrm>
         </p:spPr>
         <p:txBody>
-          <a:bodyPr/>
-          <a:lstStyle/>
-          <a:p>
-            <a:r>
-              <a:rPr lang="en-US"/>
-              <a:t>Click to edit Master title style</a:t>
-            </a:r>
-            <a:endParaRPr lang="en-GB"/>
-          </a:p>
-        </p:txBody>
-      </p:sp>
-      <p:sp>
-        <p:nvSpPr>
-          <p:cNvPr id="3" name="Text Placeholder 2">
-            <a:extLst>
-              <a:ext uri="{FF2B5EF4-FFF2-40B4-BE49-F238E27FC236}">
-                <a16:creationId xmlns:a16="http://schemas.microsoft.com/office/drawing/2014/main" id="{BEEDD98F-7357-743C-901E-D1AB8AAE4D8A}"/>
-              </a:ext>
-            </a:extLst>
-          </p:cNvPr>
-          <p:cNvSpPr>
-            <a:spLocks noGrp="1"/>
-          </p:cNvSpPr>
-          <p:nvPr>
-            <p:ph type="body" idx="1"/>
-          </p:nvPr>
-        </p:nvSpPr>
-        <p:spPr>
-          <a:xfrm>
-            <a:off x="839788" y="1681163"/>
-            <a:ext cx="5157787" cy="823912"/>
-          </a:xfrm>
-        </p:spPr>
-        <p:txBody>
-          <a:bodyPr anchor="b"/>
+          <a:bodyPr anchor="b">
+            <a:normAutofit/>
+          </a:bodyPr>
           <a:lstStyle>
             <a:lvl1pPr marL="0" indent="0">
-              <a:buNone/>
-              <a:defRPr sz="2400" b="1"/>
+              <a:spcBef>
+                <a:spcPts val="0"/>
+              </a:spcBef>
+              <a:buNone/>
+              <a:defRPr sz="2000" b="0">
+                <a:solidFill>
+                  <a:schemeClr val="tx2"/>
+                </a:solidFill>
+              </a:defRPr>
             </a:lvl1pPr>
             <a:lvl2pPr marL="457200" indent="0">
               <a:buNone/>
@@ -1687,7 +2491,7 @@
           <a:p>
             <a:pPr lvl="0"/>
             <a:r>
-              <a:rPr lang="en-US"/>
+              <a:rPr lang="en-US" dirty="0"/>
               <a:t>Click to edit Master text styles</a:t>
             </a:r>
           </a:p>
@@ -1695,13 +2499,7 @@
       </p:sp>
       <p:sp>
         <p:nvSpPr>
-          <p:cNvPr id="4" name="Content Placeholder 3">
-            <a:extLst>
-              <a:ext uri="{FF2B5EF4-FFF2-40B4-BE49-F238E27FC236}">
-                <a16:creationId xmlns:a16="http://schemas.microsoft.com/office/drawing/2014/main" id="{B74DB5E8-4984-FA00-205B-A7D09210B143}"/>
-              </a:ext>
-            </a:extLst>
-          </p:cNvPr>
+          <p:cNvPr id="4" name="Content Placeholder 3"/>
           <p:cNvSpPr>
             <a:spLocks noGrp="1"/>
           </p:cNvSpPr>
@@ -1711,60 +2509,81 @@
         </p:nvSpPr>
         <p:spPr>
           <a:xfrm>
-            <a:off x="839788" y="2505075"/>
-            <a:ext cx="5157787" cy="3684588"/>
+            <a:off x="1261872" y="2507550"/>
+            <a:ext cx="4480560" cy="3664650"/>
           </a:xfrm>
         </p:spPr>
         <p:txBody>
           <a:bodyPr/>
-          <a:lstStyle/>
+          <a:lstStyle>
+            <a:lvl1pPr>
+              <a:defRPr sz="1800"/>
+            </a:lvl1pPr>
+            <a:lvl2pPr>
+              <a:defRPr sz="1600"/>
+            </a:lvl2pPr>
+            <a:lvl3pPr>
+              <a:defRPr sz="1400"/>
+            </a:lvl3pPr>
+            <a:lvl4pPr>
+              <a:defRPr sz="1400"/>
+            </a:lvl4pPr>
+            <a:lvl5pPr>
+              <a:defRPr sz="1400"/>
+            </a:lvl5pPr>
+            <a:lvl6pPr>
+              <a:defRPr sz="1400"/>
+            </a:lvl6pPr>
+            <a:lvl7pPr>
+              <a:defRPr sz="1400"/>
+            </a:lvl7pPr>
+            <a:lvl8pPr>
+              <a:defRPr sz="1400"/>
+            </a:lvl8pPr>
+            <a:lvl9pPr>
+              <a:defRPr sz="1400"/>
+            </a:lvl9pPr>
+          </a:lstStyle>
           <a:p>
             <a:pPr lvl="0"/>
             <a:r>
-              <a:rPr lang="en-US"/>
+              <a:rPr lang="en-US" dirty="0"/>
               <a:t>Click to edit Master text styles</a:t>
             </a:r>
           </a:p>
           <a:p>
             <a:pPr lvl="1"/>
             <a:r>
-              <a:rPr lang="en-US"/>
+              <a:rPr lang="en-US" dirty="0"/>
               <a:t>Second level</a:t>
             </a:r>
           </a:p>
           <a:p>
             <a:pPr lvl="2"/>
             <a:r>
-              <a:rPr lang="en-US"/>
+              <a:rPr lang="en-US" dirty="0"/>
               <a:t>Third level</a:t>
             </a:r>
           </a:p>
           <a:p>
             <a:pPr lvl="3"/>
             <a:r>
-              <a:rPr lang="en-US"/>
+              <a:rPr lang="en-US" dirty="0"/>
               <a:t>Fourth level</a:t>
             </a:r>
           </a:p>
           <a:p>
             <a:pPr lvl="4"/>
             <a:r>
-              <a:rPr lang="en-US"/>
+              <a:rPr lang="en-US" dirty="0"/>
               <a:t>Fifth level</a:t>
             </a:r>
-            <a:endParaRPr lang="en-GB"/>
-          </a:p>
-        </p:txBody>
-      </p:sp>
-      <p:sp>
-        <p:nvSpPr>
-          <p:cNvPr id="5" name="Text Placeholder 4">
-            <a:extLst>
-              <a:ext uri="{FF2B5EF4-FFF2-40B4-BE49-F238E27FC236}">
-                <a16:creationId xmlns:a16="http://schemas.microsoft.com/office/drawing/2014/main" id="{47D36EF0-37FE-7686-56EA-E23A43639C31}"/>
-              </a:ext>
-            </a:extLst>
-          </p:cNvPr>
+          </a:p>
+        </p:txBody>
+      </p:sp>
+      <p:sp>
+        <p:nvSpPr>
+          <p:cNvPr id="5" name="Text Placeholder 4"/>
           <p:cNvSpPr>
             <a:spLocks noGrp="1"/>
           </p:cNvSpPr>
@@ -1774,16 +2593,31 @@
         </p:nvSpPr>
         <p:spPr>
           <a:xfrm>
-            <a:off x="6172200" y="1681163"/>
-            <a:ext cx="5183188" cy="823912"/>
+            <a:off x="6126480" y="1713655"/>
+            <a:ext cx="4480560" cy="731520"/>
           </a:xfrm>
         </p:spPr>
         <p:txBody>
-          <a:bodyPr anchor="b"/>
+          <a:bodyPr anchor="b">
+            <a:normAutofit/>
+          </a:bodyPr>
           <a:lstStyle>
             <a:lvl1pPr marL="0" indent="0">
-              <a:buNone/>
-              <a:defRPr sz="2400" b="1"/>
+              <a:lnSpc>
+                <a:spcPct val="95000"/>
+              </a:lnSpc>
+              <a:spcBef>
+                <a:spcPts val="0"/>
+              </a:spcBef>
+              <a:buNone/>
+              <a:defRPr lang="en-US" sz="2000" b="0" kern="1200" dirty="0">
+                <a:solidFill>
+                  <a:schemeClr val="tx2"/>
+                </a:solidFill>
+                <a:latin typeface="+mn-lt"/>
+                <a:ea typeface="+mn-ea"/>
+                <a:cs typeface="+mn-cs"/>
+              </a:defRPr>
             </a:lvl1pPr>
             <a:lvl2pPr marL="457200" indent="0">
               <a:buNone/>
@@ -1819,9 +2653,18 @@
             </a:lvl9pPr>
           </a:lstStyle>
           <a:p>
-            <a:pPr lvl="0"/>
-            <a:r>
-              <a:rPr lang="en-US"/>
+            <a:pPr marL="0" lvl="0" indent="0" algn="l" defTabSz="914400" rtl="0" eaLnBrk="1" latinLnBrk="0" hangingPunct="1">
+              <a:lnSpc>
+                <a:spcPct val="90000"/>
+              </a:lnSpc>
+              <a:spcBef>
+                <a:spcPts val="2000"/>
+              </a:spcBef>
+              <a:buFontTx/>
+              <a:buNone/>
+            </a:pPr>
+            <a:r>
+              <a:rPr lang="en-US" dirty="0"/>
               <a:t>Click to edit Master text styles</a:t>
             </a:r>
           </a:p>
@@ -1829,13 +2672,7 @@
       </p:sp>
       <p:sp>
         <p:nvSpPr>
-          <p:cNvPr id="6" name="Content Placeholder 5">
-            <a:extLst>
-              <a:ext uri="{FF2B5EF4-FFF2-40B4-BE49-F238E27FC236}">
-                <a16:creationId xmlns:a16="http://schemas.microsoft.com/office/drawing/2014/main" id="{822B7A21-0C0C-E3E1-B4EA-A98EB980C5ED}"/>
-              </a:ext>
-            </a:extLst>
-          </p:cNvPr>
+          <p:cNvPr id="6" name="Content Placeholder 5"/>
           <p:cNvSpPr>
             <a:spLocks noGrp="1"/>
           </p:cNvSpPr>
@@ -1845,60 +2682,81 @@
         </p:nvSpPr>
         <p:spPr>
           <a:xfrm>
-            <a:off x="6172200" y="2505075"/>
-            <a:ext cx="5183188" cy="3684588"/>
+            <a:off x="6126480" y="2507550"/>
+            <a:ext cx="4480560" cy="3664650"/>
           </a:xfrm>
         </p:spPr>
         <p:txBody>
           <a:bodyPr/>
-          <a:lstStyle/>
+          <a:lstStyle>
+            <a:lvl1pPr>
+              <a:defRPr sz="1800"/>
+            </a:lvl1pPr>
+            <a:lvl2pPr>
+              <a:defRPr sz="1600"/>
+            </a:lvl2pPr>
+            <a:lvl3pPr>
+              <a:defRPr sz="1400"/>
+            </a:lvl3pPr>
+            <a:lvl4pPr>
+              <a:defRPr sz="1400"/>
+            </a:lvl4pPr>
+            <a:lvl5pPr>
+              <a:defRPr sz="1400"/>
+            </a:lvl5pPr>
+            <a:lvl6pPr>
+              <a:defRPr sz="1400"/>
+            </a:lvl6pPr>
+            <a:lvl7pPr>
+              <a:defRPr sz="1400"/>
+            </a:lvl7pPr>
+            <a:lvl8pPr>
+              <a:defRPr sz="1400"/>
+            </a:lvl8pPr>
+            <a:lvl9pPr>
+              <a:defRPr sz="1400"/>
+            </a:lvl9pPr>
+          </a:lstStyle>
           <a:p>
             <a:pPr lvl="0"/>
             <a:r>
-              <a:rPr lang="en-US"/>
+              <a:rPr lang="en-US" dirty="0"/>
               <a:t>Click to edit Master text styles</a:t>
             </a:r>
           </a:p>
           <a:p>
             <a:pPr lvl="1"/>
             <a:r>
-              <a:rPr lang="en-US"/>
+              <a:rPr lang="en-US" dirty="0"/>
               <a:t>Second level</a:t>
             </a:r>
           </a:p>
           <a:p>
             <a:pPr lvl="2"/>
             <a:r>
-              <a:rPr lang="en-US"/>
+              <a:rPr lang="en-US" dirty="0"/>
               <a:t>Third level</a:t>
             </a:r>
           </a:p>
           <a:p>
             <a:pPr lvl="3"/>
             <a:r>
-              <a:rPr lang="en-US"/>
+              <a:rPr lang="en-US" dirty="0"/>
               <a:t>Fourth level</a:t>
             </a:r>
           </a:p>
           <a:p>
             <a:pPr lvl="4"/>
             <a:r>
-              <a:rPr lang="en-US"/>
+              <a:rPr lang="en-US" dirty="0"/>
               <a:t>Fifth level</a:t>
             </a:r>
-            <a:endParaRPr lang="en-GB"/>
-          </a:p>
-        </p:txBody>
-      </p:sp>
-      <p:sp>
-        <p:nvSpPr>
-          <p:cNvPr id="7" name="Date Placeholder 6">
-            <a:extLst>
-              <a:ext uri="{FF2B5EF4-FFF2-40B4-BE49-F238E27FC236}">
-                <a16:creationId xmlns:a16="http://schemas.microsoft.com/office/drawing/2014/main" id="{47F7476A-C9FD-DE38-AFE8-8F85DCC236C3}"/>
-              </a:ext>
-            </a:extLst>
-          </p:cNvPr>
+          </a:p>
+        </p:txBody>
+      </p:sp>
+      <p:sp>
+        <p:nvSpPr>
+          <p:cNvPr id="7" name="Date Placeholder 6"/>
           <p:cNvSpPr>
             <a:spLocks noGrp="1"/>
           </p:cNvSpPr>
@@ -1911,23 +2769,17 @@
           <a:bodyPr/>
           <a:lstStyle/>
           <a:p>
-            <a:fld id="{DAF30F48-86DF-437A-92A5-AADD40346249}" type="datetimeFigureOut">
-              <a:rPr lang="en-GB" smtClean="0"/>
-              <a:t>09/04/2024</a:t>
+            <a:fld id="{1BA7A723-92A7-435B-B681-F25B092FEFEB}" type="datetimeFigureOut">
+              <a:rPr lang="en-US" dirty="0"/>
+              <a:t>4/9/2024</a:t>
             </a:fld>
-            <a:endParaRPr lang="en-GB"/>
-          </a:p>
-        </p:txBody>
-      </p:sp>
-      <p:sp>
-        <p:nvSpPr>
-          <p:cNvPr id="8" name="Footer Placeholder 7">
-            <a:extLst>
-              <a:ext uri="{FF2B5EF4-FFF2-40B4-BE49-F238E27FC236}">
-                <a16:creationId xmlns:a16="http://schemas.microsoft.com/office/drawing/2014/main" id="{423A6AF3-779B-2E56-4DFC-800E7974CFF2}"/>
-              </a:ext>
-            </a:extLst>
-          </p:cNvPr>
+            <a:endParaRPr lang="en-US" dirty="0"/>
+          </a:p>
+        </p:txBody>
+      </p:sp>
+      <p:sp>
+        <p:nvSpPr>
+          <p:cNvPr id="8" name="Footer Placeholder 7"/>
           <p:cNvSpPr>
             <a:spLocks noGrp="1"/>
           </p:cNvSpPr>
@@ -1940,19 +2792,13 @@
           <a:bodyPr/>
           <a:lstStyle/>
           <a:p>
-            <a:endParaRPr lang="en-GB"/>
-          </a:p>
-        </p:txBody>
-      </p:sp>
-      <p:sp>
-        <p:nvSpPr>
-          <p:cNvPr id="9" name="Slide Number Placeholder 8">
-            <a:extLst>
-              <a:ext uri="{FF2B5EF4-FFF2-40B4-BE49-F238E27FC236}">
-                <a16:creationId xmlns:a16="http://schemas.microsoft.com/office/drawing/2014/main" id="{5180D0E2-2E7B-4CF9-E7CF-8FD9D8FEA32A}"/>
-              </a:ext>
-            </a:extLst>
-          </p:cNvPr>
+            <a:endParaRPr lang="en-US" dirty="0"/>
+          </a:p>
+        </p:txBody>
+      </p:sp>
+      <p:sp>
+        <p:nvSpPr>
+          <p:cNvPr id="9" name="Slide Number Placeholder 8"/>
           <p:cNvSpPr>
             <a:spLocks noGrp="1"/>
           </p:cNvSpPr>
@@ -1965,18 +2811,18 @@
           <a:bodyPr/>
           <a:lstStyle/>
           <a:p>
-            <a:fld id="{8B005DEF-992F-4156-9C7D-B290D42ACB40}" type="slidenum">
-              <a:rPr lang="en-GB" smtClean="0"/>
+            <a:fld id="{4FAB73BC-B049-4115-A692-8D63A059BFB8}" type="slidenum">
+              <a:rPr lang="en-US" dirty="0"/>
               <a:t>‹#›</a:t>
             </a:fld>
-            <a:endParaRPr lang="en-GB"/>
+            <a:endParaRPr lang="en-US" dirty="0"/>
           </a:p>
         </p:txBody>
       </p:sp>
     </p:spTree>
     <p:extLst>
       <p:ext uri="{BB962C8B-B14F-4D97-AF65-F5344CB8AC3E}">
-        <p14:creationId xmlns:p14="http://schemas.microsoft.com/office/powerpoint/2010/main" val="1967997515"/>
+        <p14:creationId xmlns:p14="http://schemas.microsoft.com/office/powerpoint/2010/main" val="3001545152"/>
       </p:ext>
     </p:extLst>
   </p:cSld>
@@ -2005,13 +2851,7 @@
       </p:grpSpPr>
       <p:sp>
         <p:nvSpPr>
-          <p:cNvPr id="2" name="Title 1">
-            <a:extLst>
-              <a:ext uri="{FF2B5EF4-FFF2-40B4-BE49-F238E27FC236}">
-                <a16:creationId xmlns:a16="http://schemas.microsoft.com/office/drawing/2014/main" id="{5AF16693-D26F-9867-C123-7DB7D98DE71D}"/>
-              </a:ext>
-            </a:extLst>
-          </p:cNvPr>
+          <p:cNvPr id="6" name="Title 5"/>
           <p:cNvSpPr>
             <a:spLocks noGrp="1"/>
           </p:cNvSpPr>
@@ -2025,22 +2865,15 @@
           <a:lstStyle/>
           <a:p>
             <a:r>
-              <a:rPr lang="en-US"/>
+              <a:rPr lang="en-US" dirty="0"/>
               <a:t>Click to edit Master title style</a:t>
             </a:r>
-            <a:endParaRPr lang="en-GB"/>
-          </a:p>
-        </p:txBody>
-      </p:sp>
-      <p:sp>
-        <p:nvSpPr>
-          <p:cNvPr id="3" name="Date Placeholder 2">
-            <a:extLst>
-              <a:ext uri="{FF2B5EF4-FFF2-40B4-BE49-F238E27FC236}">
-                <a16:creationId xmlns:a16="http://schemas.microsoft.com/office/drawing/2014/main" id="{CD13088B-ED54-D1A0-8AE6-3EA72C5ECC18}"/>
-              </a:ext>
-            </a:extLst>
-          </p:cNvPr>
+          </a:p>
+        </p:txBody>
+      </p:sp>
+      <p:sp>
+        <p:nvSpPr>
+          <p:cNvPr id="3" name="Date Placeholder 2"/>
           <p:cNvSpPr>
             <a:spLocks noGrp="1"/>
           </p:cNvSpPr>
@@ -2053,23 +2886,17 @@
           <a:bodyPr/>
           <a:lstStyle/>
           <a:p>
-            <a:fld id="{DAF30F48-86DF-437A-92A5-AADD40346249}" type="datetimeFigureOut">
-              <a:rPr lang="en-GB" smtClean="0"/>
-              <a:t>09/04/2024</a:t>
+            <a:fld id="{4F170639-886C-4FCF-9EAB-ABB5DA3F3F4A}" type="datetimeFigureOut">
+              <a:rPr lang="en-US" dirty="0"/>
+              <a:t>4/9/2024</a:t>
             </a:fld>
-            <a:endParaRPr lang="en-GB"/>
-          </a:p>
-        </p:txBody>
-      </p:sp>
-      <p:sp>
-        <p:nvSpPr>
-          <p:cNvPr id="4" name="Footer Placeholder 3">
-            <a:extLst>
-              <a:ext uri="{FF2B5EF4-FFF2-40B4-BE49-F238E27FC236}">
-                <a16:creationId xmlns:a16="http://schemas.microsoft.com/office/drawing/2014/main" id="{E5945391-2D3E-39F9-07CB-9BBAACB4FA89}"/>
-              </a:ext>
-            </a:extLst>
-          </p:cNvPr>
+            <a:endParaRPr lang="en-US" dirty="0"/>
+          </a:p>
+        </p:txBody>
+      </p:sp>
+      <p:sp>
+        <p:nvSpPr>
+          <p:cNvPr id="4" name="Footer Placeholder 3"/>
           <p:cNvSpPr>
             <a:spLocks noGrp="1"/>
           </p:cNvSpPr>
@@ -2082,19 +2909,13 @@
           <a:bodyPr/>
           <a:lstStyle/>
           <a:p>
-            <a:endParaRPr lang="en-GB"/>
-          </a:p>
-        </p:txBody>
-      </p:sp>
-      <p:sp>
-        <p:nvSpPr>
-          <p:cNvPr id="5" name="Slide Number Placeholder 4">
-            <a:extLst>
-              <a:ext uri="{FF2B5EF4-FFF2-40B4-BE49-F238E27FC236}">
-                <a16:creationId xmlns:a16="http://schemas.microsoft.com/office/drawing/2014/main" id="{3D6732F0-B03A-1F2C-3431-8A94F84909DC}"/>
-              </a:ext>
-            </a:extLst>
-          </p:cNvPr>
+            <a:endParaRPr lang="en-US" dirty="0"/>
+          </a:p>
+        </p:txBody>
+      </p:sp>
+      <p:sp>
+        <p:nvSpPr>
+          <p:cNvPr id="5" name="Slide Number Placeholder 4"/>
           <p:cNvSpPr>
             <a:spLocks noGrp="1"/>
           </p:cNvSpPr>
@@ -2107,18 +2928,18 @@
           <a:bodyPr/>
           <a:lstStyle/>
           <a:p>
-            <a:fld id="{8B005DEF-992F-4156-9C7D-B290D42ACB40}" type="slidenum">
-              <a:rPr lang="en-GB" smtClean="0"/>
+            <a:fld id="{4FAB73BC-B049-4115-A692-8D63A059BFB8}" type="slidenum">
+              <a:rPr lang="en-US" dirty="0"/>
               <a:t>‹#›</a:t>
             </a:fld>
-            <a:endParaRPr lang="en-GB"/>
+            <a:endParaRPr lang="en-US" dirty="0"/>
           </a:p>
         </p:txBody>
       </p:sp>
     </p:spTree>
     <p:extLst>
       <p:ext uri="{BB962C8B-B14F-4D97-AF65-F5344CB8AC3E}">
-        <p14:creationId xmlns:p14="http://schemas.microsoft.com/office/powerpoint/2010/main" val="3221632390"/>
+        <p14:creationId xmlns:p14="http://schemas.microsoft.com/office/powerpoint/2010/main" val="1009404726"/>
       </p:ext>
     </p:extLst>
   </p:cSld>
@@ -2147,13 +2968,7 @@
       </p:grpSpPr>
       <p:sp>
         <p:nvSpPr>
-          <p:cNvPr id="2" name="Date Placeholder 1">
-            <a:extLst>
-              <a:ext uri="{FF2B5EF4-FFF2-40B4-BE49-F238E27FC236}">
-                <a16:creationId xmlns:a16="http://schemas.microsoft.com/office/drawing/2014/main" id="{0A2868B7-AA85-9CB0-88E0-779166DA5484}"/>
-              </a:ext>
-            </a:extLst>
-          </p:cNvPr>
+          <p:cNvPr id="2" name="Date Placeholder 1"/>
           <p:cNvSpPr>
             <a:spLocks noGrp="1"/>
           </p:cNvSpPr>
@@ -2166,23 +2981,17 @@
           <a:bodyPr/>
           <a:lstStyle/>
           <a:p>
-            <a:fld id="{DAF30F48-86DF-437A-92A5-AADD40346249}" type="datetimeFigureOut">
-              <a:rPr lang="en-GB" smtClean="0"/>
-              <a:t>09/04/2024</a:t>
+            <a:fld id="{22230651-31F4-45D2-98AE-A2108F41BC07}" type="datetimeFigureOut">
+              <a:rPr lang="en-US" dirty="0"/>
+              <a:t>4/9/2024</a:t>
             </a:fld>
-            <a:endParaRPr lang="en-GB"/>
-          </a:p>
-        </p:txBody>
-      </p:sp>
-      <p:sp>
-        <p:nvSpPr>
-          <p:cNvPr id="3" name="Footer Placeholder 2">
-            <a:extLst>
-              <a:ext uri="{FF2B5EF4-FFF2-40B4-BE49-F238E27FC236}">
-                <a16:creationId xmlns:a16="http://schemas.microsoft.com/office/drawing/2014/main" id="{84BF16BD-3766-426E-3CB5-3D03F7B2DD26}"/>
-              </a:ext>
-            </a:extLst>
-          </p:cNvPr>
+            <a:endParaRPr lang="en-US" dirty="0"/>
+          </a:p>
+        </p:txBody>
+      </p:sp>
+      <p:sp>
+        <p:nvSpPr>
+          <p:cNvPr id="3" name="Footer Placeholder 2"/>
           <p:cNvSpPr>
             <a:spLocks noGrp="1"/>
           </p:cNvSpPr>
@@ -2195,19 +3004,13 @@
           <a:bodyPr/>
           <a:lstStyle/>
           <a:p>
-            <a:endParaRPr lang="en-GB"/>
-          </a:p>
-        </p:txBody>
-      </p:sp>
-      <p:sp>
-        <p:nvSpPr>
-          <p:cNvPr id="4" name="Slide Number Placeholder 3">
-            <a:extLst>
-              <a:ext uri="{FF2B5EF4-FFF2-40B4-BE49-F238E27FC236}">
-                <a16:creationId xmlns:a16="http://schemas.microsoft.com/office/drawing/2014/main" id="{5280283B-D4AC-F13B-5688-B1A5A217991A}"/>
-              </a:ext>
-            </a:extLst>
-          </p:cNvPr>
+            <a:endParaRPr lang="en-US" dirty="0"/>
+          </a:p>
+        </p:txBody>
+      </p:sp>
+      <p:sp>
+        <p:nvSpPr>
+          <p:cNvPr id="4" name="Slide Number Placeholder 3"/>
           <p:cNvSpPr>
             <a:spLocks noGrp="1"/>
           </p:cNvSpPr>
@@ -2220,18 +3023,18 @@
           <a:bodyPr/>
           <a:lstStyle/>
           <a:p>
-            <a:fld id="{8B005DEF-992F-4156-9C7D-B290D42ACB40}" type="slidenum">
-              <a:rPr lang="en-GB" smtClean="0"/>
+            <a:fld id="{4FAB73BC-B049-4115-A692-8D63A059BFB8}" type="slidenum">
+              <a:rPr lang="en-US" dirty="0"/>
               <a:t>‹#›</a:t>
             </a:fld>
-            <a:endParaRPr lang="en-GB"/>
+            <a:endParaRPr lang="en-US" dirty="0"/>
           </a:p>
         </p:txBody>
       </p:sp>
     </p:spTree>
     <p:extLst>
       <p:ext uri="{BB962C8B-B14F-4D97-AF65-F5344CB8AC3E}">
-        <p14:creationId xmlns:p14="http://schemas.microsoft.com/office/powerpoint/2010/main" val="2333974260"/>
+        <p14:creationId xmlns:p14="http://schemas.microsoft.com/office/powerpoint/2010/main" val="869668647"/>
       </p:ext>
     </p:extLst>
   </p:cSld>
@@ -2260,13 +3063,7 @@
       </p:grpSpPr>
       <p:sp>
         <p:nvSpPr>
-          <p:cNvPr id="2" name="Title 1">
-            <a:extLst>
-              <a:ext uri="{FF2B5EF4-FFF2-40B4-BE49-F238E27FC236}">
-                <a16:creationId xmlns:a16="http://schemas.microsoft.com/office/drawing/2014/main" id="{5B2B09E7-1E71-CF52-2DBD-3205CBC412E2}"/>
-              </a:ext>
-            </a:extLst>
-          </p:cNvPr>
+          <p:cNvPr id="2" name="Title 1"/>
           <p:cNvSpPr>
             <a:spLocks noGrp="1"/>
           </p:cNvSpPr>
@@ -2276,35 +3073,30 @@
         </p:nvSpPr>
         <p:spPr>
           <a:xfrm>
-            <a:off x="839788" y="457200"/>
-            <a:ext cx="3932237" cy="1600200"/>
+            <a:off x="841248" y="457200"/>
+            <a:ext cx="3200400" cy="1600197"/>
           </a:xfrm>
         </p:spPr>
         <p:txBody>
-          <a:bodyPr anchor="b"/>
+          <a:bodyPr anchor="b">
+            <a:normAutofit/>
+          </a:bodyPr>
           <a:lstStyle>
             <a:lvl1pPr>
-              <a:defRPr sz="3200"/>
+              <a:defRPr sz="3200" b="0" baseline="0"/>
             </a:lvl1pPr>
           </a:lstStyle>
           <a:p>
             <a:r>
-              <a:rPr lang="en-US"/>
+              <a:rPr lang="en-US" dirty="0"/>
               <a:t>Click to edit Master title style</a:t>
             </a:r>
-            <a:endParaRPr lang="en-GB"/>
-          </a:p>
-        </p:txBody>
-      </p:sp>
-      <p:sp>
-        <p:nvSpPr>
-          <p:cNvPr id="3" name="Content Placeholder 2">
-            <a:extLst>
-              <a:ext uri="{FF2B5EF4-FFF2-40B4-BE49-F238E27FC236}">
-                <a16:creationId xmlns:a16="http://schemas.microsoft.com/office/drawing/2014/main" id="{092BBD93-B59A-976B-E1A3-25A749755AE1}"/>
-              </a:ext>
-            </a:extLst>
-          </p:cNvPr>
+          </a:p>
+        </p:txBody>
+      </p:sp>
+      <p:sp>
+        <p:nvSpPr>
+          <p:cNvPr id="3" name="Content Placeholder 2"/>
           <p:cNvSpPr>
             <a:spLocks noGrp="1"/>
           </p:cNvSpPr>
@@ -2314,88 +3106,81 @@
         </p:nvSpPr>
         <p:spPr>
           <a:xfrm>
-            <a:off x="5183188" y="987425"/>
-            <a:ext cx="6172200" cy="4873625"/>
+            <a:off x="4504267" y="685800"/>
+            <a:ext cx="6079066" cy="5486400"/>
           </a:xfrm>
         </p:spPr>
         <p:txBody>
           <a:bodyPr/>
           <a:lstStyle>
             <a:lvl1pPr>
-              <a:defRPr sz="3200"/>
+              <a:defRPr sz="2000"/>
             </a:lvl1pPr>
             <a:lvl2pPr>
-              <a:defRPr sz="2800"/>
+              <a:defRPr sz="1800"/>
             </a:lvl2pPr>
             <a:lvl3pPr>
-              <a:defRPr sz="2400"/>
+              <a:defRPr sz="1600"/>
             </a:lvl3pPr>
             <a:lvl4pPr>
-              <a:defRPr sz="2000"/>
+              <a:defRPr sz="1400"/>
             </a:lvl4pPr>
             <a:lvl5pPr>
-              <a:defRPr sz="2000"/>
+              <a:defRPr sz="1400"/>
             </a:lvl5pPr>
             <a:lvl6pPr>
-              <a:defRPr sz="2000"/>
+              <a:defRPr sz="1400"/>
             </a:lvl6pPr>
             <a:lvl7pPr>
-              <a:defRPr sz="2000"/>
+              <a:defRPr sz="1400"/>
             </a:lvl7pPr>
             <a:lvl8pPr>
-              <a:defRPr sz="2000"/>
+              <a:defRPr sz="1400"/>
             </a:lvl8pPr>
             <a:lvl9pPr>
-              <a:defRPr sz="2000"/>
+              <a:defRPr sz="1400"/>
             </a:lvl9pPr>
           </a:lstStyle>
           <a:p>
             <a:pPr lvl="0"/>
             <a:r>
-              <a:rPr lang="en-US"/>
+              <a:rPr lang="en-US" dirty="0"/>
               <a:t>Click to edit Master text styles</a:t>
             </a:r>
           </a:p>
           <a:p>
             <a:pPr lvl="1"/>
             <a:r>
-              <a:rPr lang="en-US"/>
+              <a:rPr lang="en-US" dirty="0"/>
               <a:t>Second level</a:t>
             </a:r>
           </a:p>
           <a:p>
             <a:pPr lvl="2"/>
             <a:r>
-              <a:rPr lang="en-US"/>
+              <a:rPr lang="en-US" dirty="0"/>
               <a:t>Third level</a:t>
             </a:r>
           </a:p>
           <a:p>
             <a:pPr lvl="3"/>
             <a:r>
-              <a:rPr lang="en-US"/>
+              <a:rPr lang="en-US" dirty="0"/>
               <a:t>Fourth level</a:t>
             </a:r>
           </a:p>
           <a:p>
             <a:pPr lvl="4"/>
             <a:r>
-              <a:rPr lang="en-US"/>
+              <a:rPr lang="en-US" dirty="0"/>
               <a:t>Fifth level</a:t>
             </a:r>
-            <a:endParaRPr lang="en-GB"/>
-          </a:p>
-        </p:txBody>
-      </p:sp>
-      <p:sp>
-        <p:nvSpPr>
-          <p:cNvPr id="4" name="Text Placeholder 3">
-            <a:extLst>
-              <a:ext uri="{FF2B5EF4-FFF2-40B4-BE49-F238E27FC236}">
-                <a16:creationId xmlns:a16="http://schemas.microsoft.com/office/drawing/2014/main" id="{DD24043F-379C-F623-C5B7-2168CBA8A64B}"/>
-              </a:ext>
-            </a:extLst>
-          </p:cNvPr>
+          </a:p>
+        </p:txBody>
+      </p:sp>
+      <p:sp>
+        <p:nvSpPr>
+          <p:cNvPr id="4" name="Text Placeholder 3"/>
           <p:cNvSpPr>
             <a:spLocks noGrp="1"/>
           </p:cNvSpPr>
@@ -2405,54 +3190,62 @@
         </p:nvSpPr>
         <p:spPr>
           <a:xfrm>
-            <a:off x="839788" y="2057400"/>
-            <a:ext cx="3932237" cy="3811588"/>
+            <a:off x="841248" y="2099734"/>
+            <a:ext cx="3200400" cy="3810001"/>
           </a:xfrm>
         </p:spPr>
         <p:txBody>
-          <a:bodyPr/>
+          <a:bodyPr>
+            <a:normAutofit/>
+          </a:bodyPr>
           <a:lstStyle>
             <a:lvl1pPr marL="0" indent="0">
-              <a:buNone/>
-              <a:defRPr sz="1600"/>
+              <a:lnSpc>
+                <a:spcPct val="114000"/>
+              </a:lnSpc>
+              <a:spcBef>
+                <a:spcPts val="800"/>
+              </a:spcBef>
+              <a:buNone/>
+              <a:defRPr sz="1300"/>
             </a:lvl1pPr>
             <a:lvl2pPr marL="457200" indent="0">
               <a:buNone/>
-              <a:defRPr sz="1400"/>
+              <a:defRPr sz="1200"/>
             </a:lvl2pPr>
             <a:lvl3pPr marL="914400" indent="0">
               <a:buNone/>
-              <a:defRPr sz="1200"/>
+              <a:defRPr sz="1000"/>
             </a:lvl3pPr>
             <a:lvl4pPr marL="1371600" indent="0">
               <a:buNone/>
-              <a:defRPr sz="1000"/>
+              <a:defRPr sz="900"/>
             </a:lvl4pPr>
             <a:lvl5pPr marL="1828800" indent="0">
               <a:buNone/>
-              <a:defRPr sz="1000"/>
+              <a:defRPr sz="900"/>
             </a:lvl5pPr>
             <a:lvl6pPr marL="2286000" indent="0">
               <a:buNone/>
-              <a:defRPr sz="1000"/>
+              <a:defRPr sz="900"/>
             </a:lvl6pPr>
             <a:lvl7pPr marL="2743200" indent="0">
               <a:buNone/>
-              <a:defRPr sz="1000"/>
+              <a:defRPr sz="900"/>
             </a:lvl7pPr>
             <a:lvl8pPr marL="3200400" indent="0">
               <a:buNone/>
-              <a:defRPr sz="1000"/>
+              <a:defRPr sz="900"/>
             </a:lvl8pPr>
             <a:lvl9pPr marL="3657600" indent="0">
               <a:buNone/>
-              <a:defRPr sz="1000"/>
+              <a:defRPr sz="900"/>
             </a:lvl9pPr>
           </a:lstStyle>
           <a:p>
             <a:pPr lvl="0"/>
             <a:r>
-              <a:rPr lang="en-US"/>
+              <a:rPr lang="en-US" dirty="0"/>
               <a:t>Click to edit Master text styles</a:t>
             </a:r>
           </a:p>
@@ -2460,13 +3253,7 @@
       </p:sp>
       <p:sp>
         <p:nvSpPr>
-          <p:cNvPr id="5" name="Date Placeholder 4">
-            <a:extLst>
-              <a:ext uri="{FF2B5EF4-FFF2-40B4-BE49-F238E27FC236}">
-                <a16:creationId xmlns:a16="http://schemas.microsoft.com/office/drawing/2014/main" id="{CC15A81C-3E97-D501-E1AF-47918BD3DA09}"/>
-              </a:ext>
-            </a:extLst>
-          </p:cNvPr>
+          <p:cNvPr id="5" name="Date Placeholder 4"/>
           <p:cNvSpPr>
             <a:spLocks noGrp="1"/>
           </p:cNvSpPr>
@@ -2479,23 +3266,17 @@
           <a:bodyPr/>
           <a:lstStyle/>
           <a:p>
-            <a:fld id="{DAF30F48-86DF-437A-92A5-AADD40346249}" type="datetimeFigureOut">
-              <a:rPr lang="en-GB" smtClean="0"/>
-              <a:t>09/04/2024</a:t>
+            <a:fld id="{6F53789A-C914-4DB1-8815-80B5EC7335C5}" type="datetimeFigureOut">
+              <a:rPr lang="en-US" dirty="0"/>
+              <a:t>4/9/2024</a:t>
             </a:fld>
-            <a:endParaRPr lang="en-GB"/>
-          </a:p>
-        </p:txBody>
-      </p:sp>
-      <p:sp>
-        <p:nvSpPr>
-          <p:cNvPr id="6" name="Footer Placeholder 5">
-            <a:extLst>
-              <a:ext uri="{FF2B5EF4-FFF2-40B4-BE49-F238E27FC236}">
-                <a16:creationId xmlns:a16="http://schemas.microsoft.com/office/drawing/2014/main" id="{5B8A1125-8D08-6A42-972A-D40D993D848C}"/>
-              </a:ext>
-            </a:extLst>
-          </p:cNvPr>
+            <a:endParaRPr lang="en-US" dirty="0"/>
+          </a:p>
+        </p:txBody>
+      </p:sp>
+      <p:sp>
+        <p:nvSpPr>
+          <p:cNvPr id="6" name="Footer Placeholder 5"/>
           <p:cNvSpPr>
             <a:spLocks noGrp="1"/>
           </p:cNvSpPr>
@@ -2508,19 +3289,13 @@
           <a:bodyPr/>
           <a:lstStyle/>
           <a:p>
-            <a:endParaRPr lang="en-GB"/>
-          </a:p>
-        </p:txBody>
-      </p:sp>
-      <p:sp>
-        <p:nvSpPr>
-          <p:cNvPr id="7" name="Slide Number Placeholder 6">
-            <a:extLst>
-              <a:ext uri="{FF2B5EF4-FFF2-40B4-BE49-F238E27FC236}">
-                <a16:creationId xmlns:a16="http://schemas.microsoft.com/office/drawing/2014/main" id="{1BEF4A23-3CDA-04D8-28B9-2446A7C9DC64}"/>
-              </a:ext>
-            </a:extLst>
-          </p:cNvPr>
+            <a:endParaRPr lang="en-US" dirty="0"/>
+          </a:p>
+        </p:txBody>
+      </p:sp>
+      <p:sp>
+        <p:nvSpPr>
+          <p:cNvPr id="7" name="Slide Number Placeholder 6"/>
           <p:cNvSpPr>
             <a:spLocks noGrp="1"/>
           </p:cNvSpPr>
@@ -2533,18 +3308,18 @@
           <a:bodyPr/>
           <a:lstStyle/>
           <a:p>
-            <a:fld id="{8B005DEF-992F-4156-9C7D-B290D42ACB40}" type="slidenum">
-              <a:rPr lang="en-GB" smtClean="0"/>
+            <a:fld id="{4FAB73BC-B049-4115-A692-8D63A059BFB8}" type="slidenum">
+              <a:rPr lang="en-US" dirty="0"/>
               <a:t>‹#›</a:t>
             </a:fld>
-            <a:endParaRPr lang="en-GB"/>
+            <a:endParaRPr lang="en-US" dirty="0"/>
           </a:p>
         </p:txBody>
       </p:sp>
     </p:spTree>
     <p:extLst>
       <p:ext uri="{BB962C8B-B14F-4D97-AF65-F5344CB8AC3E}">
-        <p14:creationId xmlns:p14="http://schemas.microsoft.com/office/powerpoint/2010/main" val="3708739623"/>
+        <p14:creationId xmlns:p14="http://schemas.microsoft.com/office/powerpoint/2010/main" val="4156882223"/>
       </p:ext>
     </p:extLst>
   </p:cSld>
@@ -2573,53 +3348,84 @@
       </p:grpSpPr>
       <p:sp>
         <p:nvSpPr>
-          <p:cNvPr id="2" name="Title 1">
-            <a:extLst>
-              <a:ext uri="{FF2B5EF4-FFF2-40B4-BE49-F238E27FC236}">
-                <a16:creationId xmlns:a16="http://schemas.microsoft.com/office/drawing/2014/main" id="{D6B2A8C8-435B-42E9-CBF4-8219173B194A}"/>
-              </a:ext>
-            </a:extLst>
-          </p:cNvPr>
-          <p:cNvSpPr>
-            <a:spLocks noGrp="1"/>
-          </p:cNvSpPr>
-          <p:nvPr>
-            <p:ph type="title"/>
-          </p:nvPr>
+          <p:cNvPr id="8" name="Rectangle 7"/>
+          <p:cNvSpPr/>
+          <p:nvPr/>
         </p:nvSpPr>
         <p:spPr>
           <a:xfrm>
-            <a:off x="839788" y="457200"/>
-            <a:ext cx="3932237" cy="1600200"/>
+            <a:off x="0" y="5105400"/>
+            <a:ext cx="11292840" cy="1752600"/>
+          </a:xfrm>
+          <a:prstGeom prst="rect">
+            <a:avLst/>
+          </a:prstGeom>
+          <a:solidFill>
+            <a:srgbClr val="000000"/>
+          </a:solidFill>
+          <a:ln>
+            <a:noFill/>
+          </a:ln>
+        </p:spPr>
+        <p:style>
+          <a:lnRef idx="2">
+            <a:schemeClr val="accent1">
+              <a:shade val="50000"/>
+            </a:schemeClr>
+          </a:lnRef>
+          <a:fillRef idx="1">
+            <a:schemeClr val="accent1"/>
+          </a:fillRef>
+          <a:effectRef idx="0">
+            <a:schemeClr val="accent1"/>
+          </a:effectRef>
+          <a:fontRef idx="minor">
+            <a:schemeClr val="lt1"/>
+          </a:fontRef>
+        </p:style>
+      </p:sp>
+      <p:sp>
+        <p:nvSpPr>
+          <p:cNvPr id="2" name="Title 1"/>
+          <p:cNvSpPr>
+            <a:spLocks noGrp="1"/>
+          </p:cNvSpPr>
+          <p:nvPr>
+            <p:ph type="title"/>
+          </p:nvPr>
+        </p:nvSpPr>
+        <p:spPr>
+          <a:xfrm>
+            <a:off x="914400" y="5257800"/>
+            <a:ext cx="9982200" cy="914400"/>
           </a:xfrm>
         </p:spPr>
         <p:txBody>
-          <a:bodyPr anchor="b"/>
+          <a:bodyPr anchor="b">
+            <a:normAutofit/>
+          </a:bodyPr>
           <a:lstStyle>
             <a:lvl1pPr>
-              <a:defRPr sz="3200"/>
+              <a:defRPr sz="2800" b="0">
+                <a:solidFill>
+                  <a:schemeClr val="bg1"/>
+                </a:solidFill>
+              </a:defRPr>
             </a:lvl1pPr>
           </a:lstStyle>
           <a:p>
             <a:r>
-              <a:rPr lang="en-US"/>
+              <a:rPr lang="en-US" dirty="0"/>
               <a:t>Click to edit Master title style</a:t>
             </a:r>
-            <a:endParaRPr lang="en-GB"/>
-          </a:p>
-        </p:txBody>
-      </p:sp>
-      <p:sp>
-        <p:nvSpPr>
-          <p:cNvPr id="3" name="Picture Placeholder 2">
-            <a:extLst>
-              <a:ext uri="{FF2B5EF4-FFF2-40B4-BE49-F238E27FC236}">
-                <a16:creationId xmlns:a16="http://schemas.microsoft.com/office/drawing/2014/main" id="{2CF3A3E7-3D53-C25B-FB46-1EF057DDA843}"/>
-              </a:ext>
-            </a:extLst>
-          </p:cNvPr>
-          <p:cNvSpPr>
-            <a:spLocks noGrp="1"/>
+          </a:p>
+        </p:txBody>
+      </p:sp>
+      <p:sp>
+        <p:nvSpPr>
+          <p:cNvPr id="3" name="Picture Placeholder 2"/>
+          <p:cNvSpPr>
+            <a:spLocks noGrp="1" noChangeAspect="1"/>
           </p:cNvSpPr>
           <p:nvPr>
             <p:ph type="pic" idx="1"/>
@@ -2627,16 +3433,26 @@
         </p:nvSpPr>
         <p:spPr>
           <a:xfrm>
-            <a:off x="5183188" y="987425"/>
-            <a:ext cx="6172200" cy="4873625"/>
+            <a:off x="0" y="0"/>
+            <a:ext cx="11292840" cy="5128923"/>
           </a:xfrm>
+          <a:blipFill>
+            <a:blip r:embed="rId2"/>
+            <a:stretch>
+              <a:fillRect/>
+            </a:stretch>
+          </a:blipFill>
         </p:spPr>
         <p:txBody>
-          <a:bodyPr/>
+          <a:bodyPr anchor="t"/>
           <a:lstStyle>
             <a:lvl1pPr marL="0" indent="0">
               <a:buNone/>
-              <a:defRPr sz="3200"/>
+              <a:defRPr sz="3200">
+                <a:solidFill>
+                  <a:schemeClr val="bg1"/>
+                </a:solidFill>
+              </a:defRPr>
             </a:lvl1pPr>
             <a:lvl2pPr marL="457200" indent="0">
               <a:buNone/>
@@ -2672,19 +3488,13 @@
             </a:lvl9pPr>
           </a:lstStyle>
           <a:p>
-            <a:endParaRPr lang="en-GB"/>
-          </a:p>
-        </p:txBody>
-      </p:sp>
-      <p:sp>
-        <p:nvSpPr>
-          <p:cNvPr id="4" name="Text Placeholder 3">
-            <a:extLst>
-              <a:ext uri="{FF2B5EF4-FFF2-40B4-BE49-F238E27FC236}">
-                <a16:creationId xmlns:a16="http://schemas.microsoft.com/office/drawing/2014/main" id="{392B03E7-1050-4415-F844-02D63CFEB061}"/>
-              </a:ext>
-            </a:extLst>
-          </p:cNvPr>
+            <a:endParaRPr lang="en-US" dirty="0"/>
+          </a:p>
+        </p:txBody>
+      </p:sp>
+      <p:sp>
+        <p:nvSpPr>
+          <p:cNvPr id="4" name="Text Placeholder 3"/>
           <p:cNvSpPr>
             <a:spLocks noGrp="1"/>
           </p:cNvSpPr>
@@ -2694,54 +3504,68 @@
         </p:nvSpPr>
         <p:spPr>
           <a:xfrm>
-            <a:off x="839788" y="2057400"/>
-            <a:ext cx="3932237" cy="3811588"/>
+            <a:off x="914400" y="6108589"/>
+            <a:ext cx="9982200" cy="597011"/>
           </a:xfrm>
         </p:spPr>
         <p:txBody>
-          <a:bodyPr/>
+          <a:bodyPr>
+            <a:normAutofit/>
+          </a:bodyPr>
           <a:lstStyle>
             <a:lvl1pPr marL="0" indent="0">
-              <a:buNone/>
-              <a:defRPr sz="1600"/>
+              <a:lnSpc>
+                <a:spcPct val="100000"/>
+              </a:lnSpc>
+              <a:spcBef>
+                <a:spcPts val="800"/>
+              </a:spcBef>
+              <a:buNone/>
+              <a:defRPr sz="1300">
+                <a:solidFill>
+                  <a:schemeClr val="bg1">
+                    <a:lumMod val="85000"/>
+                  </a:schemeClr>
+                </a:solidFill>
+              </a:defRPr>
             </a:lvl1pPr>
             <a:lvl2pPr marL="457200" indent="0">
               <a:buNone/>
-              <a:defRPr sz="1400"/>
+              <a:defRPr sz="1200"/>
             </a:lvl2pPr>
             <a:lvl3pPr marL="914400" indent="0">
               <a:buNone/>
-              <a:defRPr sz="1200"/>
+              <a:defRPr sz="1000"/>
             </a:lvl3pPr>
             <a:lvl4pPr marL="1371600" indent="0">
               <a:buNone/>
-              <a:defRPr sz="1000"/>
+              <a:defRPr sz="900"/>
             </a:lvl4pPr>
             <a:lvl5pPr marL="1828800" indent="0">
               <a:buNone/>
-              <a:defRPr sz="1000"/>
+              <a:defRPr sz="900"/>
             </a:lvl5pPr>
             <a:lvl6pPr marL="2286000" indent="0">
               <a:buNone/>
-              <a:defRPr sz="1000"/>
+              <a:defRPr sz="900"/>
             </a:lvl6pPr>
             <a:lvl7pPr marL="2743200" indent="0">
               <a:buNone/>
-              <a:defRPr sz="1000"/>
+              <a:defRPr sz="900"/>
             </a:lvl7pPr>
             <a:lvl8pPr marL="3200400" indent="0">
               <a:buNone/>
-              <a:defRPr sz="1000"/>
+              <a:defRPr sz="900"/>
             </a:lvl8pPr>
             <a:lvl9pPr marL="3657600" indent="0">
               <a:buNone/>
-              <a:defRPr sz="1000"/>
+              <a:defRPr sz="900"/>
             </a:lvl9pPr>
           </a:lstStyle>
           <a:p>
             <a:pPr lvl="0"/>
             <a:r>
-              <a:rPr lang="en-US"/>
+              <a:rPr lang="en-US" dirty="0"/>
               <a:t>Click to edit Master text styles</a:t>
             </a:r>
           </a:p>
@@ -2749,13 +3573,7 @@
       </p:sp>
       <p:sp>
         <p:nvSpPr>
-          <p:cNvPr id="5" name="Date Placeholder 4">
-            <a:extLst>
-              <a:ext uri="{FF2B5EF4-FFF2-40B4-BE49-F238E27FC236}">
-                <a16:creationId xmlns:a16="http://schemas.microsoft.com/office/drawing/2014/main" id="{BB5179DB-15A7-55AB-D4F5-2B1B5BA40B4B}"/>
-              </a:ext>
-            </a:extLst>
-          </p:cNvPr>
+          <p:cNvPr id="5" name="Date Placeholder 4"/>
           <p:cNvSpPr>
             <a:spLocks noGrp="1"/>
           </p:cNvSpPr>
@@ -2768,23 +3586,17 @@
           <a:bodyPr/>
           <a:lstStyle/>
           <a:p>
-            <a:fld id="{DAF30F48-86DF-437A-92A5-AADD40346249}" type="datetimeFigureOut">
-              <a:rPr lang="en-GB" smtClean="0"/>
-              <a:t>09/04/2024</a:t>
+            <a:fld id="{5E6440AA-91A0-436F-8FDB-C0F939DCAE21}" type="datetimeFigureOut">
+              <a:rPr lang="en-US" dirty="0"/>
+              <a:t>4/9/2024</a:t>
             </a:fld>
-            <a:endParaRPr lang="en-GB"/>
-          </a:p>
-        </p:txBody>
-      </p:sp>
-      <p:sp>
-        <p:nvSpPr>
-          <p:cNvPr id="6" name="Footer Placeholder 5">
-            <a:extLst>
-              <a:ext uri="{FF2B5EF4-FFF2-40B4-BE49-F238E27FC236}">
-                <a16:creationId xmlns:a16="http://schemas.microsoft.com/office/drawing/2014/main" id="{A85ABDA3-7028-B548-AA02-94476B2FD90B}"/>
-              </a:ext>
-            </a:extLst>
-          </p:cNvPr>
+            <a:endParaRPr lang="en-US" dirty="0"/>
+          </a:p>
+        </p:txBody>
+      </p:sp>
+      <p:sp>
+        <p:nvSpPr>
+          <p:cNvPr id="6" name="Footer Placeholder 5"/>
           <p:cNvSpPr>
             <a:spLocks noGrp="1"/>
           </p:cNvSpPr>
@@ -2797,19 +3609,13 @@
           <a:bodyPr/>
           <a:lstStyle/>
           <a:p>
-            <a:endParaRPr lang="en-GB"/>
-          </a:p>
-        </p:txBody>
-      </p:sp>
-      <p:sp>
-        <p:nvSpPr>
-          <p:cNvPr id="7" name="Slide Number Placeholder 6">
-            <a:extLst>
-              <a:ext uri="{FF2B5EF4-FFF2-40B4-BE49-F238E27FC236}">
-                <a16:creationId xmlns:a16="http://schemas.microsoft.com/office/drawing/2014/main" id="{65962E81-582E-49E6-1BC1-91B7CA4E617C}"/>
-              </a:ext>
-            </a:extLst>
-          </p:cNvPr>
+            <a:endParaRPr lang="en-US" dirty="0"/>
+          </a:p>
+        </p:txBody>
+      </p:sp>
+      <p:sp>
+        <p:nvSpPr>
+          <p:cNvPr id="7" name="Slide Number Placeholder 6"/>
           <p:cNvSpPr>
             <a:spLocks noGrp="1"/>
           </p:cNvSpPr>
@@ -2822,18 +3628,18 @@
           <a:bodyPr/>
           <a:lstStyle/>
           <a:p>
-            <a:fld id="{8B005DEF-992F-4156-9C7D-B290D42ACB40}" type="slidenum">
-              <a:rPr lang="en-GB" smtClean="0"/>
+            <a:fld id="{4FAB73BC-B049-4115-A692-8D63A059BFB8}" type="slidenum">
+              <a:rPr lang="en-US" dirty="0"/>
               <a:t>‹#›</a:t>
             </a:fld>
-            <a:endParaRPr lang="en-GB"/>
+            <a:endParaRPr lang="en-US" dirty="0"/>
           </a:p>
         </p:txBody>
       </p:sp>
     </p:spTree>
     <p:extLst>
       <p:ext uri="{BB962C8B-B14F-4D97-AF65-F5344CB8AC3E}">
-        <p14:creationId xmlns:p14="http://schemas.microsoft.com/office/powerpoint/2010/main" val="2895062710"/>
+        <p14:creationId xmlns:p14="http://schemas.microsoft.com/office/powerpoint/2010/main" val="1908275589"/>
       </p:ext>
     </p:extLst>
   </p:cSld>
@@ -2867,52 +3673,79 @@
       </p:grpSpPr>
       <p:sp>
         <p:nvSpPr>
-          <p:cNvPr id="2" name="Title Placeholder 1">
-            <a:extLst>
-              <a:ext uri="{FF2B5EF4-FFF2-40B4-BE49-F238E27FC236}">
-                <a16:creationId xmlns:a16="http://schemas.microsoft.com/office/drawing/2014/main" id="{271991A4-09E9-46A3-47CE-D04AC093C048}"/>
-              </a:ext>
-            </a:extLst>
-          </p:cNvPr>
-          <p:cNvSpPr>
-            <a:spLocks noGrp="1"/>
-          </p:cNvSpPr>
-          <p:nvPr>
-            <p:ph type="title"/>
-          </p:nvPr>
+          <p:cNvPr id="7" name="Rectangle 6"/>
+          <p:cNvSpPr/>
+          <p:nvPr/>
         </p:nvSpPr>
         <p:spPr>
           <a:xfrm>
-            <a:off x="838200" y="365125"/>
-            <a:ext cx="10515600" cy="1325563"/>
+            <a:off x="11292840" y="0"/>
+            <a:ext cx="914400" cy="6858000"/>
+          </a:xfrm>
+          <a:prstGeom prst="rect">
+            <a:avLst/>
+          </a:prstGeom>
+          <a:solidFill>
+            <a:schemeClr val="tx2">
+              <a:lumMod val="75000"/>
+            </a:schemeClr>
+          </a:solidFill>
+          <a:ln>
+            <a:noFill/>
+          </a:ln>
+        </p:spPr>
+        <p:style>
+          <a:lnRef idx="2">
+            <a:schemeClr val="accent1">
+              <a:shade val="50000"/>
+            </a:schemeClr>
+          </a:lnRef>
+          <a:fillRef idx="1">
+            <a:schemeClr val="accent1"/>
+          </a:fillRef>
+          <a:effectRef idx="0">
+            <a:schemeClr val="accent1"/>
+          </a:effectRef>
+          <a:fontRef idx="minor">
+            <a:schemeClr val="lt1"/>
+          </a:fontRef>
+        </p:style>
+      </p:sp>
+      <p:sp>
+        <p:nvSpPr>
+          <p:cNvPr id="2" name="Title Placeholder 1"/>
+          <p:cNvSpPr>
+            <a:spLocks noGrp="1"/>
+          </p:cNvSpPr>
+          <p:nvPr>
+            <p:ph type="title"/>
+          </p:nvPr>
+        </p:nvSpPr>
+        <p:spPr>
+          <a:xfrm>
+            <a:off x="1261872" y="365760"/>
+            <a:ext cx="9692640" cy="1325562"/>
           </a:xfrm>
           <a:prstGeom prst="rect">
             <a:avLst/>
           </a:prstGeom>
         </p:spPr>
         <p:txBody>
-          <a:bodyPr vert="horz" lIns="91440" tIns="45720" rIns="91440" bIns="45720" rtlCol="0" anchor="ctr">
+          <a:bodyPr vert="horz" lIns="91440" tIns="45720" rIns="91440" bIns="45720" rtlCol="0" anchor="b">
             <a:normAutofit/>
           </a:bodyPr>
           <a:lstStyle/>
           <a:p>
             <a:r>
-              <a:rPr lang="en-US"/>
+              <a:rPr lang="en-US" dirty="0"/>
               <a:t>Click to edit Master title style</a:t>
             </a:r>
-            <a:endParaRPr lang="en-GB"/>
-          </a:p>
-        </p:txBody>
-      </p:sp>
-      <p:sp>
-        <p:nvSpPr>
-          <p:cNvPr id="3" name="Text Placeholder 2">
-            <a:extLst>
-              <a:ext uri="{FF2B5EF4-FFF2-40B4-BE49-F238E27FC236}">
-                <a16:creationId xmlns:a16="http://schemas.microsoft.com/office/drawing/2014/main" id="{1C70652E-B442-25F3-8A34-629D5153A1AE}"/>
-              </a:ext>
-            </a:extLst>
-          </p:cNvPr>
+          </a:p>
+        </p:txBody>
+      </p:sp>
+      <p:sp>
+        <p:nvSpPr>
+          <p:cNvPr id="3" name="Text Placeholder 2"/>
           <p:cNvSpPr>
             <a:spLocks noGrp="1"/>
           </p:cNvSpPr>
@@ -2922,8 +3755,8 @@
         </p:nvSpPr>
         <p:spPr>
           <a:xfrm>
-            <a:off x="838200" y="1825625"/>
-            <a:ext cx="10515600" cy="4351338"/>
+            <a:off x="1261872" y="1828800"/>
+            <a:ext cx="8595360" cy="4351337"/>
           </a:xfrm>
           <a:prstGeom prst="rect">
             <a:avLst/>
@@ -2937,50 +3770,43 @@
           <a:p>
             <a:pPr lvl="0"/>
             <a:r>
-              <a:rPr lang="en-US"/>
+              <a:rPr lang="en-US" dirty="0"/>
               <a:t>Click to edit Master text styles</a:t>
             </a:r>
           </a:p>
           <a:p>
             <a:pPr lvl="1"/>
             <a:r>
-              <a:rPr lang="en-US"/>
+              <a:rPr lang="en-US" dirty="0"/>
               <a:t>Second level</a:t>
             </a:r>
           </a:p>
           <a:p>
             <a:pPr lvl="2"/>
             <a:r>
-              <a:rPr lang="en-US"/>
+              <a:rPr lang="en-US" dirty="0"/>
               <a:t>Third level</a:t>
             </a:r>
           </a:p>
           <a:p>
             <a:pPr lvl="3"/>
             <a:r>
-              <a:rPr lang="en-US"/>
+              <a:rPr lang="en-US" dirty="0"/>
               <a:t>Fourth level</a:t>
             </a:r>
           </a:p>
           <a:p>
             <a:pPr lvl="4"/>
             <a:r>
-              <a:rPr lang="en-US"/>
+              <a:rPr lang="en-US" dirty="0"/>
               <a:t>Fifth level</a:t>
             </a:r>
-            <a:endParaRPr lang="en-GB"/>
-          </a:p>
-        </p:txBody>
-      </p:sp>
-      <p:sp>
-        <p:nvSpPr>
-          <p:cNvPr id="4" name="Date Placeholder 3">
-            <a:extLst>
-              <a:ext uri="{FF2B5EF4-FFF2-40B4-BE49-F238E27FC236}">
-                <a16:creationId xmlns:a16="http://schemas.microsoft.com/office/drawing/2014/main" id="{FEA9B116-4C96-4682-8838-376ADDA5DD1A}"/>
-              </a:ext>
-            </a:extLst>
-          </p:cNvPr>
+          </a:p>
+        </p:txBody>
+      </p:sp>
+      <p:sp>
+        <p:nvSpPr>
+          <p:cNvPr id="4" name="Date Placeholder 3"/>
           <p:cNvSpPr>
             <a:spLocks noGrp="1"/>
           </p:cNvSpPr>
@@ -2989,9 +3815,9 @@
           </p:nvPr>
         </p:nvSpPr>
         <p:spPr>
-          <a:xfrm>
-            <a:off x="838200" y="6356350"/>
-            <a:ext cx="2743200" cy="365125"/>
+          <a:xfrm rot="16200000">
+            <a:off x="10797542" y="998537"/>
+            <a:ext cx="1904999" cy="365125"/>
           </a:xfrm>
           <a:prstGeom prst="rect">
             <a:avLst/>
@@ -3000,34 +3826,29 @@
         <p:txBody>
           <a:bodyPr vert="horz" lIns="91440" tIns="45720" rIns="91440" bIns="45720" rtlCol="0" anchor="ctr"/>
           <a:lstStyle>
-            <a:lvl1pPr algn="l">
-              <a:defRPr sz="1200">
+            <a:lvl1pPr algn="r">
+              <a:defRPr sz="1050" b="0">
                 <a:solidFill>
-                  <a:schemeClr val="tx1">
-                    <a:tint val="82000"/>
+                  <a:schemeClr val="tx2">
+                    <a:lumMod val="20000"/>
+                    <a:lumOff val="80000"/>
                   </a:schemeClr>
                 </a:solidFill>
               </a:defRPr>
             </a:lvl1pPr>
           </a:lstStyle>
           <a:p>
-            <a:fld id="{DAF30F48-86DF-437A-92A5-AADD40346249}" type="datetimeFigureOut">
-              <a:rPr lang="en-GB" smtClean="0"/>
-              <a:t>09/04/2024</a:t>
+            <a:fld id="{0E59FD0C-5451-4CA0-86AF-E70AE3279989}" type="datetimeFigureOut">
+              <a:rPr lang="en-US" dirty="0"/>
+              <a:t>4/9/2024</a:t>
             </a:fld>
-            <a:endParaRPr lang="en-GB"/>
-          </a:p>
-        </p:txBody>
-      </p:sp>
-      <p:sp>
-        <p:nvSpPr>
-          <p:cNvPr id="5" name="Footer Placeholder 4">
-            <a:extLst>
-              <a:ext uri="{FF2B5EF4-FFF2-40B4-BE49-F238E27FC236}">
-                <a16:creationId xmlns:a16="http://schemas.microsoft.com/office/drawing/2014/main" id="{0657B599-0E7A-551F-6C57-A3D76FE9C49D}"/>
-              </a:ext>
-            </a:extLst>
-          </p:cNvPr>
+            <a:endParaRPr lang="en-US" dirty="0"/>
+          </a:p>
+        </p:txBody>
+      </p:sp>
+      <p:sp>
+        <p:nvSpPr>
+          <p:cNvPr id="5" name="Footer Placeholder 4"/>
           <p:cNvSpPr>
             <a:spLocks noGrp="1"/>
           </p:cNvSpPr>
@@ -3036,9 +3857,9 @@
           </p:nvPr>
         </p:nvSpPr>
         <p:spPr>
-          <a:xfrm>
-            <a:off x="4038600" y="6356350"/>
-            <a:ext cx="4114800" cy="365125"/>
+          <a:xfrm rot="16200000">
+            <a:off x="9959341" y="4046537"/>
+            <a:ext cx="3581400" cy="365125"/>
           </a:xfrm>
           <a:prstGeom prst="rect">
             <a:avLst/>
@@ -3047,30 +3868,25 @@
         <p:txBody>
           <a:bodyPr vert="horz" lIns="91440" tIns="45720" rIns="91440" bIns="45720" rtlCol="0" anchor="ctr"/>
           <a:lstStyle>
-            <a:lvl1pPr algn="ctr">
-              <a:defRPr sz="1200">
+            <a:lvl1pPr algn="l">
+              <a:defRPr sz="1050">
                 <a:solidFill>
-                  <a:schemeClr val="tx1">
-                    <a:tint val="82000"/>
+                  <a:schemeClr val="tx2">
+                    <a:lumMod val="20000"/>
+                    <a:lumOff val="80000"/>
                   </a:schemeClr>
                 </a:solidFill>
               </a:defRPr>
             </a:lvl1pPr>
           </a:lstStyle>
           <a:p>
-            <a:endParaRPr lang="en-GB"/>
-          </a:p>
-        </p:txBody>
-      </p:sp>
-      <p:sp>
-        <p:nvSpPr>
-          <p:cNvPr id="6" name="Slide Number Placeholder 5">
-            <a:extLst>
-              <a:ext uri="{FF2B5EF4-FFF2-40B4-BE49-F238E27FC236}">
-                <a16:creationId xmlns:a16="http://schemas.microsoft.com/office/drawing/2014/main" id="{2508F6DA-442B-8380-0852-5075E3818B79}"/>
-              </a:ext>
-            </a:extLst>
-          </p:cNvPr>
+            <a:endParaRPr lang="en-US" dirty="0"/>
+          </a:p>
+        </p:txBody>
+      </p:sp>
+      <p:sp>
+        <p:nvSpPr>
+          <p:cNvPr id="6" name="Slide Number Placeholder 5"/>
           <p:cNvSpPr>
             <a:spLocks noGrp="1"/>
           </p:cNvSpPr>
@@ -3080,56 +3896,61 @@
         </p:nvSpPr>
         <p:spPr>
           <a:xfrm>
-            <a:off x="8610600" y="6356350"/>
-            <a:ext cx="2743200" cy="365125"/>
+            <a:off x="11292840" y="6172200"/>
+            <a:ext cx="914400" cy="593725"/>
           </a:xfrm>
           <a:prstGeom prst="rect">
             <a:avLst/>
           </a:prstGeom>
         </p:spPr>
         <p:txBody>
-          <a:bodyPr vert="horz" lIns="91440" tIns="45720" rIns="91440" bIns="45720" rtlCol="0" anchor="ctr"/>
+          <a:bodyPr vert="horz" lIns="45720" tIns="45720" rIns="45720" bIns="45720" rtlCol="0" anchor="ctr">
+            <a:normAutofit/>
+          </a:bodyPr>
           <a:lstStyle>
-            <a:lvl1pPr algn="r">
-              <a:defRPr sz="1200">
+            <a:lvl1pPr algn="ctr">
+              <a:defRPr sz="3600">
                 <a:solidFill>
-                  <a:schemeClr val="tx1">
-                    <a:tint val="82000"/>
+                  <a:schemeClr val="tx2">
+                    <a:lumMod val="60000"/>
+                    <a:lumOff val="40000"/>
                   </a:schemeClr>
                 </a:solidFill>
               </a:defRPr>
             </a:lvl1pPr>
           </a:lstStyle>
           <a:p>
-            <a:fld id="{8B005DEF-992F-4156-9C7D-B290D42ACB40}" type="slidenum">
-              <a:rPr lang="en-GB" smtClean="0"/>
+            <a:fld id="{4FAB73BC-B049-4115-A692-8D63A059BFB8}" type="slidenum">
+              <a:rPr lang="en-US" dirty="0"/>
+              <a:pPr/>
               <a:t>‹#›</a:t>
             </a:fld>
-            <a:endParaRPr lang="en-GB"/>
+            <a:endParaRPr lang="en-US" dirty="0"/>
           </a:p>
         </p:txBody>
       </p:sp>
     </p:spTree>
     <p:extLst>
       <p:ext uri="{BB962C8B-B14F-4D97-AF65-F5344CB8AC3E}">
-        <p14:creationId xmlns:p14="http://schemas.microsoft.com/office/powerpoint/2010/main" val="2685460780"/>
+        <p14:creationId xmlns:p14="http://schemas.microsoft.com/office/powerpoint/2010/main" val="777485583"/>
       </p:ext>
     </p:extLst>
   </p:cSld>
   <p:clrMap bg1="lt1" tx1="dk1" bg2="lt2" tx2="dk2" accent1="accent1" accent2="accent2" accent3="accent3" accent4="accent4" accent5="accent5" accent6="accent6" hlink="hlink" folHlink="folHlink"/>
   <p:sldLayoutIdLst>
-    <p:sldLayoutId id="2147483649" r:id="rId1"/>
-    <p:sldLayoutId id="2147483650" r:id="rId2"/>
-    <p:sldLayoutId id="2147483651" r:id="rId3"/>
-    <p:sldLayoutId id="2147483652" r:id="rId4"/>
-    <p:sldLayoutId id="2147483653" r:id="rId5"/>
-    <p:sldLayoutId id="2147483654" r:id="rId6"/>
-    <p:sldLayoutId id="2147483655" r:id="rId7"/>
-    <p:sldLayoutId id="2147483656" r:id="rId8"/>
-    <p:sldLayoutId id="2147483657" r:id="rId9"/>
-    <p:sldLayoutId id="2147483658" r:id="rId10"/>
-    <p:sldLayoutId id="2147483659" r:id="rId11"/>
+    <p:sldLayoutId id="2147483661" r:id="rId1"/>
+    <p:sldLayoutId id="2147483662" r:id="rId2"/>
+    <p:sldLayoutId id="2147483663" r:id="rId3"/>
+    <p:sldLayoutId id="2147483664" r:id="rId4"/>
+    <p:sldLayoutId id="2147483665" r:id="rId5"/>
+    <p:sldLayoutId id="2147483666" r:id="rId6"/>
+    <p:sldLayoutId id="2147483667" r:id="rId7"/>
+    <p:sldLayoutId id="2147483668" r:id="rId8"/>
+    <p:sldLayoutId id="2147483669" r:id="rId9"/>
+    <p:sldLayoutId id="2147483670" r:id="rId10"/>
+    <p:sldLayoutId id="2147483671" r:id="rId11"/>
   </p:sldLayoutIdLst>
+  <p:hf sldNum="0" hdr="0" ftr="0" dt="0"/>
   <p:txStyles>
     <p:titleStyle>
       <a:lvl1pPr algn="l" defTabSz="914400" rtl="0" eaLnBrk="1" latinLnBrk="0" hangingPunct="1">
@@ -3140,7 +3961,7 @@
           <a:spcPct val="0"/>
         </a:spcBef>
         <a:buNone/>
-        <a:defRPr sz="4400" kern="1200">
+        <a:defRPr sz="4400" kern="1200" spc="-50" baseline="0">
           <a:solidFill>
             <a:schemeClr val="tx1"/>
           </a:solidFill>
@@ -3151,16 +3972,23 @@
       </a:lvl1pPr>
     </p:titleStyle>
     <p:bodyStyle>
-      <a:lvl1pPr marL="228600" indent="-228600" algn="l" defTabSz="914400" rtl="0" eaLnBrk="1" latinLnBrk="0" hangingPunct="1">
+      <a:lvl1pPr marL="182880" indent="-182880" algn="l" defTabSz="914400" rtl="0" eaLnBrk="1" latinLnBrk="0" hangingPunct="1">
         <a:lnSpc>
-          <a:spcPct val="90000"/>
+          <a:spcPct val="95000"/>
         </a:lnSpc>
         <a:spcBef>
-          <a:spcPts val="1000"/>
+          <a:spcPts val="1400"/>
         </a:spcBef>
-        <a:buFont typeface="Arial" panose="020B0604020202020204" pitchFamily="34" charset="0"/>
+        <a:spcAft>
+          <a:spcPts val="200"/>
+        </a:spcAft>
+        <a:buClr>
+          <a:schemeClr val="accent1"/>
+        </a:buClr>
+        <a:buSzPct val="80000"/>
+        <a:buFont typeface="Arial" pitchFamily="34" charset="0"/>
         <a:buChar char="•"/>
-        <a:defRPr sz="2800" kern="1200">
+        <a:defRPr sz="1800" kern="1200" spc="10" baseline="0">
           <a:solidFill>
             <a:schemeClr val="tx1"/>
           </a:solidFill>
@@ -3169,144 +3997,216 @@
           <a:cs typeface="+mn-cs"/>
         </a:defRPr>
       </a:lvl1pPr>
-      <a:lvl2pPr marL="685800" indent="-228600" algn="l" defTabSz="914400" rtl="0" eaLnBrk="1" latinLnBrk="0" hangingPunct="1">
+      <a:lvl2pPr marL="457200" indent="-182880" algn="l" defTabSz="914400" rtl="0" eaLnBrk="1" latinLnBrk="0" hangingPunct="1">
         <a:lnSpc>
           <a:spcPct val="90000"/>
         </a:lnSpc>
         <a:spcBef>
-          <a:spcPts val="500"/>
+          <a:spcPts val="300"/>
         </a:spcBef>
-        <a:buFont typeface="Arial" panose="020B0604020202020204" pitchFamily="34" charset="0"/>
-        <a:buChar char="•"/>
-        <a:defRPr sz="2400" kern="1200">
+        <a:spcAft>
+          <a:spcPts val="300"/>
+        </a:spcAft>
+        <a:buClr>
+          <a:schemeClr val="accent1"/>
+        </a:buClr>
+        <a:buFont typeface="Wingdings 2" pitchFamily="18" charset="2"/>
+        <a:buChar char=""/>
+        <a:defRPr sz="1600" kern="1200">
           <a:solidFill>
-            <a:schemeClr val="tx1"/>
+            <a:schemeClr val="tx1">
+              <a:lumMod val="85000"/>
+              <a:lumOff val="15000"/>
+            </a:schemeClr>
           </a:solidFill>
           <a:latin typeface="+mn-lt"/>
           <a:ea typeface="+mn-ea"/>
           <a:cs typeface="+mn-cs"/>
         </a:defRPr>
       </a:lvl2pPr>
-      <a:lvl3pPr marL="1143000" indent="-228600" algn="l" defTabSz="914400" rtl="0" eaLnBrk="1" latinLnBrk="0" hangingPunct="1">
+      <a:lvl3pPr marL="731520" indent="-182880" algn="l" defTabSz="914400" rtl="0" eaLnBrk="1" latinLnBrk="0" hangingPunct="1">
         <a:lnSpc>
           <a:spcPct val="90000"/>
         </a:lnSpc>
         <a:spcBef>
-          <a:spcPts val="500"/>
+          <a:spcPts val="300"/>
         </a:spcBef>
-        <a:buFont typeface="Arial" panose="020B0604020202020204" pitchFamily="34" charset="0"/>
-        <a:buChar char="•"/>
-        <a:defRPr sz="2000" kern="1200">
+        <a:spcAft>
+          <a:spcPts val="300"/>
+        </a:spcAft>
+        <a:buClr>
+          <a:schemeClr val="accent1"/>
+        </a:buClr>
+        <a:buFont typeface="Wingdings 2" pitchFamily="18" charset="2"/>
+        <a:buChar char=""/>
+        <a:defRPr sz="1400" kern="1200">
           <a:solidFill>
-            <a:schemeClr val="tx1"/>
+            <a:schemeClr val="tx1">
+              <a:lumMod val="85000"/>
+              <a:lumOff val="15000"/>
+            </a:schemeClr>
           </a:solidFill>
           <a:latin typeface="+mn-lt"/>
           <a:ea typeface="+mn-ea"/>
           <a:cs typeface="+mn-cs"/>
         </a:defRPr>
       </a:lvl3pPr>
-      <a:lvl4pPr marL="1600200" indent="-228600" algn="l" defTabSz="914400" rtl="0" eaLnBrk="1" latinLnBrk="0" hangingPunct="1">
+      <a:lvl4pPr marL="1005840" indent="-182880" algn="l" defTabSz="914400" rtl="0" eaLnBrk="1" latinLnBrk="0" hangingPunct="1">
         <a:lnSpc>
           <a:spcPct val="90000"/>
         </a:lnSpc>
         <a:spcBef>
-          <a:spcPts val="500"/>
+          <a:spcPts val="300"/>
         </a:spcBef>
-        <a:buFont typeface="Arial" panose="020B0604020202020204" pitchFamily="34" charset="0"/>
-        <a:buChar char="•"/>
-        <a:defRPr sz="1800" kern="1200">
+        <a:spcAft>
+          <a:spcPts val="300"/>
+        </a:spcAft>
+        <a:buClr>
+          <a:schemeClr val="accent1"/>
+        </a:buClr>
+        <a:buFont typeface="Wingdings 2" pitchFamily="18" charset="2"/>
+        <a:buChar char=""/>
+        <a:defRPr sz="1400" kern="1200">
           <a:solidFill>
-            <a:schemeClr val="tx1"/>
+            <a:schemeClr val="tx1">
+              <a:lumMod val="85000"/>
+              <a:lumOff val="15000"/>
+            </a:schemeClr>
           </a:solidFill>
           <a:latin typeface="+mn-lt"/>
           <a:ea typeface="+mn-ea"/>
           <a:cs typeface="+mn-cs"/>
         </a:defRPr>
       </a:lvl4pPr>
-      <a:lvl5pPr marL="2057400" indent="-228600" algn="l" defTabSz="914400" rtl="0" eaLnBrk="1" latinLnBrk="0" hangingPunct="1">
+      <a:lvl5pPr marL="1280160" indent="-182880" algn="l" defTabSz="914400" rtl="0" eaLnBrk="1" latinLnBrk="0" hangingPunct="1">
         <a:lnSpc>
           <a:spcPct val="90000"/>
         </a:lnSpc>
         <a:spcBef>
-          <a:spcPts val="500"/>
+          <a:spcPts val="300"/>
         </a:spcBef>
-        <a:buFont typeface="Arial" panose="020B0604020202020204" pitchFamily="34" charset="0"/>
-        <a:buChar char="•"/>
-        <a:defRPr sz="1800" kern="1200">
+        <a:spcAft>
+          <a:spcPts val="300"/>
+        </a:spcAft>
+        <a:buClr>
+          <a:schemeClr val="accent1"/>
+        </a:buClr>
+        <a:buFont typeface="Wingdings 2" pitchFamily="18" charset="2"/>
+        <a:buChar char=""/>
+        <a:defRPr sz="1400" kern="1200">
           <a:solidFill>
-            <a:schemeClr val="tx1"/>
+            <a:schemeClr val="tx1">
+              <a:lumMod val="85000"/>
+              <a:lumOff val="15000"/>
+            </a:schemeClr>
           </a:solidFill>
           <a:latin typeface="+mn-lt"/>
           <a:ea typeface="+mn-ea"/>
           <a:cs typeface="+mn-cs"/>
         </a:defRPr>
       </a:lvl5pPr>
-      <a:lvl6pPr marL="2514600" indent="-228600" algn="l" defTabSz="914400" rtl="0" eaLnBrk="1" latinLnBrk="0" hangingPunct="1">
+      <a:lvl6pPr marL="1600000" indent="-228600" algn="l" defTabSz="914400" rtl="0" eaLnBrk="1" latinLnBrk="0" hangingPunct="1">
         <a:lnSpc>
           <a:spcPct val="90000"/>
         </a:lnSpc>
         <a:spcBef>
-          <a:spcPts val="500"/>
+          <a:spcPts val="300"/>
         </a:spcBef>
-        <a:buFont typeface="Arial" panose="020B0604020202020204" pitchFamily="34" charset="0"/>
-        <a:buChar char="•"/>
-        <a:defRPr sz="1800" kern="1200">
+        <a:spcAft>
+          <a:spcPts val="300"/>
+        </a:spcAft>
+        <a:buClr>
+          <a:schemeClr val="accent1"/>
+        </a:buClr>
+        <a:buFont typeface="Wingdings 2" pitchFamily="18" charset="2"/>
+        <a:buChar char=""/>
+        <a:defRPr sz="1400" kern="1200">
           <a:solidFill>
-            <a:schemeClr val="tx1"/>
+            <a:schemeClr val="tx1">
+              <a:lumMod val="85000"/>
+              <a:lumOff val="15000"/>
+            </a:schemeClr>
           </a:solidFill>
           <a:latin typeface="+mn-lt"/>
           <a:ea typeface="+mn-ea"/>
           <a:cs typeface="+mn-cs"/>
         </a:defRPr>
       </a:lvl6pPr>
-      <a:lvl7pPr marL="2971800" indent="-228600" algn="l" defTabSz="914400" rtl="0" eaLnBrk="1" latinLnBrk="0" hangingPunct="1">
+      <a:lvl7pPr marL="1900000" indent="-228600" algn="l" defTabSz="914400" rtl="0" eaLnBrk="1" latinLnBrk="0" hangingPunct="1">
         <a:lnSpc>
           <a:spcPct val="90000"/>
         </a:lnSpc>
         <a:spcBef>
-          <a:spcPts val="500"/>
+          <a:spcPts val="300"/>
         </a:spcBef>
-        <a:buFont typeface="Arial" panose="020B0604020202020204" pitchFamily="34" charset="0"/>
-        <a:buChar char="•"/>
-        <a:defRPr sz="1800" kern="1200">
+        <a:spcAft>
+          <a:spcPts val="300"/>
+        </a:spcAft>
+        <a:buClr>
+          <a:schemeClr val="accent1"/>
+        </a:buClr>
+        <a:buFont typeface="Wingdings 2" pitchFamily="18" charset="2"/>
+        <a:buChar char=""/>
+        <a:defRPr sz="1400" kern="1200">
           <a:solidFill>
-            <a:schemeClr val="tx1"/>
+            <a:schemeClr val="tx1">
+              <a:lumMod val="85000"/>
+              <a:lumOff val="15000"/>
+            </a:schemeClr>
           </a:solidFill>
           <a:latin typeface="+mn-lt"/>
           <a:ea typeface="+mn-ea"/>
           <a:cs typeface="+mn-cs"/>
         </a:defRPr>
       </a:lvl7pPr>
-      <a:lvl8pPr marL="3429000" indent="-228600" algn="l" defTabSz="914400" rtl="0" eaLnBrk="1" latinLnBrk="0" hangingPunct="1">
+      <a:lvl8pPr marL="2200000" indent="-228600" algn="l" defTabSz="914400" rtl="0" eaLnBrk="1" latinLnBrk="0" hangingPunct="1">
         <a:lnSpc>
           <a:spcPct val="90000"/>
         </a:lnSpc>
         <a:spcBef>
-          <a:spcPts val="500"/>
+          <a:spcPts val="300"/>
         </a:spcBef>
-        <a:buFont typeface="Arial" panose="020B0604020202020204" pitchFamily="34" charset="0"/>
-        <a:buChar char="•"/>
-        <a:defRPr sz="1800" kern="1200">
+        <a:spcAft>
+          <a:spcPts val="300"/>
+        </a:spcAft>
+        <a:buClr>
+          <a:schemeClr val="accent1"/>
+        </a:buClr>
+        <a:buFont typeface="Wingdings 2" pitchFamily="18" charset="2"/>
+        <a:buChar char=""/>
+        <a:defRPr sz="1400" kern="1200">
           <a:solidFill>
-            <a:schemeClr val="tx1"/>
+            <a:schemeClr val="tx1">
+              <a:lumMod val="85000"/>
+              <a:lumOff val="15000"/>
+            </a:schemeClr>
           </a:solidFill>
           <a:latin typeface="+mn-lt"/>
           <a:ea typeface="+mn-ea"/>
           <a:cs typeface="+mn-cs"/>
         </a:defRPr>
       </a:lvl8pPr>
-      <a:lvl9pPr marL="3886200" indent="-228600" algn="l" defTabSz="914400" rtl="0" eaLnBrk="1" latinLnBrk="0" hangingPunct="1">
+      <a:lvl9pPr marL="2500000" indent="-228600" algn="l" defTabSz="914400" rtl="0" eaLnBrk="1" latinLnBrk="0" hangingPunct="1">
         <a:lnSpc>
           <a:spcPct val="90000"/>
         </a:lnSpc>
         <a:spcBef>
-          <a:spcPts val="500"/>
+          <a:spcPts val="300"/>
         </a:spcBef>
-        <a:buFont typeface="Arial" panose="020B0604020202020204" pitchFamily="34" charset="0"/>
-        <a:buChar char="•"/>
-        <a:defRPr sz="1800" kern="1200">
+        <a:spcAft>
+          <a:spcPts val="300"/>
+        </a:spcAft>
+        <a:buClr>
+          <a:schemeClr val="accent1"/>
+        </a:buClr>
+        <a:buFont typeface="Wingdings 2" pitchFamily="18" charset="2"/>
+        <a:buChar char=""/>
+        <a:defRPr sz="1400" kern="1200">
           <a:solidFill>
-            <a:schemeClr val="tx1"/>
+            <a:schemeClr val="tx1">
+              <a:lumMod val="85000"/>
+              <a:lumOff val="15000"/>
+            </a:schemeClr>
           </a:solidFill>
           <a:latin typeface="+mn-lt"/>
           <a:ea typeface="+mn-ea"/>
@@ -3506,218 +4406,6 @@
           </a:p>
         </p:txBody>
       </p:sp>
-      <p:sp>
-        <p:nvSpPr>
-          <p:cNvPr id="4" name="TextBox 3">
-            <a:extLst>
-              <a:ext uri="{FF2B5EF4-FFF2-40B4-BE49-F238E27FC236}">
-                <a16:creationId xmlns:a16="http://schemas.microsoft.com/office/drawing/2014/main" id="{2013227A-0A53-B825-4AB5-946CF89C0115}"/>
-              </a:ext>
-            </a:extLst>
-          </p:cNvPr>
-          <p:cNvSpPr txBox="1"/>
-          <p:nvPr/>
-        </p:nvSpPr>
-        <p:spPr>
-          <a:xfrm>
-            <a:off x="658761" y="344129"/>
-            <a:ext cx="4621162" cy="646331"/>
-          </a:xfrm>
-          <a:prstGeom prst="rect">
-            <a:avLst/>
-          </a:prstGeom>
-          <a:noFill/>
-        </p:spPr>
-        <p:txBody>
-          <a:bodyPr wrap="square" rtlCol="0">
-            <a:spAutoFit/>
-          </a:bodyPr>
-          <a:lstStyle/>
-          <a:p>
-            <a:r>
-              <a:rPr lang="it-IT" dirty="0" err="1">
-                <a:solidFill>
-                  <a:srgbClr val="FF0000"/>
-                </a:solidFill>
-              </a:rPr>
-              <a:t>Idk</a:t>
-            </a:r>
-            <a:r>
-              <a:rPr lang="it-IT" dirty="0">
-                <a:solidFill>
-                  <a:srgbClr val="FF0000"/>
-                </a:solidFill>
-              </a:rPr>
-              <a:t> </a:t>
-            </a:r>
-            <a:r>
-              <a:rPr lang="it-IT" dirty="0" err="1">
-                <a:solidFill>
-                  <a:srgbClr val="FF0000"/>
-                </a:solidFill>
-              </a:rPr>
-              <a:t>which</a:t>
-            </a:r>
-            <a:r>
-              <a:rPr lang="it-IT" dirty="0">
-                <a:solidFill>
-                  <a:srgbClr val="FF0000"/>
-                </a:solidFill>
-              </a:rPr>
-              <a:t> </a:t>
-            </a:r>
-            <a:r>
-              <a:rPr lang="it-IT" dirty="0" err="1">
-                <a:solidFill>
-                  <a:srgbClr val="FF0000"/>
-                </a:solidFill>
-              </a:rPr>
-              <a:t>kind</a:t>
-            </a:r>
-            <a:r>
-              <a:rPr lang="it-IT" dirty="0">
-                <a:solidFill>
-                  <a:srgbClr val="FF0000"/>
-                </a:solidFill>
-              </a:rPr>
-              <a:t> of design </a:t>
-            </a:r>
-            <a:r>
-              <a:rPr lang="it-IT" dirty="0" err="1">
-                <a:solidFill>
-                  <a:srgbClr val="FF0000"/>
-                </a:solidFill>
-              </a:rPr>
-              <a:t>we</a:t>
-            </a:r>
-            <a:r>
-              <a:rPr lang="it-IT" dirty="0">
-                <a:solidFill>
-                  <a:srgbClr val="FF0000"/>
-                </a:solidFill>
-              </a:rPr>
-              <a:t> </a:t>
-            </a:r>
-            <a:r>
-              <a:rPr lang="it-IT" dirty="0" err="1">
-                <a:solidFill>
-                  <a:srgbClr val="FF0000"/>
-                </a:solidFill>
-              </a:rPr>
-              <a:t>should</a:t>
-            </a:r>
-            <a:r>
-              <a:rPr lang="it-IT" dirty="0">
-                <a:solidFill>
-                  <a:srgbClr val="FF0000"/>
-                </a:solidFill>
-              </a:rPr>
-              <a:t> use, </a:t>
-            </a:r>
-            <a:r>
-              <a:rPr lang="it-IT" dirty="0" err="1">
-                <a:solidFill>
-                  <a:srgbClr val="FF0000"/>
-                </a:solidFill>
-              </a:rPr>
-              <a:t>if</a:t>
-            </a:r>
-            <a:r>
-              <a:rPr lang="it-IT" dirty="0">
-                <a:solidFill>
-                  <a:srgbClr val="FF0000"/>
-                </a:solidFill>
-              </a:rPr>
-              <a:t> </a:t>
-            </a:r>
-            <a:r>
-              <a:rPr lang="it-IT" dirty="0" err="1">
-                <a:solidFill>
-                  <a:srgbClr val="FF0000"/>
-                </a:solidFill>
-              </a:rPr>
-              <a:t>you</a:t>
-            </a:r>
-            <a:r>
-              <a:rPr lang="it-IT" dirty="0">
-                <a:solidFill>
-                  <a:srgbClr val="FF0000"/>
-                </a:solidFill>
-              </a:rPr>
-              <a:t> </a:t>
-            </a:r>
-            <a:r>
-              <a:rPr lang="it-IT" dirty="0" err="1">
-                <a:solidFill>
-                  <a:srgbClr val="FF0000"/>
-                </a:solidFill>
-              </a:rPr>
-              <a:t>have</a:t>
-            </a:r>
-            <a:r>
-              <a:rPr lang="it-IT" dirty="0">
-                <a:solidFill>
-                  <a:srgbClr val="FF0000"/>
-                </a:solidFill>
-              </a:rPr>
-              <a:t> some template </a:t>
-            </a:r>
-            <a:r>
-              <a:rPr lang="it-IT" dirty="0" err="1">
-                <a:solidFill>
-                  <a:srgbClr val="FF0000"/>
-                </a:solidFill>
-              </a:rPr>
-              <a:t>feel</a:t>
-            </a:r>
-            <a:r>
-              <a:rPr lang="it-IT" dirty="0">
-                <a:solidFill>
-                  <a:srgbClr val="FF0000"/>
-                </a:solidFill>
-              </a:rPr>
-              <a:t> free to </a:t>
-            </a:r>
-            <a:r>
-              <a:rPr lang="it-IT" dirty="0" err="1">
-                <a:solidFill>
-                  <a:srgbClr val="FF0000"/>
-                </a:solidFill>
-              </a:rPr>
-              <a:t>apply</a:t>
-            </a:r>
-            <a:r>
-              <a:rPr lang="it-IT" dirty="0">
-                <a:solidFill>
-                  <a:srgbClr val="FF0000"/>
-                </a:solidFill>
-              </a:rPr>
-              <a:t> </a:t>
-            </a:r>
-            <a:r>
-              <a:rPr lang="it-IT" dirty="0" err="1">
-                <a:solidFill>
-                  <a:srgbClr val="FF0000"/>
-                </a:solidFill>
-              </a:rPr>
-              <a:t>it</a:t>
-            </a:r>
-            <a:r>
-              <a:rPr lang="it-IT" dirty="0">
-                <a:solidFill>
-                  <a:srgbClr val="FF0000"/>
-                </a:solidFill>
-              </a:rPr>
-              <a:t>… </a:t>
-            </a:r>
-            <a:endParaRPr lang="en-GB" dirty="0">
-              <a:solidFill>
-                <a:srgbClr val="FF0000"/>
-              </a:solidFill>
-            </a:endParaRPr>
-          </a:p>
-        </p:txBody>
-      </p:sp>
     </p:spTree>
     <p:extLst>
       <p:ext uri="{BB962C8B-B14F-4D97-AF65-F5344CB8AC3E}">
@@ -3750,242 +4438,6 @@
       </p:grpSpPr>
       <p:sp>
         <p:nvSpPr>
-          <p:cNvPr id="2" name="Title 1">
-            <a:extLst>
-              <a:ext uri="{FF2B5EF4-FFF2-40B4-BE49-F238E27FC236}">
-                <a16:creationId xmlns:a16="http://schemas.microsoft.com/office/drawing/2014/main" id="{12FC630A-161F-5E5A-6CE0-34A11F69B664}"/>
-              </a:ext>
-            </a:extLst>
-          </p:cNvPr>
-          <p:cNvSpPr>
-            <a:spLocks noGrp="1"/>
-          </p:cNvSpPr>
-          <p:nvPr>
-            <p:ph type="title"/>
-          </p:nvPr>
-        </p:nvSpPr>
-        <p:spPr/>
-        <p:txBody>
-          <a:bodyPr/>
-          <a:lstStyle/>
-          <a:p>
-            <a:r>
-              <a:rPr lang="it-IT" dirty="0"/>
-              <a:t>Dataset </a:t>
-            </a:r>
-            <a:endParaRPr lang="en-GB" dirty="0"/>
-          </a:p>
-        </p:txBody>
-      </p:sp>
-      <p:sp>
-        <p:nvSpPr>
-          <p:cNvPr id="3" name="Content Placeholder 2">
-            <a:extLst>
-              <a:ext uri="{FF2B5EF4-FFF2-40B4-BE49-F238E27FC236}">
-                <a16:creationId xmlns:a16="http://schemas.microsoft.com/office/drawing/2014/main" id="{D2D795D8-4A3B-7D7A-1D84-6D02008F4B32}"/>
-              </a:ext>
-            </a:extLst>
-          </p:cNvPr>
-          <p:cNvSpPr>
-            <a:spLocks noGrp="1"/>
-          </p:cNvSpPr>
-          <p:nvPr>
-            <p:ph idx="1"/>
-          </p:nvPr>
-        </p:nvSpPr>
-        <p:spPr/>
-        <p:txBody>
-          <a:bodyPr/>
-          <a:lstStyle/>
-          <a:p>
-            <a:r>
-              <a:rPr lang="it-IT" dirty="0"/>
-              <a:t>… </a:t>
-            </a:r>
-            <a:r>
-              <a:rPr lang="it-IT" dirty="0" err="1"/>
-              <a:t>since</a:t>
-            </a:r>
-            <a:r>
-              <a:rPr lang="it-IT" dirty="0"/>
-              <a:t> </a:t>
-            </a:r>
-            <a:r>
-              <a:rPr lang="it-IT" dirty="0" err="1"/>
-              <a:t>we</a:t>
-            </a:r>
-            <a:r>
-              <a:rPr lang="it-IT" dirty="0"/>
-              <a:t> </a:t>
-            </a:r>
-            <a:r>
-              <a:rPr lang="it-IT" dirty="0" err="1"/>
-              <a:t>all</a:t>
-            </a:r>
-            <a:r>
-              <a:rPr lang="it-IT" dirty="0"/>
-              <a:t> </a:t>
-            </a:r>
-            <a:r>
-              <a:rPr lang="it-IT" dirty="0" err="1"/>
-              <a:t>did</a:t>
-            </a:r>
-            <a:r>
-              <a:rPr lang="it-IT" dirty="0"/>
-              <a:t> the project on the </a:t>
-            </a:r>
-            <a:r>
-              <a:rPr lang="it-IT" dirty="0" err="1"/>
-              <a:t>same</a:t>
-            </a:r>
-            <a:r>
-              <a:rPr lang="it-IT" dirty="0"/>
-              <a:t> dataset </a:t>
-            </a:r>
-            <a:r>
-              <a:rPr lang="it-IT" dirty="0" err="1"/>
-              <a:t>maybe</a:t>
-            </a:r>
-            <a:r>
-              <a:rPr lang="it-IT" dirty="0"/>
-              <a:t> </a:t>
-            </a:r>
-            <a:r>
-              <a:rPr lang="it-IT" dirty="0" err="1"/>
-              <a:t>we</a:t>
-            </a:r>
-            <a:r>
-              <a:rPr lang="it-IT" dirty="0"/>
-              <a:t> can skip </a:t>
-            </a:r>
-            <a:r>
-              <a:rPr lang="it-IT" dirty="0" err="1"/>
-              <a:t>this</a:t>
-            </a:r>
-            <a:r>
-              <a:rPr lang="it-IT" dirty="0"/>
-              <a:t> slide (or </a:t>
-            </a:r>
-            <a:r>
-              <a:rPr lang="it-IT" dirty="0" err="1"/>
-              <a:t>present</a:t>
-            </a:r>
-            <a:r>
-              <a:rPr lang="it-IT" dirty="0"/>
-              <a:t> </a:t>
-            </a:r>
-            <a:r>
-              <a:rPr lang="it-IT" dirty="0" err="1"/>
-              <a:t>it</a:t>
-            </a:r>
-            <a:r>
-              <a:rPr lang="it-IT" dirty="0"/>
-              <a:t> </a:t>
-            </a:r>
-            <a:r>
-              <a:rPr lang="it-IT" dirty="0" err="1"/>
-              <a:t>very</a:t>
-            </a:r>
-            <a:r>
-              <a:rPr lang="it-IT" dirty="0"/>
-              <a:t> </a:t>
-            </a:r>
-            <a:r>
-              <a:rPr lang="it-IT" dirty="0" err="1"/>
-              <a:t>quickly</a:t>
-            </a:r>
-            <a:r>
-              <a:rPr lang="it-IT" dirty="0"/>
-              <a:t>) and go </a:t>
-            </a:r>
-            <a:r>
-              <a:rPr lang="it-IT" dirty="0" err="1"/>
-              <a:t>directly</a:t>
-            </a:r>
-            <a:r>
-              <a:rPr lang="it-IT" dirty="0"/>
-              <a:t> to the </a:t>
-            </a:r>
-            <a:r>
-              <a:rPr lang="it-IT" dirty="0" err="1"/>
-              <a:t>variables</a:t>
-            </a:r>
-            <a:r>
-              <a:rPr lang="it-IT" dirty="0"/>
-              <a:t> </a:t>
-            </a:r>
-            <a:r>
-              <a:rPr lang="it-IT" dirty="0" err="1"/>
-              <a:t>that</a:t>
-            </a:r>
-            <a:r>
-              <a:rPr lang="it-IT" dirty="0"/>
-              <a:t> </a:t>
-            </a:r>
-            <a:r>
-              <a:rPr lang="it-IT" dirty="0" err="1"/>
-              <a:t>we</a:t>
-            </a:r>
-            <a:r>
-              <a:rPr lang="it-IT" dirty="0"/>
-              <a:t> </a:t>
-            </a:r>
-            <a:r>
-              <a:rPr lang="it-IT" dirty="0" err="1"/>
-              <a:t>selected</a:t>
-            </a:r>
-            <a:r>
-              <a:rPr lang="it-IT" dirty="0"/>
-              <a:t> for </a:t>
-            </a:r>
-            <a:r>
-              <a:rPr lang="it-IT" dirty="0" err="1"/>
-              <a:t>our</a:t>
-            </a:r>
-            <a:r>
-              <a:rPr lang="it-IT" dirty="0"/>
-              <a:t> </a:t>
-            </a:r>
-            <a:r>
-              <a:rPr lang="it-IT" dirty="0" err="1"/>
-              <a:t>analysis</a:t>
-            </a:r>
-            <a:endParaRPr lang="en-GB" dirty="0"/>
-          </a:p>
-        </p:txBody>
-      </p:sp>
-    </p:spTree>
-    <p:extLst>
-      <p:ext uri="{BB962C8B-B14F-4D97-AF65-F5344CB8AC3E}">
-        <p14:creationId xmlns:p14="http://schemas.microsoft.com/office/powerpoint/2010/main" val="3372192238"/>
-      </p:ext>
-    </p:extLst>
-  </p:cSld>
-  <p:clrMapOvr>
-    <a:masterClrMapping/>
-  </p:clrMapOvr>
-</p:sld>
-</file>
-
-<file path=ppt/slides/slide3.xml><?xml version="1.0" encoding="utf-8"?>
-<p:sld xmlns:a="http://schemas.openxmlformats.org/drawingml/2006/main" xmlns:r="http://schemas.openxmlformats.org/officeDocument/2006/relationships" xmlns:p="http://schemas.openxmlformats.org/presentationml/2006/main">
-  <p:cSld>
-    <p:spTree>
-      <p:nvGrpSpPr>
-        <p:cNvPr id="1" name=""/>
-        <p:cNvGrpSpPr/>
-        <p:nvPr/>
-      </p:nvGrpSpPr>
-      <p:grpSpPr>
-        <a:xfrm>
-          <a:off x="0" y="0"/>
-          <a:ext cx="0" cy="0"/>
-          <a:chOff x="0" y="0"/>
-          <a:chExt cx="0" cy="0"/>
-        </a:xfrm>
-      </p:grpSpPr>
-      <p:sp>
-        <p:nvSpPr>
           <p:cNvPr id="4" name="Title 3">
             <a:extLst>
               <a:ext uri="{FF2B5EF4-FFF2-40B4-BE49-F238E27FC236}">
@@ -4037,8 +4489,8 @@
         </p:blipFill>
         <p:spPr>
           <a:xfrm>
-            <a:off x="5183188" y="1057059"/>
-            <a:ext cx="6172200" cy="4734357"/>
+            <a:off x="4503738" y="1097134"/>
+            <a:ext cx="6080125" cy="4663732"/>
           </a:xfrm>
         </p:spPr>
       </p:pic>
@@ -4257,110 +4709,132 @@
           </a:prstGeom>
         </p:spPr>
       </p:pic>
-      <p:sp>
-        <p:nvSpPr>
-          <p:cNvPr id="11" name="TextBox 10">
-            <a:extLst>
-              <a:ext uri="{FF2B5EF4-FFF2-40B4-BE49-F238E27FC236}">
-                <a16:creationId xmlns:a16="http://schemas.microsoft.com/office/drawing/2014/main" id="{F63174D4-1103-3DEA-DA32-C74599CDE2FC}"/>
-              </a:ext>
-            </a:extLst>
-          </p:cNvPr>
-          <p:cNvSpPr txBox="1"/>
-          <p:nvPr/>
-        </p:nvSpPr>
-        <p:spPr>
-          <a:xfrm>
-            <a:off x="3451123" y="373626"/>
-            <a:ext cx="4454012" cy="646331"/>
-          </a:xfrm>
-          <a:prstGeom prst="rect">
-            <a:avLst/>
-          </a:prstGeom>
-          <a:noFill/>
-        </p:spPr>
-        <p:txBody>
-          <a:bodyPr wrap="square" rtlCol="0">
-            <a:spAutoFit/>
-          </a:bodyPr>
-          <a:lstStyle/>
-          <a:p>
-            <a:r>
-              <a:rPr lang="it-IT" dirty="0" err="1"/>
-              <a:t>Maybe</a:t>
-            </a:r>
-            <a:r>
-              <a:rPr lang="it-IT" dirty="0"/>
-              <a:t> </a:t>
-            </a:r>
-            <a:r>
-              <a:rPr lang="it-IT" dirty="0" err="1"/>
-              <a:t>this</a:t>
-            </a:r>
-            <a:r>
-              <a:rPr lang="it-IT" dirty="0"/>
-              <a:t> slide can be </a:t>
-            </a:r>
-            <a:r>
-              <a:rPr lang="it-IT" dirty="0" err="1"/>
-              <a:t>organized</a:t>
-            </a:r>
-            <a:r>
-              <a:rPr lang="it-IT" dirty="0"/>
-              <a:t> </a:t>
-            </a:r>
-            <a:r>
-              <a:rPr lang="it-IT" dirty="0" err="1"/>
-              <a:t>better</a:t>
-            </a:r>
-            <a:r>
-              <a:rPr lang="it-IT" dirty="0"/>
-              <a:t> + </a:t>
-            </a:r>
-            <a:r>
-              <a:rPr lang="it-IT" dirty="0" err="1"/>
-              <a:t>add</a:t>
-            </a:r>
-            <a:r>
-              <a:rPr lang="it-IT" dirty="0"/>
-              <a:t> a </a:t>
-            </a:r>
-            <a:r>
-              <a:rPr lang="it-IT" dirty="0" err="1"/>
-              <a:t>comment</a:t>
-            </a:r>
-            <a:r>
-              <a:rPr lang="it-IT" dirty="0"/>
-              <a:t> on the </a:t>
-            </a:r>
-            <a:r>
-              <a:rPr lang="it-IT" dirty="0" err="1"/>
-              <a:t>other</a:t>
-            </a:r>
-            <a:r>
-              <a:rPr lang="it-IT" dirty="0"/>
-              <a:t> </a:t>
-            </a:r>
-            <a:r>
-              <a:rPr lang="it-IT" dirty="0" err="1"/>
-              <a:t>graph</a:t>
-            </a:r>
-            <a:r>
-              <a:rPr lang="it-IT" dirty="0"/>
-              <a:t> </a:t>
-            </a:r>
-            <a:r>
-              <a:rPr lang="it-IT" dirty="0" err="1"/>
-              <a:t>idk</a:t>
-            </a:r>
-            <a:endParaRPr lang="en-GB" dirty="0"/>
-          </a:p>
-        </p:txBody>
-      </p:sp>
     </p:spTree>
     <p:extLst>
       <p:ext uri="{BB962C8B-B14F-4D97-AF65-F5344CB8AC3E}">
         <p14:creationId xmlns:p14="http://schemas.microsoft.com/office/powerpoint/2010/main" val="426450475"/>
+      </p:ext>
+    </p:extLst>
+  </p:cSld>
+  <p:clrMapOvr>
+    <a:masterClrMapping/>
+  </p:clrMapOvr>
+</p:sld>
+</file>
+
+<file path=ppt/slides/slide3.xml><?xml version="1.0" encoding="utf-8"?>
+<p:sld xmlns:a="http://schemas.openxmlformats.org/drawingml/2006/main" xmlns:r="http://schemas.openxmlformats.org/officeDocument/2006/relationships" xmlns:p="http://schemas.openxmlformats.org/presentationml/2006/main">
+  <p:cSld>
+    <p:spTree>
+      <p:nvGrpSpPr>
+        <p:cNvPr id="1" name=""/>
+        <p:cNvGrpSpPr/>
+        <p:nvPr/>
+      </p:nvGrpSpPr>
+      <p:grpSpPr>
+        <a:xfrm>
+          <a:off x="0" y="0"/>
+          <a:ext cx="0" cy="0"/>
+          <a:chOff x="0" y="0"/>
+          <a:chExt cx="0" cy="0"/>
+        </a:xfrm>
+      </p:grpSpPr>
+      <p:sp>
+        <p:nvSpPr>
+          <p:cNvPr id="2" name="Title 1">
+            <a:extLst>
+              <a:ext uri="{FF2B5EF4-FFF2-40B4-BE49-F238E27FC236}">
+                <a16:creationId xmlns:a16="http://schemas.microsoft.com/office/drawing/2014/main" id="{15ED45A9-EC62-433E-C397-C678FFC4BFC0}"/>
+              </a:ext>
+            </a:extLst>
+          </p:cNvPr>
+          <p:cNvSpPr>
+            <a:spLocks noGrp="1"/>
+          </p:cNvSpPr>
+          <p:nvPr>
+            <p:ph type="title"/>
+          </p:nvPr>
+        </p:nvSpPr>
+        <p:spPr/>
+        <p:txBody>
+          <a:bodyPr/>
+          <a:lstStyle/>
+          <a:p>
+            <a:r>
+              <a:rPr lang="it-IT" dirty="0" err="1"/>
+              <a:t>Our</a:t>
+            </a:r>
+            <a:r>
+              <a:rPr lang="it-IT" dirty="0"/>
+              <a:t> </a:t>
+            </a:r>
+            <a:r>
+              <a:rPr lang="it-IT" dirty="0" err="1"/>
+              <a:t>hypothesis</a:t>
+            </a:r>
+            <a:endParaRPr lang="en-GB" dirty="0"/>
+          </a:p>
+        </p:txBody>
+      </p:sp>
+      <p:sp>
+        <p:nvSpPr>
+          <p:cNvPr id="3" name="Content Placeholder 2">
+            <a:extLst>
+              <a:ext uri="{FF2B5EF4-FFF2-40B4-BE49-F238E27FC236}">
+                <a16:creationId xmlns:a16="http://schemas.microsoft.com/office/drawing/2014/main" id="{D86CE192-4586-DB48-7AAA-2D9A164B5AAE}"/>
+              </a:ext>
+            </a:extLst>
+          </p:cNvPr>
+          <p:cNvSpPr>
+            <a:spLocks noGrp="1"/>
+          </p:cNvSpPr>
+          <p:nvPr>
+            <p:ph idx="1"/>
+          </p:nvPr>
+        </p:nvSpPr>
+        <p:spPr/>
+        <p:txBody>
+          <a:bodyPr vert="horz" lIns="91440" tIns="45720" rIns="91440" bIns="45720" rtlCol="0" anchor="t">
+            <a:normAutofit/>
+          </a:bodyPr>
+          <a:lstStyle/>
+          <a:p>
+            <a:r>
+              <a:rPr lang="en-GB" dirty="0"/>
+              <a:t>Will having more timestamps/logs lead to a better score?</a:t>
+            </a:r>
+          </a:p>
+          <a:p>
+            <a:r>
+              <a:rPr lang="en-GB" dirty="0"/>
+              <a:t>Will being consistently active lead to a better scores?</a:t>
+            </a:r>
+          </a:p>
+          <a:p>
+            <a:r>
+              <a:rPr lang="en-GB" dirty="0" err="1"/>
+              <a:t>Willthe</a:t>
+            </a:r>
+            <a:r>
+              <a:rPr lang="en-GB" dirty="0"/>
+              <a:t> preferred time of day for working influence the score?</a:t>
+            </a:r>
+          </a:p>
+          <a:p>
+            <a:r>
+              <a:rPr lang="en-GB" dirty="0"/>
+              <a:t>Does the compilation time affect the score?</a:t>
+            </a:r>
+          </a:p>
+          <a:p>
+            <a:endParaRPr lang="en-GB"/>
+          </a:p>
+        </p:txBody>
+      </p:sp>
+    </p:spTree>
+    <p:extLst>
+      <p:ext uri="{BB962C8B-B14F-4D97-AF65-F5344CB8AC3E}">
+        <p14:creationId xmlns:p14="http://schemas.microsoft.com/office/powerpoint/2010/main" val="4159415826"/>
       </p:ext>
     </p:extLst>
   </p:cSld>
@@ -4392,7 +4866,7 @@
           <p:cNvPr id="2" name="Title 1">
             <a:extLst>
               <a:ext uri="{FF2B5EF4-FFF2-40B4-BE49-F238E27FC236}">
-                <a16:creationId xmlns:a16="http://schemas.microsoft.com/office/drawing/2014/main" id="{15ED45A9-EC62-433E-C397-C678FFC4BFC0}"/>
+                <a16:creationId xmlns:a16="http://schemas.microsoft.com/office/drawing/2014/main" id="{F25E4AA6-F6AA-B07F-9246-03A6D22661F7}"/>
               </a:ext>
             </a:extLst>
           </p:cNvPr>
@@ -4409,16 +4883,8 @@
           <a:lstStyle/>
           <a:p>
             <a:r>
-              <a:rPr lang="it-IT" dirty="0" err="1"/>
-              <a:t>Our</a:t>
-            </a:r>
-            <a:r>
               <a:rPr lang="it-IT" dirty="0"/>
-              <a:t> </a:t>
-            </a:r>
-            <a:r>
-              <a:rPr lang="it-IT" dirty="0" err="1"/>
-              <a:t>hypothesis</a:t>
+              <a:t>Features</a:t>
             </a:r>
             <a:endParaRPr lang="en-GB" dirty="0"/>
           </a:p>
@@ -4429,7 +4895,7 @@
           <p:cNvPr id="3" name="Content Placeholder 2">
             <a:extLst>
               <a:ext uri="{FF2B5EF4-FFF2-40B4-BE49-F238E27FC236}">
-                <a16:creationId xmlns:a16="http://schemas.microsoft.com/office/drawing/2014/main" id="{D86CE192-4586-DB48-7AAA-2D9A164B5AAE}"/>
+                <a16:creationId xmlns:a16="http://schemas.microsoft.com/office/drawing/2014/main" id="{251D08DA-1A0A-3DDF-8F26-1938022CF5CF}"/>
               </a:ext>
             </a:extLst>
           </p:cNvPr>
@@ -4442,33 +4908,58 @@
         </p:nvSpPr>
         <p:spPr/>
         <p:txBody>
-          <a:bodyPr/>
+          <a:bodyPr vert="horz" lIns="91440" tIns="45720" rIns="91440" bIns="45720" rtlCol="0" anchor="t">
+            <a:normAutofit/>
+          </a:bodyPr>
           <a:lstStyle/>
           <a:p>
             <a:r>
+              <a:rPr lang="en-GB" b="1" dirty="0"/>
+              <a:t>Score </a:t>
+            </a:r>
+            <a:r>
               <a:rPr lang="en-GB" dirty="0"/>
-              <a:t>Will being consistently active lead to a better learning?</a:t>
-            </a:r>
-          </a:p>
-          <a:p>
+              <a:t>: the score that each student obtained</a:t>
+            </a:r>
+          </a:p>
+          <a:p>
+            <a:r>
+              <a:rPr lang="en-GB" b="1" dirty="0" err="1"/>
+              <a:t>Comp_t</a:t>
+            </a:r>
             <a:r>
               <a:rPr lang="en-GB" dirty="0"/>
-              <a:t>Is the preferred time of day for working on the course having an effect on the score?</a:t>
-            </a:r>
-          </a:p>
-          <a:p>
+              <a:t> : the time each student took to complete the course (difference between the last and the first log of the student)</a:t>
+            </a:r>
+          </a:p>
+          <a:p>
+            <a:r>
+              <a:rPr lang="en-GB" b="1" dirty="0"/>
+              <a:t>Logs</a:t>
+            </a:r>
             <a:r>
               <a:rPr lang="en-GB" dirty="0"/>
-              <a:t>.. Others?</a:t>
-            </a:r>
-          </a:p>
-          <a:p>
-            <a:pPr marL="0" indent="0">
-              <a:buNone/>
-            </a:pPr>
+              <a:t>: the number of different timestamps that we have for each student</a:t>
+            </a:r>
+          </a:p>
+          <a:p>
+            <a:r>
+              <a:rPr lang="en-GB" b="1" dirty="0" err="1"/>
+              <a:t>Pref_work_time</a:t>
+            </a:r>
             <a:r>
               <a:rPr lang="en-GB" dirty="0"/>
-              <a:t>Based on that questions we decided to select our features for building the models […]</a:t>
+              <a:t>  the time of day in which a student tends to work (morning/day/night)</a:t>
+            </a:r>
+          </a:p>
+          <a:p>
+            <a:r>
+              <a:rPr lang="en-GB" b="1" dirty="0" err="1"/>
+              <a:t>Log_days</a:t>
+            </a:r>
+            <a:r>
+              <a:rPr lang="en-GB" dirty="0"/>
+              <a:t>: amount of days in which the student has been active in the course area.</a:t>
             </a:r>
           </a:p>
         </p:txBody>
@@ -4476,7 +4967,7 @@
     </p:spTree>
     <p:extLst>
       <p:ext uri="{BB962C8B-B14F-4D97-AF65-F5344CB8AC3E}">
-        <p14:creationId xmlns:p14="http://schemas.microsoft.com/office/powerpoint/2010/main" val="4159415826"/>
+        <p14:creationId xmlns:p14="http://schemas.microsoft.com/office/powerpoint/2010/main" val="827827499"/>
       </p:ext>
     </p:extLst>
   </p:cSld>
@@ -4487,6 +4978,348 @@
 </file>
 
 <file path=ppt/slides/slide5.xml><?xml version="1.0" encoding="utf-8"?>
+<p:sld xmlns:a="http://schemas.openxmlformats.org/drawingml/2006/main" xmlns:r="http://schemas.openxmlformats.org/officeDocument/2006/relationships" xmlns:p="http://schemas.openxmlformats.org/presentationml/2006/main">
+  <p:cSld>
+    <p:bg>
+      <p:bgPr>
+        <a:solidFill>
+          <a:schemeClr val="bg1"/>
+        </a:solidFill>
+        <a:effectLst/>
+      </p:bgPr>
+    </p:bg>
+    <p:spTree>
+      <p:nvGrpSpPr>
+        <p:cNvPr id="1" name=""/>
+        <p:cNvGrpSpPr/>
+        <p:nvPr/>
+      </p:nvGrpSpPr>
+      <p:grpSpPr>
+        <a:xfrm>
+          <a:off x="0" y="0"/>
+          <a:ext cx="0" cy="0"/>
+          <a:chOff x="0" y="0"/>
+          <a:chExt cx="0" cy="0"/>
+        </a:xfrm>
+      </p:grpSpPr>
+      <p:sp>
+        <p:nvSpPr>
+          <p:cNvPr id="2" name="Title 1">
+            <a:extLst>
+              <a:ext uri="{FF2B5EF4-FFF2-40B4-BE49-F238E27FC236}">
+                <a16:creationId xmlns:a16="http://schemas.microsoft.com/office/drawing/2014/main" id="{871493D0-421A-731A-15F8-199F0756E2FB}"/>
+              </a:ext>
+            </a:extLst>
+          </p:cNvPr>
+          <p:cNvSpPr>
+            <a:spLocks noGrp="1"/>
+          </p:cNvSpPr>
+          <p:nvPr>
+            <p:ph type="title"/>
+          </p:nvPr>
+        </p:nvSpPr>
+        <p:spPr>
+          <a:xfrm>
+            <a:off x="630936" y="639520"/>
+            <a:ext cx="8849032" cy="637524"/>
+          </a:xfrm>
+        </p:spPr>
+        <p:txBody>
+          <a:bodyPr anchor="b">
+            <a:normAutofit fontScale="90000"/>
+          </a:bodyPr>
+          <a:lstStyle/>
+          <a:p>
+            <a:r>
+              <a:rPr lang="en-GB" sz="4600" dirty="0"/>
+              <a:t>Approach 1:Decision Tree</a:t>
+            </a:r>
+          </a:p>
+        </p:txBody>
+      </p:sp>
+      <p:sp>
+        <p:nvSpPr>
+          <p:cNvPr id="3" name="Content Placeholder 2">
+            <a:extLst>
+              <a:ext uri="{FF2B5EF4-FFF2-40B4-BE49-F238E27FC236}">
+                <a16:creationId xmlns:a16="http://schemas.microsoft.com/office/drawing/2014/main" id="{09F1A851-803D-339D-199F-94C9F38D2B70}"/>
+              </a:ext>
+            </a:extLst>
+          </p:cNvPr>
+          <p:cNvSpPr>
+            <a:spLocks noGrp="1"/>
+          </p:cNvSpPr>
+          <p:nvPr>
+            <p:ph idx="1"/>
+          </p:nvPr>
+        </p:nvSpPr>
+        <p:spPr>
+          <a:xfrm>
+            <a:off x="630936" y="2168111"/>
+            <a:ext cx="3429000" cy="3410712"/>
+          </a:xfrm>
+        </p:spPr>
+        <p:txBody>
+          <a:bodyPr vert="horz" lIns="91440" tIns="45720" rIns="91440" bIns="45720" rtlCol="0" anchor="t">
+            <a:normAutofit/>
+          </a:bodyPr>
+          <a:lstStyle/>
+          <a:p>
+            <a:r>
+              <a:rPr lang="en-GB" sz="2200" dirty="0"/>
+              <a:t>Score categories: 0-5</a:t>
+            </a:r>
+          </a:p>
+          <a:p>
+            <a:r>
+              <a:rPr lang="en-GB" sz="2200" dirty="0"/>
+              <a:t>Data split 70/30</a:t>
+            </a:r>
+          </a:p>
+          <a:p>
+            <a:r>
+              <a:rPr lang="en-GB" sz="2200" dirty="0"/>
+              <a:t>Oversampling the data</a:t>
+            </a:r>
+          </a:p>
+          <a:p>
+            <a:r>
+              <a:rPr lang="en-GB" sz="2200" dirty="0"/>
+              <a:t>Hyperparameter tuning</a:t>
+            </a:r>
+          </a:p>
+          <a:p>
+            <a:r>
+              <a:rPr lang="en-GB" sz="2200" dirty="0"/>
+              <a:t>Standardization</a:t>
+            </a:r>
+          </a:p>
+          <a:p>
+            <a:endParaRPr lang="en-GB" sz="2200"/>
+          </a:p>
+          <a:p>
+            <a:r>
+              <a:rPr lang="en-GB" sz="2200" dirty="0"/>
+              <a:t>Results: </a:t>
+            </a:r>
+          </a:p>
+          <a:p>
+            <a:pPr lvl="1">
+              <a:buFont typeface="Courier New" panose="020B0604020202020204" pitchFamily="34" charset="0"/>
+              <a:buChar char="o"/>
+            </a:pPr>
+            <a:r>
+              <a:rPr lang="en-GB" sz="2200" dirty="0"/>
+              <a:t>F1-score: above 0.70</a:t>
+            </a:r>
+          </a:p>
+          <a:p>
+            <a:endParaRPr lang="en-GB" sz="2200"/>
+          </a:p>
+          <a:p>
+            <a:pPr marL="0" indent="0">
+              <a:buNone/>
+            </a:pPr>
+            <a:endParaRPr lang="en-GB" sz="2200"/>
+          </a:p>
+        </p:txBody>
+      </p:sp>
+      <p:pic>
+        <p:nvPicPr>
+          <p:cNvPr id="6" name="Picture 5">
+            <a:extLst>
+              <a:ext uri="{FF2B5EF4-FFF2-40B4-BE49-F238E27FC236}">
+                <a16:creationId xmlns:a16="http://schemas.microsoft.com/office/drawing/2014/main" id="{661D9C16-B604-55CA-2B30-6F83D4590CDF}"/>
+              </a:ext>
+            </a:extLst>
+          </p:cNvPr>
+          <p:cNvPicPr>
+            <a:picLocks noChangeAspect="1"/>
+          </p:cNvPicPr>
+          <p:nvPr/>
+        </p:nvPicPr>
+        <p:blipFill>
+          <a:blip r:embed="rId2"/>
+          <a:stretch>
+            <a:fillRect/>
+          </a:stretch>
+        </p:blipFill>
+        <p:spPr>
+          <a:xfrm>
+            <a:off x="4445360" y="2165913"/>
+            <a:ext cx="6387527" cy="3497109"/>
+          </a:xfrm>
+          <a:prstGeom prst="rect">
+            <a:avLst/>
+          </a:prstGeom>
+        </p:spPr>
+      </p:pic>
+    </p:spTree>
+    <p:extLst>
+      <p:ext uri="{BB962C8B-B14F-4D97-AF65-F5344CB8AC3E}">
+        <p14:creationId xmlns:p14="http://schemas.microsoft.com/office/powerpoint/2010/main" val="3116678895"/>
+      </p:ext>
+    </p:extLst>
+  </p:cSld>
+  <p:clrMapOvr>
+    <a:masterClrMapping/>
+  </p:clrMapOvr>
+</p:sld>
+</file>
+
+<file path=ppt/slides/slide6.xml><?xml version="1.0" encoding="utf-8"?>
+<p:sld xmlns:a="http://schemas.openxmlformats.org/drawingml/2006/main" xmlns:r="http://schemas.openxmlformats.org/officeDocument/2006/relationships" xmlns:p="http://schemas.openxmlformats.org/presentationml/2006/main">
+  <p:cSld>
+    <p:bg>
+      <p:bgPr>
+        <a:solidFill>
+          <a:schemeClr val="bg1"/>
+        </a:solidFill>
+        <a:effectLst/>
+      </p:bgPr>
+    </p:bg>
+    <p:spTree>
+      <p:nvGrpSpPr>
+        <p:cNvPr id="1" name=""/>
+        <p:cNvGrpSpPr/>
+        <p:nvPr/>
+      </p:nvGrpSpPr>
+      <p:grpSpPr>
+        <a:xfrm>
+          <a:off x="0" y="0"/>
+          <a:ext cx="0" cy="0"/>
+          <a:chOff x="0" y="0"/>
+          <a:chExt cx="0" cy="0"/>
+        </a:xfrm>
+      </p:grpSpPr>
+      <p:sp>
+        <p:nvSpPr>
+          <p:cNvPr id="2" name="Title 1">
+            <a:extLst>
+              <a:ext uri="{FF2B5EF4-FFF2-40B4-BE49-F238E27FC236}">
+                <a16:creationId xmlns:a16="http://schemas.microsoft.com/office/drawing/2014/main" id="{871493D0-421A-731A-15F8-199F0756E2FB}"/>
+              </a:ext>
+            </a:extLst>
+          </p:cNvPr>
+          <p:cNvSpPr>
+            <a:spLocks noGrp="1"/>
+          </p:cNvSpPr>
+          <p:nvPr>
+            <p:ph type="title"/>
+          </p:nvPr>
+        </p:nvSpPr>
+        <p:spPr>
+          <a:xfrm>
+            <a:off x="630936" y="639520"/>
+            <a:ext cx="3429000" cy="1719072"/>
+          </a:xfrm>
+        </p:spPr>
+        <p:txBody>
+          <a:bodyPr anchor="b">
+            <a:normAutofit/>
+          </a:bodyPr>
+          <a:lstStyle/>
+          <a:p>
+            <a:r>
+              <a:rPr lang="en-GB" sz="4600" dirty="0"/>
+              <a:t>Approach 2: </a:t>
+            </a:r>
+            <a:br>
+              <a:rPr lang="en-GB" sz="4600" dirty="0"/>
+            </a:br>
+            <a:r>
+              <a:rPr lang="en-GB" sz="4600" dirty="0"/>
+              <a:t>Regression</a:t>
+            </a:r>
+          </a:p>
+        </p:txBody>
+      </p:sp>
+      <p:sp>
+        <p:nvSpPr>
+          <p:cNvPr id="3" name="Content Placeholder 2">
+            <a:extLst>
+              <a:ext uri="{FF2B5EF4-FFF2-40B4-BE49-F238E27FC236}">
+                <a16:creationId xmlns:a16="http://schemas.microsoft.com/office/drawing/2014/main" id="{09F1A851-803D-339D-199F-94C9F38D2B70}"/>
+              </a:ext>
+            </a:extLst>
+          </p:cNvPr>
+          <p:cNvSpPr>
+            <a:spLocks noGrp="1"/>
+          </p:cNvSpPr>
+          <p:nvPr>
+            <p:ph idx="1"/>
+          </p:nvPr>
+        </p:nvSpPr>
+        <p:spPr>
+          <a:xfrm>
+            <a:off x="630936" y="2807208"/>
+            <a:ext cx="3429000" cy="3410712"/>
+          </a:xfrm>
+        </p:spPr>
+        <p:txBody>
+          <a:bodyPr vert="horz" lIns="91440" tIns="45720" rIns="91440" bIns="45720" rtlCol="0" anchor="t">
+            <a:normAutofit/>
+          </a:bodyPr>
+          <a:lstStyle/>
+          <a:p>
+            <a:r>
+              <a:rPr lang="en-GB" sz="2200" dirty="0"/>
+              <a:t>Something</a:t>
+            </a:r>
+          </a:p>
+          <a:p>
+            <a:r>
+              <a:rPr lang="en-GB" sz="2200" dirty="0"/>
+              <a:t>Something</a:t>
+            </a:r>
+          </a:p>
+          <a:p>
+            <a:r>
+              <a:rPr lang="en-GB" sz="2200"/>
+              <a:t>Something</a:t>
+            </a:r>
+            <a:endParaRPr lang="en-GB" sz="2200" dirty="0"/>
+          </a:p>
+          <a:p>
+            <a:endParaRPr lang="en-GB" sz="2200" dirty="0"/>
+          </a:p>
+          <a:p>
+            <a:endParaRPr lang="en-GB" sz="2200" dirty="0"/>
+          </a:p>
+          <a:p>
+            <a:endParaRPr lang="en-GB" sz="2200"/>
+          </a:p>
+          <a:p>
+            <a:r>
+              <a:rPr lang="en-GB" sz="2200" dirty="0"/>
+              <a:t>Results</a:t>
+            </a:r>
+          </a:p>
+          <a:p>
+            <a:endParaRPr lang="en-GB" sz="2200"/>
+          </a:p>
+          <a:p>
+            <a:pPr marL="0" indent="0">
+              <a:buNone/>
+            </a:pPr>
+            <a:endParaRPr lang="en-GB" sz="2200"/>
+          </a:p>
+        </p:txBody>
+      </p:sp>
+    </p:spTree>
+    <p:extLst>
+      <p:ext uri="{BB962C8B-B14F-4D97-AF65-F5344CB8AC3E}">
+        <p14:creationId xmlns:p14="http://schemas.microsoft.com/office/powerpoint/2010/main" val="830418775"/>
+      </p:ext>
+    </p:extLst>
+  </p:cSld>
+  <p:clrMapOvr>
+    <a:masterClrMapping/>
+  </p:clrMapOvr>
+</p:sld>
+</file>
+
+<file path=ppt/slides/slide7.xml><?xml version="1.0" encoding="utf-8"?>
 <p:sld xmlns:a="http://schemas.openxmlformats.org/drawingml/2006/main" xmlns:r="http://schemas.openxmlformats.org/officeDocument/2006/relationships" xmlns:p="http://schemas.openxmlformats.org/presentationml/2006/main">
   <p:cSld>
     <p:spTree>
@@ -4508,7 +5341,7 @@
           <p:cNvPr id="2" name="Title 1">
             <a:extLst>
               <a:ext uri="{FF2B5EF4-FFF2-40B4-BE49-F238E27FC236}">
-                <a16:creationId xmlns:a16="http://schemas.microsoft.com/office/drawing/2014/main" id="{F25E4AA6-F6AA-B07F-9246-03A6D22661F7}"/>
+                <a16:creationId xmlns:a16="http://schemas.microsoft.com/office/drawing/2014/main" id="{9D27FD30-3FE5-356F-D334-04EA15279315}"/>
               </a:ext>
             </a:extLst>
           </p:cNvPr>
@@ -4525,10 +5358,9 @@
           <a:lstStyle/>
           <a:p>
             <a:r>
-              <a:rPr lang="it-IT" dirty="0"/>
-              <a:t>Features</a:t>
-            </a:r>
-            <a:endParaRPr lang="en-GB" dirty="0"/>
+              <a:rPr lang="en-US" dirty="0"/>
+              <a:t>Final words</a:t>
+            </a:r>
           </a:p>
         </p:txBody>
       </p:sp>
@@ -4537,7 +5369,7 @@
           <p:cNvPr id="3" name="Content Placeholder 2">
             <a:extLst>
               <a:ext uri="{FF2B5EF4-FFF2-40B4-BE49-F238E27FC236}">
-                <a16:creationId xmlns:a16="http://schemas.microsoft.com/office/drawing/2014/main" id="{251D08DA-1A0A-3DDF-8F26-1938022CF5CF}"/>
+                <a16:creationId xmlns:a16="http://schemas.microsoft.com/office/drawing/2014/main" id="{97097577-6DDE-C60B-114D-E37EAD9C34BE}"/>
               </a:ext>
             </a:extLst>
           </p:cNvPr>
@@ -4550,50 +5382,37 @@
         </p:nvSpPr>
         <p:spPr/>
         <p:txBody>
-          <a:bodyPr>
+          <a:bodyPr vert="horz" lIns="91440" tIns="45720" rIns="91440" bIns="45720" rtlCol="0" anchor="t">
             <a:normAutofit/>
           </a:bodyPr>
           <a:lstStyle/>
           <a:p>
             <a:r>
-              <a:rPr lang="en-GB" dirty="0"/>
-              <a:t>Score : the score that each student obtained</a:t>
-            </a:r>
-          </a:p>
-          <a:p>
-            <a:r>
-              <a:rPr lang="en-GB" dirty="0" err="1"/>
-              <a:t>Comp_t</a:t>
-            </a:r>
-            <a:r>
-              <a:rPr lang="en-GB" dirty="0"/>
-              <a:t> : the time each student took to complete the course (difference between the last and the first log of the student. </a:t>
-            </a:r>
-          </a:p>
-          <a:p>
-            <a:r>
-              <a:rPr lang="en-GB" dirty="0"/>
-              <a:t>Logs : the number of different timestamps that we have for each student</a:t>
-            </a:r>
-          </a:p>
-          <a:p>
-            <a:r>
-              <a:rPr lang="en-GB" dirty="0" err="1"/>
-              <a:t>Pref_work_time</a:t>
-            </a:r>
-            <a:r>
-              <a:rPr lang="en-GB" dirty="0"/>
-              <a:t> : the time of day in which a student tends to work (morning/day/night)</a:t>
-            </a:r>
-          </a:p>
-          <a:p>
-            <a:r>
-              <a:rPr lang="en-GB" dirty="0" err="1"/>
-              <a:t>Log_days</a:t>
-            </a:r>
-            <a:r>
-              <a:rPr lang="en-GB" dirty="0"/>
-              <a:t> : amount of days in which the student has been active in the course area.</a:t>
+              <a:rPr lang="en-US" dirty="0"/>
+              <a:t>Compilation time, number of active days and logs does have an effect on the score</a:t>
+            </a:r>
+          </a:p>
+          <a:p>
+            <a:r>
+              <a:rPr lang="en-US" dirty="0"/>
+              <a:t>Preferred time of day for working not (</a:t>
+            </a:r>
+            <a:r>
+              <a:rPr lang="en-US" i="1" dirty="0"/>
+              <a:t>at least based on trees, how about regression?</a:t>
+            </a:r>
+            <a:r>
+              <a:rPr lang="en-US" dirty="0"/>
+              <a:t>)</a:t>
+            </a:r>
+          </a:p>
+          <a:p>
+            <a:endParaRPr lang="en-US" dirty="0"/>
+          </a:p>
+          <a:p>
+            <a:r>
+              <a:rPr lang="en-US" i="1" dirty="0"/>
+              <a:t>Something else?</a:t>
             </a:r>
           </a:p>
         </p:txBody>
@@ -4601,7 +5420,7 @@
     </p:spTree>
     <p:extLst>
       <p:ext uri="{BB962C8B-B14F-4D97-AF65-F5344CB8AC3E}">
-        <p14:creationId xmlns:p14="http://schemas.microsoft.com/office/powerpoint/2010/main" val="827827499"/>
+        <p14:creationId xmlns:p14="http://schemas.microsoft.com/office/powerpoint/2010/main" val="1732863363"/>
       </p:ext>
     </p:extLst>
   </p:cSld>
@@ -4611,7 +5430,7 @@
 </p:sld>
 </file>
 
-<file path=ppt/slides/slide6.xml><?xml version="1.0" encoding="utf-8"?>
+<file path=ppt/slides/slide8.xml><?xml version="1.0" encoding="utf-8"?>
 <p:sld xmlns:a="http://schemas.openxmlformats.org/drawingml/2006/main" xmlns:r="http://schemas.openxmlformats.org/officeDocument/2006/relationships" xmlns:p="http://schemas.openxmlformats.org/presentationml/2006/main">
   <p:cSld>
     <p:spTree>
@@ -4633,7 +5452,7 @@
           <p:cNvPr id="2" name="Title 1">
             <a:extLst>
               <a:ext uri="{FF2B5EF4-FFF2-40B4-BE49-F238E27FC236}">
-                <a16:creationId xmlns:a16="http://schemas.microsoft.com/office/drawing/2014/main" id="{871493D0-421A-731A-15F8-199F0756E2FB}"/>
+                <a16:creationId xmlns:a16="http://schemas.microsoft.com/office/drawing/2014/main" id="{D010584C-DBC3-0B03-1601-C693CD204DD2}"/>
               </a:ext>
             </a:extLst>
           </p:cNvPr>
@@ -4649,7 +5468,7 @@
           <a:bodyPr/>
           <a:lstStyle/>
           <a:p>
-            <a:endParaRPr lang="en-GB"/>
+            <a:endParaRPr lang="en-US"/>
           </a:p>
         </p:txBody>
       </p:sp>
@@ -4658,7 +5477,7 @@
           <p:cNvPr id="3" name="Content Placeholder 2">
             <a:extLst>
               <a:ext uri="{FF2B5EF4-FFF2-40B4-BE49-F238E27FC236}">
-                <a16:creationId xmlns:a16="http://schemas.microsoft.com/office/drawing/2014/main" id="{09F1A851-803D-339D-199F-94C9F38D2B70}"/>
+                <a16:creationId xmlns:a16="http://schemas.microsoft.com/office/drawing/2014/main" id="{16AEF29D-CC7E-64BE-5D33-C41370619029}"/>
               </a:ext>
             </a:extLst>
           </p:cNvPr>
@@ -4674,14 +5493,14 @@
           <a:bodyPr/>
           <a:lstStyle/>
           <a:p>
-            <a:endParaRPr lang="en-GB"/>
+            <a:endParaRPr lang="en-US"/>
           </a:p>
         </p:txBody>
       </p:sp>
     </p:spTree>
     <p:extLst>
       <p:ext uri="{BB962C8B-B14F-4D97-AF65-F5344CB8AC3E}">
-        <p14:creationId xmlns:p14="http://schemas.microsoft.com/office/powerpoint/2010/main" val="3116678895"/>
+        <p14:creationId xmlns:p14="http://schemas.microsoft.com/office/powerpoint/2010/main" val="3594638006"/>
       </p:ext>
     </p:extLst>
   </p:cSld>
@@ -4692,110 +5511,58 @@
 </file>
 
 <file path=ppt/theme/theme1.xml><?xml version="1.0" encoding="utf-8"?>
-<a:theme xmlns:a="http://schemas.openxmlformats.org/drawingml/2006/main" name="Office Theme">
+<a:theme xmlns:a="http://schemas.openxmlformats.org/drawingml/2006/main" name="View">
   <a:themeElements>
-    <a:clrScheme name="Office">
+    <a:clrScheme name="View">
       <a:dk1>
-        <a:sysClr val="windowText" lastClr="000000"/>
+        <a:srgbClr val="000000"/>
       </a:dk1>
       <a:lt1>
-        <a:sysClr val="window" lastClr="FFFFFF"/>
+        <a:srgbClr val="FFFFFF"/>
       </a:lt1>
       <a:dk2>
-        <a:srgbClr val="0E2841"/>
+        <a:srgbClr val="46464A"/>
       </a:dk2>
       <a:lt2>
-        <a:srgbClr val="E8E8E8"/>
+        <a:srgbClr val="D6D3CC"/>
       </a:lt2>
       <a:accent1>
-        <a:srgbClr val="156082"/>
+        <a:srgbClr val="6F6F74"/>
       </a:accent1>
       <a:accent2>
-        <a:srgbClr val="E97132"/>
+        <a:srgbClr val="92A9B9"/>
       </a:accent2>
       <a:accent3>
-        <a:srgbClr val="196B24"/>
+        <a:srgbClr val="A7B789"/>
       </a:accent3>
       <a:accent4>
-        <a:srgbClr val="0F9ED5"/>
+        <a:srgbClr val="B9A489"/>
       </a:accent4>
       <a:accent5>
-        <a:srgbClr val="A02B93"/>
+        <a:srgbClr val="8D6374"/>
       </a:accent5>
       <a:accent6>
-        <a:srgbClr val="4EA72E"/>
+        <a:srgbClr val="9B7362"/>
       </a:accent6>
       <a:hlink>
-        <a:srgbClr val="467886"/>
+        <a:srgbClr val="67AABF"/>
       </a:hlink>
       <a:folHlink>
-        <a:srgbClr val="96607D"/>
+        <a:srgbClr val="ABAFA5"/>
       </a:folHlink>
     </a:clrScheme>
-    <a:fontScheme name="Office">
+    <a:fontScheme name="View">
       <a:majorFont>
-        <a:latin typeface="Aptos Display" panose="02110004020202020204"/>
+        <a:latin typeface="Century Schoolbook" panose="02040604050505020304"/>
         <a:ea typeface=""/>
         <a:cs typeface=""/>
-        <a:font script="Jpan" typeface="游ゴシック Light"/>
+        <a:font script="Jpan" typeface="ＭＳ ゴシック"/>
         <a:font script="Hang" typeface="맑은 고딕"/>
-        <a:font script="Hans" typeface="等线 Light"/>
+        <a:font script="Hans" typeface="宋体"/>
         <a:font script="Hant" typeface="新細明體"/>
-        <a:font script="Arab" typeface="Times New Roman"/>
-        <a:font script="Hebr" typeface="Times New Roman"/>
-        <a:font script="Thai" typeface="Angsana New"/>
-        <a:font script="Ethi" typeface="Nyala"/>
-        <a:font script="Beng" typeface="Vrinda"/>
-        <a:font script="Gujr" typeface="Shruti"/>
-        <a:font script="Khmr" typeface="MoolBoran"/>
-        <a:font script="Knda" typeface="Tunga"/>
-        <a:font script="Guru" typeface="Raavi"/>
-        <a:font script="Cans" typeface="Euphemia"/>
-        <a:font script="Cher" typeface="Plantagenet Cherokee"/>
-        <a:font script="Yiii" typeface="Microsoft Yi Baiti"/>
-        <a:font script="Tibt" typeface="Microsoft Himalaya"/>
-        <a:font script="Thaa" typeface="MV Boli"/>
-        <a:font script="Deva" typeface="Mangal"/>
-        <a:font script="Telu" typeface="Gautami"/>
-        <a:font script="Taml" typeface="Latha"/>
-        <a:font script="Syrc" typeface="Estrangelo Edessa"/>
-        <a:font script="Orya" typeface="Kalinga"/>
-        <a:font script="Mlym" typeface="Kartika"/>
-        <a:font script="Laoo" typeface="DokChampa"/>
-        <a:font script="Sinh" typeface="Iskoola Pota"/>
-        <a:font script="Mong" typeface="Mongolian Baiti"/>
-        <a:font script="Viet" typeface="Times New Roman"/>
-        <a:font script="Uigh" typeface="Microsoft Uighur"/>
-        <a:font script="Geor" typeface="Sylfaen"/>
-        <a:font script="Armn" typeface="Arial"/>
-        <a:font script="Bugi" typeface="Leelawadee UI"/>
-        <a:font script="Bopo" typeface="Microsoft JhengHei"/>
-        <a:font script="Java" typeface="Javanese Text"/>
-        <a:font script="Lisu" typeface="Segoe UI"/>
-        <a:font script="Mymr" typeface="Myanmar Text"/>
-        <a:font script="Nkoo" typeface="Ebrima"/>
-        <a:font script="Olck" typeface="Nirmala UI"/>
-        <a:font script="Osma" typeface="Ebrima"/>
-        <a:font script="Phag" typeface="Phagspa"/>
-        <a:font script="Syrn" typeface="Estrangelo Edessa"/>
-        <a:font script="Syrj" typeface="Estrangelo Edessa"/>
-        <a:font script="Syre" typeface="Estrangelo Edessa"/>
-        <a:font script="Sora" typeface="Nirmala UI"/>
-        <a:font script="Tale" typeface="Microsoft Tai Le"/>
-        <a:font script="Talu" typeface="Microsoft New Tai Lue"/>
-        <a:font script="Tfng" typeface="Ebrima"/>
-      </a:majorFont>
-      <a:minorFont>
-        <a:latin typeface="Aptos" panose="02110004020202020204"/>
-        <a:ea typeface=""/>
-        <a:cs typeface=""/>
-        <a:font script="Jpan" typeface="游ゴシック"/>
-        <a:font script="Hang" typeface="맑은 고딕"/>
-        <a:font script="Hans" typeface="等线"/>
-        <a:font script="Hant" typeface="新細明體"/>
-        <a:font script="Arab" typeface="Arial"/>
-        <a:font script="Hebr" typeface="Arial"/>
-        <a:font script="Thai" typeface="Cordia New"/>
+        <a:font script="Arab" typeface="Tahoma"/>
+        <a:font script="Hebr" typeface="Gisha"/>
+        <a:font script="Thai" typeface="DilleniaUPC"/>
         <a:font script="Ethi" typeface="Nyala"/>
         <a:font script="Beng" typeface="Vrinda"/>
         <a:font script="Gujr" typeface="Shruti"/>
@@ -4816,107 +5583,86 @@
         <a:font script="Laoo" typeface="DokChampa"/>
         <a:font script="Sinh" typeface="Iskoola Pota"/>
         <a:font script="Mong" typeface="Mongolian Baiti"/>
-        <a:font script="Viet" typeface="Arial"/>
+        <a:font script="Viet" typeface="Tahoma"/>
         <a:font script="Uigh" typeface="Microsoft Uighur"/>
         <a:font script="Geor" typeface="Sylfaen"/>
-        <a:font script="Armn" typeface="Arial"/>
-        <a:font script="Bugi" typeface="Leelawadee UI"/>
-        <a:font script="Bopo" typeface="Microsoft JhengHei"/>
-        <a:font script="Java" typeface="Javanese Text"/>
-        <a:font script="Lisu" typeface="Segoe UI"/>
-        <a:font script="Mymr" typeface="Myanmar Text"/>
-        <a:font script="Nkoo" typeface="Ebrima"/>
-        <a:font script="Olck" typeface="Nirmala UI"/>
-        <a:font script="Osma" typeface="Ebrima"/>
-        <a:font script="Phag" typeface="Phagspa"/>
-        <a:font script="Syrn" typeface="Estrangelo Edessa"/>
-        <a:font script="Syrj" typeface="Estrangelo Edessa"/>
-        <a:font script="Syre" typeface="Estrangelo Edessa"/>
-        <a:font script="Sora" typeface="Nirmala UI"/>
-        <a:font script="Tale" typeface="Microsoft Tai Le"/>
-        <a:font script="Talu" typeface="Microsoft New Tai Lue"/>
-        <a:font script="Tfng" typeface="Ebrima"/>
+      </a:majorFont>
+      <a:minorFont>
+        <a:latin typeface="Century Schoolbook" panose="02040604050505020304"/>
+        <a:ea typeface=""/>
+        <a:cs typeface=""/>
+        <a:font script="Jpan" typeface="ＭＳ ゴシック"/>
+        <a:font script="Hang" typeface="맑은 고딕"/>
+        <a:font script="Hans" typeface="宋体"/>
+        <a:font script="Hant" typeface="新細明體"/>
+        <a:font script="Arab" typeface="Tahoma"/>
+        <a:font script="Hebr" typeface="Gisha"/>
+        <a:font script="Thai" typeface="DilleniaUPC"/>
+        <a:font script="Ethi" typeface="Nyala"/>
+        <a:font script="Beng" typeface="Vrinda"/>
+        <a:font script="Gujr" typeface="Shruti"/>
+        <a:font script="Khmr" typeface="DaunPenh"/>
+        <a:font script="Knda" typeface="Tunga"/>
+        <a:font script="Guru" typeface="Raavi"/>
+        <a:font script="Cans" typeface="Euphemia"/>
+        <a:font script="Cher" typeface="Plantagenet Cherokee"/>
+        <a:font script="Yiii" typeface="Microsoft Yi Baiti"/>
+        <a:font script="Tibt" typeface="Microsoft Himalaya"/>
+        <a:font script="Thaa" typeface="MV Boli"/>
+        <a:font script="Deva" typeface="Mangal"/>
+        <a:font script="Telu" typeface="Gautami"/>
+        <a:font script="Taml" typeface="Latha"/>
+        <a:font script="Syrc" typeface="Estrangelo Edessa"/>
+        <a:font script="Orya" typeface="Kalinga"/>
+        <a:font script="Mlym" typeface="Kartika"/>
+        <a:font script="Laoo" typeface="DokChampa"/>
+        <a:font script="Sinh" typeface="Iskoola Pota"/>
+        <a:font script="Mong" typeface="Mongolian Baiti"/>
+        <a:font script="Viet" typeface="Verdana"/>
+        <a:font script="Uigh" typeface="Microsoft Uighur"/>
+        <a:font script="Geor" typeface="Sylfaen"/>
       </a:minorFont>
     </a:fontScheme>
-    <a:fmtScheme name="Office">
+    <a:fmtScheme name="View">
       <a:fillStyleLst>
         <a:solidFill>
           <a:schemeClr val="phClr"/>
         </a:solidFill>
-        <a:gradFill rotWithShape="1">
-          <a:gsLst>
-            <a:gs pos="0">
-              <a:schemeClr val="phClr">
-                <a:lumMod val="110000"/>
-                <a:satMod val="105000"/>
-                <a:tint val="67000"/>
-              </a:schemeClr>
-            </a:gs>
-            <a:gs pos="50000">
-              <a:schemeClr val="phClr">
-                <a:lumMod val="105000"/>
-                <a:satMod val="103000"/>
-                <a:tint val="73000"/>
-              </a:schemeClr>
-            </a:gs>
-            <a:gs pos="100000">
-              <a:schemeClr val="phClr">
-                <a:lumMod val="105000"/>
-                <a:satMod val="109000"/>
-                <a:tint val="81000"/>
-              </a:schemeClr>
-            </a:gs>
-          </a:gsLst>
-          <a:lin ang="5400000" scaled="0"/>
-        </a:gradFill>
-        <a:gradFill rotWithShape="1">
-          <a:gsLst>
-            <a:gs pos="0">
-              <a:schemeClr val="phClr">
-                <a:satMod val="103000"/>
-                <a:lumMod val="102000"/>
-                <a:tint val="94000"/>
-              </a:schemeClr>
-            </a:gs>
-            <a:gs pos="50000">
-              <a:schemeClr val="phClr">
-                <a:satMod val="110000"/>
-                <a:lumMod val="100000"/>
-                <a:shade val="100000"/>
-              </a:schemeClr>
-            </a:gs>
-            <a:gs pos="100000">
-              <a:schemeClr val="phClr">
-                <a:lumMod val="99000"/>
-                <a:satMod val="120000"/>
-                <a:shade val="78000"/>
-              </a:schemeClr>
-            </a:gs>
-          </a:gsLst>
-          <a:lin ang="5400000" scaled="0"/>
-        </a:gradFill>
+        <a:solidFill>
+          <a:schemeClr val="phClr">
+            <a:tint val="60000"/>
+            <a:satMod val="120000"/>
+          </a:schemeClr>
+        </a:solidFill>
+        <a:solidFill>
+          <a:schemeClr val="phClr">
+            <a:shade val="75000"/>
+            <a:satMod val="160000"/>
+          </a:schemeClr>
+        </a:solidFill>
       </a:fillStyleLst>
       <a:lnStyleLst>
-        <a:ln w="12700" cap="flat" cmpd="sng" algn="ctr">
+        <a:ln w="9525" cap="flat" cmpd="sng" algn="ctr">
           <a:solidFill>
             <a:schemeClr val="phClr"/>
           </a:solidFill>
           <a:prstDash val="solid"/>
-          <a:miter lim="800000"/>
         </a:ln>
-        <a:ln w="19050" cap="flat" cmpd="sng" algn="ctr">
+        <a:ln w="13970" cap="flat" cmpd="sng" algn="ctr">
           <a:solidFill>
             <a:schemeClr val="phClr"/>
           </a:solidFill>
           <a:prstDash val="solid"/>
-          <a:miter lim="800000"/>
         </a:ln>
-        <a:ln w="25400" cap="flat" cmpd="sng" algn="ctr">
+        <a:ln w="17145" cap="flat" cmpd="sng" algn="ctr">
           <a:solidFill>
-            <a:schemeClr val="phClr"/>
+            <a:schemeClr val="phClr">
+              <a:shade val="95000"/>
+              <a:alpha val="95000"/>
+              <a:satMod val="150000"/>
+            </a:schemeClr>
           </a:solidFill>
           <a:prstDash val="solid"/>
-          <a:miter lim="800000"/>
         </a:ln>
       </a:lnStyleLst>
       <a:effectStyleLst>
@@ -4924,16 +5670,52 @@
           <a:effectLst/>
         </a:effectStyle>
         <a:effectStyle>
-          <a:effectLst/>
+          <a:effectLst>
+            <a:outerShdw blurRad="50800" dist="15240" dir="5400000" algn="tl" rotWithShape="0">
+              <a:srgbClr val="000000">
+                <a:alpha val="75000"/>
+              </a:srgbClr>
+            </a:outerShdw>
+          </a:effectLst>
+          <a:scene3d>
+            <a:camera prst="orthographicFront">
+              <a:rot lat="0" lon="0" rev="0"/>
+            </a:camera>
+            <a:lightRig rig="brightRoom" dir="tl"/>
+          </a:scene3d>
+          <a:sp3d contourW="9525" prstMaterial="flat">
+            <a:bevelT w="0" h="0" prst="coolSlant"/>
+            <a:contourClr>
+              <a:schemeClr val="phClr">
+                <a:shade val="35000"/>
+                <a:satMod val="130000"/>
+              </a:schemeClr>
+            </a:contourClr>
+          </a:sp3d>
         </a:effectStyle>
         <a:effectStyle>
           <a:effectLst>
-            <a:outerShdw blurRad="57150" dist="19050" dir="5400000" algn="ctr" rotWithShape="0">
+            <a:outerShdw blurRad="76200" dist="25400" dir="5400000" algn="tl" rotWithShape="0">
               <a:srgbClr val="000000">
-                <a:alpha val="63000"/>
+                <a:alpha val="55000"/>
               </a:srgbClr>
             </a:outerShdw>
           </a:effectLst>
+          <a:scene3d>
+            <a:camera prst="orthographicFront">
+              <a:rot lat="0" lon="0" rev="0"/>
+            </a:camera>
+            <a:lightRig rig="brightRoom" dir="tl"/>
+          </a:scene3d>
+          <a:sp3d contourW="19050" prstMaterial="flat">
+            <a:bevelT w="0" h="0" prst="coolSlant"/>
+            <a:contourClr>
+              <a:schemeClr val="phClr">
+                <a:shade val="25000"/>
+                <a:satMod val="140000"/>
+              </a:schemeClr>
+            </a:contourClr>
+          </a:sp3d>
         </a:effectStyle>
       </a:effectStyleLst>
       <a:bgFillStyleLst>
@@ -4950,57 +5732,32 @@
           <a:gsLst>
             <a:gs pos="0">
               <a:schemeClr val="phClr">
-                <a:tint val="93000"/>
-                <a:satMod val="150000"/>
+                <a:tint val="94000"/>
                 <a:shade val="98000"/>
+                <a:satMod val="130000"/>
                 <a:lumMod val="102000"/>
-              </a:schemeClr>
-            </a:gs>
-            <a:gs pos="50000">
-              <a:schemeClr val="phClr">
-                <a:tint val="98000"/>
-                <a:satMod val="130000"/>
-                <a:shade val="90000"/>
-                <a:lumMod val="103000"/>
               </a:schemeClr>
             </a:gs>
             <a:gs pos="100000">
               <a:schemeClr val="phClr">
-                <a:shade val="63000"/>
-                <a:satMod val="120000"/>
+                <a:tint val="98000"/>
+                <a:shade val="78000"/>
+                <a:satMod val="140000"/>
               </a:schemeClr>
             </a:gs>
           </a:gsLst>
-          <a:lin ang="5400000" scaled="0"/>
+          <a:path path="circle">
+            <a:fillToRect l="100000" t="100000" r="100000" b="100000"/>
+          </a:path>
         </a:gradFill>
       </a:bgFillStyleLst>
     </a:fmtScheme>
   </a:themeElements>
-  <a:objectDefaults>
-    <a:lnDef>
-      <a:spPr/>
-      <a:bodyPr/>
-      <a:lstStyle/>
-      <a:style>
-        <a:lnRef idx="2">
-          <a:schemeClr val="accent1"/>
-        </a:lnRef>
-        <a:fillRef idx="0">
-          <a:schemeClr val="accent1"/>
-        </a:fillRef>
-        <a:effectRef idx="1">
-          <a:schemeClr val="accent1"/>
-        </a:effectRef>
-        <a:fontRef idx="minor">
-          <a:schemeClr val="tx1"/>
-        </a:fontRef>
-      </a:style>
-    </a:lnDef>
-  </a:objectDefaults>
+  <a:objectDefaults/>
   <a:extraClrSchemeLst/>
   <a:extLst>
     <a:ext uri="{05A4C25C-085E-4340-85A3-A5531E510DB2}">
-      <thm15:themeFamily xmlns:thm15="http://schemas.microsoft.com/office/thememl/2012/main" name="Office Theme" id="{2E142A2C-CD16-42D6-873A-C26D2A0506FA}" vid="{1BDDFF52-6CD6-40A5-AB3C-68EB2F1E4D0A}"/>
+      <thm15:themeFamily xmlns:thm15="http://schemas.microsoft.com/office/thememl/2012/main" name="View" id="{BA0EB5A6-F2D4-4F82-977B-64ADEE4A2A69}" vid="{3969A8A2-35DB-4E3B-8885-16FD20568674}"/>
     </a:ext>
   </a:extLst>
 </a:theme>

--- a/edm-project.pptx
+++ b/edm-project.pptx
@@ -10,9 +10,8 @@
     <p:sldId id="258" r:id="rId4"/>
     <p:sldId id="260" r:id="rId5"/>
     <p:sldId id="261" r:id="rId6"/>
-    <p:sldId id="264" r:id="rId7"/>
+    <p:sldId id="265" r:id="rId7"/>
     <p:sldId id="263" r:id="rId8"/>
-    <p:sldId id="262" r:id="rId9"/>
   </p:sldIdLst>
   <p:sldSz cx="12192000" cy="6858000"/>
   <p:notesSz cx="6858000" cy="9144000"/>
@@ -122,7 +121,7 @@
 <file path=ppt/revisionInfo.xml><?xml version="1.0" encoding="utf-8"?>
 <p1510:revInfo xmlns:a="http://schemas.openxmlformats.org/drawingml/2006/main" xmlns:r="http://schemas.openxmlformats.org/officeDocument/2006/relationships" xmlns:p1510="http://schemas.microsoft.com/office/powerpoint/2015/10/main">
   <p1510:revLst>
-    <p1510:client id="{D44E5873-CDAB-47DF-95E1-D784EB74AE2C}" v="1" dt="2024-04-09T19:20:24.065"/>
+    <p1510:client id="{D44E5873-CDAB-47DF-95E1-D784EB74AE2C}" v="3" dt="2024-04-10T07:06:56.006"/>
     <p1510:client id="{E2B5C3F3-6A21-5FFA-74D2-B4EF3E4B32FE}" v="1549" dt="2024-04-10T06:06:50.797"/>
   </p1510:revLst>
 </p1510:revInfo>
@@ -130,6 +129,287 @@
 
 <file path=ppt/changesInfos/changesInfo1.xml><?xml version="1.0" encoding="utf-8"?>
 <pc:chgInfo xmlns:a="http://schemas.openxmlformats.org/drawingml/2006/main" xmlns:r="http://schemas.openxmlformats.org/officeDocument/2006/relationships" xmlns:ac="http://schemas.microsoft.com/office/drawing/2013/main/command" xmlns:pc="http://schemas.microsoft.com/office/powerpoint/2013/main/command">
+  <pc:docChgLst>
+    <pc:chgData name="Giulia Ortolani" userId="d9212689-430e-4ee3-81b3-d947e43afdd0" providerId="ADAL" clId="{D44E5873-CDAB-47DF-95E1-D784EB74AE2C}"/>
+    <pc:docChg chg="undo custSel addSld delSld modSld sldOrd">
+      <pc:chgData name="Giulia Ortolani" userId="d9212689-430e-4ee3-81b3-d947e43afdd0" providerId="ADAL" clId="{D44E5873-CDAB-47DF-95E1-D784EB74AE2C}" dt="2024-04-10T07:08:17.976" v="547" actId="20577"/>
+      <pc:docMkLst>
+        <pc:docMk/>
+      </pc:docMkLst>
+      <pc:sldChg chg="modSp mod">
+        <pc:chgData name="Giulia Ortolani" userId="d9212689-430e-4ee3-81b3-d947e43afdd0" providerId="ADAL" clId="{D44E5873-CDAB-47DF-95E1-D784EB74AE2C}" dt="2024-04-10T06:59:48.712" v="234" actId="20577"/>
+        <pc:sldMkLst>
+          <pc:docMk/>
+          <pc:sldMk cId="4159415826" sldId="258"/>
+        </pc:sldMkLst>
+        <pc:spChg chg="mod">
+          <ac:chgData name="Giulia Ortolani" userId="d9212689-430e-4ee3-81b3-d947e43afdd0" providerId="ADAL" clId="{D44E5873-CDAB-47DF-95E1-D784EB74AE2C}" dt="2024-04-10T06:59:48.712" v="234" actId="20577"/>
+          <ac:spMkLst>
+            <pc:docMk/>
+            <pc:sldMk cId="4159415826" sldId="258"/>
+            <ac:spMk id="3" creationId="{D86CE192-4586-DB48-7AAA-2D9A164B5AAE}"/>
+          </ac:spMkLst>
+        </pc:spChg>
+      </pc:sldChg>
+      <pc:sldChg chg="addSp modSp mod">
+        <pc:chgData name="Giulia Ortolani" userId="d9212689-430e-4ee3-81b3-d947e43afdd0" providerId="ADAL" clId="{D44E5873-CDAB-47DF-95E1-D784EB74AE2C}" dt="2024-04-10T06:59:38.417" v="233" actId="14100"/>
+        <pc:sldMkLst>
+          <pc:docMk/>
+          <pc:sldMk cId="426450475" sldId="259"/>
+        </pc:sldMkLst>
+        <pc:spChg chg="mod">
+          <ac:chgData name="Giulia Ortolani" userId="d9212689-430e-4ee3-81b3-d947e43afdd0" providerId="ADAL" clId="{D44E5873-CDAB-47DF-95E1-D784EB74AE2C}" dt="2024-04-10T06:59:30.128" v="230" actId="404"/>
+          <ac:spMkLst>
+            <pc:docMk/>
+            <pc:sldMk cId="426450475" sldId="259"/>
+            <ac:spMk id="6" creationId="{AFF3DB45-E302-4670-75B3-7AC4A64D2F66}"/>
+          </ac:spMkLst>
+        </pc:spChg>
+        <pc:spChg chg="add mod">
+          <ac:chgData name="Giulia Ortolani" userId="d9212689-430e-4ee3-81b3-d947e43afdd0" providerId="ADAL" clId="{D44E5873-CDAB-47DF-95E1-D784EB74AE2C}" dt="2024-04-09T19:20:45.188" v="222" actId="20577"/>
+          <ac:spMkLst>
+            <pc:docMk/>
+            <pc:sldMk cId="426450475" sldId="259"/>
+            <ac:spMk id="11" creationId="{F63174D4-1103-3DEA-DA32-C74599CDE2FC}"/>
+          </ac:spMkLst>
+        </pc:spChg>
+        <pc:picChg chg="mod">
+          <ac:chgData name="Giulia Ortolani" userId="d9212689-430e-4ee3-81b3-d947e43afdd0" providerId="ADAL" clId="{D44E5873-CDAB-47DF-95E1-D784EB74AE2C}" dt="2024-04-10T06:59:34.349" v="232" actId="1076"/>
+          <ac:picMkLst>
+            <pc:docMk/>
+            <pc:sldMk cId="426450475" sldId="259"/>
+            <ac:picMk id="8" creationId="{87DD2B49-E047-0A7D-2316-A4AB9881626B}"/>
+          </ac:picMkLst>
+        </pc:picChg>
+        <pc:picChg chg="add mod">
+          <ac:chgData name="Giulia Ortolani" userId="d9212689-430e-4ee3-81b3-d947e43afdd0" providerId="ADAL" clId="{D44E5873-CDAB-47DF-95E1-D784EB74AE2C}" dt="2024-04-10T06:59:38.417" v="233" actId="14100"/>
+          <ac:picMkLst>
+            <pc:docMk/>
+            <pc:sldMk cId="426450475" sldId="259"/>
+            <ac:picMk id="10" creationId="{70D134E1-AEAE-4AF8-ABE0-1A2A9AC7BC09}"/>
+          </ac:picMkLst>
+        </pc:picChg>
+      </pc:sldChg>
+      <pc:sldChg chg="modSp mod">
+        <pc:chgData name="Giulia Ortolani" userId="d9212689-430e-4ee3-81b3-d947e43afdd0" providerId="ADAL" clId="{D44E5873-CDAB-47DF-95E1-D784EB74AE2C}" dt="2024-04-10T07:00:59.294" v="269" actId="20577"/>
+        <pc:sldMkLst>
+          <pc:docMk/>
+          <pc:sldMk cId="827827499" sldId="260"/>
+        </pc:sldMkLst>
+        <pc:spChg chg="mod">
+          <ac:chgData name="Giulia Ortolani" userId="d9212689-430e-4ee3-81b3-d947e43afdd0" providerId="ADAL" clId="{D44E5873-CDAB-47DF-95E1-D784EB74AE2C}" dt="2024-04-09T19:17:59.207" v="16" actId="20577"/>
+          <ac:spMkLst>
+            <pc:docMk/>
+            <pc:sldMk cId="827827499" sldId="260"/>
+            <ac:spMk id="2" creationId="{F25E4AA6-F6AA-B07F-9246-03A6D22661F7}"/>
+          </ac:spMkLst>
+        </pc:spChg>
+        <pc:spChg chg="mod">
+          <ac:chgData name="Giulia Ortolani" userId="d9212689-430e-4ee3-81b3-d947e43afdd0" providerId="ADAL" clId="{D44E5873-CDAB-47DF-95E1-D784EB74AE2C}" dt="2024-04-10T07:00:59.294" v="269" actId="20577"/>
+          <ac:spMkLst>
+            <pc:docMk/>
+            <pc:sldMk cId="827827499" sldId="260"/>
+            <ac:spMk id="3" creationId="{251D08DA-1A0A-3DDF-8F26-1938022CF5CF}"/>
+          </ac:spMkLst>
+        </pc:spChg>
+      </pc:sldChg>
+      <pc:sldChg chg="modSp new mod">
+        <pc:chgData name="Giulia Ortolani" userId="d9212689-430e-4ee3-81b3-d947e43afdd0" providerId="ADAL" clId="{D44E5873-CDAB-47DF-95E1-D784EB74AE2C}" dt="2024-04-10T07:04:30.856" v="359" actId="20577"/>
+        <pc:sldMkLst>
+          <pc:docMk/>
+          <pc:sldMk cId="3116678895" sldId="261"/>
+        </pc:sldMkLst>
+        <pc:spChg chg="mod">
+          <ac:chgData name="Giulia Ortolani" userId="d9212689-430e-4ee3-81b3-d947e43afdd0" providerId="ADAL" clId="{D44E5873-CDAB-47DF-95E1-D784EB74AE2C}" dt="2024-04-10T07:01:05.551" v="270" actId="20577"/>
+          <ac:spMkLst>
+            <pc:docMk/>
+            <pc:sldMk cId="3116678895" sldId="261"/>
+            <ac:spMk id="2" creationId="{871493D0-421A-731A-15F8-199F0756E2FB}"/>
+          </ac:spMkLst>
+        </pc:spChg>
+        <pc:spChg chg="mod">
+          <ac:chgData name="Giulia Ortolani" userId="d9212689-430e-4ee3-81b3-d947e43afdd0" providerId="ADAL" clId="{D44E5873-CDAB-47DF-95E1-D784EB74AE2C}" dt="2024-04-10T07:04:30.856" v="359" actId="20577"/>
+          <ac:spMkLst>
+            <pc:docMk/>
+            <pc:sldMk cId="3116678895" sldId="261"/>
+            <ac:spMk id="3" creationId="{09F1A851-803D-339D-199F-94C9F38D2B70}"/>
+          </ac:spMkLst>
+        </pc:spChg>
+      </pc:sldChg>
+      <pc:sldChg chg="del ord">
+        <pc:chgData name="Giulia Ortolani" userId="d9212689-430e-4ee3-81b3-d947e43afdd0" providerId="ADAL" clId="{D44E5873-CDAB-47DF-95E1-D784EB74AE2C}" dt="2024-04-10T07:07:31.665" v="502" actId="47"/>
+        <pc:sldMkLst>
+          <pc:docMk/>
+          <pc:sldMk cId="3594638006" sldId="262"/>
+        </pc:sldMkLst>
+      </pc:sldChg>
+      <pc:sldChg chg="modSp mod">
+        <pc:chgData name="Giulia Ortolani" userId="d9212689-430e-4ee3-81b3-d947e43afdd0" providerId="ADAL" clId="{D44E5873-CDAB-47DF-95E1-D784EB74AE2C}" dt="2024-04-10T07:08:17.976" v="547" actId="20577"/>
+        <pc:sldMkLst>
+          <pc:docMk/>
+          <pc:sldMk cId="1732863363" sldId="263"/>
+        </pc:sldMkLst>
+        <pc:spChg chg="mod">
+          <ac:chgData name="Giulia Ortolani" userId="d9212689-430e-4ee3-81b3-d947e43afdd0" providerId="ADAL" clId="{D44E5873-CDAB-47DF-95E1-D784EB74AE2C}" dt="2024-04-10T07:08:17.976" v="547" actId="20577"/>
+          <ac:spMkLst>
+            <pc:docMk/>
+            <pc:sldMk cId="1732863363" sldId="263"/>
+            <ac:spMk id="3" creationId="{97097577-6DDE-C60B-114D-E37EAD9C34BE}"/>
+          </ac:spMkLst>
+        </pc:spChg>
+      </pc:sldChg>
+      <pc:sldChg chg="modSp del mod">
+        <pc:chgData name="Giulia Ortolani" userId="d9212689-430e-4ee3-81b3-d947e43afdd0" providerId="ADAL" clId="{D44E5873-CDAB-47DF-95E1-D784EB74AE2C}" dt="2024-04-10T07:02:06.197" v="279" actId="47"/>
+        <pc:sldMkLst>
+          <pc:docMk/>
+          <pc:sldMk cId="830418775" sldId="264"/>
+        </pc:sldMkLst>
+        <pc:spChg chg="mod">
+          <ac:chgData name="Giulia Ortolani" userId="d9212689-430e-4ee3-81b3-d947e43afdd0" providerId="ADAL" clId="{D44E5873-CDAB-47DF-95E1-D784EB74AE2C}" dt="2024-04-10T07:01:47.211" v="274" actId="14100"/>
+          <ac:spMkLst>
+            <pc:docMk/>
+            <pc:sldMk cId="830418775" sldId="264"/>
+            <ac:spMk id="2" creationId="{871493D0-421A-731A-15F8-199F0756E2FB}"/>
+          </ac:spMkLst>
+        </pc:spChg>
+        <pc:spChg chg="mod">
+          <ac:chgData name="Giulia Ortolani" userId="d9212689-430e-4ee3-81b3-d947e43afdd0" providerId="ADAL" clId="{D44E5873-CDAB-47DF-95E1-D784EB74AE2C}" dt="2024-04-10T07:02:02.968" v="277" actId="27636"/>
+          <ac:spMkLst>
+            <pc:docMk/>
+            <pc:sldMk cId="830418775" sldId="264"/>
+            <ac:spMk id="3" creationId="{09F1A851-803D-339D-199F-94C9F38D2B70}"/>
+          </ac:spMkLst>
+        </pc:spChg>
+      </pc:sldChg>
+      <pc:sldChg chg="addSp delSp modSp add mod setBg">
+        <pc:chgData name="Giulia Ortolani" userId="d9212689-430e-4ee3-81b3-d947e43afdd0" providerId="ADAL" clId="{D44E5873-CDAB-47DF-95E1-D784EB74AE2C}" dt="2024-04-10T07:07:11.416" v="501" actId="1076"/>
+        <pc:sldMkLst>
+          <pc:docMk/>
+          <pc:sldMk cId="1315151638" sldId="265"/>
+        </pc:sldMkLst>
+        <pc:spChg chg="mod">
+          <ac:chgData name="Giulia Ortolani" userId="d9212689-430e-4ee3-81b3-d947e43afdd0" providerId="ADAL" clId="{D44E5873-CDAB-47DF-95E1-D784EB74AE2C}" dt="2024-04-10T07:02:16.529" v="291" actId="20577"/>
+          <ac:spMkLst>
+            <pc:docMk/>
+            <pc:sldMk cId="1315151638" sldId="265"/>
+            <ac:spMk id="2" creationId="{871493D0-421A-731A-15F8-199F0756E2FB}"/>
+          </ac:spMkLst>
+        </pc:spChg>
+        <pc:spChg chg="mod">
+          <ac:chgData name="Giulia Ortolani" userId="d9212689-430e-4ee3-81b3-d947e43afdd0" providerId="ADAL" clId="{D44E5873-CDAB-47DF-95E1-D784EB74AE2C}" dt="2024-04-10T07:06:20.117" v="489" actId="27636"/>
+          <ac:spMkLst>
+            <pc:docMk/>
+            <pc:sldMk cId="1315151638" sldId="265"/>
+            <ac:spMk id="3" creationId="{09F1A851-803D-339D-199F-94C9F38D2B70}"/>
+          </ac:spMkLst>
+        </pc:spChg>
+        <pc:spChg chg="add mod">
+          <ac:chgData name="Giulia Ortolani" userId="d9212689-430e-4ee3-81b3-d947e43afdd0" providerId="ADAL" clId="{D44E5873-CDAB-47DF-95E1-D784EB74AE2C}" dt="2024-04-10T07:02:55.577" v="304" actId="1076"/>
+          <ac:spMkLst>
+            <pc:docMk/>
+            <pc:sldMk cId="1315151638" sldId="265"/>
+            <ac:spMk id="5" creationId="{7F53CC1F-88DE-B27A-A652-86F6E887563E}"/>
+          </ac:spMkLst>
+        </pc:spChg>
+        <pc:grpChg chg="add mod">
+          <ac:chgData name="Giulia Ortolani" userId="d9212689-430e-4ee3-81b3-d947e43afdd0" providerId="ADAL" clId="{D44E5873-CDAB-47DF-95E1-D784EB74AE2C}" dt="2024-04-10T07:07:05.749" v="500" actId="1076"/>
+          <ac:grpSpMkLst>
+            <pc:docMk/>
+            <pc:sldMk cId="1315151638" sldId="265"/>
+            <ac:grpSpMk id="21" creationId="{302BC75F-890D-6476-F8EC-C61B14C021FD}"/>
+          </ac:grpSpMkLst>
+        </pc:grpChg>
+        <pc:picChg chg="add del mod">
+          <ac:chgData name="Giulia Ortolani" userId="d9212689-430e-4ee3-81b3-d947e43afdd0" providerId="ADAL" clId="{D44E5873-CDAB-47DF-95E1-D784EB74AE2C}" dt="2024-04-10T07:03:21.413" v="310" actId="478"/>
+          <ac:picMkLst>
+            <pc:docMk/>
+            <pc:sldMk cId="1315151638" sldId="265"/>
+            <ac:picMk id="6" creationId="{661D9C16-B604-55CA-2B30-6F83D4590CDF}"/>
+          </ac:picMkLst>
+        </pc:picChg>
+        <pc:picChg chg="add del">
+          <ac:chgData name="Giulia Ortolani" userId="d9212689-430e-4ee3-81b3-d947e43afdd0" providerId="ADAL" clId="{D44E5873-CDAB-47DF-95E1-D784EB74AE2C}" dt="2024-04-10T07:03:14.181" v="308" actId="22"/>
+          <ac:picMkLst>
+            <pc:docMk/>
+            <pc:sldMk cId="1315151638" sldId="265"/>
+            <ac:picMk id="8" creationId="{D20EF277-7A54-8E4E-4638-D9088E30DA4C}"/>
+          </ac:picMkLst>
+        </pc:picChg>
+        <pc:picChg chg="add mod">
+          <ac:chgData name="Giulia Ortolani" userId="d9212689-430e-4ee3-81b3-d947e43afdd0" providerId="ADAL" clId="{D44E5873-CDAB-47DF-95E1-D784EB74AE2C}" dt="2024-04-10T07:06:56.006" v="498" actId="164"/>
+          <ac:picMkLst>
+            <pc:docMk/>
+            <pc:sldMk cId="1315151638" sldId="265"/>
+            <ac:picMk id="10" creationId="{BF3206CB-C183-5B99-1BFA-9D131C0A9783}"/>
+          </ac:picMkLst>
+        </pc:picChg>
+        <pc:picChg chg="add mod modCrop">
+          <ac:chgData name="Giulia Ortolani" userId="d9212689-430e-4ee3-81b3-d947e43afdd0" providerId="ADAL" clId="{D44E5873-CDAB-47DF-95E1-D784EB74AE2C}" dt="2024-04-10T07:06:23.351" v="490" actId="1076"/>
+          <ac:picMkLst>
+            <pc:docMk/>
+            <pc:sldMk cId="1315151638" sldId="265"/>
+            <ac:picMk id="18" creationId="{DCAD6247-6847-5832-ED4D-0B13AC3B5832}"/>
+          </ac:picMkLst>
+        </pc:picChg>
+        <pc:picChg chg="add mod">
+          <ac:chgData name="Giulia Ortolani" userId="d9212689-430e-4ee3-81b3-d947e43afdd0" providerId="ADAL" clId="{D44E5873-CDAB-47DF-95E1-D784EB74AE2C}" dt="2024-04-10T07:07:11.416" v="501" actId="1076"/>
+          <ac:picMkLst>
+            <pc:docMk/>
+            <pc:sldMk cId="1315151638" sldId="265"/>
+            <ac:picMk id="20" creationId="{BABD3554-018B-B6CE-BFAB-CBD85E29D962}"/>
+          </ac:picMkLst>
+        </pc:picChg>
+        <pc:inkChg chg="add mod">
+          <ac:chgData name="Giulia Ortolani" userId="d9212689-430e-4ee3-81b3-d947e43afdd0" providerId="ADAL" clId="{D44E5873-CDAB-47DF-95E1-D784EB74AE2C}" dt="2024-04-10T07:06:56.006" v="498" actId="164"/>
+          <ac:inkMkLst>
+            <pc:docMk/>
+            <pc:sldMk cId="1315151638" sldId="265"/>
+            <ac:inkMk id="11" creationId="{62300043-DB56-53B2-D8AB-4E197CAAB531}"/>
+          </ac:inkMkLst>
+        </pc:inkChg>
+        <pc:inkChg chg="add mod">
+          <ac:chgData name="Giulia Ortolani" userId="d9212689-430e-4ee3-81b3-d947e43afdd0" providerId="ADAL" clId="{D44E5873-CDAB-47DF-95E1-D784EB74AE2C}" dt="2024-04-10T07:06:56.006" v="498" actId="164"/>
+          <ac:inkMkLst>
+            <pc:docMk/>
+            <pc:sldMk cId="1315151638" sldId="265"/>
+            <ac:inkMk id="12" creationId="{82AA106E-4A04-47A3-D48D-81BACCC1B63C}"/>
+          </ac:inkMkLst>
+        </pc:inkChg>
+        <pc:inkChg chg="add mod">
+          <ac:chgData name="Giulia Ortolani" userId="d9212689-430e-4ee3-81b3-d947e43afdd0" providerId="ADAL" clId="{D44E5873-CDAB-47DF-95E1-D784EB74AE2C}" dt="2024-04-10T07:06:56.006" v="498" actId="164"/>
+          <ac:inkMkLst>
+            <pc:docMk/>
+            <pc:sldMk cId="1315151638" sldId="265"/>
+            <ac:inkMk id="13" creationId="{46747C8A-8EA5-60E2-078E-28B272BF39FC}"/>
+          </ac:inkMkLst>
+        </pc:inkChg>
+        <pc:inkChg chg="add mod">
+          <ac:chgData name="Giulia Ortolani" userId="d9212689-430e-4ee3-81b3-d947e43afdd0" providerId="ADAL" clId="{D44E5873-CDAB-47DF-95E1-D784EB74AE2C}" dt="2024-04-10T07:06:56.006" v="498" actId="164"/>
+          <ac:inkMkLst>
+            <pc:docMk/>
+            <pc:sldMk cId="1315151638" sldId="265"/>
+            <ac:inkMk id="14" creationId="{1C8A16F8-5AFA-F579-0257-E92286EBCB91}"/>
+          </ac:inkMkLst>
+        </pc:inkChg>
+        <pc:inkChg chg="add del">
+          <ac:chgData name="Giulia Ortolani" userId="d9212689-430e-4ee3-81b3-d947e43afdd0" providerId="ADAL" clId="{D44E5873-CDAB-47DF-95E1-D784EB74AE2C}" dt="2024-04-10T07:04:01.641" v="320" actId="9405"/>
+          <ac:inkMkLst>
+            <pc:docMk/>
+            <pc:sldMk cId="1315151638" sldId="265"/>
+            <ac:inkMk id="15" creationId="{7724BA2D-9D31-1BD5-E5BA-6CB7E1C5F992}"/>
+          </ac:inkMkLst>
+        </pc:inkChg>
+        <pc:inkChg chg="add mod">
+          <ac:chgData name="Giulia Ortolani" userId="d9212689-430e-4ee3-81b3-d947e43afdd0" providerId="ADAL" clId="{D44E5873-CDAB-47DF-95E1-D784EB74AE2C}" dt="2024-04-10T07:06:56.006" v="498" actId="164"/>
+          <ac:inkMkLst>
+            <pc:docMk/>
+            <pc:sldMk cId="1315151638" sldId="265"/>
+            <ac:inkMk id="16" creationId="{6BA8642A-ED0D-7AD6-CD6E-F4F0C8536829}"/>
+          </ac:inkMkLst>
+        </pc:inkChg>
+      </pc:sldChg>
+    </pc:docChg>
+  </pc:docChgLst>
   <pc:docChgLst>
     <pc:chgData name="Riihimäki, Johanna" userId="S::jopariih@jyu.fi::f06ad8bf-b251-424f-a727-84aaec4fba8d" providerId="AD" clId="Web-{E2B5C3F3-6A21-5FFA-74D2-B4EF3E4B32FE}"/>
     <pc:docChg chg="addSld delSld modSld sldOrd addMainMaster delMainMaster">
@@ -935,77 +1215,152 @@
       </pc:sldMasterChg>
     </pc:docChg>
   </pc:docChgLst>
-  <pc:docChgLst>
-    <pc:chgData name="Giulia Ortolani" userId="d9212689-430e-4ee3-81b3-d947e43afdd0" providerId="ADAL" clId="{D44E5873-CDAB-47DF-95E1-D784EB74AE2C}"/>
-    <pc:docChg chg="custSel addSld modSld">
-      <pc:chgData name="Giulia Ortolani" userId="d9212689-430e-4ee3-81b3-d947e43afdd0" providerId="ADAL" clId="{D44E5873-CDAB-47DF-95E1-D784EB74AE2C}" dt="2024-04-09T19:20:45.188" v="222" actId="20577"/>
-      <pc:docMkLst>
-        <pc:docMk/>
-      </pc:docMkLst>
-      <pc:sldChg chg="addSp modSp mod">
-        <pc:chgData name="Giulia Ortolani" userId="d9212689-430e-4ee3-81b3-d947e43afdd0" providerId="ADAL" clId="{D44E5873-CDAB-47DF-95E1-D784EB74AE2C}" dt="2024-04-09T19:20:45.188" v="222" actId="20577"/>
-        <pc:sldMkLst>
-          <pc:docMk/>
-          <pc:sldMk cId="426450475" sldId="259"/>
-        </pc:sldMkLst>
-        <pc:spChg chg="mod">
-          <ac:chgData name="Giulia Ortolani" userId="d9212689-430e-4ee3-81b3-d947e43afdd0" providerId="ADAL" clId="{D44E5873-CDAB-47DF-95E1-D784EB74AE2C}" dt="2024-04-09T19:20:12.764" v="119" actId="20577"/>
-          <ac:spMkLst>
-            <pc:docMk/>
-            <pc:sldMk cId="426450475" sldId="259"/>
-            <ac:spMk id="6" creationId="{AFF3DB45-E302-4670-75B3-7AC4A64D2F66}"/>
-          </ac:spMkLst>
-        </pc:spChg>
-        <pc:spChg chg="add mod">
-          <ac:chgData name="Giulia Ortolani" userId="d9212689-430e-4ee3-81b3-d947e43afdd0" providerId="ADAL" clId="{D44E5873-CDAB-47DF-95E1-D784EB74AE2C}" dt="2024-04-09T19:20:45.188" v="222" actId="20577"/>
-          <ac:spMkLst>
-            <pc:docMk/>
-            <pc:sldMk cId="426450475" sldId="259"/>
-            <ac:spMk id="11" creationId="{F63174D4-1103-3DEA-DA32-C74599CDE2FC}"/>
-          </ac:spMkLst>
-        </pc:spChg>
-        <pc:picChg chg="add mod">
-          <ac:chgData name="Giulia Ortolani" userId="d9212689-430e-4ee3-81b3-d947e43afdd0" providerId="ADAL" clId="{D44E5873-CDAB-47DF-95E1-D784EB74AE2C}" dt="2024-04-09T19:20:07.063" v="103" actId="1076"/>
-          <ac:picMkLst>
-            <pc:docMk/>
-            <pc:sldMk cId="426450475" sldId="259"/>
-            <ac:picMk id="10" creationId="{70D134E1-AEAE-4AF8-ABE0-1A2A9AC7BC09}"/>
-          </ac:picMkLst>
-        </pc:picChg>
-      </pc:sldChg>
-      <pc:sldChg chg="modSp mod">
-        <pc:chgData name="Giulia Ortolani" userId="d9212689-430e-4ee3-81b3-d947e43afdd0" providerId="ADAL" clId="{D44E5873-CDAB-47DF-95E1-D784EB74AE2C}" dt="2024-04-09T19:19:34.875" v="97" actId="20577"/>
-        <pc:sldMkLst>
-          <pc:docMk/>
-          <pc:sldMk cId="827827499" sldId="260"/>
-        </pc:sldMkLst>
-        <pc:spChg chg="mod">
-          <ac:chgData name="Giulia Ortolani" userId="d9212689-430e-4ee3-81b3-d947e43afdd0" providerId="ADAL" clId="{D44E5873-CDAB-47DF-95E1-D784EB74AE2C}" dt="2024-04-09T19:17:59.207" v="16" actId="20577"/>
-          <ac:spMkLst>
-            <pc:docMk/>
-            <pc:sldMk cId="827827499" sldId="260"/>
-            <ac:spMk id="2" creationId="{F25E4AA6-F6AA-B07F-9246-03A6D22661F7}"/>
-          </ac:spMkLst>
-        </pc:spChg>
-        <pc:spChg chg="mod">
-          <ac:chgData name="Giulia Ortolani" userId="d9212689-430e-4ee3-81b3-d947e43afdd0" providerId="ADAL" clId="{D44E5873-CDAB-47DF-95E1-D784EB74AE2C}" dt="2024-04-09T19:19:34.875" v="97" actId="20577"/>
-          <ac:spMkLst>
-            <pc:docMk/>
-            <pc:sldMk cId="827827499" sldId="260"/>
-            <ac:spMk id="3" creationId="{251D08DA-1A0A-3DDF-8F26-1938022CF5CF}"/>
-          </ac:spMkLst>
-        </pc:spChg>
-      </pc:sldChg>
-      <pc:sldChg chg="new">
-        <pc:chgData name="Giulia Ortolani" userId="d9212689-430e-4ee3-81b3-d947e43afdd0" providerId="ADAL" clId="{D44E5873-CDAB-47DF-95E1-D784EB74AE2C}" dt="2024-04-09T19:19:40.373" v="98" actId="680"/>
-        <pc:sldMkLst>
-          <pc:docMk/>
-          <pc:sldMk cId="3116678895" sldId="261"/>
-        </pc:sldMkLst>
-      </pc:sldChg>
-    </pc:docChg>
-  </pc:docChgLst>
 </pc:chgInfo>
+</file>
+
+<file path=ppt/ink/ink1.xml><?xml version="1.0" encoding="utf-8"?>
+<inkml:ink xmlns:inkml="http://www.w3.org/2003/InkML">
+  <inkml:definitions>
+    <inkml:context xml:id="ctx0">
+      <inkml:inkSource xml:id="inkSrc0">
+        <inkml:traceFormat>
+          <inkml:channel name="X" type="integer" min="-2.14748E9" max="2.14748E9" units="cm"/>
+          <inkml:channel name="Y" type="integer" min="-2.14748E9" max="2.14748E9" units="cm"/>
+        </inkml:traceFormat>
+        <inkml:channelProperties>
+          <inkml:channelProperty channel="X" name="resolution" value="1000" units="1/cm"/>
+          <inkml:channelProperty channel="Y" name="resolution" value="1000" units="1/cm"/>
+        </inkml:channelProperties>
+      </inkml:inkSource>
+      <inkml:timestamp xml:id="ts0" timeString="2024-04-10T07:03:48.103"/>
+    </inkml:context>
+    <inkml:brush xml:id="br0">
+      <inkml:brushProperty name="width" value="0.3" units="cm"/>
+      <inkml:brushProperty name="height" value="0.6" units="cm"/>
+      <inkml:brushProperty name="color" value="#FFFC00"/>
+      <inkml:brushProperty name="tip" value="rectangle"/>
+      <inkml:brushProperty name="rasterOp" value="maskPen"/>
+      <inkml:brushProperty name="ignorePressure" value="1"/>
+    </inkml:brush>
+  </inkml:definitions>
+  <inkml:trace contextRef="#ctx0" brushRef="#br0">0 1,'908'0,"-895"1,1 0,-1 1,14 4,-9-2,3 0</inkml:trace>
+</inkml:ink>
+</file>
+
+<file path=ppt/ink/ink2.xml><?xml version="1.0" encoding="utf-8"?>
+<inkml:ink xmlns:inkml="http://www.w3.org/2003/InkML">
+  <inkml:definitions>
+    <inkml:context xml:id="ctx0">
+      <inkml:inkSource xml:id="inkSrc0">
+        <inkml:traceFormat>
+          <inkml:channel name="X" type="integer" min="-2.14748E9" max="2.14748E9" units="cm"/>
+          <inkml:channel name="Y" type="integer" min="-2.14748E9" max="2.14748E9" units="cm"/>
+        </inkml:traceFormat>
+        <inkml:channelProperties>
+          <inkml:channelProperty channel="X" name="resolution" value="1000" units="1/cm"/>
+          <inkml:channelProperty channel="Y" name="resolution" value="1000" units="1/cm"/>
+        </inkml:channelProperties>
+      </inkml:inkSource>
+      <inkml:timestamp xml:id="ts0" timeString="2024-04-10T07:03:52.370"/>
+    </inkml:context>
+    <inkml:brush xml:id="br0">
+      <inkml:brushProperty name="width" value="0.3" units="cm"/>
+      <inkml:brushProperty name="height" value="0.6" units="cm"/>
+      <inkml:brushProperty name="color" value="#FFFC00"/>
+      <inkml:brushProperty name="tip" value="rectangle"/>
+      <inkml:brushProperty name="rasterOp" value="maskPen"/>
+      <inkml:brushProperty name="ignorePressure" value="1"/>
+    </inkml:brush>
+  </inkml:definitions>
+  <inkml:trace contextRef="#ctx0" brushRef="#br0">1 51,'14'-5,"0"0,1 0,0 2,0-1,0 2,0 0,19 1,37-7,6-1,1 3,127 6,-80 2,84-2,-186 0</inkml:trace>
+</inkml:ink>
+</file>
+
+<file path=ppt/ink/ink3.xml><?xml version="1.0" encoding="utf-8"?>
+<inkml:ink xmlns:inkml="http://www.w3.org/2003/InkML">
+  <inkml:definitions>
+    <inkml:context xml:id="ctx0">
+      <inkml:inkSource xml:id="inkSrc0">
+        <inkml:traceFormat>
+          <inkml:channel name="X" type="integer" min="-2.14748E9" max="2.14748E9" units="cm"/>
+          <inkml:channel name="Y" type="integer" min="-2.14748E9" max="2.14748E9" units="cm"/>
+        </inkml:traceFormat>
+        <inkml:channelProperties>
+          <inkml:channelProperty channel="X" name="resolution" value="1000" units="1/cm"/>
+          <inkml:channelProperty channel="Y" name="resolution" value="1000" units="1/cm"/>
+        </inkml:channelProperties>
+      </inkml:inkSource>
+      <inkml:timestamp xml:id="ts0" timeString="2024-04-10T07:03:55.158"/>
+    </inkml:context>
+    <inkml:brush xml:id="br0">
+      <inkml:brushProperty name="width" value="0.3" units="cm"/>
+      <inkml:brushProperty name="height" value="0.6" units="cm"/>
+      <inkml:brushProperty name="color" value="#FFFC00"/>
+      <inkml:brushProperty name="tip" value="rectangle"/>
+      <inkml:brushProperty name="rasterOp" value="maskPen"/>
+      <inkml:brushProperty name="ignorePressure" value="1"/>
+    </inkml:brush>
+  </inkml:definitions>
+  <inkml:trace contextRef="#ctx0" brushRef="#br0">1 0,'852'0,"-837"1,1 1,-1 0,28 8,-26-6</inkml:trace>
+</inkml:ink>
+</file>
+
+<file path=ppt/ink/ink4.xml><?xml version="1.0" encoding="utf-8"?>
+<inkml:ink xmlns:inkml="http://www.w3.org/2003/InkML">
+  <inkml:definitions>
+    <inkml:context xml:id="ctx0">
+      <inkml:inkSource xml:id="inkSrc0">
+        <inkml:traceFormat>
+          <inkml:channel name="X" type="integer" min="-2.14748E9" max="2.14748E9" units="cm"/>
+          <inkml:channel name="Y" type="integer" min="-2.14748E9" max="2.14748E9" units="cm"/>
+        </inkml:traceFormat>
+        <inkml:channelProperties>
+          <inkml:channelProperty channel="X" name="resolution" value="1000" units="1/cm"/>
+          <inkml:channelProperty channel="Y" name="resolution" value="1000" units="1/cm"/>
+        </inkml:channelProperties>
+      </inkml:inkSource>
+      <inkml:timestamp xml:id="ts0" timeString="2024-04-10T07:03:57.878"/>
+    </inkml:context>
+    <inkml:brush xml:id="br0">
+      <inkml:brushProperty name="width" value="0.3" units="cm"/>
+      <inkml:brushProperty name="height" value="0.6" units="cm"/>
+      <inkml:brushProperty name="color" value="#FFFC00"/>
+      <inkml:brushProperty name="tip" value="rectangle"/>
+      <inkml:brushProperty name="rasterOp" value="maskPen"/>
+      <inkml:brushProperty name="ignorePressure" value="1"/>
+    </inkml:brush>
+  </inkml:definitions>
+  <inkml:trace contextRef="#ctx0" brushRef="#br0">1 0,'209'12,"15"0,346-12,-549 0</inkml:trace>
+</inkml:ink>
+</file>
+
+<file path=ppt/ink/ink5.xml><?xml version="1.0" encoding="utf-8"?>
+<inkml:ink xmlns:inkml="http://www.w3.org/2003/InkML">
+  <inkml:definitions>
+    <inkml:context xml:id="ctx0">
+      <inkml:inkSource xml:id="inkSrc0">
+        <inkml:traceFormat>
+          <inkml:channel name="X" type="integer" min="-2.14748E9" max="2.14748E9" units="cm"/>
+          <inkml:channel name="Y" type="integer" min="-2.14748E9" max="2.14748E9" units="cm"/>
+        </inkml:traceFormat>
+        <inkml:channelProperties>
+          <inkml:channelProperty channel="X" name="resolution" value="1000" units="1/cm"/>
+          <inkml:channelProperty channel="Y" name="resolution" value="1000" units="1/cm"/>
+        </inkml:channelProperties>
+      </inkml:inkSource>
+      <inkml:timestamp xml:id="ts0" timeString="2024-04-10T07:04:04.277"/>
+    </inkml:context>
+    <inkml:brush xml:id="br0">
+      <inkml:brushProperty name="width" value="0.3" units="cm"/>
+      <inkml:brushProperty name="height" value="0.6" units="cm"/>
+      <inkml:brushProperty name="color" value="#FFFC00"/>
+      <inkml:brushProperty name="tip" value="rectangle"/>
+      <inkml:brushProperty name="rasterOp" value="maskPen"/>
+      <inkml:brushProperty name="ignorePressure" value="1"/>
+    </inkml:brush>
+  </inkml:definitions>
+  <inkml:trace contextRef="#ctx0" brushRef="#br0">0 25,'183'-12,"-20"0,156 12,-147 1,-151-1</inkml:trace>
+</inkml:ink>
 </file>
 
 <file path=ppt/slideLayouts/slideLayout1.xml><?xml version="1.0" encoding="utf-8"?>
@@ -1174,7 +1529,7 @@
           <a:p>
             <a:fld id="{9E016143-E03C-4CFD-AFDC-14E5BDEA754C}" type="datetimeFigureOut">
               <a:rPr lang="en-US" dirty="0"/>
-              <a:t>4/9/2024</a:t>
+              <a:t>4/10/2024</a:t>
             </a:fld>
             <a:endParaRPr lang="en-US" dirty="0"/>
           </a:p>
@@ -1401,7 +1756,7 @@
           <a:p>
             <a:fld id="{C033E54A-A8CA-48C1-9504-691B58049D29}" type="datetimeFigureOut">
               <a:rPr lang="en-US" dirty="0"/>
-              <a:t>4/9/2024</a:t>
+              <a:t>4/10/2024</a:t>
             </a:fld>
             <a:endParaRPr lang="en-US" dirty="0"/>
           </a:p>
@@ -1579,7 +1934,7 @@
           <a:p>
             <a:fld id="{B5F6C806-BBF7-471C-9527-881CE2266695}" type="datetimeFigureOut">
               <a:rPr lang="en-US" dirty="0"/>
-              <a:t>4/9/2024</a:t>
+              <a:t>4/10/2024</a:t>
             </a:fld>
             <a:endParaRPr lang="en-US" dirty="0"/>
           </a:p>
@@ -1747,7 +2102,7 @@
           <a:p>
             <a:fld id="{78C94063-DF36-4330-A365-08DA1FA5B7D6}" type="datetimeFigureOut">
               <a:rPr lang="en-US" dirty="0"/>
-              <a:t>4/9/2024</a:t>
+              <a:t>4/10/2024</a:t>
             </a:fld>
             <a:endParaRPr lang="en-US" dirty="0"/>
           </a:p>
@@ -2000,7 +2355,7 @@
           <a:p>
             <a:fld id="{908A7C6C-0F39-4D70-8E8D-FE5B9C95FA73}" type="datetimeFigureOut">
               <a:rPr lang="en-US" dirty="0"/>
-              <a:t>4/9/2024</a:t>
+              <a:t>4/10/2024</a:t>
             </a:fld>
             <a:endParaRPr lang="en-US" dirty="0"/>
           </a:p>
@@ -2323,7 +2678,7 @@
           <a:p>
             <a:fld id="{DFCFA4AC-08CC-42CE-BD01-C191750A04EC}" type="datetimeFigureOut">
               <a:rPr lang="en-US" dirty="0"/>
-              <a:t>4/9/2024</a:t>
+              <a:t>4/10/2024</a:t>
             </a:fld>
             <a:endParaRPr lang="en-US" dirty="0"/>
           </a:p>
@@ -2771,7 +3126,7 @@
           <a:p>
             <a:fld id="{1BA7A723-92A7-435B-B681-F25B092FEFEB}" type="datetimeFigureOut">
               <a:rPr lang="en-US" dirty="0"/>
-              <a:t>4/9/2024</a:t>
+              <a:t>4/10/2024</a:t>
             </a:fld>
             <a:endParaRPr lang="en-US" dirty="0"/>
           </a:p>
@@ -2888,7 +3243,7 @@
           <a:p>
             <a:fld id="{4F170639-886C-4FCF-9EAB-ABB5DA3F3F4A}" type="datetimeFigureOut">
               <a:rPr lang="en-US" dirty="0"/>
-              <a:t>4/9/2024</a:t>
+              <a:t>4/10/2024</a:t>
             </a:fld>
             <a:endParaRPr lang="en-US" dirty="0"/>
           </a:p>
@@ -2983,7 +3338,7 @@
           <a:p>
             <a:fld id="{22230651-31F4-45D2-98AE-A2108F41BC07}" type="datetimeFigureOut">
               <a:rPr lang="en-US" dirty="0"/>
-              <a:t>4/9/2024</a:t>
+              <a:t>4/10/2024</a:t>
             </a:fld>
             <a:endParaRPr lang="en-US" dirty="0"/>
           </a:p>
@@ -3268,7 +3623,7 @@
           <a:p>
             <a:fld id="{6F53789A-C914-4DB1-8815-80B5EC7335C5}" type="datetimeFigureOut">
               <a:rPr lang="en-US" dirty="0"/>
-              <a:t>4/9/2024</a:t>
+              <a:t>4/10/2024</a:t>
             </a:fld>
             <a:endParaRPr lang="en-US" dirty="0"/>
           </a:p>
@@ -3588,7 +3943,7 @@
           <a:p>
             <a:fld id="{5E6440AA-91A0-436F-8FDB-C0F939DCAE21}" type="datetimeFigureOut">
               <a:rPr lang="en-US" dirty="0"/>
-              <a:t>4/9/2024</a:t>
+              <a:t>4/10/2024</a:t>
             </a:fld>
             <a:endParaRPr lang="en-US" dirty="0"/>
           </a:p>
@@ -3840,7 +4195,7 @@
           <a:p>
             <a:fld id="{0E59FD0C-5451-4CA0-86AF-E70AE3279989}" type="datetimeFigureOut">
               <a:rPr lang="en-US" dirty="0"/>
-              <a:t>4/9/2024</a:t>
+              <a:t>4/10/2024</a:t>
             </a:fld>
             <a:endParaRPr lang="en-US" dirty="0"/>
           </a:p>
@@ -4701,8 +5056,8 @@
         </p:blipFill>
         <p:spPr>
           <a:xfrm>
-            <a:off x="739587" y="3058754"/>
-            <a:ext cx="4132638" cy="3092294"/>
+            <a:off x="739587" y="3429000"/>
+            <a:ext cx="3637830" cy="2722048"/>
           </a:xfrm>
           <a:prstGeom prst="rect">
             <a:avLst/>
@@ -4812,12 +5167,8 @@
           </a:p>
           <a:p>
             <a:r>
-              <a:rPr lang="en-GB" dirty="0" err="1"/>
-              <a:t>Willthe</a:t>
-            </a:r>
-            <a:r>
               <a:rPr lang="en-GB" dirty="0"/>
-              <a:t> preferred time of day for working influence the score?</a:t>
+              <a:t>Will the preferred time of day for working influence the score?</a:t>
             </a:r>
           </a:p>
           <a:p>
@@ -4827,7 +5178,7 @@
             </a:r>
           </a:p>
           <a:p>
-            <a:endParaRPr lang="en-GB"/>
+            <a:endParaRPr lang="en-GB" dirty="0"/>
           </a:p>
         </p:txBody>
       </p:sp>
@@ -4914,52 +5265,62 @@
           <a:lstStyle/>
           <a:p>
             <a:r>
-              <a:rPr lang="en-GB" b="1" dirty="0"/>
-              <a:t>Score </a:t>
+              <a:rPr lang="en-GB" b="1" dirty="0">
+                <a:latin typeface="Consolas" panose="020B0609020204030204" pitchFamily="49" charset="0"/>
+              </a:rPr>
+              <a:t>score</a:t>
             </a:r>
             <a:r>
               <a:rPr lang="en-GB" dirty="0"/>
-              <a:t>: the score that each student obtained</a:t>
-            </a:r>
-          </a:p>
-          <a:p>
-            <a:r>
-              <a:rPr lang="en-GB" b="1" dirty="0" err="1"/>
-              <a:t>Comp_t</a:t>
+              <a:t>: the score that each student obtained;</a:t>
+            </a:r>
+          </a:p>
+          <a:p>
+            <a:r>
+              <a:rPr lang="en-GB" b="1" dirty="0" err="1">
+                <a:latin typeface="Consolas" panose="020B0609020204030204" pitchFamily="49" charset="0"/>
+              </a:rPr>
+              <a:t>comp_t</a:t>
             </a:r>
             <a:r>
               <a:rPr lang="en-GB" dirty="0"/>
-              <a:t> : the time each student took to complete the course (difference between the last and the first log of the student)</a:t>
-            </a:r>
-          </a:p>
-          <a:p>
-            <a:r>
-              <a:rPr lang="en-GB" b="1" dirty="0"/>
-              <a:t>Logs</a:t>
+              <a:t>: the time each student took to complete the course (difference between the last and the first log of the student);</a:t>
+            </a:r>
+          </a:p>
+          <a:p>
+            <a:r>
+              <a:rPr lang="en-GB" b="1" dirty="0">
+                <a:latin typeface="Consolas" panose="020B0609020204030204" pitchFamily="49" charset="0"/>
+              </a:rPr>
+              <a:t>logs</a:t>
             </a:r>
             <a:r>
               <a:rPr lang="en-GB" dirty="0"/>
-              <a:t>: the number of different timestamps that we have for each student</a:t>
-            </a:r>
-          </a:p>
-          <a:p>
-            <a:r>
-              <a:rPr lang="en-GB" b="1" dirty="0" err="1"/>
-              <a:t>Pref_work_time</a:t>
+              <a:t>: the number of different timestamps that we have for each student;</a:t>
+            </a:r>
+          </a:p>
+          <a:p>
+            <a:r>
+              <a:rPr lang="en-GB" b="1" dirty="0" err="1">
+                <a:latin typeface="Consolas" panose="020B0609020204030204" pitchFamily="49" charset="0"/>
+              </a:rPr>
+              <a:t>pref_work_time</a:t>
             </a:r>
             <a:r>
               <a:rPr lang="en-GB" dirty="0"/>
-              <a:t>  the time of day in which a student tends to work (morning/day/night)</a:t>
-            </a:r>
-          </a:p>
-          <a:p>
-            <a:r>
-              <a:rPr lang="en-GB" b="1" dirty="0" err="1"/>
-              <a:t>Log_days</a:t>
+              <a:t>: the time of day in which a student tends to work (morning/day/night);</a:t>
+            </a:r>
+          </a:p>
+          <a:p>
+            <a:r>
+              <a:rPr lang="en-GB" b="1" dirty="0" err="1">
+                <a:latin typeface="Consolas" panose="020B0609020204030204" pitchFamily="49" charset="0"/>
+              </a:rPr>
+              <a:t>log_days</a:t>
             </a:r>
             <a:r>
               <a:rPr lang="en-GB" dirty="0"/>
-              <a:t>: amount of days in which the student has been active in the course area.</a:t>
+              <a:t>: the amount of days in which the student has been active in the course area.</a:t>
             </a:r>
           </a:p>
         </p:txBody>
@@ -5032,7 +5393,7 @@
           <a:p>
             <a:r>
               <a:rPr lang="en-GB" sz="4600" dirty="0"/>
-              <a:t>Approach 1:Decision Tree</a:t>
+              <a:t>Approach 1: Decision Tree</a:t>
             </a:r>
           </a:p>
         </p:txBody>
@@ -5061,7 +5422,7 @@
         </p:spPr>
         <p:txBody>
           <a:bodyPr vert="horz" lIns="91440" tIns="45720" rIns="91440" bIns="45720" rtlCol="0" anchor="t">
-            <a:normAutofit/>
+            <a:normAutofit fontScale="92500" lnSpcReduction="20000"/>
           </a:bodyPr>
           <a:lstStyle/>
           <a:p>
@@ -5095,12 +5456,12 @@
             </a:r>
           </a:p>
           <a:p>
-            <a:endParaRPr lang="en-GB" sz="2200"/>
+            <a:endParaRPr lang="en-GB" sz="2200" dirty="0"/>
           </a:p>
           <a:p>
             <a:r>
               <a:rPr lang="en-GB" sz="2200" dirty="0"/>
-              <a:t>Results: </a:t>
+              <a:t>Evaluation metric: </a:t>
             </a:r>
           </a:p>
           <a:p>
@@ -5114,13 +5475,13 @@
             </a:r>
           </a:p>
           <a:p>
-            <a:endParaRPr lang="en-GB" sz="2200"/>
+            <a:endParaRPr lang="en-GB" sz="2200" dirty="0"/>
           </a:p>
           <a:p>
             <a:pPr marL="0" indent="0">
               <a:buNone/>
             </a:pPr>
-            <a:endParaRPr lang="en-GB" sz="2200"/>
+            <a:endParaRPr lang="en-GB" sz="2200" dirty="0"/>
           </a:p>
         </p:txBody>
       </p:sp>
@@ -5170,14 +5531,6 @@
 <file path=ppt/slides/slide6.xml><?xml version="1.0" encoding="utf-8"?>
 <p:sld xmlns:a="http://schemas.openxmlformats.org/drawingml/2006/main" xmlns:r="http://schemas.openxmlformats.org/officeDocument/2006/relationships" xmlns:p="http://schemas.openxmlformats.org/presentationml/2006/main">
   <p:cSld>
-    <p:bg>
-      <p:bgPr>
-        <a:solidFill>
-          <a:schemeClr val="bg1"/>
-        </a:solidFill>
-        <a:effectLst/>
-      </p:bgPr>
-    </p:bg>
     <p:spTree>
       <p:nvGrpSpPr>
         <p:cNvPr id="1" name=""/>
@@ -5211,25 +5564,18 @@
         <p:spPr>
           <a:xfrm>
             <a:off x="630936" y="639520"/>
-            <a:ext cx="3429000" cy="1719072"/>
+            <a:ext cx="8849032" cy="637524"/>
           </a:xfrm>
         </p:spPr>
         <p:txBody>
           <a:bodyPr anchor="b">
-            <a:normAutofit/>
+            <a:normAutofit fontScale="90000"/>
           </a:bodyPr>
           <a:lstStyle/>
           <a:p>
             <a:r>
               <a:rPr lang="en-GB" sz="4600" dirty="0"/>
-              <a:t>Approach 2: </a:t>
-            </a:r>
-            <a:br>
-              <a:rPr lang="en-GB" sz="4600" dirty="0"/>
-            </a:br>
-            <a:r>
-              <a:rPr lang="en-GB" sz="4600" dirty="0"/>
-              <a:t>Regression</a:t>
+              <a:t>Approach 2: Regression</a:t>
             </a:r>
           </a:p>
         </p:txBody>
@@ -5252,8 +5598,8 @@
         </p:nvSpPr>
         <p:spPr>
           <a:xfrm>
-            <a:off x="630936" y="2807208"/>
-            <a:ext cx="3429000" cy="3410712"/>
+            <a:off x="630935" y="1562850"/>
+            <a:ext cx="4118045" cy="4818285"/>
           </a:xfrm>
         </p:spPr>
         <p:txBody>
@@ -5264,52 +5610,465 @@
           <a:p>
             <a:r>
               <a:rPr lang="en-GB" sz="2200" dirty="0"/>
-              <a:t>Something</a:t>
+              <a:t>Feature selection</a:t>
             </a:r>
           </a:p>
           <a:p>
             <a:r>
               <a:rPr lang="en-GB" sz="2200" dirty="0"/>
-              <a:t>Something</a:t>
-            </a:r>
-          </a:p>
-          <a:p>
-            <a:r>
-              <a:rPr lang="en-GB" sz="2200"/>
-              <a:t>Something</a:t>
-            </a:r>
+              <a:t>Final model:</a:t>
+            </a:r>
+          </a:p>
+          <a:p>
             <a:endParaRPr lang="en-GB" sz="2200" dirty="0"/>
           </a:p>
           <a:p>
+            <a:r>
+              <a:rPr lang="en-GB" sz="2200" dirty="0"/>
+              <a:t>Examples of predictions:</a:t>
+            </a:r>
+          </a:p>
+          <a:p>
             <a:endParaRPr lang="en-GB" sz="2200" dirty="0"/>
           </a:p>
           <a:p>
             <a:endParaRPr lang="en-GB" sz="2200" dirty="0"/>
           </a:p>
           <a:p>
-            <a:endParaRPr lang="en-GB" sz="2200"/>
+            <a:endParaRPr lang="en-GB" sz="2200" dirty="0"/>
           </a:p>
           <a:p>
             <a:r>
               <a:rPr lang="en-GB" sz="2200" dirty="0"/>
-              <a:t>Results</a:t>
-            </a:r>
-          </a:p>
-          <a:p>
-            <a:endParaRPr lang="en-GB" sz="2200"/>
+              <a:t>Evaluation metric: </a:t>
+            </a:r>
+          </a:p>
+          <a:p>
+            <a:pPr lvl="1">
+              <a:buFont typeface="Courier New" panose="020B0604020202020204" pitchFamily="34" charset="0"/>
+              <a:buChar char="o"/>
+            </a:pPr>
+            <a:r>
+              <a:rPr lang="en-GB" sz="2200" dirty="0"/>
+              <a:t>R-squared: 0.347</a:t>
+            </a:r>
+          </a:p>
+          <a:p>
+            <a:endParaRPr lang="en-GB" sz="2200" dirty="0"/>
           </a:p>
           <a:p>
             <a:pPr marL="0" indent="0">
               <a:buNone/>
             </a:pPr>
-            <a:endParaRPr lang="en-GB" sz="2200"/>
-          </a:p>
-        </p:txBody>
-      </p:sp>
+            <a:endParaRPr lang="en-GB" sz="2200" dirty="0"/>
+          </a:p>
+        </p:txBody>
+      </p:sp>
+      <p:sp>
+        <p:nvSpPr>
+          <p:cNvPr id="5" name="TextBox 4">
+            <a:extLst>
+              <a:ext uri="{FF2B5EF4-FFF2-40B4-BE49-F238E27FC236}">
+                <a16:creationId xmlns:a16="http://schemas.microsoft.com/office/drawing/2014/main" id="{7F53CC1F-88DE-B27A-A652-86F6E887563E}"/>
+              </a:ext>
+            </a:extLst>
+          </p:cNvPr>
+          <p:cNvSpPr txBox="1"/>
+          <p:nvPr/>
+        </p:nvSpPr>
+        <p:spPr>
+          <a:xfrm>
+            <a:off x="7890387" y="496617"/>
+            <a:ext cx="1922207" cy="923330"/>
+          </a:xfrm>
+          <a:prstGeom prst="rect">
+            <a:avLst/>
+          </a:prstGeom>
+          <a:noFill/>
+        </p:spPr>
+        <p:txBody>
+          <a:bodyPr wrap="square">
+            <a:spAutoFit/>
+          </a:bodyPr>
+          <a:lstStyle/>
+          <a:p>
+            <a:pPr algn="ctr"/>
+            <a:r>
+              <a:rPr lang="en-GB" dirty="0"/>
+              <a:t>Goal: predict the exact value of the score</a:t>
+            </a:r>
+          </a:p>
+        </p:txBody>
+      </p:sp>
+      <p:grpSp>
+        <p:nvGrpSpPr>
+          <p:cNvPr id="21" name="Group 20">
+            <a:extLst>
+              <a:ext uri="{FF2B5EF4-FFF2-40B4-BE49-F238E27FC236}">
+                <a16:creationId xmlns:a16="http://schemas.microsoft.com/office/drawing/2014/main" id="{302BC75F-890D-6476-F8EC-C61B14C021FD}"/>
+              </a:ext>
+            </a:extLst>
+          </p:cNvPr>
+          <p:cNvGrpSpPr/>
+          <p:nvPr/>
+        </p:nvGrpSpPr>
+        <p:grpSpPr>
+          <a:xfrm>
+            <a:off x="5702710" y="1749663"/>
+            <a:ext cx="5329809" cy="4066638"/>
+            <a:chOff x="4930766" y="1562850"/>
+            <a:chExt cx="6101753" cy="4655630"/>
+          </a:xfrm>
+        </p:grpSpPr>
+        <p:pic>
+          <p:nvPicPr>
+            <p:cNvPr id="10" name="Picture 9">
+              <a:extLst>
+                <a:ext uri="{FF2B5EF4-FFF2-40B4-BE49-F238E27FC236}">
+                  <a16:creationId xmlns:a16="http://schemas.microsoft.com/office/drawing/2014/main" id="{BF3206CB-C183-5B99-1BFA-9D131C0A9783}"/>
+                </a:ext>
+              </a:extLst>
+            </p:cNvPr>
+            <p:cNvPicPr>
+              <a:picLocks noChangeAspect="1"/>
+            </p:cNvPicPr>
+            <p:nvPr/>
+          </p:nvPicPr>
+          <p:blipFill>
+            <a:blip r:embed="rId2"/>
+            <a:stretch>
+              <a:fillRect/>
+            </a:stretch>
+          </p:blipFill>
+          <p:spPr>
+            <a:xfrm>
+              <a:off x="4930766" y="1562850"/>
+              <a:ext cx="6101753" cy="4655630"/>
+            </a:xfrm>
+            <a:prstGeom prst="rect">
+              <a:avLst/>
+            </a:prstGeom>
+          </p:spPr>
+        </p:pic>
+        <mc:AlternateContent xmlns:mc="http://schemas.openxmlformats.org/markup-compatibility/2006">
+          <mc:Choice xmlns:p14="http://schemas.microsoft.com/office/powerpoint/2010/main" Requires="p14">
+            <p:contentPart p14:bwMode="auto" r:id="rId3">
+              <p14:nvContentPartPr>
+                <p14:cNvPr id="11" name="Ink 10">
+                  <a:extLst>
+                    <a:ext uri="{FF2B5EF4-FFF2-40B4-BE49-F238E27FC236}">
+                      <a16:creationId xmlns:a16="http://schemas.microsoft.com/office/drawing/2014/main" id="{62300043-DB56-53B2-D8AB-4E197CAAB531}"/>
+                    </a:ext>
+                  </a:extLst>
+                </p14:cNvPr>
+                <p14:cNvContentPartPr/>
+                <p14:nvPr/>
+              </p14:nvContentPartPr>
+              <p14:xfrm>
+                <a:off x="10569461" y="2143173"/>
+                <a:ext cx="418320" cy="7920"/>
+              </p14:xfrm>
+            </p:contentPart>
+          </mc:Choice>
+          <mc:Fallback>
+            <p:pic>
+              <p:nvPicPr>
+                <p:cNvPr id="11" name="Ink 10">
+                  <a:extLst>
+                    <a:ext uri="{FF2B5EF4-FFF2-40B4-BE49-F238E27FC236}">
+                      <a16:creationId xmlns:a16="http://schemas.microsoft.com/office/drawing/2014/main" id="{62300043-DB56-53B2-D8AB-4E197CAAB531}"/>
+                    </a:ext>
+                  </a:extLst>
+                </p:cNvPr>
+                <p:cNvPicPr/>
+                <p:nvPr/>
+              </p:nvPicPr>
+              <p:blipFill>
+                <a:blip r:embed="rId4"/>
+                <a:stretch>
+                  <a:fillRect/>
+                </a:stretch>
+              </p:blipFill>
+              <p:spPr>
+                <a:xfrm>
+                  <a:off x="10507640" y="2024769"/>
+                  <a:ext cx="541549" cy="245124"/>
+                </a:xfrm>
+                <a:prstGeom prst="rect">
+                  <a:avLst/>
+                </a:prstGeom>
+              </p:spPr>
+            </p:pic>
+          </mc:Fallback>
+        </mc:AlternateContent>
+        <mc:AlternateContent xmlns:mc="http://schemas.openxmlformats.org/markup-compatibility/2006">
+          <mc:Choice xmlns:p14="http://schemas.microsoft.com/office/powerpoint/2010/main" Requires="p14">
+            <p:contentPart p14:bwMode="auto" r:id="rId5">
+              <p14:nvContentPartPr>
+                <p14:cNvPr id="12" name="Ink 11">
+                  <a:extLst>
+                    <a:ext uri="{FF2B5EF4-FFF2-40B4-BE49-F238E27FC236}">
+                      <a16:creationId xmlns:a16="http://schemas.microsoft.com/office/drawing/2014/main" id="{82AA106E-4A04-47A3-D48D-81BACCC1B63C}"/>
+                    </a:ext>
+                  </a:extLst>
+                </p14:cNvPr>
+                <p14:cNvContentPartPr/>
+                <p14:nvPr/>
+              </p14:nvContentPartPr>
+              <p14:xfrm>
+                <a:off x="8760101" y="4364013"/>
+                <a:ext cx="381960" cy="21240"/>
+              </p14:xfrm>
+            </p:contentPart>
+          </mc:Choice>
+          <mc:Fallback>
+            <p:pic>
+              <p:nvPicPr>
+                <p:cNvPr id="12" name="Ink 11">
+                  <a:extLst>
+                    <a:ext uri="{FF2B5EF4-FFF2-40B4-BE49-F238E27FC236}">
+                      <a16:creationId xmlns:a16="http://schemas.microsoft.com/office/drawing/2014/main" id="{82AA106E-4A04-47A3-D48D-81BACCC1B63C}"/>
+                    </a:ext>
+                  </a:extLst>
+                </p:cNvPr>
+                <p:cNvPicPr/>
+                <p:nvPr/>
+              </p:nvPicPr>
+              <p:blipFill>
+                <a:blip r:embed="rId6"/>
+                <a:stretch>
+                  <a:fillRect/>
+                </a:stretch>
+              </p:blipFill>
+              <p:spPr>
+                <a:xfrm>
+                  <a:off x="8698707" y="4241883"/>
+                  <a:ext cx="505160" cy="265908"/>
+                </a:xfrm>
+                <a:prstGeom prst="rect">
+                  <a:avLst/>
+                </a:prstGeom>
+              </p:spPr>
+            </p:pic>
+          </mc:Fallback>
+        </mc:AlternateContent>
+        <mc:AlternateContent xmlns:mc="http://schemas.openxmlformats.org/markup-compatibility/2006">
+          <mc:Choice xmlns:p14="http://schemas.microsoft.com/office/powerpoint/2010/main" Requires="p14">
+            <p:contentPart p14:bwMode="auto" r:id="rId7">
+              <p14:nvContentPartPr>
+                <p14:cNvPr id="13" name="Ink 12">
+                  <a:extLst>
+                    <a:ext uri="{FF2B5EF4-FFF2-40B4-BE49-F238E27FC236}">
+                      <a16:creationId xmlns:a16="http://schemas.microsoft.com/office/drawing/2014/main" id="{46747C8A-8EA5-60E2-078E-28B272BF39FC}"/>
+                    </a:ext>
+                  </a:extLst>
+                </p14:cNvPr>
+                <p14:cNvContentPartPr/>
+                <p14:nvPr/>
+              </p14:nvContentPartPr>
+              <p14:xfrm>
+                <a:off x="8769821" y="4562013"/>
+                <a:ext cx="395280" cy="7920"/>
+              </p14:xfrm>
+            </p:contentPart>
+          </mc:Choice>
+          <mc:Fallback>
+            <p:pic>
+              <p:nvPicPr>
+                <p:cNvPr id="13" name="Ink 12">
+                  <a:extLst>
+                    <a:ext uri="{FF2B5EF4-FFF2-40B4-BE49-F238E27FC236}">
+                      <a16:creationId xmlns:a16="http://schemas.microsoft.com/office/drawing/2014/main" id="{46747C8A-8EA5-60E2-078E-28B272BF39FC}"/>
+                    </a:ext>
+                  </a:extLst>
+                </p:cNvPr>
+                <p:cNvPicPr/>
+                <p:nvPr/>
+              </p:nvPicPr>
+              <p:blipFill>
+                <a:blip r:embed="rId8"/>
+                <a:stretch>
+                  <a:fillRect/>
+                </a:stretch>
+              </p:blipFill>
+              <p:spPr>
+                <a:xfrm>
+                  <a:off x="8708406" y="4443213"/>
+                  <a:ext cx="518522" cy="245124"/>
+                </a:xfrm>
+                <a:prstGeom prst="rect">
+                  <a:avLst/>
+                </a:prstGeom>
+              </p:spPr>
+            </p:pic>
+          </mc:Fallback>
+        </mc:AlternateContent>
+        <mc:AlternateContent xmlns:mc="http://schemas.openxmlformats.org/markup-compatibility/2006">
+          <mc:Choice xmlns:p14="http://schemas.microsoft.com/office/powerpoint/2010/main" Requires="p14">
+            <p:contentPart p14:bwMode="auto" r:id="rId9">
+              <p14:nvContentPartPr>
+                <p14:cNvPr id="14" name="Ink 13">
+                  <a:extLst>
+                    <a:ext uri="{FF2B5EF4-FFF2-40B4-BE49-F238E27FC236}">
+                      <a16:creationId xmlns:a16="http://schemas.microsoft.com/office/drawing/2014/main" id="{1C8A16F8-5AFA-F579-0257-E92286EBCB91}"/>
+                    </a:ext>
+                  </a:extLst>
+                </p14:cNvPr>
+                <p14:cNvContentPartPr/>
+                <p14:nvPr/>
+              </p14:nvContentPartPr>
+              <p14:xfrm>
+                <a:off x="8760101" y="4748853"/>
+                <a:ext cx="422280" cy="10440"/>
+              </p14:xfrm>
+            </p:contentPart>
+          </mc:Choice>
+          <mc:Fallback>
+            <p:pic>
+              <p:nvPicPr>
+                <p:cNvPr id="14" name="Ink 13">
+                  <a:extLst>
+                    <a:ext uri="{FF2B5EF4-FFF2-40B4-BE49-F238E27FC236}">
+                      <a16:creationId xmlns:a16="http://schemas.microsoft.com/office/drawing/2014/main" id="{1C8A16F8-5AFA-F579-0257-E92286EBCB91}"/>
+                    </a:ext>
+                  </a:extLst>
+                </p:cNvPr>
+                <p:cNvPicPr/>
+                <p:nvPr/>
+              </p:nvPicPr>
+              <p:blipFill>
+                <a:blip r:embed="rId10"/>
+                <a:stretch>
+                  <a:fillRect/>
+                </a:stretch>
+              </p:blipFill>
+              <p:spPr>
+                <a:xfrm>
+                  <a:off x="8698716" y="4623573"/>
+                  <a:ext cx="545462" cy="260582"/>
+                </a:xfrm>
+                <a:prstGeom prst="rect">
+                  <a:avLst/>
+                </a:prstGeom>
+              </p:spPr>
+            </p:pic>
+          </mc:Fallback>
+        </mc:AlternateContent>
+        <mc:AlternateContent xmlns:mc="http://schemas.openxmlformats.org/markup-compatibility/2006">
+          <mc:Choice xmlns:p14="http://schemas.microsoft.com/office/powerpoint/2010/main" Requires="p14">
+            <p:contentPart p14:bwMode="auto" r:id="rId11">
+              <p14:nvContentPartPr>
+                <p14:cNvPr id="16" name="Ink 15">
+                  <a:extLst>
+                    <a:ext uri="{FF2B5EF4-FFF2-40B4-BE49-F238E27FC236}">
+                      <a16:creationId xmlns:a16="http://schemas.microsoft.com/office/drawing/2014/main" id="{6BA8642A-ED0D-7AD6-CD6E-F4F0C8536829}"/>
+                    </a:ext>
+                  </a:extLst>
+                </p14:cNvPr>
+                <p14:cNvContentPartPr/>
+                <p14:nvPr/>
+              </p14:nvContentPartPr>
+              <p14:xfrm>
+                <a:off x="8809421" y="4934973"/>
+                <a:ext cx="353520" cy="10440"/>
+              </p14:xfrm>
+            </p:contentPart>
+          </mc:Choice>
+          <mc:Fallback>
+            <p:pic>
+              <p:nvPicPr>
+                <p:cNvPr id="16" name="Ink 15">
+                  <a:extLst>
+                    <a:ext uri="{FF2B5EF4-FFF2-40B4-BE49-F238E27FC236}">
+                      <a16:creationId xmlns:a16="http://schemas.microsoft.com/office/drawing/2014/main" id="{6BA8642A-ED0D-7AD6-CD6E-F4F0C8536829}"/>
+                    </a:ext>
+                  </a:extLst>
+                </p:cNvPr>
+                <p:cNvPicPr/>
+                <p:nvPr/>
+              </p:nvPicPr>
+              <p:blipFill>
+                <a:blip r:embed="rId12"/>
+                <a:stretch>
+                  <a:fillRect/>
+                </a:stretch>
+              </p:blipFill>
+              <p:spPr>
+                <a:xfrm>
+                  <a:off x="8747617" y="4814913"/>
+                  <a:ext cx="476716" cy="250962"/>
+                </a:xfrm>
+                <a:prstGeom prst="rect">
+                  <a:avLst/>
+                </a:prstGeom>
+              </p:spPr>
+            </p:pic>
+          </mc:Fallback>
+        </mc:AlternateContent>
+      </p:grpSp>
+      <p:pic>
+        <p:nvPicPr>
+          <p:cNvPr id="18" name="Picture 17">
+            <a:extLst>
+              <a:ext uri="{FF2B5EF4-FFF2-40B4-BE49-F238E27FC236}">
+                <a16:creationId xmlns:a16="http://schemas.microsoft.com/office/drawing/2014/main" id="{DCAD6247-6847-5832-ED4D-0B13AC3B5832}"/>
+              </a:ext>
+            </a:extLst>
+          </p:cNvPr>
+          <p:cNvPicPr>
+            <a:picLocks noChangeAspect="1"/>
+          </p:cNvPicPr>
+          <p:nvPr/>
+        </p:nvPicPr>
+        <p:blipFill rotWithShape="1">
+          <a:blip r:embed="rId13"/>
+          <a:srcRect t="1" r="30135" b="13488"/>
+          <a:stretch/>
+        </p:blipFill>
+        <p:spPr>
+          <a:xfrm>
+            <a:off x="1159481" y="2614093"/>
+            <a:ext cx="3181361" cy="362623"/>
+          </a:xfrm>
+          <a:prstGeom prst="rect">
+            <a:avLst/>
+          </a:prstGeom>
+        </p:spPr>
+      </p:pic>
+      <p:pic>
+        <p:nvPicPr>
+          <p:cNvPr id="20" name="Picture 19">
+            <a:extLst>
+              <a:ext uri="{FF2B5EF4-FFF2-40B4-BE49-F238E27FC236}">
+                <a16:creationId xmlns:a16="http://schemas.microsoft.com/office/drawing/2014/main" id="{BABD3554-018B-B6CE-BFAB-CBD85E29D962}"/>
+              </a:ext>
+            </a:extLst>
+          </p:cNvPr>
+          <p:cNvPicPr>
+            <a:picLocks noChangeAspect="1"/>
+          </p:cNvPicPr>
+          <p:nvPr/>
+        </p:nvPicPr>
+        <p:blipFill>
+          <a:blip r:embed="rId14"/>
+          <a:stretch>
+            <a:fillRect/>
+          </a:stretch>
+        </p:blipFill>
+        <p:spPr>
+          <a:xfrm>
+            <a:off x="877147" y="3749974"/>
+            <a:ext cx="3746028" cy="1107980"/>
+          </a:xfrm>
+          <a:prstGeom prst="rect">
+            <a:avLst/>
+          </a:prstGeom>
+        </p:spPr>
+      </p:pic>
     </p:spTree>
     <p:extLst>
       <p:ext uri="{BB962C8B-B14F-4D97-AF65-F5344CB8AC3E}">
-        <p14:creationId xmlns:p14="http://schemas.microsoft.com/office/powerpoint/2010/main" val="830418775"/>
+        <p14:creationId xmlns:p14="http://schemas.microsoft.com/office/powerpoint/2010/main" val="1315151638"/>
       </p:ext>
     </p:extLst>
   </p:cSld>
@@ -5389,7 +6148,7 @@
           <a:p>
             <a:r>
               <a:rPr lang="en-US" dirty="0"/>
-              <a:t>Compilation time, number of active days and logs does have an effect on the score</a:t>
+              <a:t>Compilation time, number of active days and logs does have a significant effect on the score</a:t>
             </a:r>
           </a:p>
           <a:p>
@@ -5399,7 +6158,7 @@
             </a:r>
             <a:r>
               <a:rPr lang="en-US" i="1" dirty="0"/>
-              <a:t>at least based on trees, how about regression?</a:t>
+              <a:t>at least based on trees, how about regression? - Not even in regression</a:t>
             </a:r>
             <a:r>
               <a:rPr lang="en-US" dirty="0"/>
@@ -5421,86 +6180,6 @@
     <p:extLst>
       <p:ext uri="{BB962C8B-B14F-4D97-AF65-F5344CB8AC3E}">
         <p14:creationId xmlns:p14="http://schemas.microsoft.com/office/powerpoint/2010/main" val="1732863363"/>
-      </p:ext>
-    </p:extLst>
-  </p:cSld>
-  <p:clrMapOvr>
-    <a:masterClrMapping/>
-  </p:clrMapOvr>
-</p:sld>
-</file>
-
-<file path=ppt/slides/slide8.xml><?xml version="1.0" encoding="utf-8"?>
-<p:sld xmlns:a="http://schemas.openxmlformats.org/drawingml/2006/main" xmlns:r="http://schemas.openxmlformats.org/officeDocument/2006/relationships" xmlns:p="http://schemas.openxmlformats.org/presentationml/2006/main">
-  <p:cSld>
-    <p:spTree>
-      <p:nvGrpSpPr>
-        <p:cNvPr id="1" name=""/>
-        <p:cNvGrpSpPr/>
-        <p:nvPr/>
-      </p:nvGrpSpPr>
-      <p:grpSpPr>
-        <a:xfrm>
-          <a:off x="0" y="0"/>
-          <a:ext cx="0" cy="0"/>
-          <a:chOff x="0" y="0"/>
-          <a:chExt cx="0" cy="0"/>
-        </a:xfrm>
-      </p:grpSpPr>
-      <p:sp>
-        <p:nvSpPr>
-          <p:cNvPr id="2" name="Title 1">
-            <a:extLst>
-              <a:ext uri="{FF2B5EF4-FFF2-40B4-BE49-F238E27FC236}">
-                <a16:creationId xmlns:a16="http://schemas.microsoft.com/office/drawing/2014/main" id="{D010584C-DBC3-0B03-1601-C693CD204DD2}"/>
-              </a:ext>
-            </a:extLst>
-          </p:cNvPr>
-          <p:cNvSpPr>
-            <a:spLocks noGrp="1"/>
-          </p:cNvSpPr>
-          <p:nvPr>
-            <p:ph type="title"/>
-          </p:nvPr>
-        </p:nvSpPr>
-        <p:spPr/>
-        <p:txBody>
-          <a:bodyPr/>
-          <a:lstStyle/>
-          <a:p>
-            <a:endParaRPr lang="en-US"/>
-          </a:p>
-        </p:txBody>
-      </p:sp>
-      <p:sp>
-        <p:nvSpPr>
-          <p:cNvPr id="3" name="Content Placeholder 2">
-            <a:extLst>
-              <a:ext uri="{FF2B5EF4-FFF2-40B4-BE49-F238E27FC236}">
-                <a16:creationId xmlns:a16="http://schemas.microsoft.com/office/drawing/2014/main" id="{16AEF29D-CC7E-64BE-5D33-C41370619029}"/>
-              </a:ext>
-            </a:extLst>
-          </p:cNvPr>
-          <p:cNvSpPr>
-            <a:spLocks noGrp="1"/>
-          </p:cNvSpPr>
-          <p:nvPr>
-            <p:ph idx="1"/>
-          </p:nvPr>
-        </p:nvSpPr>
-        <p:spPr/>
-        <p:txBody>
-          <a:bodyPr/>
-          <a:lstStyle/>
-          <a:p>
-            <a:endParaRPr lang="en-US"/>
-          </a:p>
-        </p:txBody>
-      </p:sp>
-    </p:spTree>
-    <p:extLst>
-      <p:ext uri="{BB962C8B-B14F-4D97-AF65-F5344CB8AC3E}">
-        <p14:creationId xmlns:p14="http://schemas.microsoft.com/office/powerpoint/2010/main" val="3594638006"/>
       </p:ext>
     </p:extLst>
   </p:cSld>

--- a/edm-project.pptx
+++ b/edm-project.pptx
@@ -121,7 +121,7 @@
 <file path=ppt/revisionInfo.xml><?xml version="1.0" encoding="utf-8"?>
 <p1510:revInfo xmlns:a="http://schemas.openxmlformats.org/drawingml/2006/main" xmlns:r="http://schemas.openxmlformats.org/officeDocument/2006/relationships" xmlns:p1510="http://schemas.microsoft.com/office/powerpoint/2015/10/main">
   <p1510:revLst>
-    <p1510:client id="{D44E5873-CDAB-47DF-95E1-D784EB74AE2C}" v="3" dt="2024-04-10T07:06:56.006"/>
+    <p1510:client id="{D44E5873-CDAB-47DF-95E1-D784EB74AE2C}" v="7" dt="2024-04-10T10:56:30.114"/>
     <p1510:client id="{E2B5C3F3-6A21-5FFA-74D2-B4EF3E4B32FE}" v="1549" dt="2024-04-10T06:06:50.797"/>
   </p1510:revLst>
 </p1510:revInfo>
@@ -132,22 +132,30 @@
   <pc:docChgLst>
     <pc:chgData name="Giulia Ortolani" userId="d9212689-430e-4ee3-81b3-d947e43afdd0" providerId="ADAL" clId="{D44E5873-CDAB-47DF-95E1-D784EB74AE2C}"/>
     <pc:docChg chg="undo custSel addSld delSld modSld sldOrd">
-      <pc:chgData name="Giulia Ortolani" userId="d9212689-430e-4ee3-81b3-d947e43afdd0" providerId="ADAL" clId="{D44E5873-CDAB-47DF-95E1-D784EB74AE2C}" dt="2024-04-10T07:08:17.976" v="547" actId="20577"/>
+      <pc:chgData name="Giulia Ortolani" userId="d9212689-430e-4ee3-81b3-d947e43afdd0" providerId="ADAL" clId="{D44E5873-CDAB-47DF-95E1-D784EB74AE2C}" dt="2024-04-10T10:56:43.166" v="1203" actId="207"/>
       <pc:docMkLst>
         <pc:docMk/>
       </pc:docMkLst>
-      <pc:sldChg chg="modSp mod">
-        <pc:chgData name="Giulia Ortolani" userId="d9212689-430e-4ee3-81b3-d947e43afdd0" providerId="ADAL" clId="{D44E5873-CDAB-47DF-95E1-D784EB74AE2C}" dt="2024-04-10T06:59:48.712" v="234" actId="20577"/>
+      <pc:sldChg chg="addSp modSp mod">
+        <pc:chgData name="Giulia Ortolani" userId="d9212689-430e-4ee3-81b3-d947e43afdd0" providerId="ADAL" clId="{D44E5873-CDAB-47DF-95E1-D784EB74AE2C}" dt="2024-04-10T10:56:05.614" v="1165" actId="1076"/>
         <pc:sldMkLst>
           <pc:docMk/>
           <pc:sldMk cId="4159415826" sldId="258"/>
         </pc:sldMkLst>
         <pc:spChg chg="mod">
-          <ac:chgData name="Giulia Ortolani" userId="d9212689-430e-4ee3-81b3-d947e43afdd0" providerId="ADAL" clId="{D44E5873-CDAB-47DF-95E1-D784EB74AE2C}" dt="2024-04-10T06:59:48.712" v="234" actId="20577"/>
+          <ac:chgData name="Giulia Ortolani" userId="d9212689-430e-4ee3-81b3-d947e43afdd0" providerId="ADAL" clId="{D44E5873-CDAB-47DF-95E1-D784EB74AE2C}" dt="2024-04-10T10:54:25.852" v="1121" actId="6549"/>
           <ac:spMkLst>
             <pc:docMk/>
             <pc:sldMk cId="4159415826" sldId="258"/>
             <ac:spMk id="3" creationId="{D86CE192-4586-DB48-7AAA-2D9A164B5AAE}"/>
+          </ac:spMkLst>
+        </pc:spChg>
+        <pc:spChg chg="add mod">
+          <ac:chgData name="Giulia Ortolani" userId="d9212689-430e-4ee3-81b3-d947e43afdd0" providerId="ADAL" clId="{D44E5873-CDAB-47DF-95E1-D784EB74AE2C}" dt="2024-04-10T10:56:05.614" v="1165" actId="1076"/>
+          <ac:spMkLst>
+            <pc:docMk/>
+            <pc:sldMk cId="4159415826" sldId="258"/>
+            <ac:spMk id="4" creationId="{B4968B89-D53F-CA45-D195-19DB619FB6BF}"/>
           </ac:spMkLst>
         </pc:spChg>
       </pc:sldChg>
@@ -213,8 +221,8 @@
           </ac:spMkLst>
         </pc:spChg>
       </pc:sldChg>
-      <pc:sldChg chg="modSp new mod">
-        <pc:chgData name="Giulia Ortolani" userId="d9212689-430e-4ee3-81b3-d947e43afdd0" providerId="ADAL" clId="{D44E5873-CDAB-47DF-95E1-D784EB74AE2C}" dt="2024-04-10T07:04:30.856" v="359" actId="20577"/>
+      <pc:sldChg chg="addSp modSp new mod">
+        <pc:chgData name="Giulia Ortolani" userId="d9212689-430e-4ee3-81b3-d947e43afdd0" providerId="ADAL" clId="{D44E5873-CDAB-47DF-95E1-D784EB74AE2C}" dt="2024-04-10T10:53:31.638" v="1111" actId="14100"/>
         <pc:sldMkLst>
           <pc:docMk/>
           <pc:sldMk cId="3116678895" sldId="261"/>
@@ -233,6 +241,22 @@
             <pc:docMk/>
             <pc:sldMk cId="3116678895" sldId="261"/>
             <ac:spMk id="3" creationId="{09F1A851-803D-339D-199F-94C9F38D2B70}"/>
+          </ac:spMkLst>
+        </pc:spChg>
+        <pc:spChg chg="add mod">
+          <ac:chgData name="Giulia Ortolani" userId="d9212689-430e-4ee3-81b3-d947e43afdd0" providerId="ADAL" clId="{D44E5873-CDAB-47DF-95E1-D784EB74AE2C}" dt="2024-04-10T10:46:53.480" v="604" actId="20577"/>
+          <ac:spMkLst>
+            <pc:docMk/>
+            <pc:sldMk cId="3116678895" sldId="261"/>
+            <ac:spMk id="4" creationId="{17334863-CDD8-3F84-F67C-632A9B1BE908}"/>
+          </ac:spMkLst>
+        </pc:spChg>
+        <pc:spChg chg="add mod">
+          <ac:chgData name="Giulia Ortolani" userId="d9212689-430e-4ee3-81b3-d947e43afdd0" providerId="ADAL" clId="{D44E5873-CDAB-47DF-95E1-D784EB74AE2C}" dt="2024-04-10T10:53:31.638" v="1111" actId="14100"/>
+          <ac:spMkLst>
+            <pc:docMk/>
+            <pc:sldMk cId="3116678895" sldId="261"/>
+            <ac:spMk id="5" creationId="{076DF964-3FEA-F85B-A3F6-CF759A4A7F7C}"/>
           </ac:spMkLst>
         </pc:spChg>
       </pc:sldChg>
@@ -243,18 +267,42 @@
           <pc:sldMk cId="3594638006" sldId="262"/>
         </pc:sldMkLst>
       </pc:sldChg>
-      <pc:sldChg chg="modSp mod">
-        <pc:chgData name="Giulia Ortolani" userId="d9212689-430e-4ee3-81b3-d947e43afdd0" providerId="ADAL" clId="{D44E5873-CDAB-47DF-95E1-D784EB74AE2C}" dt="2024-04-10T07:08:17.976" v="547" actId="20577"/>
+      <pc:sldChg chg="addSp delSp modSp mod">
+        <pc:chgData name="Giulia Ortolani" userId="d9212689-430e-4ee3-81b3-d947e43afdd0" providerId="ADAL" clId="{D44E5873-CDAB-47DF-95E1-D784EB74AE2C}" dt="2024-04-10T10:56:43.166" v="1203" actId="207"/>
         <pc:sldMkLst>
           <pc:docMk/>
           <pc:sldMk cId="1732863363" sldId="263"/>
         </pc:sldMkLst>
         <pc:spChg chg="mod">
-          <ac:chgData name="Giulia Ortolani" userId="d9212689-430e-4ee3-81b3-d947e43afdd0" providerId="ADAL" clId="{D44E5873-CDAB-47DF-95E1-D784EB74AE2C}" dt="2024-04-10T07:08:17.976" v="547" actId="20577"/>
+          <ac:chgData name="Giulia Ortolani" userId="d9212689-430e-4ee3-81b3-d947e43afdd0" providerId="ADAL" clId="{D44E5873-CDAB-47DF-95E1-D784EB74AE2C}" dt="2024-04-10T10:53:46.594" v="1118" actId="20577"/>
+          <ac:spMkLst>
+            <pc:docMk/>
+            <pc:sldMk cId="1732863363" sldId="263"/>
+            <ac:spMk id="2" creationId="{9D27FD30-3FE5-356F-D334-04EA15279315}"/>
+          </ac:spMkLst>
+        </pc:spChg>
+        <pc:spChg chg="mod">
+          <ac:chgData name="Giulia Ortolani" userId="d9212689-430e-4ee3-81b3-d947e43afdd0" providerId="ADAL" clId="{D44E5873-CDAB-47DF-95E1-D784EB74AE2C}" dt="2024-04-10T10:56:43.166" v="1203" actId="207"/>
           <ac:spMkLst>
             <pc:docMk/>
             <pc:sldMk cId="1732863363" sldId="263"/>
             <ac:spMk id="3" creationId="{97097577-6DDE-C60B-114D-E37EAD9C34BE}"/>
+          </ac:spMkLst>
+        </pc:spChg>
+        <pc:spChg chg="add del">
+          <ac:chgData name="Giulia Ortolani" userId="d9212689-430e-4ee3-81b3-d947e43afdd0" providerId="ADAL" clId="{D44E5873-CDAB-47DF-95E1-D784EB74AE2C}" dt="2024-04-10T10:54:32.910" v="1123" actId="22"/>
+          <ac:spMkLst>
+            <pc:docMk/>
+            <pc:sldMk cId="1732863363" sldId="263"/>
+            <ac:spMk id="5" creationId="{858D3829-0601-FCD5-B8E8-06890689B523}"/>
+          </ac:spMkLst>
+        </pc:spChg>
+        <pc:spChg chg="add del mod">
+          <ac:chgData name="Giulia Ortolani" userId="d9212689-430e-4ee3-81b3-d947e43afdd0" providerId="ADAL" clId="{D44E5873-CDAB-47DF-95E1-D784EB74AE2C}" dt="2024-04-10T10:56:40.576" v="1202" actId="478"/>
+          <ac:spMkLst>
+            <pc:docMk/>
+            <pc:sldMk cId="1732863363" sldId="263"/>
+            <ac:spMk id="6" creationId="{44B5EB35-B24B-1D6D-7842-15BF3904A7ED}"/>
           </ac:spMkLst>
         </pc:spChg>
       </pc:sldChg>
@@ -282,7 +330,7 @@
         </pc:spChg>
       </pc:sldChg>
       <pc:sldChg chg="addSp delSp modSp add mod setBg">
-        <pc:chgData name="Giulia Ortolani" userId="d9212689-430e-4ee3-81b3-d947e43afdd0" providerId="ADAL" clId="{D44E5873-CDAB-47DF-95E1-D784EB74AE2C}" dt="2024-04-10T07:07:11.416" v="501" actId="1076"/>
+        <pc:chgData name="Giulia Ortolani" userId="d9212689-430e-4ee3-81b3-d947e43afdd0" providerId="ADAL" clId="{D44E5873-CDAB-47DF-95E1-D784EB74AE2C}" dt="2024-04-10T10:47:02.560" v="605" actId="1076"/>
         <pc:sldMkLst>
           <pc:docMk/>
           <pc:sldMk cId="1315151638" sldId="265"/>
@@ -304,7 +352,7 @@
           </ac:spMkLst>
         </pc:spChg>
         <pc:spChg chg="add mod">
-          <ac:chgData name="Giulia Ortolani" userId="d9212689-430e-4ee3-81b3-d947e43afdd0" providerId="ADAL" clId="{D44E5873-CDAB-47DF-95E1-D784EB74AE2C}" dt="2024-04-10T07:02:55.577" v="304" actId="1076"/>
+          <ac:chgData name="Giulia Ortolani" userId="d9212689-430e-4ee3-81b3-d947e43afdd0" providerId="ADAL" clId="{D44E5873-CDAB-47DF-95E1-D784EB74AE2C}" dt="2024-04-10T10:47:02.560" v="605" actId="1076"/>
           <ac:spMkLst>
             <pc:docMk/>
             <pc:sldMk cId="1315151638" sldId="265"/>
@@ -5182,6 +5230,98 @@
           </a:p>
         </p:txBody>
       </p:sp>
+      <p:sp>
+        <p:nvSpPr>
+          <p:cNvPr id="4" name="TextBox 3">
+            <a:extLst>
+              <a:ext uri="{FF2B5EF4-FFF2-40B4-BE49-F238E27FC236}">
+                <a16:creationId xmlns:a16="http://schemas.microsoft.com/office/drawing/2014/main" id="{B4968B89-D53F-CA45-D195-19DB619FB6BF}"/>
+              </a:ext>
+            </a:extLst>
+          </p:cNvPr>
+          <p:cNvSpPr txBox="1"/>
+          <p:nvPr/>
+        </p:nvSpPr>
+        <p:spPr>
+          <a:xfrm>
+            <a:off x="6184490" y="3244334"/>
+            <a:ext cx="3470787" cy="369332"/>
+          </a:xfrm>
+          <a:prstGeom prst="rect">
+            <a:avLst/>
+          </a:prstGeom>
+          <a:noFill/>
+        </p:spPr>
+        <p:txBody>
+          <a:bodyPr wrap="square" rtlCol="0">
+            <a:spAutoFit/>
+          </a:bodyPr>
+          <a:lstStyle/>
+          <a:p>
+            <a:r>
+              <a:rPr lang="it-IT" dirty="0">
+                <a:solidFill>
+                  <a:srgbClr val="FF0000"/>
+                </a:solidFill>
+              </a:rPr>
+              <a:t>Do </a:t>
+            </a:r>
+            <a:r>
+              <a:rPr lang="it-IT" dirty="0" err="1">
+                <a:solidFill>
+                  <a:srgbClr val="FF0000"/>
+                </a:solidFill>
+              </a:rPr>
+              <a:t>you</a:t>
+            </a:r>
+            <a:r>
+              <a:rPr lang="it-IT" dirty="0">
+                <a:solidFill>
+                  <a:srgbClr val="FF0000"/>
+                </a:solidFill>
+              </a:rPr>
+              <a:t> </a:t>
+            </a:r>
+            <a:r>
+              <a:rPr lang="it-IT" dirty="0" err="1">
+                <a:solidFill>
+                  <a:srgbClr val="FF0000"/>
+                </a:solidFill>
+              </a:rPr>
+              <a:t>mean</a:t>
+            </a:r>
+            <a:r>
+              <a:rPr lang="it-IT" dirty="0">
+                <a:solidFill>
+                  <a:srgbClr val="FF0000"/>
+                </a:solidFill>
+              </a:rPr>
+              <a:t> </a:t>
+            </a:r>
+            <a:r>
+              <a:rPr lang="it-IT" dirty="0" err="1">
+                <a:solidFill>
+                  <a:srgbClr val="FF0000"/>
+                </a:solidFill>
+              </a:rPr>
+              <a:t>completion</a:t>
+            </a:r>
+            <a:r>
+              <a:rPr lang="it-IT" dirty="0">
+                <a:solidFill>
+                  <a:srgbClr val="FF0000"/>
+                </a:solidFill>
+              </a:rPr>
+              <a:t> time?</a:t>
+            </a:r>
+            <a:endParaRPr lang="en-GB" dirty="0">
+              <a:solidFill>
+                <a:srgbClr val="FF0000"/>
+              </a:solidFill>
+            </a:endParaRPr>
+          </a:p>
+        </p:txBody>
+      </p:sp>
     </p:spTree>
     <p:extLst>
       <p:ext uri="{BB962C8B-B14F-4D97-AF65-F5344CB8AC3E}">
@@ -5515,6 +5655,296 @@
           </a:prstGeom>
         </p:spPr>
       </p:pic>
+      <p:sp>
+        <p:nvSpPr>
+          <p:cNvPr id="4" name="TextBox 3">
+            <a:extLst>
+              <a:ext uri="{FF2B5EF4-FFF2-40B4-BE49-F238E27FC236}">
+                <a16:creationId xmlns:a16="http://schemas.microsoft.com/office/drawing/2014/main" id="{17334863-CDD8-3F84-F67C-632A9B1BE908}"/>
+              </a:ext>
+            </a:extLst>
+          </p:cNvPr>
+          <p:cNvSpPr txBox="1"/>
+          <p:nvPr/>
+        </p:nvSpPr>
+        <p:spPr>
+          <a:xfrm>
+            <a:off x="7639123" y="639520"/>
+            <a:ext cx="3441832" cy="646331"/>
+          </a:xfrm>
+          <a:prstGeom prst="rect">
+            <a:avLst/>
+          </a:prstGeom>
+          <a:noFill/>
+        </p:spPr>
+        <p:txBody>
+          <a:bodyPr wrap="square">
+            <a:spAutoFit/>
+          </a:bodyPr>
+          <a:lstStyle/>
+          <a:p>
+            <a:pPr algn="ctr"/>
+            <a:r>
+              <a:rPr lang="en-GB" dirty="0"/>
+              <a:t>Goal: predict the category of the score (classification)</a:t>
+            </a:r>
+          </a:p>
+        </p:txBody>
+      </p:sp>
+      <p:sp>
+        <p:nvSpPr>
+          <p:cNvPr id="5" name="TextBox 4">
+            <a:extLst>
+              <a:ext uri="{FF2B5EF4-FFF2-40B4-BE49-F238E27FC236}">
+                <a16:creationId xmlns:a16="http://schemas.microsoft.com/office/drawing/2014/main" id="{076DF964-3FEA-F85B-A3F6-CF759A4A7F7C}"/>
+              </a:ext>
+            </a:extLst>
+          </p:cNvPr>
+          <p:cNvSpPr txBox="1"/>
+          <p:nvPr/>
+        </p:nvSpPr>
+        <p:spPr>
+          <a:xfrm>
+            <a:off x="630936" y="1285851"/>
+            <a:ext cx="7008187" cy="923330"/>
+          </a:xfrm>
+          <a:prstGeom prst="rect">
+            <a:avLst/>
+          </a:prstGeom>
+          <a:noFill/>
+        </p:spPr>
+        <p:txBody>
+          <a:bodyPr wrap="square" rtlCol="0">
+            <a:spAutoFit/>
+          </a:bodyPr>
+          <a:lstStyle/>
+          <a:p>
+            <a:r>
+              <a:rPr lang="it-IT" dirty="0" err="1">
+                <a:solidFill>
+                  <a:srgbClr val="FF0000"/>
+                </a:solidFill>
+              </a:rPr>
+              <a:t>Maybe</a:t>
+            </a:r>
+            <a:r>
+              <a:rPr lang="it-IT" dirty="0">
+                <a:solidFill>
+                  <a:srgbClr val="FF0000"/>
+                </a:solidFill>
+              </a:rPr>
+              <a:t> </a:t>
+            </a:r>
+            <a:r>
+              <a:rPr lang="it-IT" dirty="0" err="1">
+                <a:solidFill>
+                  <a:srgbClr val="FF0000"/>
+                </a:solidFill>
+              </a:rPr>
+              <a:t>mention</a:t>
+            </a:r>
+            <a:r>
+              <a:rPr lang="it-IT" dirty="0">
+                <a:solidFill>
+                  <a:srgbClr val="FF0000"/>
+                </a:solidFill>
+              </a:rPr>
+              <a:t> </a:t>
+            </a:r>
+            <a:r>
+              <a:rPr lang="it-IT" dirty="0" err="1">
+                <a:solidFill>
+                  <a:srgbClr val="FF0000"/>
+                </a:solidFill>
+              </a:rPr>
+              <a:t>that</a:t>
+            </a:r>
+            <a:r>
+              <a:rPr lang="it-IT" dirty="0">
+                <a:solidFill>
+                  <a:srgbClr val="FF0000"/>
+                </a:solidFill>
+              </a:rPr>
+              <a:t> </a:t>
+            </a:r>
+            <a:r>
+              <a:rPr lang="it-IT" dirty="0" err="1">
+                <a:solidFill>
+                  <a:srgbClr val="FF0000"/>
+                </a:solidFill>
+              </a:rPr>
+              <a:t>we</a:t>
+            </a:r>
+            <a:r>
+              <a:rPr lang="it-IT" dirty="0">
+                <a:solidFill>
+                  <a:srgbClr val="FF0000"/>
+                </a:solidFill>
+              </a:rPr>
+              <a:t> </a:t>
+            </a:r>
+            <a:r>
+              <a:rPr lang="it-IT" dirty="0" err="1">
+                <a:solidFill>
+                  <a:srgbClr val="FF0000"/>
+                </a:solidFill>
+              </a:rPr>
+              <a:t>did</a:t>
+            </a:r>
+            <a:r>
+              <a:rPr lang="it-IT" dirty="0">
+                <a:solidFill>
+                  <a:srgbClr val="FF0000"/>
+                </a:solidFill>
+              </a:rPr>
+              <a:t> </a:t>
+            </a:r>
+            <a:r>
+              <a:rPr lang="it-IT" dirty="0" err="1">
+                <a:solidFill>
+                  <a:srgbClr val="FF0000"/>
+                </a:solidFill>
+              </a:rPr>
+              <a:t>it</a:t>
+            </a:r>
+            <a:r>
+              <a:rPr lang="it-IT" dirty="0">
+                <a:solidFill>
+                  <a:srgbClr val="FF0000"/>
+                </a:solidFill>
+              </a:rPr>
+              <a:t> with </a:t>
+            </a:r>
+            <a:r>
+              <a:rPr lang="it-IT" dirty="0" err="1">
+                <a:solidFill>
+                  <a:srgbClr val="FF0000"/>
+                </a:solidFill>
+              </a:rPr>
+              <a:t>two</a:t>
+            </a:r>
+            <a:r>
+              <a:rPr lang="it-IT" dirty="0">
+                <a:solidFill>
+                  <a:srgbClr val="FF0000"/>
+                </a:solidFill>
+              </a:rPr>
+              <a:t> </a:t>
+            </a:r>
+            <a:r>
+              <a:rPr lang="it-IT" dirty="0" err="1">
+                <a:solidFill>
+                  <a:srgbClr val="FF0000"/>
+                </a:solidFill>
+              </a:rPr>
+              <a:t>different</a:t>
+            </a:r>
+            <a:r>
+              <a:rPr lang="it-IT" dirty="0">
+                <a:solidFill>
+                  <a:srgbClr val="FF0000"/>
+                </a:solidFill>
+              </a:rPr>
+              <a:t> </a:t>
+            </a:r>
+            <a:r>
+              <a:rPr lang="it-IT" dirty="0" err="1">
+                <a:solidFill>
+                  <a:srgbClr val="FF0000"/>
+                </a:solidFill>
+              </a:rPr>
+              <a:t>categorizations</a:t>
+            </a:r>
+            <a:r>
+              <a:rPr lang="it-IT" dirty="0">
+                <a:solidFill>
+                  <a:srgbClr val="FF0000"/>
+                </a:solidFill>
+              </a:rPr>
+              <a:t>? 0-3 and 0-5</a:t>
+            </a:r>
+          </a:p>
+          <a:p>
+            <a:r>
+              <a:rPr lang="it-IT" dirty="0">
+                <a:solidFill>
+                  <a:srgbClr val="FF0000"/>
+                </a:solidFill>
+              </a:rPr>
+              <a:t>(</a:t>
+            </a:r>
+            <a:r>
+              <a:rPr lang="it-IT" dirty="0" err="1">
+                <a:solidFill>
+                  <a:srgbClr val="FF0000"/>
+                </a:solidFill>
+              </a:rPr>
+              <a:t>also</a:t>
+            </a:r>
+            <a:r>
+              <a:rPr lang="it-IT" dirty="0">
+                <a:solidFill>
+                  <a:srgbClr val="FF0000"/>
+                </a:solidFill>
+              </a:rPr>
+              <a:t> can be </a:t>
+            </a:r>
+            <a:r>
+              <a:rPr lang="it-IT" dirty="0" err="1">
+                <a:solidFill>
+                  <a:srgbClr val="FF0000"/>
+                </a:solidFill>
+              </a:rPr>
+              <a:t>mentioned</a:t>
+            </a:r>
+            <a:r>
+              <a:rPr lang="it-IT" dirty="0">
+                <a:solidFill>
+                  <a:srgbClr val="FF0000"/>
+                </a:solidFill>
+              </a:rPr>
+              <a:t> just </a:t>
+            </a:r>
+            <a:r>
+              <a:rPr lang="it-IT" dirty="0" err="1">
+                <a:solidFill>
+                  <a:srgbClr val="FF0000"/>
+                </a:solidFill>
+              </a:rPr>
+              <a:t>when</a:t>
+            </a:r>
+            <a:r>
+              <a:rPr lang="it-IT" dirty="0">
+                <a:solidFill>
+                  <a:srgbClr val="FF0000"/>
+                </a:solidFill>
+              </a:rPr>
+              <a:t> </a:t>
+            </a:r>
+            <a:r>
+              <a:rPr lang="it-IT" dirty="0" err="1">
+                <a:solidFill>
+                  <a:srgbClr val="FF0000"/>
+                </a:solidFill>
+              </a:rPr>
+              <a:t>presenting</a:t>
+            </a:r>
+            <a:r>
+              <a:rPr lang="it-IT" dirty="0">
+                <a:solidFill>
+                  <a:srgbClr val="FF0000"/>
+                </a:solidFill>
+              </a:rPr>
+              <a:t>)</a:t>
+            </a:r>
+            <a:endParaRPr lang="en-GB" dirty="0">
+              <a:solidFill>
+                <a:srgbClr val="FF0000"/>
+              </a:solidFill>
+            </a:endParaRPr>
+          </a:p>
+        </p:txBody>
+      </p:sp>
     </p:spTree>
     <p:extLst>
       <p:ext uri="{BB962C8B-B14F-4D97-AF65-F5344CB8AC3E}">
@@ -5678,8 +6108,8 @@
         </p:nvSpPr>
         <p:spPr>
           <a:xfrm>
-            <a:off x="7890387" y="496617"/>
-            <a:ext cx="1922207" cy="923330"/>
+            <a:off x="7496062" y="637654"/>
+            <a:ext cx="3103054" cy="646331"/>
           </a:xfrm>
           <a:prstGeom prst="rect">
             <a:avLst/>
@@ -5750,8 +6180,8 @@
             </a:prstGeom>
           </p:spPr>
         </p:pic>
-        <mc:AlternateContent xmlns:mc="http://schemas.openxmlformats.org/markup-compatibility/2006">
-          <mc:Choice xmlns:p14="http://schemas.microsoft.com/office/powerpoint/2010/main" Requires="p14">
+        <mc:AlternateContent xmlns:mc="http://schemas.openxmlformats.org/markup-compatibility/2006" xmlns:p14="http://schemas.microsoft.com/office/powerpoint/2010/main">
+          <mc:Choice Requires="p14">
             <p:contentPart p14:bwMode="auto" r:id="rId3">
               <p14:nvContentPartPr>
                 <p14:cNvPr id="11" name="Ink 10">
@@ -5770,7 +6200,7 @@
               </p14:xfrm>
             </p:contentPart>
           </mc:Choice>
-          <mc:Fallback>
+          <mc:Fallback xmlns="">
             <p:pic>
               <p:nvPicPr>
                 <p:cNvPr id="11" name="Ink 10">
@@ -5801,8 +6231,8 @@
             </p:pic>
           </mc:Fallback>
         </mc:AlternateContent>
-        <mc:AlternateContent xmlns:mc="http://schemas.openxmlformats.org/markup-compatibility/2006">
-          <mc:Choice xmlns:p14="http://schemas.microsoft.com/office/powerpoint/2010/main" Requires="p14">
+        <mc:AlternateContent xmlns:mc="http://schemas.openxmlformats.org/markup-compatibility/2006" xmlns:p14="http://schemas.microsoft.com/office/powerpoint/2010/main">
+          <mc:Choice Requires="p14">
             <p:contentPart p14:bwMode="auto" r:id="rId5">
               <p14:nvContentPartPr>
                 <p14:cNvPr id="12" name="Ink 11">
@@ -5821,7 +6251,7 @@
               </p14:xfrm>
             </p:contentPart>
           </mc:Choice>
-          <mc:Fallback>
+          <mc:Fallback xmlns="">
             <p:pic>
               <p:nvPicPr>
                 <p:cNvPr id="12" name="Ink 11">
@@ -5852,8 +6282,8 @@
             </p:pic>
           </mc:Fallback>
         </mc:AlternateContent>
-        <mc:AlternateContent xmlns:mc="http://schemas.openxmlformats.org/markup-compatibility/2006">
-          <mc:Choice xmlns:p14="http://schemas.microsoft.com/office/powerpoint/2010/main" Requires="p14">
+        <mc:AlternateContent xmlns:mc="http://schemas.openxmlformats.org/markup-compatibility/2006" xmlns:p14="http://schemas.microsoft.com/office/powerpoint/2010/main">
+          <mc:Choice Requires="p14">
             <p:contentPart p14:bwMode="auto" r:id="rId7">
               <p14:nvContentPartPr>
                 <p14:cNvPr id="13" name="Ink 12">
@@ -5872,7 +6302,7 @@
               </p14:xfrm>
             </p:contentPart>
           </mc:Choice>
-          <mc:Fallback>
+          <mc:Fallback xmlns="">
             <p:pic>
               <p:nvPicPr>
                 <p:cNvPr id="13" name="Ink 12">
@@ -5903,8 +6333,8 @@
             </p:pic>
           </mc:Fallback>
         </mc:AlternateContent>
-        <mc:AlternateContent xmlns:mc="http://schemas.openxmlformats.org/markup-compatibility/2006">
-          <mc:Choice xmlns:p14="http://schemas.microsoft.com/office/powerpoint/2010/main" Requires="p14">
+        <mc:AlternateContent xmlns:mc="http://schemas.openxmlformats.org/markup-compatibility/2006" xmlns:p14="http://schemas.microsoft.com/office/powerpoint/2010/main">
+          <mc:Choice Requires="p14">
             <p:contentPart p14:bwMode="auto" r:id="rId9">
               <p14:nvContentPartPr>
                 <p14:cNvPr id="14" name="Ink 13">
@@ -5923,7 +6353,7 @@
               </p14:xfrm>
             </p:contentPart>
           </mc:Choice>
-          <mc:Fallback>
+          <mc:Fallback xmlns="">
             <p:pic>
               <p:nvPicPr>
                 <p:cNvPr id="14" name="Ink 13">
@@ -5954,8 +6384,8 @@
             </p:pic>
           </mc:Fallback>
         </mc:AlternateContent>
-        <mc:AlternateContent xmlns:mc="http://schemas.openxmlformats.org/markup-compatibility/2006">
-          <mc:Choice xmlns:p14="http://schemas.microsoft.com/office/powerpoint/2010/main" Requires="p14">
+        <mc:AlternateContent xmlns:mc="http://schemas.openxmlformats.org/markup-compatibility/2006" xmlns:p14="http://schemas.microsoft.com/office/powerpoint/2010/main">
+          <mc:Choice Requires="p14">
             <p:contentPart p14:bwMode="auto" r:id="rId11">
               <p14:nvContentPartPr>
                 <p14:cNvPr id="16" name="Ink 15">
@@ -5974,7 +6404,7 @@
               </p14:xfrm>
             </p:contentPart>
           </mc:Choice>
-          <mc:Fallback>
+          <mc:Fallback xmlns="">
             <p:pic>
               <p:nvPicPr>
                 <p:cNvPr id="16" name="Ink 15">
@@ -6118,7 +6548,7 @@
           <a:p>
             <a:r>
               <a:rPr lang="en-US" dirty="0"/>
-              <a:t>Final words</a:t>
+              <a:t>Summary</a:t>
             </a:r>
           </a:p>
         </p:txBody>
@@ -6147,32 +6577,77 @@
           <a:lstStyle/>
           <a:p>
             <a:r>
-              <a:rPr lang="en-US" dirty="0"/>
-              <a:t>Compilation time, number of active days and logs does have a significant effect on the score</a:t>
-            </a:r>
-          </a:p>
-          <a:p>
-            <a:r>
-              <a:rPr lang="en-US" dirty="0"/>
-              <a:t>Preferred time of day for working not (</a:t>
-            </a:r>
-            <a:r>
-              <a:rPr lang="en-US" i="1" dirty="0"/>
-              <a:t>at least based on trees, how about regression? - Not even in regression</a:t>
-            </a:r>
-            <a:r>
-              <a:rPr lang="en-US" dirty="0"/>
-              <a:t>)</a:t>
-            </a:r>
-          </a:p>
-          <a:p>
+              <a:rPr lang="en-US" dirty="0">
+                <a:solidFill>
+                  <a:srgbClr val="FF0000"/>
+                </a:solidFill>
+              </a:rPr>
+              <a:t>Compilation</a:t>
+            </a:r>
+            <a:r>
+              <a:rPr lang="en-US" dirty="0"/>
+              <a:t> time, number of active days and logs does have a significant effect on the score.</a:t>
+            </a:r>
+          </a:p>
+          <a:p>
+            <a:r>
+              <a:rPr lang="en-US" dirty="0"/>
+              <a:t>We can say that </a:t>
+            </a:r>
+            <a:r>
+              <a:rPr lang="en-GB" dirty="0"/>
+              <a:t>spending </a:t>
+            </a:r>
+            <a:r>
+              <a:rPr lang="en-GB" b="1" dirty="0"/>
+              <a:t>more time working on the problem </a:t>
+            </a:r>
+            <a:r>
+              <a:rPr lang="en-GB" dirty="0"/>
+              <a:t>(measured in time and the amount of activity) lead to </a:t>
+            </a:r>
+            <a:r>
+              <a:rPr lang="en-GB" b="1" dirty="0"/>
+              <a:t>better results </a:t>
+            </a:r>
+            <a:r>
+              <a:rPr lang="en-GB" dirty="0"/>
+              <a:t>in terms of score.</a:t>
+            </a:r>
             <a:endParaRPr lang="en-US" dirty="0"/>
           </a:p>
           <a:p>
             <a:r>
-              <a:rPr lang="en-US" i="1" dirty="0"/>
-              <a:t>Something else?</a:t>
-            </a:r>
+              <a:rPr lang="en-GB" dirty="0"/>
+              <a:t>Weaknesses of this analysis: </a:t>
+            </a:r>
+          </a:p>
+          <a:p>
+            <a:pPr lvl="1"/>
+            <a:r>
+              <a:rPr lang="en-GB" b="1" dirty="0"/>
+              <a:t>Decision trees </a:t>
+            </a:r>
+            <a:r>
+              <a:rPr lang="en-GB" dirty="0"/>
+              <a:t>focus too much on the training data, the reliability of our results could be affected by this overfitting.</a:t>
+            </a:r>
+          </a:p>
+          <a:p>
+            <a:pPr lvl="1"/>
+            <a:r>
+              <a:rPr lang="en-GB" dirty="0"/>
+              <a:t>The R-squared value of 0.347 in the </a:t>
+            </a:r>
+            <a:r>
+              <a:rPr lang="en-GB" b="1" dirty="0"/>
+              <a:t>linear model </a:t>
+            </a:r>
+            <a:r>
+              <a:rPr lang="en-GB" dirty="0"/>
+              <a:t>indicates that we haven’t captured all the features influencing our target variable: there are other factors contributing to the variability in the data that our current model hasn’t accounted for.</a:t>
+            </a:r>
+            <a:endParaRPr lang="en-US" dirty="0"/>
           </a:p>
         </p:txBody>
       </p:sp>

--- a/edm-project.pptx
+++ b/edm-project.pptx
@@ -121,6 +121,7 @@
 <file path=ppt/revisionInfo.xml><?xml version="1.0" encoding="utf-8"?>
 <p1510:revInfo xmlns:a="http://schemas.openxmlformats.org/drawingml/2006/main" xmlns:r="http://schemas.openxmlformats.org/officeDocument/2006/relationships" xmlns:p1510="http://schemas.microsoft.com/office/powerpoint/2015/10/main">
   <p1510:revLst>
+    <p1510:client id="{BD2E4B26-851C-1418-C40F-9E67C99D36EA}" v="66" dt="2024-04-10T12:37:04.942"/>
     <p1510:client id="{D44E5873-CDAB-47DF-95E1-D784EB74AE2C}" v="7" dt="2024-04-10T10:56:30.114"/>
     <p1510:client id="{E2B5C3F3-6A21-5FFA-74D2-B4EF3E4B32FE}" v="1549" dt="2024-04-10T06:06:50.797"/>
   </p1510:revLst>
@@ -129,6 +130,881 @@
 
 <file path=ppt/changesInfos/changesInfo1.xml><?xml version="1.0" encoding="utf-8"?>
 <pc:chgInfo xmlns:a="http://schemas.openxmlformats.org/drawingml/2006/main" xmlns:r="http://schemas.openxmlformats.org/officeDocument/2006/relationships" xmlns:ac="http://schemas.microsoft.com/office/drawing/2013/main/command" xmlns:pc="http://schemas.microsoft.com/office/powerpoint/2013/main/command">
+  <pc:docChgLst>
+    <pc:chgData name="Riihimäki, Johanna" userId="S::jopariih@jyu.fi::f06ad8bf-b251-424f-a727-84aaec4fba8d" providerId="AD" clId="Web-{E2B5C3F3-6A21-5FFA-74D2-B4EF3E4B32FE}"/>
+    <pc:docChg chg="addSld delSld modSld sldOrd addMainMaster delMainMaster">
+      <pc:chgData name="Riihimäki, Johanna" userId="S::jopariih@jyu.fi::f06ad8bf-b251-424f-a727-84aaec4fba8d" providerId="AD" clId="Web-{E2B5C3F3-6A21-5FFA-74D2-B4EF3E4B32FE}" dt="2024-04-10T06:06:50.797" v="1533" actId="1076"/>
+      <pc:docMkLst>
+        <pc:docMk/>
+      </pc:docMkLst>
+      <pc:sldChg chg="delSp modSp mod modClrScheme chgLayout">
+        <pc:chgData name="Riihimäki, Johanna" userId="S::jopariih@jyu.fi::f06ad8bf-b251-424f-a727-84aaec4fba8d" providerId="AD" clId="Web-{E2B5C3F3-6A21-5FFA-74D2-B4EF3E4B32FE}" dt="2024-04-10T05:58:02.331" v="1235"/>
+        <pc:sldMkLst>
+          <pc:docMk/>
+          <pc:sldMk cId="2473777132" sldId="256"/>
+        </pc:sldMkLst>
+        <pc:spChg chg="mod ord">
+          <ac:chgData name="Riihimäki, Johanna" userId="S::jopariih@jyu.fi::f06ad8bf-b251-424f-a727-84aaec4fba8d" providerId="AD" clId="Web-{E2B5C3F3-6A21-5FFA-74D2-B4EF3E4B32FE}" dt="2024-04-10T05:57:45.956" v="1216"/>
+          <ac:spMkLst>
+            <pc:docMk/>
+            <pc:sldMk cId="2473777132" sldId="256"/>
+            <ac:spMk id="2" creationId="{74F0E030-7B18-307B-6FF5-DDD2385CBE36}"/>
+          </ac:spMkLst>
+        </pc:spChg>
+        <pc:spChg chg="mod ord">
+          <ac:chgData name="Riihimäki, Johanna" userId="S::jopariih@jyu.fi::f06ad8bf-b251-424f-a727-84aaec4fba8d" providerId="AD" clId="Web-{E2B5C3F3-6A21-5FFA-74D2-B4EF3E4B32FE}" dt="2024-04-10T05:57:45.956" v="1216"/>
+          <ac:spMkLst>
+            <pc:docMk/>
+            <pc:sldMk cId="2473777132" sldId="256"/>
+            <ac:spMk id="3" creationId="{7D84FB2D-3216-2BFF-CB5F-5E22FA2BDDAE}"/>
+          </ac:spMkLst>
+        </pc:spChg>
+        <pc:spChg chg="del mod">
+          <ac:chgData name="Riihimäki, Johanna" userId="S::jopariih@jyu.fi::f06ad8bf-b251-424f-a727-84aaec4fba8d" providerId="AD" clId="Web-{E2B5C3F3-6A21-5FFA-74D2-B4EF3E4B32FE}" dt="2024-04-10T05:58:02.331" v="1235"/>
+          <ac:spMkLst>
+            <pc:docMk/>
+            <pc:sldMk cId="2473777132" sldId="256"/>
+            <ac:spMk id="4" creationId="{2013227A-0A53-B825-4AB5-946CF89C0115}"/>
+          </ac:spMkLst>
+        </pc:spChg>
+      </pc:sldChg>
+      <pc:sldChg chg="modSp del mod modClrScheme chgLayout">
+        <pc:chgData name="Riihimäki, Johanna" userId="S::jopariih@jyu.fi::f06ad8bf-b251-424f-a727-84aaec4fba8d" providerId="AD" clId="Web-{E2B5C3F3-6A21-5FFA-74D2-B4EF3E4B32FE}" dt="2024-04-10T06:02:27.197" v="1489"/>
+        <pc:sldMkLst>
+          <pc:docMk/>
+          <pc:sldMk cId="3372192238" sldId="257"/>
+        </pc:sldMkLst>
+        <pc:spChg chg="mod ord">
+          <ac:chgData name="Riihimäki, Johanna" userId="S::jopariih@jyu.fi::f06ad8bf-b251-424f-a727-84aaec4fba8d" providerId="AD" clId="Web-{E2B5C3F3-6A21-5FFA-74D2-B4EF3E4B32FE}" dt="2024-04-10T05:57:45.956" v="1216"/>
+          <ac:spMkLst>
+            <pc:docMk/>
+            <pc:sldMk cId="3372192238" sldId="257"/>
+            <ac:spMk id="2" creationId="{12FC630A-161F-5E5A-6CE0-34A11F69B664}"/>
+          </ac:spMkLst>
+        </pc:spChg>
+        <pc:spChg chg="mod ord">
+          <ac:chgData name="Riihimäki, Johanna" userId="S::jopariih@jyu.fi::f06ad8bf-b251-424f-a727-84aaec4fba8d" providerId="AD" clId="Web-{E2B5C3F3-6A21-5FFA-74D2-B4EF3E4B32FE}" dt="2024-04-10T06:02:22.509" v="1488" actId="20577"/>
+          <ac:spMkLst>
+            <pc:docMk/>
+            <pc:sldMk cId="3372192238" sldId="257"/>
+            <ac:spMk id="3" creationId="{D2D795D8-4A3B-7D7A-1D84-6D02008F4B32}"/>
+          </ac:spMkLst>
+        </pc:spChg>
+      </pc:sldChg>
+      <pc:sldChg chg="modSp mod modClrScheme chgLayout">
+        <pc:chgData name="Riihimäki, Johanna" userId="S::jopariih@jyu.fi::f06ad8bf-b251-424f-a727-84aaec4fba8d" providerId="AD" clId="Web-{E2B5C3F3-6A21-5FFA-74D2-B4EF3E4B32FE}" dt="2024-04-10T06:04:41.622" v="1525" actId="20577"/>
+        <pc:sldMkLst>
+          <pc:docMk/>
+          <pc:sldMk cId="4159415826" sldId="258"/>
+        </pc:sldMkLst>
+        <pc:spChg chg="mod ord">
+          <ac:chgData name="Riihimäki, Johanna" userId="S::jopariih@jyu.fi::f06ad8bf-b251-424f-a727-84aaec4fba8d" providerId="AD" clId="Web-{E2B5C3F3-6A21-5FFA-74D2-B4EF3E4B32FE}" dt="2024-04-10T05:57:45.956" v="1216"/>
+          <ac:spMkLst>
+            <pc:docMk/>
+            <pc:sldMk cId="4159415826" sldId="258"/>
+            <ac:spMk id="2" creationId="{15ED45A9-EC62-433E-C397-C678FFC4BFC0}"/>
+          </ac:spMkLst>
+        </pc:spChg>
+        <pc:spChg chg="mod ord">
+          <ac:chgData name="Riihimäki, Johanna" userId="S::jopariih@jyu.fi::f06ad8bf-b251-424f-a727-84aaec4fba8d" providerId="AD" clId="Web-{E2B5C3F3-6A21-5FFA-74D2-B4EF3E4B32FE}" dt="2024-04-10T06:04:41.622" v="1525" actId="20577"/>
+          <ac:spMkLst>
+            <pc:docMk/>
+            <pc:sldMk cId="4159415826" sldId="258"/>
+            <ac:spMk id="3" creationId="{D86CE192-4586-DB48-7AAA-2D9A164B5AAE}"/>
+          </ac:spMkLst>
+        </pc:spChg>
+      </pc:sldChg>
+      <pc:sldChg chg="delSp modSp mod modClrScheme chgLayout">
+        <pc:chgData name="Riihimäki, Johanna" userId="S::jopariih@jyu.fi::f06ad8bf-b251-424f-a727-84aaec4fba8d" providerId="AD" clId="Web-{E2B5C3F3-6A21-5FFA-74D2-B4EF3E4B32FE}" dt="2024-04-10T06:02:47.760" v="1491"/>
+        <pc:sldMkLst>
+          <pc:docMk/>
+          <pc:sldMk cId="426450475" sldId="259"/>
+        </pc:sldMkLst>
+        <pc:spChg chg="mod ord">
+          <ac:chgData name="Riihimäki, Johanna" userId="S::jopariih@jyu.fi::f06ad8bf-b251-424f-a727-84aaec4fba8d" providerId="AD" clId="Web-{E2B5C3F3-6A21-5FFA-74D2-B4EF3E4B32FE}" dt="2024-04-10T05:57:45.956" v="1216"/>
+          <ac:spMkLst>
+            <pc:docMk/>
+            <pc:sldMk cId="426450475" sldId="259"/>
+            <ac:spMk id="4" creationId="{63FD4E4A-FB14-DCCC-BFF2-136AD63716F9}"/>
+          </ac:spMkLst>
+        </pc:spChg>
+        <pc:spChg chg="mod ord">
+          <ac:chgData name="Riihimäki, Johanna" userId="S::jopariih@jyu.fi::f06ad8bf-b251-424f-a727-84aaec4fba8d" providerId="AD" clId="Web-{E2B5C3F3-6A21-5FFA-74D2-B4EF3E4B32FE}" dt="2024-04-10T05:57:45.956" v="1216"/>
+          <ac:spMkLst>
+            <pc:docMk/>
+            <pc:sldMk cId="426450475" sldId="259"/>
+            <ac:spMk id="6" creationId="{AFF3DB45-E302-4670-75B3-7AC4A64D2F66}"/>
+          </ac:spMkLst>
+        </pc:spChg>
+        <pc:spChg chg="del mod">
+          <ac:chgData name="Riihimäki, Johanna" userId="S::jopariih@jyu.fi::f06ad8bf-b251-424f-a727-84aaec4fba8d" providerId="AD" clId="Web-{E2B5C3F3-6A21-5FFA-74D2-B4EF3E4B32FE}" dt="2024-04-10T06:02:47.760" v="1491"/>
+          <ac:spMkLst>
+            <pc:docMk/>
+            <pc:sldMk cId="426450475" sldId="259"/>
+            <ac:spMk id="11" creationId="{F63174D4-1103-3DEA-DA32-C74599CDE2FC}"/>
+          </ac:spMkLst>
+        </pc:spChg>
+        <pc:picChg chg="mod ord">
+          <ac:chgData name="Riihimäki, Johanna" userId="S::jopariih@jyu.fi::f06ad8bf-b251-424f-a727-84aaec4fba8d" providerId="AD" clId="Web-{E2B5C3F3-6A21-5FFA-74D2-B4EF3E4B32FE}" dt="2024-04-10T05:57:45.956" v="1216"/>
+          <ac:picMkLst>
+            <pc:docMk/>
+            <pc:sldMk cId="426450475" sldId="259"/>
+            <ac:picMk id="8" creationId="{87DD2B49-E047-0A7D-2316-A4AB9881626B}"/>
+          </ac:picMkLst>
+        </pc:picChg>
+      </pc:sldChg>
+      <pc:sldChg chg="modSp mod modClrScheme chgLayout">
+        <pc:chgData name="Riihimäki, Johanna" userId="S::jopariih@jyu.fi::f06ad8bf-b251-424f-a727-84aaec4fba8d" providerId="AD" clId="Web-{E2B5C3F3-6A21-5FFA-74D2-B4EF3E4B32FE}" dt="2024-04-10T05:57:45.956" v="1216"/>
+        <pc:sldMkLst>
+          <pc:docMk/>
+          <pc:sldMk cId="827827499" sldId="260"/>
+        </pc:sldMkLst>
+        <pc:spChg chg="mod ord">
+          <ac:chgData name="Riihimäki, Johanna" userId="S::jopariih@jyu.fi::f06ad8bf-b251-424f-a727-84aaec4fba8d" providerId="AD" clId="Web-{E2B5C3F3-6A21-5FFA-74D2-B4EF3E4B32FE}" dt="2024-04-10T05:57:45.956" v="1216"/>
+          <ac:spMkLst>
+            <pc:docMk/>
+            <pc:sldMk cId="827827499" sldId="260"/>
+            <ac:spMk id="2" creationId="{F25E4AA6-F6AA-B07F-9246-03A6D22661F7}"/>
+          </ac:spMkLst>
+        </pc:spChg>
+        <pc:spChg chg="mod ord">
+          <ac:chgData name="Riihimäki, Johanna" userId="S::jopariih@jyu.fi::f06ad8bf-b251-424f-a727-84aaec4fba8d" providerId="AD" clId="Web-{E2B5C3F3-6A21-5FFA-74D2-B4EF3E4B32FE}" dt="2024-04-10T05:57:45.956" v="1216"/>
+          <ac:spMkLst>
+            <pc:docMk/>
+            <pc:sldMk cId="827827499" sldId="260"/>
+            <ac:spMk id="3" creationId="{251D08DA-1A0A-3DDF-8F26-1938022CF5CF}"/>
+          </ac:spMkLst>
+        </pc:spChg>
+      </pc:sldChg>
+      <pc:sldChg chg="addSp delSp modSp mod setBg modClrScheme delDesignElem chgLayout">
+        <pc:chgData name="Riihimäki, Johanna" userId="S::jopariih@jyu.fi::f06ad8bf-b251-424f-a727-84aaec4fba8d" providerId="AD" clId="Web-{E2B5C3F3-6A21-5FFA-74D2-B4EF3E4B32FE}" dt="2024-04-10T06:06:50.797" v="1533" actId="1076"/>
+        <pc:sldMkLst>
+          <pc:docMk/>
+          <pc:sldMk cId="3116678895" sldId="261"/>
+        </pc:sldMkLst>
+        <pc:spChg chg="mod ord">
+          <ac:chgData name="Riihimäki, Johanna" userId="S::jopariih@jyu.fi::f06ad8bf-b251-424f-a727-84aaec4fba8d" providerId="AD" clId="Web-{E2B5C3F3-6A21-5FFA-74D2-B4EF3E4B32FE}" dt="2024-04-10T06:06:40.250" v="1531" actId="1076"/>
+          <ac:spMkLst>
+            <pc:docMk/>
+            <pc:sldMk cId="3116678895" sldId="261"/>
+            <ac:spMk id="2" creationId="{871493D0-421A-731A-15F8-199F0756E2FB}"/>
+          </ac:spMkLst>
+        </pc:spChg>
+        <pc:spChg chg="mod ord">
+          <ac:chgData name="Riihimäki, Johanna" userId="S::jopariih@jyu.fi::f06ad8bf-b251-424f-a727-84aaec4fba8d" providerId="AD" clId="Web-{E2B5C3F3-6A21-5FFA-74D2-B4EF3E4B32FE}" dt="2024-04-10T06:06:47.938" v="1532" actId="1076"/>
+          <ac:spMkLst>
+            <pc:docMk/>
+            <pc:sldMk cId="3116678895" sldId="261"/>
+            <ac:spMk id="3" creationId="{09F1A851-803D-339D-199F-94C9F38D2B70}"/>
+          </ac:spMkLst>
+        </pc:spChg>
+        <pc:spChg chg="add del">
+          <ac:chgData name="Riihimäki, Johanna" userId="S::jopariih@jyu.fi::f06ad8bf-b251-424f-a727-84aaec4fba8d" providerId="AD" clId="Web-{E2B5C3F3-6A21-5FFA-74D2-B4EF3E4B32FE}" dt="2024-04-10T05:27:35.849" v="188"/>
+          <ac:spMkLst>
+            <pc:docMk/>
+            <pc:sldMk cId="3116678895" sldId="261"/>
+            <ac:spMk id="9" creationId="{743AA782-23D1-4521-8CAD-47662984AA08}"/>
+          </ac:spMkLst>
+        </pc:spChg>
+        <pc:spChg chg="add del">
+          <ac:chgData name="Riihimäki, Johanna" userId="S::jopariih@jyu.fi::f06ad8bf-b251-424f-a727-84aaec4fba8d" providerId="AD" clId="Web-{E2B5C3F3-6A21-5FFA-74D2-B4EF3E4B32FE}" dt="2024-04-10T05:27:35.849" v="188"/>
+          <ac:spMkLst>
+            <pc:docMk/>
+            <pc:sldMk cId="3116678895" sldId="261"/>
+            <ac:spMk id="11" creationId="{650D18FE-0824-4A46-B22C-A86B52E5780A}"/>
+          </ac:spMkLst>
+        </pc:spChg>
+        <pc:spChg chg="add del">
+          <ac:chgData name="Riihimäki, Johanna" userId="S::jopariih@jyu.fi::f06ad8bf-b251-424f-a727-84aaec4fba8d" providerId="AD" clId="Web-{E2B5C3F3-6A21-5FFA-74D2-B4EF3E4B32FE}" dt="2024-04-10T05:32:34.935" v="245"/>
+          <ac:spMkLst>
+            <pc:docMk/>
+            <pc:sldMk cId="3116678895" sldId="261"/>
+            <ac:spMk id="16" creationId="{0288C6B4-AFC3-407F-A595-EFFD38D4CCAF}"/>
+          </ac:spMkLst>
+        </pc:spChg>
+        <pc:spChg chg="add del">
+          <ac:chgData name="Riihimäki, Johanna" userId="S::jopariih@jyu.fi::f06ad8bf-b251-424f-a727-84aaec4fba8d" providerId="AD" clId="Web-{E2B5C3F3-6A21-5FFA-74D2-B4EF3E4B32FE}" dt="2024-04-10T05:32:34.935" v="245"/>
+          <ac:spMkLst>
+            <pc:docMk/>
+            <pc:sldMk cId="3116678895" sldId="261"/>
+            <ac:spMk id="18" creationId="{CF236821-17FE-429B-8D2C-08E13A64EA40}"/>
+          </ac:spMkLst>
+        </pc:spChg>
+        <pc:spChg chg="add del">
+          <ac:chgData name="Riihimäki, Johanna" userId="S::jopariih@jyu.fi::f06ad8bf-b251-424f-a727-84aaec4fba8d" providerId="AD" clId="Web-{E2B5C3F3-6A21-5FFA-74D2-B4EF3E4B32FE}" dt="2024-04-10T05:32:34.935" v="245"/>
+          <ac:spMkLst>
+            <pc:docMk/>
+            <pc:sldMk cId="3116678895" sldId="261"/>
+            <ac:spMk id="20" creationId="{C0BDBCD2-E081-43AB-9119-C55465E59757}"/>
+          </ac:spMkLst>
+        </pc:spChg>
+        <pc:spChg chg="add del">
+          <ac:chgData name="Riihimäki, Johanna" userId="S::jopariih@jyu.fi::f06ad8bf-b251-424f-a727-84aaec4fba8d" providerId="AD" clId="Web-{E2B5C3F3-6A21-5FFA-74D2-B4EF3E4B32FE}" dt="2024-04-10T05:32:34.935" v="245"/>
+          <ac:spMkLst>
+            <pc:docMk/>
+            <pc:sldMk cId="3116678895" sldId="261"/>
+            <ac:spMk id="22" creationId="{98E79BE4-34FE-485A-98A5-92CE8F7C4743}"/>
+          </ac:spMkLst>
+        </pc:spChg>
+        <pc:spChg chg="add del">
+          <ac:chgData name="Riihimäki, Johanna" userId="S::jopariih@jyu.fi::f06ad8bf-b251-424f-a727-84aaec4fba8d" providerId="AD" clId="Web-{E2B5C3F3-6A21-5FFA-74D2-B4EF3E4B32FE}" dt="2024-04-10T05:32:34.935" v="245"/>
+          <ac:spMkLst>
+            <pc:docMk/>
+            <pc:sldMk cId="3116678895" sldId="261"/>
+            <ac:spMk id="24" creationId="{7A5F0580-5EE9-419F-96EE-B6529EF6E7D0}"/>
+          </ac:spMkLst>
+        </pc:spChg>
+        <pc:spChg chg="add del">
+          <ac:chgData name="Riihimäki, Johanna" userId="S::jopariih@jyu.fi::f06ad8bf-b251-424f-a727-84aaec4fba8d" providerId="AD" clId="Web-{E2B5C3F3-6A21-5FFA-74D2-B4EF3E4B32FE}" dt="2024-04-10T05:32:27.106" v="238"/>
+          <ac:spMkLst>
+            <pc:docMk/>
+            <pc:sldMk cId="3116678895" sldId="261"/>
+            <ac:spMk id="29" creationId="{2C9A9DA9-7DC8-488B-A882-123947B0F3D9}"/>
+          </ac:spMkLst>
+        </pc:spChg>
+        <pc:spChg chg="add del">
+          <ac:chgData name="Riihimäki, Johanna" userId="S::jopariih@jyu.fi::f06ad8bf-b251-424f-a727-84aaec4fba8d" providerId="AD" clId="Web-{E2B5C3F3-6A21-5FFA-74D2-B4EF3E4B32FE}" dt="2024-04-10T05:32:27.106" v="238"/>
+          <ac:spMkLst>
+            <pc:docMk/>
+            <pc:sldMk cId="3116678895" sldId="261"/>
+            <ac:spMk id="31" creationId="{57F6BDD4-E066-4008-8011-6CC31AEB4556}"/>
+          </ac:spMkLst>
+        </pc:spChg>
+        <pc:spChg chg="add del">
+          <ac:chgData name="Riihimäki, Johanna" userId="S::jopariih@jyu.fi::f06ad8bf-b251-424f-a727-84aaec4fba8d" providerId="AD" clId="Web-{E2B5C3F3-6A21-5FFA-74D2-B4EF3E4B32FE}" dt="2024-04-10T05:32:27.106" v="238"/>
+          <ac:spMkLst>
+            <pc:docMk/>
+            <pc:sldMk cId="3116678895" sldId="261"/>
+            <ac:spMk id="33" creationId="{2711A8FB-68FC-45FC-B01E-38F809E2D439}"/>
+          </ac:spMkLst>
+        </pc:spChg>
+        <pc:spChg chg="add del">
+          <ac:chgData name="Riihimäki, Johanna" userId="S::jopariih@jyu.fi::f06ad8bf-b251-424f-a727-84aaec4fba8d" providerId="AD" clId="Web-{E2B5C3F3-6A21-5FFA-74D2-B4EF3E4B32FE}" dt="2024-04-10T05:32:27.106" v="238"/>
+          <ac:spMkLst>
+            <pc:docMk/>
+            <pc:sldMk cId="3116678895" sldId="261"/>
+            <ac:spMk id="35" creationId="{2A865FE3-5FC9-4049-87CF-30019C46C0F5}"/>
+          </ac:spMkLst>
+        </pc:spChg>
+        <pc:spChg chg="add del">
+          <ac:chgData name="Riihimäki, Johanna" userId="S::jopariih@jyu.fi::f06ad8bf-b251-424f-a727-84aaec4fba8d" providerId="AD" clId="Web-{E2B5C3F3-6A21-5FFA-74D2-B4EF3E4B32FE}" dt="2024-04-10T05:32:29.638" v="240"/>
+          <ac:spMkLst>
+            <pc:docMk/>
+            <pc:sldMk cId="3116678895" sldId="261"/>
+            <ac:spMk id="37" creationId="{0B9EE3F3-89B7-43C3-8651-C4C96830993D}"/>
+          </ac:spMkLst>
+        </pc:spChg>
+        <pc:spChg chg="add del">
+          <ac:chgData name="Riihimäki, Johanna" userId="S::jopariih@jyu.fi::f06ad8bf-b251-424f-a727-84aaec4fba8d" providerId="AD" clId="Web-{E2B5C3F3-6A21-5FFA-74D2-B4EF3E4B32FE}" dt="2024-04-10T05:32:29.638" v="240"/>
+          <ac:spMkLst>
+            <pc:docMk/>
+            <pc:sldMk cId="3116678895" sldId="261"/>
+            <ac:spMk id="38" creationId="{33AE4636-AEEC-45D6-84D4-7AC2DA48ECF8}"/>
+          </ac:spMkLst>
+        </pc:spChg>
+        <pc:spChg chg="add del">
+          <ac:chgData name="Riihimäki, Johanna" userId="S::jopariih@jyu.fi::f06ad8bf-b251-424f-a727-84aaec4fba8d" providerId="AD" clId="Web-{E2B5C3F3-6A21-5FFA-74D2-B4EF3E4B32FE}" dt="2024-04-10T05:32:29.638" v="240"/>
+          <ac:spMkLst>
+            <pc:docMk/>
+            <pc:sldMk cId="3116678895" sldId="261"/>
+            <ac:spMk id="39" creationId="{8D9CE0F4-2EB2-4F1F-8AAC-DB3571D9FE10}"/>
+          </ac:spMkLst>
+        </pc:spChg>
+        <pc:spChg chg="add del">
+          <ac:chgData name="Riihimäki, Johanna" userId="S::jopariih@jyu.fi::f06ad8bf-b251-424f-a727-84aaec4fba8d" providerId="AD" clId="Web-{E2B5C3F3-6A21-5FFA-74D2-B4EF3E4B32FE}" dt="2024-04-10T05:32:32.216" v="242"/>
+          <ac:spMkLst>
+            <pc:docMk/>
+            <pc:sldMk cId="3116678895" sldId="261"/>
+            <ac:spMk id="41" creationId="{A8908DB7-C3A6-4FCB-9820-CEE02B398C4A}"/>
+          </ac:spMkLst>
+        </pc:spChg>
+        <pc:spChg chg="add del">
+          <ac:chgData name="Riihimäki, Johanna" userId="S::jopariih@jyu.fi::f06ad8bf-b251-424f-a727-84aaec4fba8d" providerId="AD" clId="Web-{E2B5C3F3-6A21-5FFA-74D2-B4EF3E4B32FE}" dt="2024-04-10T05:32:32.216" v="242"/>
+          <ac:spMkLst>
+            <pc:docMk/>
+            <pc:sldMk cId="3116678895" sldId="261"/>
+            <ac:spMk id="42" creationId="{535742DD-1B16-4E9D-B715-0D74B4574A68}"/>
+          </ac:spMkLst>
+        </pc:spChg>
+        <pc:spChg chg="add del">
+          <ac:chgData name="Riihimäki, Johanna" userId="S::jopariih@jyu.fi::f06ad8bf-b251-424f-a727-84aaec4fba8d" providerId="AD" clId="Web-{E2B5C3F3-6A21-5FFA-74D2-B4EF3E4B32FE}" dt="2024-04-10T05:32:34.919" v="244"/>
+          <ac:spMkLst>
+            <pc:docMk/>
+            <pc:sldMk cId="3116678895" sldId="261"/>
+            <ac:spMk id="44" creationId="{0B9EE3F3-89B7-43C3-8651-C4C96830993D}"/>
+          </ac:spMkLst>
+        </pc:spChg>
+        <pc:spChg chg="add del">
+          <ac:chgData name="Riihimäki, Johanna" userId="S::jopariih@jyu.fi::f06ad8bf-b251-424f-a727-84aaec4fba8d" providerId="AD" clId="Web-{E2B5C3F3-6A21-5FFA-74D2-B4EF3E4B32FE}" dt="2024-04-10T05:32:34.919" v="244"/>
+          <ac:spMkLst>
+            <pc:docMk/>
+            <pc:sldMk cId="3116678895" sldId="261"/>
+            <ac:spMk id="45" creationId="{33AE4636-AEEC-45D6-84D4-7AC2DA48ECF8}"/>
+          </ac:spMkLst>
+        </pc:spChg>
+        <pc:spChg chg="add del">
+          <ac:chgData name="Riihimäki, Johanna" userId="S::jopariih@jyu.fi::f06ad8bf-b251-424f-a727-84aaec4fba8d" providerId="AD" clId="Web-{E2B5C3F3-6A21-5FFA-74D2-B4EF3E4B32FE}" dt="2024-04-10T05:32:34.919" v="244"/>
+          <ac:spMkLst>
+            <pc:docMk/>
+            <pc:sldMk cId="3116678895" sldId="261"/>
+            <ac:spMk id="46" creationId="{8D9CE0F4-2EB2-4F1F-8AAC-DB3571D9FE10}"/>
+          </ac:spMkLst>
+        </pc:spChg>
+        <pc:spChg chg="add del">
+          <ac:chgData name="Riihimäki, Johanna" userId="S::jopariih@jyu.fi::f06ad8bf-b251-424f-a727-84aaec4fba8d" providerId="AD" clId="Web-{E2B5C3F3-6A21-5FFA-74D2-B4EF3E4B32FE}" dt="2024-04-10T05:32:41.560" v="247"/>
+          <ac:spMkLst>
+            <pc:docMk/>
+            <pc:sldMk cId="3116678895" sldId="261"/>
+            <ac:spMk id="48" creationId="{0288C6B4-AFC3-407F-A595-EFFD38D4CCAF}"/>
+          </ac:spMkLst>
+        </pc:spChg>
+        <pc:spChg chg="add del">
+          <ac:chgData name="Riihimäki, Johanna" userId="S::jopariih@jyu.fi::f06ad8bf-b251-424f-a727-84aaec4fba8d" providerId="AD" clId="Web-{E2B5C3F3-6A21-5FFA-74D2-B4EF3E4B32FE}" dt="2024-04-10T05:32:41.560" v="247"/>
+          <ac:spMkLst>
+            <pc:docMk/>
+            <pc:sldMk cId="3116678895" sldId="261"/>
+            <ac:spMk id="49" creationId="{CF236821-17FE-429B-8D2C-08E13A64EA40}"/>
+          </ac:spMkLst>
+        </pc:spChg>
+        <pc:spChg chg="add del">
+          <ac:chgData name="Riihimäki, Johanna" userId="S::jopariih@jyu.fi::f06ad8bf-b251-424f-a727-84aaec4fba8d" providerId="AD" clId="Web-{E2B5C3F3-6A21-5FFA-74D2-B4EF3E4B32FE}" dt="2024-04-10T05:32:41.560" v="247"/>
+          <ac:spMkLst>
+            <pc:docMk/>
+            <pc:sldMk cId="3116678895" sldId="261"/>
+            <ac:spMk id="50" creationId="{C0BDBCD2-E081-43AB-9119-C55465E59757}"/>
+          </ac:spMkLst>
+        </pc:spChg>
+        <pc:spChg chg="add del">
+          <ac:chgData name="Riihimäki, Johanna" userId="S::jopariih@jyu.fi::f06ad8bf-b251-424f-a727-84aaec4fba8d" providerId="AD" clId="Web-{E2B5C3F3-6A21-5FFA-74D2-B4EF3E4B32FE}" dt="2024-04-10T05:32:41.560" v="247"/>
+          <ac:spMkLst>
+            <pc:docMk/>
+            <pc:sldMk cId="3116678895" sldId="261"/>
+            <ac:spMk id="51" creationId="{98E79BE4-34FE-485A-98A5-92CE8F7C4743}"/>
+          </ac:spMkLst>
+        </pc:spChg>
+        <pc:spChg chg="add del">
+          <ac:chgData name="Riihimäki, Johanna" userId="S::jopariih@jyu.fi::f06ad8bf-b251-424f-a727-84aaec4fba8d" providerId="AD" clId="Web-{E2B5C3F3-6A21-5FFA-74D2-B4EF3E4B32FE}" dt="2024-04-10T05:32:41.560" v="247"/>
+          <ac:spMkLst>
+            <pc:docMk/>
+            <pc:sldMk cId="3116678895" sldId="261"/>
+            <ac:spMk id="52" creationId="{7A5F0580-5EE9-419F-96EE-B6529EF6E7D0}"/>
+          </ac:spMkLst>
+        </pc:spChg>
+        <pc:spChg chg="add del">
+          <ac:chgData name="Riihimäki, Johanna" userId="S::jopariih@jyu.fi::f06ad8bf-b251-424f-a727-84aaec4fba8d" providerId="AD" clId="Web-{E2B5C3F3-6A21-5FFA-74D2-B4EF3E4B32FE}" dt="2024-04-10T05:32:52.951" v="249"/>
+          <ac:spMkLst>
+            <pc:docMk/>
+            <pc:sldMk cId="3116678895" sldId="261"/>
+            <ac:spMk id="57" creationId="{0B9EE3F3-89B7-43C3-8651-C4C96830993D}"/>
+          </ac:spMkLst>
+        </pc:spChg>
+        <pc:spChg chg="add del">
+          <ac:chgData name="Riihimäki, Johanna" userId="S::jopariih@jyu.fi::f06ad8bf-b251-424f-a727-84aaec4fba8d" providerId="AD" clId="Web-{E2B5C3F3-6A21-5FFA-74D2-B4EF3E4B32FE}" dt="2024-04-10T05:32:52.951" v="249"/>
+          <ac:spMkLst>
+            <pc:docMk/>
+            <pc:sldMk cId="3116678895" sldId="261"/>
+            <ac:spMk id="59" creationId="{33AE4636-AEEC-45D6-84D4-7AC2DA48ECF8}"/>
+          </ac:spMkLst>
+        </pc:spChg>
+        <pc:spChg chg="add del">
+          <ac:chgData name="Riihimäki, Johanna" userId="S::jopariih@jyu.fi::f06ad8bf-b251-424f-a727-84aaec4fba8d" providerId="AD" clId="Web-{E2B5C3F3-6A21-5FFA-74D2-B4EF3E4B32FE}" dt="2024-04-10T05:32:52.951" v="249"/>
+          <ac:spMkLst>
+            <pc:docMk/>
+            <pc:sldMk cId="3116678895" sldId="261"/>
+            <ac:spMk id="61" creationId="{8D9CE0F4-2EB2-4F1F-8AAC-DB3571D9FE10}"/>
+          </ac:spMkLst>
+        </pc:spChg>
+        <pc:spChg chg="add del">
+          <ac:chgData name="Riihimäki, Johanna" userId="S::jopariih@jyu.fi::f06ad8bf-b251-424f-a727-84aaec4fba8d" providerId="AD" clId="Web-{E2B5C3F3-6A21-5FFA-74D2-B4EF3E4B32FE}" dt="2024-04-10T05:57:45.956" v="1216"/>
+          <ac:spMkLst>
+            <pc:docMk/>
+            <pc:sldMk cId="3116678895" sldId="261"/>
+            <ac:spMk id="66" creationId="{2B97F24A-32CE-4C1C-A50D-3016B394DCFB}"/>
+          </ac:spMkLst>
+        </pc:spChg>
+        <pc:spChg chg="add del">
+          <ac:chgData name="Riihimäki, Johanna" userId="S::jopariih@jyu.fi::f06ad8bf-b251-424f-a727-84aaec4fba8d" providerId="AD" clId="Web-{E2B5C3F3-6A21-5FFA-74D2-B4EF3E4B32FE}" dt="2024-04-10T05:57:45.956" v="1216"/>
+          <ac:spMkLst>
+            <pc:docMk/>
+            <pc:sldMk cId="3116678895" sldId="261"/>
+            <ac:spMk id="68" creationId="{CD8B4F24-440B-49E9-B85D-733523DC064B}"/>
+          </ac:spMkLst>
+        </pc:spChg>
+        <pc:picChg chg="add del mod">
+          <ac:chgData name="Riihimäki, Johanna" userId="S::jopariih@jyu.fi::f06ad8bf-b251-424f-a727-84aaec4fba8d" providerId="AD" clId="Web-{E2B5C3F3-6A21-5FFA-74D2-B4EF3E4B32FE}" dt="2024-04-10T05:28:52.961" v="195"/>
+          <ac:picMkLst>
+            <pc:docMk/>
+            <pc:sldMk cId="3116678895" sldId="261"/>
+            <ac:picMk id="4" creationId="{BEE54C2E-96F2-1E79-BACA-D3C951F05D77}"/>
+          </ac:picMkLst>
+        </pc:picChg>
+        <pc:picChg chg="add del mod">
+          <ac:chgData name="Riihimäki, Johanna" userId="S::jopariih@jyu.fi::f06ad8bf-b251-424f-a727-84aaec4fba8d" providerId="AD" clId="Web-{E2B5C3F3-6A21-5FFA-74D2-B4EF3E4B32FE}" dt="2024-04-10T05:31:52.621" v="233"/>
+          <ac:picMkLst>
+            <pc:docMk/>
+            <pc:sldMk cId="3116678895" sldId="261"/>
+            <ac:picMk id="5" creationId="{FD64BB3A-BADA-594C-24C7-DBBD4FAAFC50}"/>
+          </ac:picMkLst>
+        </pc:picChg>
+        <pc:picChg chg="add mod">
+          <ac:chgData name="Riihimäki, Johanna" userId="S::jopariih@jyu.fi::f06ad8bf-b251-424f-a727-84aaec4fba8d" providerId="AD" clId="Web-{E2B5C3F3-6A21-5FFA-74D2-B4EF3E4B32FE}" dt="2024-04-10T06:06:50.797" v="1533" actId="1076"/>
+          <ac:picMkLst>
+            <pc:docMk/>
+            <pc:sldMk cId="3116678895" sldId="261"/>
+            <ac:picMk id="6" creationId="{661D9C16-B604-55CA-2B30-6F83D4590CDF}"/>
+          </ac:picMkLst>
+        </pc:picChg>
+      </pc:sldChg>
+      <pc:sldChg chg="modSp new mod ord modClrScheme chgLayout">
+        <pc:chgData name="Riihimäki, Johanna" userId="S::jopariih@jyu.fi::f06ad8bf-b251-424f-a727-84aaec4fba8d" providerId="AD" clId="Web-{E2B5C3F3-6A21-5FFA-74D2-B4EF3E4B32FE}" dt="2024-04-10T05:57:45.956" v="1216"/>
+        <pc:sldMkLst>
+          <pc:docMk/>
+          <pc:sldMk cId="3594638006" sldId="262"/>
+        </pc:sldMkLst>
+        <pc:spChg chg="mod ord">
+          <ac:chgData name="Riihimäki, Johanna" userId="S::jopariih@jyu.fi::f06ad8bf-b251-424f-a727-84aaec4fba8d" providerId="AD" clId="Web-{E2B5C3F3-6A21-5FFA-74D2-B4EF3E4B32FE}" dt="2024-04-10T05:57:45.956" v="1216"/>
+          <ac:spMkLst>
+            <pc:docMk/>
+            <pc:sldMk cId="3594638006" sldId="262"/>
+            <ac:spMk id="2" creationId="{D010584C-DBC3-0B03-1601-C693CD204DD2}"/>
+          </ac:spMkLst>
+        </pc:spChg>
+        <pc:spChg chg="mod ord">
+          <ac:chgData name="Riihimäki, Johanna" userId="S::jopariih@jyu.fi::f06ad8bf-b251-424f-a727-84aaec4fba8d" providerId="AD" clId="Web-{E2B5C3F3-6A21-5FFA-74D2-B4EF3E4B32FE}" dt="2024-04-10T05:57:45.956" v="1216"/>
+          <ac:spMkLst>
+            <pc:docMk/>
+            <pc:sldMk cId="3594638006" sldId="262"/>
+            <ac:spMk id="3" creationId="{16AEF29D-CC7E-64BE-5D33-C41370619029}"/>
+          </ac:spMkLst>
+        </pc:spChg>
+      </pc:sldChg>
+      <pc:sldChg chg="modSp new mod modClrScheme chgLayout">
+        <pc:chgData name="Riihimäki, Johanna" userId="S::jopariih@jyu.fi::f06ad8bf-b251-424f-a727-84aaec4fba8d" providerId="AD" clId="Web-{E2B5C3F3-6A21-5FFA-74D2-B4EF3E4B32FE}" dt="2024-04-10T05:57:45.956" v="1216"/>
+        <pc:sldMkLst>
+          <pc:docMk/>
+          <pc:sldMk cId="1732863363" sldId="263"/>
+        </pc:sldMkLst>
+        <pc:spChg chg="mod ord">
+          <ac:chgData name="Riihimäki, Johanna" userId="S::jopariih@jyu.fi::f06ad8bf-b251-424f-a727-84aaec4fba8d" providerId="AD" clId="Web-{E2B5C3F3-6A21-5FFA-74D2-B4EF3E4B32FE}" dt="2024-04-10T05:57:45.956" v="1216"/>
+          <ac:spMkLst>
+            <pc:docMk/>
+            <pc:sldMk cId="1732863363" sldId="263"/>
+            <ac:spMk id="2" creationId="{9D27FD30-3FE5-356F-D334-04EA15279315}"/>
+          </ac:spMkLst>
+        </pc:spChg>
+        <pc:spChg chg="mod ord">
+          <ac:chgData name="Riihimäki, Johanna" userId="S::jopariih@jyu.fi::f06ad8bf-b251-424f-a727-84aaec4fba8d" providerId="AD" clId="Web-{E2B5C3F3-6A21-5FFA-74D2-B4EF3E4B32FE}" dt="2024-04-10T05:57:45.956" v="1216"/>
+          <ac:spMkLst>
+            <pc:docMk/>
+            <pc:sldMk cId="1732863363" sldId="263"/>
+            <ac:spMk id="3" creationId="{97097577-6DDE-C60B-114D-E37EAD9C34BE}"/>
+          </ac:spMkLst>
+        </pc:spChg>
+      </pc:sldChg>
+      <pc:sldChg chg="addSp delSp modSp add mod replId modClrScheme delDesignElem chgLayout">
+        <pc:chgData name="Riihimäki, Johanna" userId="S::jopariih@jyu.fi::f06ad8bf-b251-424f-a727-84aaec4fba8d" providerId="AD" clId="Web-{E2B5C3F3-6A21-5FFA-74D2-B4EF3E4B32FE}" dt="2024-04-10T05:57:45.956" v="1216"/>
+        <pc:sldMkLst>
+          <pc:docMk/>
+          <pc:sldMk cId="830418775" sldId="264"/>
+        </pc:sldMkLst>
+        <pc:spChg chg="mod ord">
+          <ac:chgData name="Riihimäki, Johanna" userId="S::jopariih@jyu.fi::f06ad8bf-b251-424f-a727-84aaec4fba8d" providerId="AD" clId="Web-{E2B5C3F3-6A21-5FFA-74D2-B4EF3E4B32FE}" dt="2024-04-10T05:57:45.956" v="1216"/>
+          <ac:spMkLst>
+            <pc:docMk/>
+            <pc:sldMk cId="830418775" sldId="264"/>
+            <ac:spMk id="2" creationId="{871493D0-421A-731A-15F8-199F0756E2FB}"/>
+          </ac:spMkLst>
+        </pc:spChg>
+        <pc:spChg chg="mod ord">
+          <ac:chgData name="Riihimäki, Johanna" userId="S::jopariih@jyu.fi::f06ad8bf-b251-424f-a727-84aaec4fba8d" providerId="AD" clId="Web-{E2B5C3F3-6A21-5FFA-74D2-B4EF3E4B32FE}" dt="2024-04-10T05:57:45.956" v="1216"/>
+          <ac:spMkLst>
+            <pc:docMk/>
+            <pc:sldMk cId="830418775" sldId="264"/>
+            <ac:spMk id="3" creationId="{09F1A851-803D-339D-199F-94C9F38D2B70}"/>
+          </ac:spMkLst>
+        </pc:spChg>
+        <pc:spChg chg="add del">
+          <ac:chgData name="Riihimäki, Johanna" userId="S::jopariih@jyu.fi::f06ad8bf-b251-424f-a727-84aaec4fba8d" providerId="AD" clId="Web-{E2B5C3F3-6A21-5FFA-74D2-B4EF3E4B32FE}" dt="2024-04-10T05:57:45.956" v="1216"/>
+          <ac:spMkLst>
+            <pc:docMk/>
+            <pc:sldMk cId="830418775" sldId="264"/>
+            <ac:spMk id="66" creationId="{2B97F24A-32CE-4C1C-A50D-3016B394DCFB}"/>
+          </ac:spMkLst>
+        </pc:spChg>
+        <pc:spChg chg="add del">
+          <ac:chgData name="Riihimäki, Johanna" userId="S::jopariih@jyu.fi::f06ad8bf-b251-424f-a727-84aaec4fba8d" providerId="AD" clId="Web-{E2B5C3F3-6A21-5FFA-74D2-B4EF3E4B32FE}" dt="2024-04-10T05:57:45.956" v="1216"/>
+          <ac:spMkLst>
+            <pc:docMk/>
+            <pc:sldMk cId="830418775" sldId="264"/>
+            <ac:spMk id="68" creationId="{CD8B4F24-440B-49E9-B85D-733523DC064B}"/>
+          </ac:spMkLst>
+        </pc:spChg>
+        <pc:picChg chg="del">
+          <ac:chgData name="Riihimäki, Johanna" userId="S::jopariih@jyu.fi::f06ad8bf-b251-424f-a727-84aaec4fba8d" providerId="AD" clId="Web-{E2B5C3F3-6A21-5FFA-74D2-B4EF3E4B32FE}" dt="2024-04-10T05:53:59.122" v="429"/>
+          <ac:picMkLst>
+            <pc:docMk/>
+            <pc:sldMk cId="830418775" sldId="264"/>
+            <ac:picMk id="6" creationId="{661D9C16-B604-55CA-2B30-6F83D4590CDF}"/>
+          </ac:picMkLst>
+        </pc:picChg>
+      </pc:sldChg>
+      <pc:sldMasterChg chg="add del addSldLayout delSldLayout">
+        <pc:chgData name="Riihimäki, Johanna" userId="S::jopariih@jyu.fi::f06ad8bf-b251-424f-a727-84aaec4fba8d" providerId="AD" clId="Web-{E2B5C3F3-6A21-5FFA-74D2-B4EF3E4B32FE}" dt="2024-04-10T05:57:45.956" v="1216"/>
+        <pc:sldMasterMkLst>
+          <pc:docMk/>
+          <pc:sldMasterMk cId="2685460780" sldId="2147483648"/>
+        </pc:sldMasterMkLst>
+        <pc:sldLayoutChg chg="add del">
+          <pc:chgData name="Riihimäki, Johanna" userId="S::jopariih@jyu.fi::f06ad8bf-b251-424f-a727-84aaec4fba8d" providerId="AD" clId="Web-{E2B5C3F3-6A21-5FFA-74D2-B4EF3E4B32FE}" dt="2024-04-10T05:57:45.956" v="1216"/>
+          <pc:sldLayoutMkLst>
+            <pc:docMk/>
+            <pc:sldMasterMk cId="2685460780" sldId="2147483648"/>
+            <pc:sldLayoutMk cId="3939650435" sldId="2147483649"/>
+          </pc:sldLayoutMkLst>
+        </pc:sldLayoutChg>
+        <pc:sldLayoutChg chg="add del">
+          <pc:chgData name="Riihimäki, Johanna" userId="S::jopariih@jyu.fi::f06ad8bf-b251-424f-a727-84aaec4fba8d" providerId="AD" clId="Web-{E2B5C3F3-6A21-5FFA-74D2-B4EF3E4B32FE}" dt="2024-04-10T05:57:45.956" v="1216"/>
+          <pc:sldLayoutMkLst>
+            <pc:docMk/>
+            <pc:sldMasterMk cId="2685460780" sldId="2147483648"/>
+            <pc:sldLayoutMk cId="2914139155" sldId="2147483650"/>
+          </pc:sldLayoutMkLst>
+        </pc:sldLayoutChg>
+        <pc:sldLayoutChg chg="add del">
+          <pc:chgData name="Riihimäki, Johanna" userId="S::jopariih@jyu.fi::f06ad8bf-b251-424f-a727-84aaec4fba8d" providerId="AD" clId="Web-{E2B5C3F3-6A21-5FFA-74D2-B4EF3E4B32FE}" dt="2024-04-10T05:57:45.956" v="1216"/>
+          <pc:sldLayoutMkLst>
+            <pc:docMk/>
+            <pc:sldMasterMk cId="2685460780" sldId="2147483648"/>
+            <pc:sldLayoutMk cId="2984720434" sldId="2147483651"/>
+          </pc:sldLayoutMkLst>
+        </pc:sldLayoutChg>
+        <pc:sldLayoutChg chg="add del">
+          <pc:chgData name="Riihimäki, Johanna" userId="S::jopariih@jyu.fi::f06ad8bf-b251-424f-a727-84aaec4fba8d" providerId="AD" clId="Web-{E2B5C3F3-6A21-5FFA-74D2-B4EF3E4B32FE}" dt="2024-04-10T05:57:45.956" v="1216"/>
+          <pc:sldLayoutMkLst>
+            <pc:docMk/>
+            <pc:sldMasterMk cId="2685460780" sldId="2147483648"/>
+            <pc:sldLayoutMk cId="285717604" sldId="2147483652"/>
+          </pc:sldLayoutMkLst>
+        </pc:sldLayoutChg>
+        <pc:sldLayoutChg chg="add del">
+          <pc:chgData name="Riihimäki, Johanna" userId="S::jopariih@jyu.fi::f06ad8bf-b251-424f-a727-84aaec4fba8d" providerId="AD" clId="Web-{E2B5C3F3-6A21-5FFA-74D2-B4EF3E4B32FE}" dt="2024-04-10T05:57:45.956" v="1216"/>
+          <pc:sldLayoutMkLst>
+            <pc:docMk/>
+            <pc:sldMasterMk cId="2685460780" sldId="2147483648"/>
+            <pc:sldLayoutMk cId="1967997515" sldId="2147483653"/>
+          </pc:sldLayoutMkLst>
+        </pc:sldLayoutChg>
+        <pc:sldLayoutChg chg="add del">
+          <pc:chgData name="Riihimäki, Johanna" userId="S::jopariih@jyu.fi::f06ad8bf-b251-424f-a727-84aaec4fba8d" providerId="AD" clId="Web-{E2B5C3F3-6A21-5FFA-74D2-B4EF3E4B32FE}" dt="2024-04-10T05:57:45.956" v="1216"/>
+          <pc:sldLayoutMkLst>
+            <pc:docMk/>
+            <pc:sldMasterMk cId="2685460780" sldId="2147483648"/>
+            <pc:sldLayoutMk cId="3221632390" sldId="2147483654"/>
+          </pc:sldLayoutMkLst>
+        </pc:sldLayoutChg>
+        <pc:sldLayoutChg chg="add del">
+          <pc:chgData name="Riihimäki, Johanna" userId="S::jopariih@jyu.fi::f06ad8bf-b251-424f-a727-84aaec4fba8d" providerId="AD" clId="Web-{E2B5C3F3-6A21-5FFA-74D2-B4EF3E4B32FE}" dt="2024-04-10T05:57:45.956" v="1216"/>
+          <pc:sldLayoutMkLst>
+            <pc:docMk/>
+            <pc:sldMasterMk cId="2685460780" sldId="2147483648"/>
+            <pc:sldLayoutMk cId="2333974260" sldId="2147483655"/>
+          </pc:sldLayoutMkLst>
+        </pc:sldLayoutChg>
+        <pc:sldLayoutChg chg="add del">
+          <pc:chgData name="Riihimäki, Johanna" userId="S::jopariih@jyu.fi::f06ad8bf-b251-424f-a727-84aaec4fba8d" providerId="AD" clId="Web-{E2B5C3F3-6A21-5FFA-74D2-B4EF3E4B32FE}" dt="2024-04-10T05:57:45.956" v="1216"/>
+          <pc:sldLayoutMkLst>
+            <pc:docMk/>
+            <pc:sldMasterMk cId="2685460780" sldId="2147483648"/>
+            <pc:sldLayoutMk cId="3708739623" sldId="2147483656"/>
+          </pc:sldLayoutMkLst>
+        </pc:sldLayoutChg>
+        <pc:sldLayoutChg chg="add del">
+          <pc:chgData name="Riihimäki, Johanna" userId="S::jopariih@jyu.fi::f06ad8bf-b251-424f-a727-84aaec4fba8d" providerId="AD" clId="Web-{E2B5C3F3-6A21-5FFA-74D2-B4EF3E4B32FE}" dt="2024-04-10T05:57:45.956" v="1216"/>
+          <pc:sldLayoutMkLst>
+            <pc:docMk/>
+            <pc:sldMasterMk cId="2685460780" sldId="2147483648"/>
+            <pc:sldLayoutMk cId="2895062710" sldId="2147483657"/>
+          </pc:sldLayoutMkLst>
+        </pc:sldLayoutChg>
+        <pc:sldLayoutChg chg="add del">
+          <pc:chgData name="Riihimäki, Johanna" userId="S::jopariih@jyu.fi::f06ad8bf-b251-424f-a727-84aaec4fba8d" providerId="AD" clId="Web-{E2B5C3F3-6A21-5FFA-74D2-B4EF3E4B32FE}" dt="2024-04-10T05:57:45.956" v="1216"/>
+          <pc:sldLayoutMkLst>
+            <pc:docMk/>
+            <pc:sldMasterMk cId="2685460780" sldId="2147483648"/>
+            <pc:sldLayoutMk cId="1408259005" sldId="2147483658"/>
+          </pc:sldLayoutMkLst>
+        </pc:sldLayoutChg>
+        <pc:sldLayoutChg chg="add del">
+          <pc:chgData name="Riihimäki, Johanna" userId="S::jopariih@jyu.fi::f06ad8bf-b251-424f-a727-84aaec4fba8d" providerId="AD" clId="Web-{E2B5C3F3-6A21-5FFA-74D2-B4EF3E4B32FE}" dt="2024-04-10T05:57:45.956" v="1216"/>
+          <pc:sldLayoutMkLst>
+            <pc:docMk/>
+            <pc:sldMasterMk cId="2685460780" sldId="2147483648"/>
+            <pc:sldLayoutMk cId="2239792720" sldId="2147483659"/>
+          </pc:sldLayoutMkLst>
+        </pc:sldLayoutChg>
+      </pc:sldMasterChg>
+      <pc:sldMasterChg chg="add addSldLayout modSldLayout">
+        <pc:chgData name="Riihimäki, Johanna" userId="S::jopariih@jyu.fi::f06ad8bf-b251-424f-a727-84aaec4fba8d" providerId="AD" clId="Web-{E2B5C3F3-6A21-5FFA-74D2-B4EF3E4B32FE}" dt="2024-04-10T05:57:45.956" v="1216"/>
+        <pc:sldMasterMkLst>
+          <pc:docMk/>
+          <pc:sldMasterMk cId="777485583" sldId="2147483660"/>
+        </pc:sldMasterMkLst>
+        <pc:sldLayoutChg chg="add mod replId">
+          <pc:chgData name="Riihimäki, Johanna" userId="S::jopariih@jyu.fi::f06ad8bf-b251-424f-a727-84aaec4fba8d" providerId="AD" clId="Web-{E2B5C3F3-6A21-5FFA-74D2-B4EF3E4B32FE}" dt="2024-04-10T05:57:45.956" v="1216"/>
+          <pc:sldLayoutMkLst>
+            <pc:docMk/>
+            <pc:sldMasterMk cId="777485583" sldId="2147483660"/>
+            <pc:sldLayoutMk cId="4231511172" sldId="2147483661"/>
+          </pc:sldLayoutMkLst>
+        </pc:sldLayoutChg>
+        <pc:sldLayoutChg chg="add mod replId">
+          <pc:chgData name="Riihimäki, Johanna" userId="S::jopariih@jyu.fi::f06ad8bf-b251-424f-a727-84aaec4fba8d" providerId="AD" clId="Web-{E2B5C3F3-6A21-5FFA-74D2-B4EF3E4B32FE}" dt="2024-04-10T05:57:45.956" v="1216"/>
+          <pc:sldLayoutMkLst>
+            <pc:docMk/>
+            <pc:sldMasterMk cId="777485583" sldId="2147483660"/>
+            <pc:sldLayoutMk cId="3986243442" sldId="2147483662"/>
+          </pc:sldLayoutMkLst>
+        </pc:sldLayoutChg>
+        <pc:sldLayoutChg chg="add mod replId">
+          <pc:chgData name="Riihimäki, Johanna" userId="S::jopariih@jyu.fi::f06ad8bf-b251-424f-a727-84aaec4fba8d" providerId="AD" clId="Web-{E2B5C3F3-6A21-5FFA-74D2-B4EF3E4B32FE}" dt="2024-04-10T05:57:45.956" v="1216"/>
+          <pc:sldLayoutMkLst>
+            <pc:docMk/>
+            <pc:sldMasterMk cId="777485583" sldId="2147483660"/>
+            <pc:sldLayoutMk cId="2274769685" sldId="2147483663"/>
+          </pc:sldLayoutMkLst>
+        </pc:sldLayoutChg>
+        <pc:sldLayoutChg chg="add mod replId">
+          <pc:chgData name="Riihimäki, Johanna" userId="S::jopariih@jyu.fi::f06ad8bf-b251-424f-a727-84aaec4fba8d" providerId="AD" clId="Web-{E2B5C3F3-6A21-5FFA-74D2-B4EF3E4B32FE}" dt="2024-04-10T05:57:45.956" v="1216"/>
+          <pc:sldLayoutMkLst>
+            <pc:docMk/>
+            <pc:sldMasterMk cId="777485583" sldId="2147483660"/>
+            <pc:sldLayoutMk cId="2844695321" sldId="2147483664"/>
+          </pc:sldLayoutMkLst>
+        </pc:sldLayoutChg>
+        <pc:sldLayoutChg chg="add mod replId">
+          <pc:chgData name="Riihimäki, Johanna" userId="S::jopariih@jyu.fi::f06ad8bf-b251-424f-a727-84aaec4fba8d" providerId="AD" clId="Web-{E2B5C3F3-6A21-5FFA-74D2-B4EF3E4B32FE}" dt="2024-04-10T05:57:45.956" v="1216"/>
+          <pc:sldLayoutMkLst>
+            <pc:docMk/>
+            <pc:sldMasterMk cId="777485583" sldId="2147483660"/>
+            <pc:sldLayoutMk cId="3001545152" sldId="2147483665"/>
+          </pc:sldLayoutMkLst>
+        </pc:sldLayoutChg>
+        <pc:sldLayoutChg chg="add mod replId">
+          <pc:chgData name="Riihimäki, Johanna" userId="S::jopariih@jyu.fi::f06ad8bf-b251-424f-a727-84aaec4fba8d" providerId="AD" clId="Web-{E2B5C3F3-6A21-5FFA-74D2-B4EF3E4B32FE}" dt="2024-04-10T05:57:45.956" v="1216"/>
+          <pc:sldLayoutMkLst>
+            <pc:docMk/>
+            <pc:sldMasterMk cId="777485583" sldId="2147483660"/>
+            <pc:sldLayoutMk cId="1009404726" sldId="2147483666"/>
+          </pc:sldLayoutMkLst>
+        </pc:sldLayoutChg>
+        <pc:sldLayoutChg chg="add mod replId">
+          <pc:chgData name="Riihimäki, Johanna" userId="S::jopariih@jyu.fi::f06ad8bf-b251-424f-a727-84aaec4fba8d" providerId="AD" clId="Web-{E2B5C3F3-6A21-5FFA-74D2-B4EF3E4B32FE}" dt="2024-04-10T05:57:45.956" v="1216"/>
+          <pc:sldLayoutMkLst>
+            <pc:docMk/>
+            <pc:sldMasterMk cId="777485583" sldId="2147483660"/>
+            <pc:sldLayoutMk cId="869668647" sldId="2147483667"/>
+          </pc:sldLayoutMkLst>
+        </pc:sldLayoutChg>
+        <pc:sldLayoutChg chg="add mod replId">
+          <pc:chgData name="Riihimäki, Johanna" userId="S::jopariih@jyu.fi::f06ad8bf-b251-424f-a727-84aaec4fba8d" providerId="AD" clId="Web-{E2B5C3F3-6A21-5FFA-74D2-B4EF3E4B32FE}" dt="2024-04-10T05:57:45.956" v="1216"/>
+          <pc:sldLayoutMkLst>
+            <pc:docMk/>
+            <pc:sldMasterMk cId="777485583" sldId="2147483660"/>
+            <pc:sldLayoutMk cId="4156882223" sldId="2147483668"/>
+          </pc:sldLayoutMkLst>
+        </pc:sldLayoutChg>
+        <pc:sldLayoutChg chg="add mod replId">
+          <pc:chgData name="Riihimäki, Johanna" userId="S::jopariih@jyu.fi::f06ad8bf-b251-424f-a727-84aaec4fba8d" providerId="AD" clId="Web-{E2B5C3F3-6A21-5FFA-74D2-B4EF3E4B32FE}" dt="2024-04-10T05:57:45.956" v="1216"/>
+          <pc:sldLayoutMkLst>
+            <pc:docMk/>
+            <pc:sldMasterMk cId="777485583" sldId="2147483660"/>
+            <pc:sldLayoutMk cId="1908275589" sldId="2147483669"/>
+          </pc:sldLayoutMkLst>
+        </pc:sldLayoutChg>
+        <pc:sldLayoutChg chg="add mod replId">
+          <pc:chgData name="Riihimäki, Johanna" userId="S::jopariih@jyu.fi::f06ad8bf-b251-424f-a727-84aaec4fba8d" providerId="AD" clId="Web-{E2B5C3F3-6A21-5FFA-74D2-B4EF3E4B32FE}" dt="2024-04-10T05:57:45.956" v="1216"/>
+          <pc:sldLayoutMkLst>
+            <pc:docMk/>
+            <pc:sldMasterMk cId="777485583" sldId="2147483660"/>
+            <pc:sldLayoutMk cId="3621225239" sldId="2147483670"/>
+          </pc:sldLayoutMkLst>
+        </pc:sldLayoutChg>
+        <pc:sldLayoutChg chg="add mod replId">
+          <pc:chgData name="Riihimäki, Johanna" userId="S::jopariih@jyu.fi::f06ad8bf-b251-424f-a727-84aaec4fba8d" providerId="AD" clId="Web-{E2B5C3F3-6A21-5FFA-74D2-B4EF3E4B32FE}" dt="2024-04-10T05:57:45.956" v="1216"/>
+          <pc:sldLayoutMkLst>
+            <pc:docMk/>
+            <pc:sldMasterMk cId="777485583" sldId="2147483660"/>
+            <pc:sldLayoutMk cId="2667323727" sldId="2147483671"/>
+          </pc:sldLayoutMkLst>
+        </pc:sldLayoutChg>
+      </pc:sldMasterChg>
+      <pc:sldMasterChg chg="add del addSldLayout delSldLayout modSldLayout">
+        <pc:chgData name="Riihimäki, Johanna" userId="S::jopariih@jyu.fi::f06ad8bf-b251-424f-a727-84aaec4fba8d" providerId="AD" clId="Web-{E2B5C3F3-6A21-5FFA-74D2-B4EF3E4B32FE}" dt="2024-04-10T05:57:32.502" v="703"/>
+        <pc:sldMasterMkLst>
+          <pc:docMk/>
+          <pc:sldMasterMk cId="2093472072" sldId="2147483660"/>
+        </pc:sldMasterMkLst>
+        <pc:sldLayoutChg chg="add del mod replId">
+          <pc:chgData name="Riihimäki, Johanna" userId="S::jopariih@jyu.fi::f06ad8bf-b251-424f-a727-84aaec4fba8d" providerId="AD" clId="Web-{E2B5C3F3-6A21-5FFA-74D2-B4EF3E4B32FE}" dt="2024-04-10T05:57:32.502" v="703"/>
+          <pc:sldLayoutMkLst>
+            <pc:docMk/>
+            <pc:sldMasterMk cId="2093472072" sldId="2147483660"/>
+            <pc:sldLayoutMk cId="3206537318" sldId="2147483661"/>
+          </pc:sldLayoutMkLst>
+        </pc:sldLayoutChg>
+        <pc:sldLayoutChg chg="add del mod replId">
+          <pc:chgData name="Riihimäki, Johanna" userId="S::jopariih@jyu.fi::f06ad8bf-b251-424f-a727-84aaec4fba8d" providerId="AD" clId="Web-{E2B5C3F3-6A21-5FFA-74D2-B4EF3E4B32FE}" dt="2024-04-10T05:57:32.502" v="703"/>
+          <pc:sldLayoutMkLst>
+            <pc:docMk/>
+            <pc:sldMasterMk cId="2093472072" sldId="2147483660"/>
+            <pc:sldLayoutMk cId="1372092966" sldId="2147483662"/>
+          </pc:sldLayoutMkLst>
+        </pc:sldLayoutChg>
+        <pc:sldLayoutChg chg="add del mod replId">
+          <pc:chgData name="Riihimäki, Johanna" userId="S::jopariih@jyu.fi::f06ad8bf-b251-424f-a727-84aaec4fba8d" providerId="AD" clId="Web-{E2B5C3F3-6A21-5FFA-74D2-B4EF3E4B32FE}" dt="2024-04-10T05:57:32.502" v="703"/>
+          <pc:sldLayoutMkLst>
+            <pc:docMk/>
+            <pc:sldMasterMk cId="2093472072" sldId="2147483660"/>
+            <pc:sldLayoutMk cId="2901315582" sldId="2147483663"/>
+          </pc:sldLayoutMkLst>
+        </pc:sldLayoutChg>
+        <pc:sldLayoutChg chg="add del mod replId">
+          <pc:chgData name="Riihimäki, Johanna" userId="S::jopariih@jyu.fi::f06ad8bf-b251-424f-a727-84aaec4fba8d" providerId="AD" clId="Web-{E2B5C3F3-6A21-5FFA-74D2-B4EF3E4B32FE}" dt="2024-04-10T05:57:32.502" v="703"/>
+          <pc:sldLayoutMkLst>
+            <pc:docMk/>
+            <pc:sldMasterMk cId="2093472072" sldId="2147483660"/>
+            <pc:sldLayoutMk cId="1383653382" sldId="2147483664"/>
+          </pc:sldLayoutMkLst>
+        </pc:sldLayoutChg>
+        <pc:sldLayoutChg chg="add del mod replId">
+          <pc:chgData name="Riihimäki, Johanna" userId="S::jopariih@jyu.fi::f06ad8bf-b251-424f-a727-84aaec4fba8d" providerId="AD" clId="Web-{E2B5C3F3-6A21-5FFA-74D2-B4EF3E4B32FE}" dt="2024-04-10T05:57:32.502" v="703"/>
+          <pc:sldLayoutMkLst>
+            <pc:docMk/>
+            <pc:sldMasterMk cId="2093472072" sldId="2147483660"/>
+            <pc:sldLayoutMk cId="2915382397" sldId="2147483665"/>
+          </pc:sldLayoutMkLst>
+        </pc:sldLayoutChg>
+        <pc:sldLayoutChg chg="add del mod replId">
+          <pc:chgData name="Riihimäki, Johanna" userId="S::jopariih@jyu.fi::f06ad8bf-b251-424f-a727-84aaec4fba8d" providerId="AD" clId="Web-{E2B5C3F3-6A21-5FFA-74D2-B4EF3E4B32FE}" dt="2024-04-10T05:57:32.502" v="703"/>
+          <pc:sldLayoutMkLst>
+            <pc:docMk/>
+            <pc:sldMasterMk cId="2093472072" sldId="2147483660"/>
+            <pc:sldLayoutMk cId="1591528710" sldId="2147483666"/>
+          </pc:sldLayoutMkLst>
+        </pc:sldLayoutChg>
+        <pc:sldLayoutChg chg="add del mod replId">
+          <pc:chgData name="Riihimäki, Johanna" userId="S::jopariih@jyu.fi::f06ad8bf-b251-424f-a727-84aaec4fba8d" providerId="AD" clId="Web-{E2B5C3F3-6A21-5FFA-74D2-B4EF3E4B32FE}" dt="2024-04-10T05:57:32.502" v="703"/>
+          <pc:sldLayoutMkLst>
+            <pc:docMk/>
+            <pc:sldMasterMk cId="2093472072" sldId="2147483660"/>
+            <pc:sldLayoutMk cId="222235148" sldId="2147483667"/>
+          </pc:sldLayoutMkLst>
+        </pc:sldLayoutChg>
+        <pc:sldLayoutChg chg="add del mod replId">
+          <pc:chgData name="Riihimäki, Johanna" userId="S::jopariih@jyu.fi::f06ad8bf-b251-424f-a727-84aaec4fba8d" providerId="AD" clId="Web-{E2B5C3F3-6A21-5FFA-74D2-B4EF3E4B32FE}" dt="2024-04-10T05:57:32.502" v="703"/>
+          <pc:sldLayoutMkLst>
+            <pc:docMk/>
+            <pc:sldMasterMk cId="2093472072" sldId="2147483660"/>
+            <pc:sldLayoutMk cId="3909181443" sldId="2147483668"/>
+          </pc:sldLayoutMkLst>
+        </pc:sldLayoutChg>
+        <pc:sldLayoutChg chg="add del mod replId">
+          <pc:chgData name="Riihimäki, Johanna" userId="S::jopariih@jyu.fi::f06ad8bf-b251-424f-a727-84aaec4fba8d" providerId="AD" clId="Web-{E2B5C3F3-6A21-5FFA-74D2-B4EF3E4B32FE}" dt="2024-04-10T05:57:32.502" v="703"/>
+          <pc:sldLayoutMkLst>
+            <pc:docMk/>
+            <pc:sldMasterMk cId="2093472072" sldId="2147483660"/>
+            <pc:sldLayoutMk cId="867802297" sldId="2147483669"/>
+          </pc:sldLayoutMkLst>
+        </pc:sldLayoutChg>
+        <pc:sldLayoutChg chg="add del mod replId">
+          <pc:chgData name="Riihimäki, Johanna" userId="S::jopariih@jyu.fi::f06ad8bf-b251-424f-a727-84aaec4fba8d" providerId="AD" clId="Web-{E2B5C3F3-6A21-5FFA-74D2-B4EF3E4B32FE}" dt="2024-04-10T05:57:32.502" v="703"/>
+          <pc:sldLayoutMkLst>
+            <pc:docMk/>
+            <pc:sldMasterMk cId="2093472072" sldId="2147483660"/>
+            <pc:sldLayoutMk cId="229226257" sldId="2147483670"/>
+          </pc:sldLayoutMkLst>
+        </pc:sldLayoutChg>
+        <pc:sldLayoutChg chg="add del mod replId">
+          <pc:chgData name="Riihimäki, Johanna" userId="S::jopariih@jyu.fi::f06ad8bf-b251-424f-a727-84aaec4fba8d" providerId="AD" clId="Web-{E2B5C3F3-6A21-5FFA-74D2-B4EF3E4B32FE}" dt="2024-04-10T05:57:32.502" v="703"/>
+          <pc:sldLayoutMkLst>
+            <pc:docMk/>
+            <pc:sldMasterMk cId="2093472072" sldId="2147483660"/>
+            <pc:sldLayoutMk cId="2635114559" sldId="2147483671"/>
+          </pc:sldLayoutMkLst>
+        </pc:sldLayoutChg>
+      </pc:sldMasterChg>
+    </pc:docChg>
+  </pc:docChgLst>
+  <pc:docChgLst>
+    <pc:chgData name="Riihimäki, Johanna" userId="S::jopariih@jyu.fi::f06ad8bf-b251-424f-a727-84aaec4fba8d" providerId="AD" clId="Web-{BD2E4B26-851C-1418-C40F-9E67C99D36EA}"/>
+    <pc:docChg chg="modSld">
+      <pc:chgData name="Riihimäki, Johanna" userId="S::jopariih@jyu.fi::f06ad8bf-b251-424f-a727-84aaec4fba8d" providerId="AD" clId="Web-{BD2E4B26-851C-1418-C40F-9E67C99D36EA}" dt="2024-04-10T12:37:04.942" v="38" actId="14100"/>
+      <pc:docMkLst>
+        <pc:docMk/>
+      </pc:docMkLst>
+      <pc:sldChg chg="delSp modSp">
+        <pc:chgData name="Riihimäki, Johanna" userId="S::jopariih@jyu.fi::f06ad8bf-b251-424f-a727-84aaec4fba8d" providerId="AD" clId="Web-{BD2E4B26-851C-1418-C40F-9E67C99D36EA}" dt="2024-04-10T12:17:48.136" v="34"/>
+        <pc:sldMkLst>
+          <pc:docMk/>
+          <pc:sldMk cId="4159415826" sldId="258"/>
+        </pc:sldMkLst>
+        <pc:spChg chg="mod">
+          <ac:chgData name="Riihimäki, Johanna" userId="S::jopariih@jyu.fi::f06ad8bf-b251-424f-a727-84aaec4fba8d" providerId="AD" clId="Web-{BD2E4B26-851C-1418-C40F-9E67C99D36EA}" dt="2024-04-10T12:14:55.257" v="3" actId="20577"/>
+          <ac:spMkLst>
+            <pc:docMk/>
+            <pc:sldMk cId="4159415826" sldId="258"/>
+            <ac:spMk id="3" creationId="{D86CE192-4586-DB48-7AAA-2D9A164B5AAE}"/>
+          </ac:spMkLst>
+        </pc:spChg>
+        <pc:spChg chg="del mod">
+          <ac:chgData name="Riihimäki, Johanna" userId="S::jopariih@jyu.fi::f06ad8bf-b251-424f-a727-84aaec4fba8d" providerId="AD" clId="Web-{BD2E4B26-851C-1418-C40F-9E67C99D36EA}" dt="2024-04-10T12:17:48.136" v="34"/>
+          <ac:spMkLst>
+            <pc:docMk/>
+            <pc:sldMk cId="4159415826" sldId="258"/>
+            <ac:spMk id="4" creationId="{B4968B89-D53F-CA45-D195-19DB619FB6BF}"/>
+          </ac:spMkLst>
+        </pc:spChg>
+      </pc:sldChg>
+      <pc:sldChg chg="delSp modSp">
+        <pc:chgData name="Riihimäki, Johanna" userId="S::jopariih@jyu.fi::f06ad8bf-b251-424f-a727-84aaec4fba8d" providerId="AD" clId="Web-{BD2E4B26-851C-1418-C40F-9E67C99D36EA}" dt="2024-04-10T12:37:04.942" v="38" actId="14100"/>
+        <pc:sldMkLst>
+          <pc:docMk/>
+          <pc:sldMk cId="3116678895" sldId="261"/>
+        </pc:sldMkLst>
+        <pc:spChg chg="mod">
+          <ac:chgData name="Riihimäki, Johanna" userId="S::jopariih@jyu.fi::f06ad8bf-b251-424f-a727-84aaec4fba8d" providerId="AD" clId="Web-{BD2E4B26-851C-1418-C40F-9E67C99D36EA}" dt="2024-04-10T12:37:04.942" v="38" actId="14100"/>
+          <ac:spMkLst>
+            <pc:docMk/>
+            <pc:sldMk cId="3116678895" sldId="261"/>
+            <ac:spMk id="3" creationId="{09F1A851-803D-339D-199F-94C9F38D2B70}"/>
+          </ac:spMkLst>
+        </pc:spChg>
+        <pc:spChg chg="del mod">
+          <ac:chgData name="Riihimäki, Johanna" userId="S::jopariih@jyu.fi::f06ad8bf-b251-424f-a727-84aaec4fba8d" providerId="AD" clId="Web-{BD2E4B26-851C-1418-C40F-9E67C99D36EA}" dt="2024-04-10T12:37:00.426" v="37"/>
+          <ac:spMkLst>
+            <pc:docMk/>
+            <pc:sldMk cId="3116678895" sldId="261"/>
+            <ac:spMk id="5" creationId="{076DF964-3FEA-F85B-A3F6-CF759A4A7F7C}"/>
+          </ac:spMkLst>
+        </pc:spChg>
+      </pc:sldChg>
+      <pc:sldChg chg="modSp">
+        <pc:chgData name="Riihimäki, Johanna" userId="S::jopariih@jyu.fi::f06ad8bf-b251-424f-a727-84aaec4fba8d" providerId="AD" clId="Web-{BD2E4B26-851C-1418-C40F-9E67C99D36EA}" dt="2024-04-10T12:15:57.149" v="33" actId="20577"/>
+        <pc:sldMkLst>
+          <pc:docMk/>
+          <pc:sldMk cId="1732863363" sldId="263"/>
+        </pc:sldMkLst>
+        <pc:spChg chg="mod">
+          <ac:chgData name="Riihimäki, Johanna" userId="S::jopariih@jyu.fi::f06ad8bf-b251-424f-a727-84aaec4fba8d" providerId="AD" clId="Web-{BD2E4B26-851C-1418-C40F-9E67C99D36EA}" dt="2024-04-10T12:15:57.149" v="33" actId="20577"/>
+          <ac:spMkLst>
+            <pc:docMk/>
+            <pc:sldMk cId="1732863363" sldId="263"/>
+            <ac:spMk id="3" creationId="{97097577-6DDE-C60B-114D-E37EAD9C34BE}"/>
+          </ac:spMkLst>
+        </pc:spChg>
+      </pc:sldChg>
+    </pc:docChg>
+  </pc:docChgLst>
   <pc:docChgLst>
     <pc:chgData name="Giulia Ortolani" userId="d9212689-430e-4ee3-81b3-d947e43afdd0" providerId="ADAL" clId="{D44E5873-CDAB-47DF-95E1-D784EB74AE2C}"/>
     <pc:docChg chg="undo custSel addSld delSld modSld sldOrd">
@@ -456,811 +1332,6 @@
           </ac:inkMkLst>
         </pc:inkChg>
       </pc:sldChg>
-    </pc:docChg>
-  </pc:docChgLst>
-  <pc:docChgLst>
-    <pc:chgData name="Riihimäki, Johanna" userId="S::jopariih@jyu.fi::f06ad8bf-b251-424f-a727-84aaec4fba8d" providerId="AD" clId="Web-{E2B5C3F3-6A21-5FFA-74D2-B4EF3E4B32FE}"/>
-    <pc:docChg chg="addSld delSld modSld sldOrd addMainMaster delMainMaster">
-      <pc:chgData name="Riihimäki, Johanna" userId="S::jopariih@jyu.fi::f06ad8bf-b251-424f-a727-84aaec4fba8d" providerId="AD" clId="Web-{E2B5C3F3-6A21-5FFA-74D2-B4EF3E4B32FE}" dt="2024-04-10T06:06:50.797" v="1533" actId="1076"/>
-      <pc:docMkLst>
-        <pc:docMk/>
-      </pc:docMkLst>
-      <pc:sldChg chg="delSp modSp mod modClrScheme chgLayout">
-        <pc:chgData name="Riihimäki, Johanna" userId="S::jopariih@jyu.fi::f06ad8bf-b251-424f-a727-84aaec4fba8d" providerId="AD" clId="Web-{E2B5C3F3-6A21-5FFA-74D2-B4EF3E4B32FE}" dt="2024-04-10T05:58:02.331" v="1235"/>
-        <pc:sldMkLst>
-          <pc:docMk/>
-          <pc:sldMk cId="2473777132" sldId="256"/>
-        </pc:sldMkLst>
-        <pc:spChg chg="mod ord">
-          <ac:chgData name="Riihimäki, Johanna" userId="S::jopariih@jyu.fi::f06ad8bf-b251-424f-a727-84aaec4fba8d" providerId="AD" clId="Web-{E2B5C3F3-6A21-5FFA-74D2-B4EF3E4B32FE}" dt="2024-04-10T05:57:45.956" v="1216"/>
-          <ac:spMkLst>
-            <pc:docMk/>
-            <pc:sldMk cId="2473777132" sldId="256"/>
-            <ac:spMk id="2" creationId="{74F0E030-7B18-307B-6FF5-DDD2385CBE36}"/>
-          </ac:spMkLst>
-        </pc:spChg>
-        <pc:spChg chg="mod ord">
-          <ac:chgData name="Riihimäki, Johanna" userId="S::jopariih@jyu.fi::f06ad8bf-b251-424f-a727-84aaec4fba8d" providerId="AD" clId="Web-{E2B5C3F3-6A21-5FFA-74D2-B4EF3E4B32FE}" dt="2024-04-10T05:57:45.956" v="1216"/>
-          <ac:spMkLst>
-            <pc:docMk/>
-            <pc:sldMk cId="2473777132" sldId="256"/>
-            <ac:spMk id="3" creationId="{7D84FB2D-3216-2BFF-CB5F-5E22FA2BDDAE}"/>
-          </ac:spMkLst>
-        </pc:spChg>
-        <pc:spChg chg="del mod">
-          <ac:chgData name="Riihimäki, Johanna" userId="S::jopariih@jyu.fi::f06ad8bf-b251-424f-a727-84aaec4fba8d" providerId="AD" clId="Web-{E2B5C3F3-6A21-5FFA-74D2-B4EF3E4B32FE}" dt="2024-04-10T05:58:02.331" v="1235"/>
-          <ac:spMkLst>
-            <pc:docMk/>
-            <pc:sldMk cId="2473777132" sldId="256"/>
-            <ac:spMk id="4" creationId="{2013227A-0A53-B825-4AB5-946CF89C0115}"/>
-          </ac:spMkLst>
-        </pc:spChg>
-      </pc:sldChg>
-      <pc:sldChg chg="modSp del mod modClrScheme chgLayout">
-        <pc:chgData name="Riihimäki, Johanna" userId="S::jopariih@jyu.fi::f06ad8bf-b251-424f-a727-84aaec4fba8d" providerId="AD" clId="Web-{E2B5C3F3-6A21-5FFA-74D2-B4EF3E4B32FE}" dt="2024-04-10T06:02:27.197" v="1489"/>
-        <pc:sldMkLst>
-          <pc:docMk/>
-          <pc:sldMk cId="3372192238" sldId="257"/>
-        </pc:sldMkLst>
-        <pc:spChg chg="mod ord">
-          <ac:chgData name="Riihimäki, Johanna" userId="S::jopariih@jyu.fi::f06ad8bf-b251-424f-a727-84aaec4fba8d" providerId="AD" clId="Web-{E2B5C3F3-6A21-5FFA-74D2-B4EF3E4B32FE}" dt="2024-04-10T05:57:45.956" v="1216"/>
-          <ac:spMkLst>
-            <pc:docMk/>
-            <pc:sldMk cId="3372192238" sldId="257"/>
-            <ac:spMk id="2" creationId="{12FC630A-161F-5E5A-6CE0-34A11F69B664}"/>
-          </ac:spMkLst>
-        </pc:spChg>
-        <pc:spChg chg="mod ord">
-          <ac:chgData name="Riihimäki, Johanna" userId="S::jopariih@jyu.fi::f06ad8bf-b251-424f-a727-84aaec4fba8d" providerId="AD" clId="Web-{E2B5C3F3-6A21-5FFA-74D2-B4EF3E4B32FE}" dt="2024-04-10T06:02:22.509" v="1488" actId="20577"/>
-          <ac:spMkLst>
-            <pc:docMk/>
-            <pc:sldMk cId="3372192238" sldId="257"/>
-            <ac:spMk id="3" creationId="{D2D795D8-4A3B-7D7A-1D84-6D02008F4B32}"/>
-          </ac:spMkLst>
-        </pc:spChg>
-      </pc:sldChg>
-      <pc:sldChg chg="modSp mod modClrScheme chgLayout">
-        <pc:chgData name="Riihimäki, Johanna" userId="S::jopariih@jyu.fi::f06ad8bf-b251-424f-a727-84aaec4fba8d" providerId="AD" clId="Web-{E2B5C3F3-6A21-5FFA-74D2-B4EF3E4B32FE}" dt="2024-04-10T06:04:41.622" v="1525" actId="20577"/>
-        <pc:sldMkLst>
-          <pc:docMk/>
-          <pc:sldMk cId="4159415826" sldId="258"/>
-        </pc:sldMkLst>
-        <pc:spChg chg="mod ord">
-          <ac:chgData name="Riihimäki, Johanna" userId="S::jopariih@jyu.fi::f06ad8bf-b251-424f-a727-84aaec4fba8d" providerId="AD" clId="Web-{E2B5C3F3-6A21-5FFA-74D2-B4EF3E4B32FE}" dt="2024-04-10T05:57:45.956" v="1216"/>
-          <ac:spMkLst>
-            <pc:docMk/>
-            <pc:sldMk cId="4159415826" sldId="258"/>
-            <ac:spMk id="2" creationId="{15ED45A9-EC62-433E-C397-C678FFC4BFC0}"/>
-          </ac:spMkLst>
-        </pc:spChg>
-        <pc:spChg chg="mod ord">
-          <ac:chgData name="Riihimäki, Johanna" userId="S::jopariih@jyu.fi::f06ad8bf-b251-424f-a727-84aaec4fba8d" providerId="AD" clId="Web-{E2B5C3F3-6A21-5FFA-74D2-B4EF3E4B32FE}" dt="2024-04-10T06:04:41.622" v="1525" actId="20577"/>
-          <ac:spMkLst>
-            <pc:docMk/>
-            <pc:sldMk cId="4159415826" sldId="258"/>
-            <ac:spMk id="3" creationId="{D86CE192-4586-DB48-7AAA-2D9A164B5AAE}"/>
-          </ac:spMkLst>
-        </pc:spChg>
-      </pc:sldChg>
-      <pc:sldChg chg="delSp modSp mod modClrScheme chgLayout">
-        <pc:chgData name="Riihimäki, Johanna" userId="S::jopariih@jyu.fi::f06ad8bf-b251-424f-a727-84aaec4fba8d" providerId="AD" clId="Web-{E2B5C3F3-6A21-5FFA-74D2-B4EF3E4B32FE}" dt="2024-04-10T06:02:47.760" v="1491"/>
-        <pc:sldMkLst>
-          <pc:docMk/>
-          <pc:sldMk cId="426450475" sldId="259"/>
-        </pc:sldMkLst>
-        <pc:spChg chg="mod ord">
-          <ac:chgData name="Riihimäki, Johanna" userId="S::jopariih@jyu.fi::f06ad8bf-b251-424f-a727-84aaec4fba8d" providerId="AD" clId="Web-{E2B5C3F3-6A21-5FFA-74D2-B4EF3E4B32FE}" dt="2024-04-10T05:57:45.956" v="1216"/>
-          <ac:spMkLst>
-            <pc:docMk/>
-            <pc:sldMk cId="426450475" sldId="259"/>
-            <ac:spMk id="4" creationId="{63FD4E4A-FB14-DCCC-BFF2-136AD63716F9}"/>
-          </ac:spMkLst>
-        </pc:spChg>
-        <pc:spChg chg="mod ord">
-          <ac:chgData name="Riihimäki, Johanna" userId="S::jopariih@jyu.fi::f06ad8bf-b251-424f-a727-84aaec4fba8d" providerId="AD" clId="Web-{E2B5C3F3-6A21-5FFA-74D2-B4EF3E4B32FE}" dt="2024-04-10T05:57:45.956" v="1216"/>
-          <ac:spMkLst>
-            <pc:docMk/>
-            <pc:sldMk cId="426450475" sldId="259"/>
-            <ac:spMk id="6" creationId="{AFF3DB45-E302-4670-75B3-7AC4A64D2F66}"/>
-          </ac:spMkLst>
-        </pc:spChg>
-        <pc:spChg chg="del mod">
-          <ac:chgData name="Riihimäki, Johanna" userId="S::jopariih@jyu.fi::f06ad8bf-b251-424f-a727-84aaec4fba8d" providerId="AD" clId="Web-{E2B5C3F3-6A21-5FFA-74D2-B4EF3E4B32FE}" dt="2024-04-10T06:02:47.760" v="1491"/>
-          <ac:spMkLst>
-            <pc:docMk/>
-            <pc:sldMk cId="426450475" sldId="259"/>
-            <ac:spMk id="11" creationId="{F63174D4-1103-3DEA-DA32-C74599CDE2FC}"/>
-          </ac:spMkLst>
-        </pc:spChg>
-        <pc:picChg chg="mod ord">
-          <ac:chgData name="Riihimäki, Johanna" userId="S::jopariih@jyu.fi::f06ad8bf-b251-424f-a727-84aaec4fba8d" providerId="AD" clId="Web-{E2B5C3F3-6A21-5FFA-74D2-B4EF3E4B32FE}" dt="2024-04-10T05:57:45.956" v="1216"/>
-          <ac:picMkLst>
-            <pc:docMk/>
-            <pc:sldMk cId="426450475" sldId="259"/>
-            <ac:picMk id="8" creationId="{87DD2B49-E047-0A7D-2316-A4AB9881626B}"/>
-          </ac:picMkLst>
-        </pc:picChg>
-      </pc:sldChg>
-      <pc:sldChg chg="modSp mod modClrScheme chgLayout">
-        <pc:chgData name="Riihimäki, Johanna" userId="S::jopariih@jyu.fi::f06ad8bf-b251-424f-a727-84aaec4fba8d" providerId="AD" clId="Web-{E2B5C3F3-6A21-5FFA-74D2-B4EF3E4B32FE}" dt="2024-04-10T05:57:45.956" v="1216"/>
-        <pc:sldMkLst>
-          <pc:docMk/>
-          <pc:sldMk cId="827827499" sldId="260"/>
-        </pc:sldMkLst>
-        <pc:spChg chg="mod ord">
-          <ac:chgData name="Riihimäki, Johanna" userId="S::jopariih@jyu.fi::f06ad8bf-b251-424f-a727-84aaec4fba8d" providerId="AD" clId="Web-{E2B5C3F3-6A21-5FFA-74D2-B4EF3E4B32FE}" dt="2024-04-10T05:57:45.956" v="1216"/>
-          <ac:spMkLst>
-            <pc:docMk/>
-            <pc:sldMk cId="827827499" sldId="260"/>
-            <ac:spMk id="2" creationId="{F25E4AA6-F6AA-B07F-9246-03A6D22661F7}"/>
-          </ac:spMkLst>
-        </pc:spChg>
-        <pc:spChg chg="mod ord">
-          <ac:chgData name="Riihimäki, Johanna" userId="S::jopariih@jyu.fi::f06ad8bf-b251-424f-a727-84aaec4fba8d" providerId="AD" clId="Web-{E2B5C3F3-6A21-5FFA-74D2-B4EF3E4B32FE}" dt="2024-04-10T05:57:45.956" v="1216"/>
-          <ac:spMkLst>
-            <pc:docMk/>
-            <pc:sldMk cId="827827499" sldId="260"/>
-            <ac:spMk id="3" creationId="{251D08DA-1A0A-3DDF-8F26-1938022CF5CF}"/>
-          </ac:spMkLst>
-        </pc:spChg>
-      </pc:sldChg>
-      <pc:sldChg chg="addSp delSp modSp mod setBg modClrScheme delDesignElem chgLayout">
-        <pc:chgData name="Riihimäki, Johanna" userId="S::jopariih@jyu.fi::f06ad8bf-b251-424f-a727-84aaec4fba8d" providerId="AD" clId="Web-{E2B5C3F3-6A21-5FFA-74D2-B4EF3E4B32FE}" dt="2024-04-10T06:06:50.797" v="1533" actId="1076"/>
-        <pc:sldMkLst>
-          <pc:docMk/>
-          <pc:sldMk cId="3116678895" sldId="261"/>
-        </pc:sldMkLst>
-        <pc:spChg chg="mod ord">
-          <ac:chgData name="Riihimäki, Johanna" userId="S::jopariih@jyu.fi::f06ad8bf-b251-424f-a727-84aaec4fba8d" providerId="AD" clId="Web-{E2B5C3F3-6A21-5FFA-74D2-B4EF3E4B32FE}" dt="2024-04-10T06:06:40.250" v="1531" actId="1076"/>
-          <ac:spMkLst>
-            <pc:docMk/>
-            <pc:sldMk cId="3116678895" sldId="261"/>
-            <ac:spMk id="2" creationId="{871493D0-421A-731A-15F8-199F0756E2FB}"/>
-          </ac:spMkLst>
-        </pc:spChg>
-        <pc:spChg chg="mod ord">
-          <ac:chgData name="Riihimäki, Johanna" userId="S::jopariih@jyu.fi::f06ad8bf-b251-424f-a727-84aaec4fba8d" providerId="AD" clId="Web-{E2B5C3F3-6A21-5FFA-74D2-B4EF3E4B32FE}" dt="2024-04-10T06:06:47.938" v="1532" actId="1076"/>
-          <ac:spMkLst>
-            <pc:docMk/>
-            <pc:sldMk cId="3116678895" sldId="261"/>
-            <ac:spMk id="3" creationId="{09F1A851-803D-339D-199F-94C9F38D2B70}"/>
-          </ac:spMkLst>
-        </pc:spChg>
-        <pc:spChg chg="add del">
-          <ac:chgData name="Riihimäki, Johanna" userId="S::jopariih@jyu.fi::f06ad8bf-b251-424f-a727-84aaec4fba8d" providerId="AD" clId="Web-{E2B5C3F3-6A21-5FFA-74D2-B4EF3E4B32FE}" dt="2024-04-10T05:27:35.849" v="188"/>
-          <ac:spMkLst>
-            <pc:docMk/>
-            <pc:sldMk cId="3116678895" sldId="261"/>
-            <ac:spMk id="9" creationId="{743AA782-23D1-4521-8CAD-47662984AA08}"/>
-          </ac:spMkLst>
-        </pc:spChg>
-        <pc:spChg chg="add del">
-          <ac:chgData name="Riihimäki, Johanna" userId="S::jopariih@jyu.fi::f06ad8bf-b251-424f-a727-84aaec4fba8d" providerId="AD" clId="Web-{E2B5C3F3-6A21-5FFA-74D2-B4EF3E4B32FE}" dt="2024-04-10T05:27:35.849" v="188"/>
-          <ac:spMkLst>
-            <pc:docMk/>
-            <pc:sldMk cId="3116678895" sldId="261"/>
-            <ac:spMk id="11" creationId="{650D18FE-0824-4A46-B22C-A86B52E5780A}"/>
-          </ac:spMkLst>
-        </pc:spChg>
-        <pc:spChg chg="add del">
-          <ac:chgData name="Riihimäki, Johanna" userId="S::jopariih@jyu.fi::f06ad8bf-b251-424f-a727-84aaec4fba8d" providerId="AD" clId="Web-{E2B5C3F3-6A21-5FFA-74D2-B4EF3E4B32FE}" dt="2024-04-10T05:32:34.935" v="245"/>
-          <ac:spMkLst>
-            <pc:docMk/>
-            <pc:sldMk cId="3116678895" sldId="261"/>
-            <ac:spMk id="16" creationId="{0288C6B4-AFC3-407F-A595-EFFD38D4CCAF}"/>
-          </ac:spMkLst>
-        </pc:spChg>
-        <pc:spChg chg="add del">
-          <ac:chgData name="Riihimäki, Johanna" userId="S::jopariih@jyu.fi::f06ad8bf-b251-424f-a727-84aaec4fba8d" providerId="AD" clId="Web-{E2B5C3F3-6A21-5FFA-74D2-B4EF3E4B32FE}" dt="2024-04-10T05:32:34.935" v="245"/>
-          <ac:spMkLst>
-            <pc:docMk/>
-            <pc:sldMk cId="3116678895" sldId="261"/>
-            <ac:spMk id="18" creationId="{CF236821-17FE-429B-8D2C-08E13A64EA40}"/>
-          </ac:spMkLst>
-        </pc:spChg>
-        <pc:spChg chg="add del">
-          <ac:chgData name="Riihimäki, Johanna" userId="S::jopariih@jyu.fi::f06ad8bf-b251-424f-a727-84aaec4fba8d" providerId="AD" clId="Web-{E2B5C3F3-6A21-5FFA-74D2-B4EF3E4B32FE}" dt="2024-04-10T05:32:34.935" v="245"/>
-          <ac:spMkLst>
-            <pc:docMk/>
-            <pc:sldMk cId="3116678895" sldId="261"/>
-            <ac:spMk id="20" creationId="{C0BDBCD2-E081-43AB-9119-C55465E59757}"/>
-          </ac:spMkLst>
-        </pc:spChg>
-        <pc:spChg chg="add del">
-          <ac:chgData name="Riihimäki, Johanna" userId="S::jopariih@jyu.fi::f06ad8bf-b251-424f-a727-84aaec4fba8d" providerId="AD" clId="Web-{E2B5C3F3-6A21-5FFA-74D2-B4EF3E4B32FE}" dt="2024-04-10T05:32:34.935" v="245"/>
-          <ac:spMkLst>
-            <pc:docMk/>
-            <pc:sldMk cId="3116678895" sldId="261"/>
-            <ac:spMk id="22" creationId="{98E79BE4-34FE-485A-98A5-92CE8F7C4743}"/>
-          </ac:spMkLst>
-        </pc:spChg>
-        <pc:spChg chg="add del">
-          <ac:chgData name="Riihimäki, Johanna" userId="S::jopariih@jyu.fi::f06ad8bf-b251-424f-a727-84aaec4fba8d" providerId="AD" clId="Web-{E2B5C3F3-6A21-5FFA-74D2-B4EF3E4B32FE}" dt="2024-04-10T05:32:34.935" v="245"/>
-          <ac:spMkLst>
-            <pc:docMk/>
-            <pc:sldMk cId="3116678895" sldId="261"/>
-            <ac:spMk id="24" creationId="{7A5F0580-5EE9-419F-96EE-B6529EF6E7D0}"/>
-          </ac:spMkLst>
-        </pc:spChg>
-        <pc:spChg chg="add del">
-          <ac:chgData name="Riihimäki, Johanna" userId="S::jopariih@jyu.fi::f06ad8bf-b251-424f-a727-84aaec4fba8d" providerId="AD" clId="Web-{E2B5C3F3-6A21-5FFA-74D2-B4EF3E4B32FE}" dt="2024-04-10T05:32:27.106" v="238"/>
-          <ac:spMkLst>
-            <pc:docMk/>
-            <pc:sldMk cId="3116678895" sldId="261"/>
-            <ac:spMk id="29" creationId="{2C9A9DA9-7DC8-488B-A882-123947B0F3D9}"/>
-          </ac:spMkLst>
-        </pc:spChg>
-        <pc:spChg chg="add del">
-          <ac:chgData name="Riihimäki, Johanna" userId="S::jopariih@jyu.fi::f06ad8bf-b251-424f-a727-84aaec4fba8d" providerId="AD" clId="Web-{E2B5C3F3-6A21-5FFA-74D2-B4EF3E4B32FE}" dt="2024-04-10T05:32:27.106" v="238"/>
-          <ac:spMkLst>
-            <pc:docMk/>
-            <pc:sldMk cId="3116678895" sldId="261"/>
-            <ac:spMk id="31" creationId="{57F6BDD4-E066-4008-8011-6CC31AEB4556}"/>
-          </ac:spMkLst>
-        </pc:spChg>
-        <pc:spChg chg="add del">
-          <ac:chgData name="Riihimäki, Johanna" userId="S::jopariih@jyu.fi::f06ad8bf-b251-424f-a727-84aaec4fba8d" providerId="AD" clId="Web-{E2B5C3F3-6A21-5FFA-74D2-B4EF3E4B32FE}" dt="2024-04-10T05:32:27.106" v="238"/>
-          <ac:spMkLst>
-            <pc:docMk/>
-            <pc:sldMk cId="3116678895" sldId="261"/>
-            <ac:spMk id="33" creationId="{2711A8FB-68FC-45FC-B01E-38F809E2D439}"/>
-          </ac:spMkLst>
-        </pc:spChg>
-        <pc:spChg chg="add del">
-          <ac:chgData name="Riihimäki, Johanna" userId="S::jopariih@jyu.fi::f06ad8bf-b251-424f-a727-84aaec4fba8d" providerId="AD" clId="Web-{E2B5C3F3-6A21-5FFA-74D2-B4EF3E4B32FE}" dt="2024-04-10T05:32:27.106" v="238"/>
-          <ac:spMkLst>
-            <pc:docMk/>
-            <pc:sldMk cId="3116678895" sldId="261"/>
-            <ac:spMk id="35" creationId="{2A865FE3-5FC9-4049-87CF-30019C46C0F5}"/>
-          </ac:spMkLst>
-        </pc:spChg>
-        <pc:spChg chg="add del">
-          <ac:chgData name="Riihimäki, Johanna" userId="S::jopariih@jyu.fi::f06ad8bf-b251-424f-a727-84aaec4fba8d" providerId="AD" clId="Web-{E2B5C3F3-6A21-5FFA-74D2-B4EF3E4B32FE}" dt="2024-04-10T05:32:29.638" v="240"/>
-          <ac:spMkLst>
-            <pc:docMk/>
-            <pc:sldMk cId="3116678895" sldId="261"/>
-            <ac:spMk id="37" creationId="{0B9EE3F3-89B7-43C3-8651-C4C96830993D}"/>
-          </ac:spMkLst>
-        </pc:spChg>
-        <pc:spChg chg="add del">
-          <ac:chgData name="Riihimäki, Johanna" userId="S::jopariih@jyu.fi::f06ad8bf-b251-424f-a727-84aaec4fba8d" providerId="AD" clId="Web-{E2B5C3F3-6A21-5FFA-74D2-B4EF3E4B32FE}" dt="2024-04-10T05:32:29.638" v="240"/>
-          <ac:spMkLst>
-            <pc:docMk/>
-            <pc:sldMk cId="3116678895" sldId="261"/>
-            <ac:spMk id="38" creationId="{33AE4636-AEEC-45D6-84D4-7AC2DA48ECF8}"/>
-          </ac:spMkLst>
-        </pc:spChg>
-        <pc:spChg chg="add del">
-          <ac:chgData name="Riihimäki, Johanna" userId="S::jopariih@jyu.fi::f06ad8bf-b251-424f-a727-84aaec4fba8d" providerId="AD" clId="Web-{E2B5C3F3-6A21-5FFA-74D2-B4EF3E4B32FE}" dt="2024-04-10T05:32:29.638" v="240"/>
-          <ac:spMkLst>
-            <pc:docMk/>
-            <pc:sldMk cId="3116678895" sldId="261"/>
-            <ac:spMk id="39" creationId="{8D9CE0F4-2EB2-4F1F-8AAC-DB3571D9FE10}"/>
-          </ac:spMkLst>
-        </pc:spChg>
-        <pc:spChg chg="add del">
-          <ac:chgData name="Riihimäki, Johanna" userId="S::jopariih@jyu.fi::f06ad8bf-b251-424f-a727-84aaec4fba8d" providerId="AD" clId="Web-{E2B5C3F3-6A21-5FFA-74D2-B4EF3E4B32FE}" dt="2024-04-10T05:32:32.216" v="242"/>
-          <ac:spMkLst>
-            <pc:docMk/>
-            <pc:sldMk cId="3116678895" sldId="261"/>
-            <ac:spMk id="41" creationId="{A8908DB7-C3A6-4FCB-9820-CEE02B398C4A}"/>
-          </ac:spMkLst>
-        </pc:spChg>
-        <pc:spChg chg="add del">
-          <ac:chgData name="Riihimäki, Johanna" userId="S::jopariih@jyu.fi::f06ad8bf-b251-424f-a727-84aaec4fba8d" providerId="AD" clId="Web-{E2B5C3F3-6A21-5FFA-74D2-B4EF3E4B32FE}" dt="2024-04-10T05:32:32.216" v="242"/>
-          <ac:spMkLst>
-            <pc:docMk/>
-            <pc:sldMk cId="3116678895" sldId="261"/>
-            <ac:spMk id="42" creationId="{535742DD-1B16-4E9D-B715-0D74B4574A68}"/>
-          </ac:spMkLst>
-        </pc:spChg>
-        <pc:spChg chg="add del">
-          <ac:chgData name="Riihimäki, Johanna" userId="S::jopariih@jyu.fi::f06ad8bf-b251-424f-a727-84aaec4fba8d" providerId="AD" clId="Web-{E2B5C3F3-6A21-5FFA-74D2-B4EF3E4B32FE}" dt="2024-04-10T05:32:34.919" v="244"/>
-          <ac:spMkLst>
-            <pc:docMk/>
-            <pc:sldMk cId="3116678895" sldId="261"/>
-            <ac:spMk id="44" creationId="{0B9EE3F3-89B7-43C3-8651-C4C96830993D}"/>
-          </ac:spMkLst>
-        </pc:spChg>
-        <pc:spChg chg="add del">
-          <ac:chgData name="Riihimäki, Johanna" userId="S::jopariih@jyu.fi::f06ad8bf-b251-424f-a727-84aaec4fba8d" providerId="AD" clId="Web-{E2B5C3F3-6A21-5FFA-74D2-B4EF3E4B32FE}" dt="2024-04-10T05:32:34.919" v="244"/>
-          <ac:spMkLst>
-            <pc:docMk/>
-            <pc:sldMk cId="3116678895" sldId="261"/>
-            <ac:spMk id="45" creationId="{33AE4636-AEEC-45D6-84D4-7AC2DA48ECF8}"/>
-          </ac:spMkLst>
-        </pc:spChg>
-        <pc:spChg chg="add del">
-          <ac:chgData name="Riihimäki, Johanna" userId="S::jopariih@jyu.fi::f06ad8bf-b251-424f-a727-84aaec4fba8d" providerId="AD" clId="Web-{E2B5C3F3-6A21-5FFA-74D2-B4EF3E4B32FE}" dt="2024-04-10T05:32:34.919" v="244"/>
-          <ac:spMkLst>
-            <pc:docMk/>
-            <pc:sldMk cId="3116678895" sldId="261"/>
-            <ac:spMk id="46" creationId="{8D9CE0F4-2EB2-4F1F-8AAC-DB3571D9FE10}"/>
-          </ac:spMkLst>
-        </pc:spChg>
-        <pc:spChg chg="add del">
-          <ac:chgData name="Riihimäki, Johanna" userId="S::jopariih@jyu.fi::f06ad8bf-b251-424f-a727-84aaec4fba8d" providerId="AD" clId="Web-{E2B5C3F3-6A21-5FFA-74D2-B4EF3E4B32FE}" dt="2024-04-10T05:32:41.560" v="247"/>
-          <ac:spMkLst>
-            <pc:docMk/>
-            <pc:sldMk cId="3116678895" sldId="261"/>
-            <ac:spMk id="48" creationId="{0288C6B4-AFC3-407F-A595-EFFD38D4CCAF}"/>
-          </ac:spMkLst>
-        </pc:spChg>
-        <pc:spChg chg="add del">
-          <ac:chgData name="Riihimäki, Johanna" userId="S::jopariih@jyu.fi::f06ad8bf-b251-424f-a727-84aaec4fba8d" providerId="AD" clId="Web-{E2B5C3F3-6A21-5FFA-74D2-B4EF3E4B32FE}" dt="2024-04-10T05:32:41.560" v="247"/>
-          <ac:spMkLst>
-            <pc:docMk/>
-            <pc:sldMk cId="3116678895" sldId="261"/>
-            <ac:spMk id="49" creationId="{CF236821-17FE-429B-8D2C-08E13A64EA40}"/>
-          </ac:spMkLst>
-        </pc:spChg>
-        <pc:spChg chg="add del">
-          <ac:chgData name="Riihimäki, Johanna" userId="S::jopariih@jyu.fi::f06ad8bf-b251-424f-a727-84aaec4fba8d" providerId="AD" clId="Web-{E2B5C3F3-6A21-5FFA-74D2-B4EF3E4B32FE}" dt="2024-04-10T05:32:41.560" v="247"/>
-          <ac:spMkLst>
-            <pc:docMk/>
-            <pc:sldMk cId="3116678895" sldId="261"/>
-            <ac:spMk id="50" creationId="{C0BDBCD2-E081-43AB-9119-C55465E59757}"/>
-          </ac:spMkLst>
-        </pc:spChg>
-        <pc:spChg chg="add del">
-          <ac:chgData name="Riihimäki, Johanna" userId="S::jopariih@jyu.fi::f06ad8bf-b251-424f-a727-84aaec4fba8d" providerId="AD" clId="Web-{E2B5C3F3-6A21-5FFA-74D2-B4EF3E4B32FE}" dt="2024-04-10T05:32:41.560" v="247"/>
-          <ac:spMkLst>
-            <pc:docMk/>
-            <pc:sldMk cId="3116678895" sldId="261"/>
-            <ac:spMk id="51" creationId="{98E79BE4-34FE-485A-98A5-92CE8F7C4743}"/>
-          </ac:spMkLst>
-        </pc:spChg>
-        <pc:spChg chg="add del">
-          <ac:chgData name="Riihimäki, Johanna" userId="S::jopariih@jyu.fi::f06ad8bf-b251-424f-a727-84aaec4fba8d" providerId="AD" clId="Web-{E2B5C3F3-6A21-5FFA-74D2-B4EF3E4B32FE}" dt="2024-04-10T05:32:41.560" v="247"/>
-          <ac:spMkLst>
-            <pc:docMk/>
-            <pc:sldMk cId="3116678895" sldId="261"/>
-            <ac:spMk id="52" creationId="{7A5F0580-5EE9-419F-96EE-B6529EF6E7D0}"/>
-          </ac:spMkLst>
-        </pc:spChg>
-        <pc:spChg chg="add del">
-          <ac:chgData name="Riihimäki, Johanna" userId="S::jopariih@jyu.fi::f06ad8bf-b251-424f-a727-84aaec4fba8d" providerId="AD" clId="Web-{E2B5C3F3-6A21-5FFA-74D2-B4EF3E4B32FE}" dt="2024-04-10T05:32:52.951" v="249"/>
-          <ac:spMkLst>
-            <pc:docMk/>
-            <pc:sldMk cId="3116678895" sldId="261"/>
-            <ac:spMk id="57" creationId="{0B9EE3F3-89B7-43C3-8651-C4C96830993D}"/>
-          </ac:spMkLst>
-        </pc:spChg>
-        <pc:spChg chg="add del">
-          <ac:chgData name="Riihimäki, Johanna" userId="S::jopariih@jyu.fi::f06ad8bf-b251-424f-a727-84aaec4fba8d" providerId="AD" clId="Web-{E2B5C3F3-6A21-5FFA-74D2-B4EF3E4B32FE}" dt="2024-04-10T05:32:52.951" v="249"/>
-          <ac:spMkLst>
-            <pc:docMk/>
-            <pc:sldMk cId="3116678895" sldId="261"/>
-            <ac:spMk id="59" creationId="{33AE4636-AEEC-45D6-84D4-7AC2DA48ECF8}"/>
-          </ac:spMkLst>
-        </pc:spChg>
-        <pc:spChg chg="add del">
-          <ac:chgData name="Riihimäki, Johanna" userId="S::jopariih@jyu.fi::f06ad8bf-b251-424f-a727-84aaec4fba8d" providerId="AD" clId="Web-{E2B5C3F3-6A21-5FFA-74D2-B4EF3E4B32FE}" dt="2024-04-10T05:32:52.951" v="249"/>
-          <ac:spMkLst>
-            <pc:docMk/>
-            <pc:sldMk cId="3116678895" sldId="261"/>
-            <ac:spMk id="61" creationId="{8D9CE0F4-2EB2-4F1F-8AAC-DB3571D9FE10}"/>
-          </ac:spMkLst>
-        </pc:spChg>
-        <pc:spChg chg="add del">
-          <ac:chgData name="Riihimäki, Johanna" userId="S::jopariih@jyu.fi::f06ad8bf-b251-424f-a727-84aaec4fba8d" providerId="AD" clId="Web-{E2B5C3F3-6A21-5FFA-74D2-B4EF3E4B32FE}" dt="2024-04-10T05:57:45.956" v="1216"/>
-          <ac:spMkLst>
-            <pc:docMk/>
-            <pc:sldMk cId="3116678895" sldId="261"/>
-            <ac:spMk id="66" creationId="{2B97F24A-32CE-4C1C-A50D-3016B394DCFB}"/>
-          </ac:spMkLst>
-        </pc:spChg>
-        <pc:spChg chg="add del">
-          <ac:chgData name="Riihimäki, Johanna" userId="S::jopariih@jyu.fi::f06ad8bf-b251-424f-a727-84aaec4fba8d" providerId="AD" clId="Web-{E2B5C3F3-6A21-5FFA-74D2-B4EF3E4B32FE}" dt="2024-04-10T05:57:45.956" v="1216"/>
-          <ac:spMkLst>
-            <pc:docMk/>
-            <pc:sldMk cId="3116678895" sldId="261"/>
-            <ac:spMk id="68" creationId="{CD8B4F24-440B-49E9-B85D-733523DC064B}"/>
-          </ac:spMkLst>
-        </pc:spChg>
-        <pc:picChg chg="add del mod">
-          <ac:chgData name="Riihimäki, Johanna" userId="S::jopariih@jyu.fi::f06ad8bf-b251-424f-a727-84aaec4fba8d" providerId="AD" clId="Web-{E2B5C3F3-6A21-5FFA-74D2-B4EF3E4B32FE}" dt="2024-04-10T05:28:52.961" v="195"/>
-          <ac:picMkLst>
-            <pc:docMk/>
-            <pc:sldMk cId="3116678895" sldId="261"/>
-            <ac:picMk id="4" creationId="{BEE54C2E-96F2-1E79-BACA-D3C951F05D77}"/>
-          </ac:picMkLst>
-        </pc:picChg>
-        <pc:picChg chg="add del mod">
-          <ac:chgData name="Riihimäki, Johanna" userId="S::jopariih@jyu.fi::f06ad8bf-b251-424f-a727-84aaec4fba8d" providerId="AD" clId="Web-{E2B5C3F3-6A21-5FFA-74D2-B4EF3E4B32FE}" dt="2024-04-10T05:31:52.621" v="233"/>
-          <ac:picMkLst>
-            <pc:docMk/>
-            <pc:sldMk cId="3116678895" sldId="261"/>
-            <ac:picMk id="5" creationId="{FD64BB3A-BADA-594C-24C7-DBBD4FAAFC50}"/>
-          </ac:picMkLst>
-        </pc:picChg>
-        <pc:picChg chg="add mod">
-          <ac:chgData name="Riihimäki, Johanna" userId="S::jopariih@jyu.fi::f06ad8bf-b251-424f-a727-84aaec4fba8d" providerId="AD" clId="Web-{E2B5C3F3-6A21-5FFA-74D2-B4EF3E4B32FE}" dt="2024-04-10T06:06:50.797" v="1533" actId="1076"/>
-          <ac:picMkLst>
-            <pc:docMk/>
-            <pc:sldMk cId="3116678895" sldId="261"/>
-            <ac:picMk id="6" creationId="{661D9C16-B604-55CA-2B30-6F83D4590CDF}"/>
-          </ac:picMkLst>
-        </pc:picChg>
-      </pc:sldChg>
-      <pc:sldChg chg="modSp new mod ord modClrScheme chgLayout">
-        <pc:chgData name="Riihimäki, Johanna" userId="S::jopariih@jyu.fi::f06ad8bf-b251-424f-a727-84aaec4fba8d" providerId="AD" clId="Web-{E2B5C3F3-6A21-5FFA-74D2-B4EF3E4B32FE}" dt="2024-04-10T05:57:45.956" v="1216"/>
-        <pc:sldMkLst>
-          <pc:docMk/>
-          <pc:sldMk cId="3594638006" sldId="262"/>
-        </pc:sldMkLst>
-        <pc:spChg chg="mod ord">
-          <ac:chgData name="Riihimäki, Johanna" userId="S::jopariih@jyu.fi::f06ad8bf-b251-424f-a727-84aaec4fba8d" providerId="AD" clId="Web-{E2B5C3F3-6A21-5FFA-74D2-B4EF3E4B32FE}" dt="2024-04-10T05:57:45.956" v="1216"/>
-          <ac:spMkLst>
-            <pc:docMk/>
-            <pc:sldMk cId="3594638006" sldId="262"/>
-            <ac:spMk id="2" creationId="{D010584C-DBC3-0B03-1601-C693CD204DD2}"/>
-          </ac:spMkLst>
-        </pc:spChg>
-        <pc:spChg chg="mod ord">
-          <ac:chgData name="Riihimäki, Johanna" userId="S::jopariih@jyu.fi::f06ad8bf-b251-424f-a727-84aaec4fba8d" providerId="AD" clId="Web-{E2B5C3F3-6A21-5FFA-74D2-B4EF3E4B32FE}" dt="2024-04-10T05:57:45.956" v="1216"/>
-          <ac:spMkLst>
-            <pc:docMk/>
-            <pc:sldMk cId="3594638006" sldId="262"/>
-            <ac:spMk id="3" creationId="{16AEF29D-CC7E-64BE-5D33-C41370619029}"/>
-          </ac:spMkLst>
-        </pc:spChg>
-      </pc:sldChg>
-      <pc:sldChg chg="modSp new mod modClrScheme chgLayout">
-        <pc:chgData name="Riihimäki, Johanna" userId="S::jopariih@jyu.fi::f06ad8bf-b251-424f-a727-84aaec4fba8d" providerId="AD" clId="Web-{E2B5C3F3-6A21-5FFA-74D2-B4EF3E4B32FE}" dt="2024-04-10T05:57:45.956" v="1216"/>
-        <pc:sldMkLst>
-          <pc:docMk/>
-          <pc:sldMk cId="1732863363" sldId="263"/>
-        </pc:sldMkLst>
-        <pc:spChg chg="mod ord">
-          <ac:chgData name="Riihimäki, Johanna" userId="S::jopariih@jyu.fi::f06ad8bf-b251-424f-a727-84aaec4fba8d" providerId="AD" clId="Web-{E2B5C3F3-6A21-5FFA-74D2-B4EF3E4B32FE}" dt="2024-04-10T05:57:45.956" v="1216"/>
-          <ac:spMkLst>
-            <pc:docMk/>
-            <pc:sldMk cId="1732863363" sldId="263"/>
-            <ac:spMk id="2" creationId="{9D27FD30-3FE5-356F-D334-04EA15279315}"/>
-          </ac:spMkLst>
-        </pc:spChg>
-        <pc:spChg chg="mod ord">
-          <ac:chgData name="Riihimäki, Johanna" userId="S::jopariih@jyu.fi::f06ad8bf-b251-424f-a727-84aaec4fba8d" providerId="AD" clId="Web-{E2B5C3F3-6A21-5FFA-74D2-B4EF3E4B32FE}" dt="2024-04-10T05:57:45.956" v="1216"/>
-          <ac:spMkLst>
-            <pc:docMk/>
-            <pc:sldMk cId="1732863363" sldId="263"/>
-            <ac:spMk id="3" creationId="{97097577-6DDE-C60B-114D-E37EAD9C34BE}"/>
-          </ac:spMkLst>
-        </pc:spChg>
-      </pc:sldChg>
-      <pc:sldChg chg="addSp delSp modSp add mod replId modClrScheme delDesignElem chgLayout">
-        <pc:chgData name="Riihimäki, Johanna" userId="S::jopariih@jyu.fi::f06ad8bf-b251-424f-a727-84aaec4fba8d" providerId="AD" clId="Web-{E2B5C3F3-6A21-5FFA-74D2-B4EF3E4B32FE}" dt="2024-04-10T05:57:45.956" v="1216"/>
-        <pc:sldMkLst>
-          <pc:docMk/>
-          <pc:sldMk cId="830418775" sldId="264"/>
-        </pc:sldMkLst>
-        <pc:spChg chg="mod ord">
-          <ac:chgData name="Riihimäki, Johanna" userId="S::jopariih@jyu.fi::f06ad8bf-b251-424f-a727-84aaec4fba8d" providerId="AD" clId="Web-{E2B5C3F3-6A21-5FFA-74D2-B4EF3E4B32FE}" dt="2024-04-10T05:57:45.956" v="1216"/>
-          <ac:spMkLst>
-            <pc:docMk/>
-            <pc:sldMk cId="830418775" sldId="264"/>
-            <ac:spMk id="2" creationId="{871493D0-421A-731A-15F8-199F0756E2FB}"/>
-          </ac:spMkLst>
-        </pc:spChg>
-        <pc:spChg chg="mod ord">
-          <ac:chgData name="Riihimäki, Johanna" userId="S::jopariih@jyu.fi::f06ad8bf-b251-424f-a727-84aaec4fba8d" providerId="AD" clId="Web-{E2B5C3F3-6A21-5FFA-74D2-B4EF3E4B32FE}" dt="2024-04-10T05:57:45.956" v="1216"/>
-          <ac:spMkLst>
-            <pc:docMk/>
-            <pc:sldMk cId="830418775" sldId="264"/>
-            <ac:spMk id="3" creationId="{09F1A851-803D-339D-199F-94C9F38D2B70}"/>
-          </ac:spMkLst>
-        </pc:spChg>
-        <pc:spChg chg="add del">
-          <ac:chgData name="Riihimäki, Johanna" userId="S::jopariih@jyu.fi::f06ad8bf-b251-424f-a727-84aaec4fba8d" providerId="AD" clId="Web-{E2B5C3F3-6A21-5FFA-74D2-B4EF3E4B32FE}" dt="2024-04-10T05:57:45.956" v="1216"/>
-          <ac:spMkLst>
-            <pc:docMk/>
-            <pc:sldMk cId="830418775" sldId="264"/>
-            <ac:spMk id="66" creationId="{2B97F24A-32CE-4C1C-A50D-3016B394DCFB}"/>
-          </ac:spMkLst>
-        </pc:spChg>
-        <pc:spChg chg="add del">
-          <ac:chgData name="Riihimäki, Johanna" userId="S::jopariih@jyu.fi::f06ad8bf-b251-424f-a727-84aaec4fba8d" providerId="AD" clId="Web-{E2B5C3F3-6A21-5FFA-74D2-B4EF3E4B32FE}" dt="2024-04-10T05:57:45.956" v="1216"/>
-          <ac:spMkLst>
-            <pc:docMk/>
-            <pc:sldMk cId="830418775" sldId="264"/>
-            <ac:spMk id="68" creationId="{CD8B4F24-440B-49E9-B85D-733523DC064B}"/>
-          </ac:spMkLst>
-        </pc:spChg>
-        <pc:picChg chg="del">
-          <ac:chgData name="Riihimäki, Johanna" userId="S::jopariih@jyu.fi::f06ad8bf-b251-424f-a727-84aaec4fba8d" providerId="AD" clId="Web-{E2B5C3F3-6A21-5FFA-74D2-B4EF3E4B32FE}" dt="2024-04-10T05:53:59.122" v="429"/>
-          <ac:picMkLst>
-            <pc:docMk/>
-            <pc:sldMk cId="830418775" sldId="264"/>
-            <ac:picMk id="6" creationId="{661D9C16-B604-55CA-2B30-6F83D4590CDF}"/>
-          </ac:picMkLst>
-        </pc:picChg>
-      </pc:sldChg>
-      <pc:sldMasterChg chg="add del addSldLayout delSldLayout">
-        <pc:chgData name="Riihimäki, Johanna" userId="S::jopariih@jyu.fi::f06ad8bf-b251-424f-a727-84aaec4fba8d" providerId="AD" clId="Web-{E2B5C3F3-6A21-5FFA-74D2-B4EF3E4B32FE}" dt="2024-04-10T05:57:45.956" v="1216"/>
-        <pc:sldMasterMkLst>
-          <pc:docMk/>
-          <pc:sldMasterMk cId="2685460780" sldId="2147483648"/>
-        </pc:sldMasterMkLst>
-        <pc:sldLayoutChg chg="add del">
-          <pc:chgData name="Riihimäki, Johanna" userId="S::jopariih@jyu.fi::f06ad8bf-b251-424f-a727-84aaec4fba8d" providerId="AD" clId="Web-{E2B5C3F3-6A21-5FFA-74D2-B4EF3E4B32FE}" dt="2024-04-10T05:57:45.956" v="1216"/>
-          <pc:sldLayoutMkLst>
-            <pc:docMk/>
-            <pc:sldMasterMk cId="2685460780" sldId="2147483648"/>
-            <pc:sldLayoutMk cId="3939650435" sldId="2147483649"/>
-          </pc:sldLayoutMkLst>
-        </pc:sldLayoutChg>
-        <pc:sldLayoutChg chg="add del">
-          <pc:chgData name="Riihimäki, Johanna" userId="S::jopariih@jyu.fi::f06ad8bf-b251-424f-a727-84aaec4fba8d" providerId="AD" clId="Web-{E2B5C3F3-6A21-5FFA-74D2-B4EF3E4B32FE}" dt="2024-04-10T05:57:45.956" v="1216"/>
-          <pc:sldLayoutMkLst>
-            <pc:docMk/>
-            <pc:sldMasterMk cId="2685460780" sldId="2147483648"/>
-            <pc:sldLayoutMk cId="2914139155" sldId="2147483650"/>
-          </pc:sldLayoutMkLst>
-        </pc:sldLayoutChg>
-        <pc:sldLayoutChg chg="add del">
-          <pc:chgData name="Riihimäki, Johanna" userId="S::jopariih@jyu.fi::f06ad8bf-b251-424f-a727-84aaec4fba8d" providerId="AD" clId="Web-{E2B5C3F3-6A21-5FFA-74D2-B4EF3E4B32FE}" dt="2024-04-10T05:57:45.956" v="1216"/>
-          <pc:sldLayoutMkLst>
-            <pc:docMk/>
-            <pc:sldMasterMk cId="2685460780" sldId="2147483648"/>
-            <pc:sldLayoutMk cId="2984720434" sldId="2147483651"/>
-          </pc:sldLayoutMkLst>
-        </pc:sldLayoutChg>
-        <pc:sldLayoutChg chg="add del">
-          <pc:chgData name="Riihimäki, Johanna" userId="S::jopariih@jyu.fi::f06ad8bf-b251-424f-a727-84aaec4fba8d" providerId="AD" clId="Web-{E2B5C3F3-6A21-5FFA-74D2-B4EF3E4B32FE}" dt="2024-04-10T05:57:45.956" v="1216"/>
-          <pc:sldLayoutMkLst>
-            <pc:docMk/>
-            <pc:sldMasterMk cId="2685460780" sldId="2147483648"/>
-            <pc:sldLayoutMk cId="285717604" sldId="2147483652"/>
-          </pc:sldLayoutMkLst>
-        </pc:sldLayoutChg>
-        <pc:sldLayoutChg chg="add del">
-          <pc:chgData name="Riihimäki, Johanna" userId="S::jopariih@jyu.fi::f06ad8bf-b251-424f-a727-84aaec4fba8d" providerId="AD" clId="Web-{E2B5C3F3-6A21-5FFA-74D2-B4EF3E4B32FE}" dt="2024-04-10T05:57:45.956" v="1216"/>
-          <pc:sldLayoutMkLst>
-            <pc:docMk/>
-            <pc:sldMasterMk cId="2685460780" sldId="2147483648"/>
-            <pc:sldLayoutMk cId="1967997515" sldId="2147483653"/>
-          </pc:sldLayoutMkLst>
-        </pc:sldLayoutChg>
-        <pc:sldLayoutChg chg="add del">
-          <pc:chgData name="Riihimäki, Johanna" userId="S::jopariih@jyu.fi::f06ad8bf-b251-424f-a727-84aaec4fba8d" providerId="AD" clId="Web-{E2B5C3F3-6A21-5FFA-74D2-B4EF3E4B32FE}" dt="2024-04-10T05:57:45.956" v="1216"/>
-          <pc:sldLayoutMkLst>
-            <pc:docMk/>
-            <pc:sldMasterMk cId="2685460780" sldId="2147483648"/>
-            <pc:sldLayoutMk cId="3221632390" sldId="2147483654"/>
-          </pc:sldLayoutMkLst>
-        </pc:sldLayoutChg>
-        <pc:sldLayoutChg chg="add del">
-          <pc:chgData name="Riihimäki, Johanna" userId="S::jopariih@jyu.fi::f06ad8bf-b251-424f-a727-84aaec4fba8d" providerId="AD" clId="Web-{E2B5C3F3-6A21-5FFA-74D2-B4EF3E4B32FE}" dt="2024-04-10T05:57:45.956" v="1216"/>
-          <pc:sldLayoutMkLst>
-            <pc:docMk/>
-            <pc:sldMasterMk cId="2685460780" sldId="2147483648"/>
-            <pc:sldLayoutMk cId="2333974260" sldId="2147483655"/>
-          </pc:sldLayoutMkLst>
-        </pc:sldLayoutChg>
-        <pc:sldLayoutChg chg="add del">
-          <pc:chgData name="Riihimäki, Johanna" userId="S::jopariih@jyu.fi::f06ad8bf-b251-424f-a727-84aaec4fba8d" providerId="AD" clId="Web-{E2B5C3F3-6A21-5FFA-74D2-B4EF3E4B32FE}" dt="2024-04-10T05:57:45.956" v="1216"/>
-          <pc:sldLayoutMkLst>
-            <pc:docMk/>
-            <pc:sldMasterMk cId="2685460780" sldId="2147483648"/>
-            <pc:sldLayoutMk cId="3708739623" sldId="2147483656"/>
-          </pc:sldLayoutMkLst>
-        </pc:sldLayoutChg>
-        <pc:sldLayoutChg chg="add del">
-          <pc:chgData name="Riihimäki, Johanna" userId="S::jopariih@jyu.fi::f06ad8bf-b251-424f-a727-84aaec4fba8d" providerId="AD" clId="Web-{E2B5C3F3-6A21-5FFA-74D2-B4EF3E4B32FE}" dt="2024-04-10T05:57:45.956" v="1216"/>
-          <pc:sldLayoutMkLst>
-            <pc:docMk/>
-            <pc:sldMasterMk cId="2685460780" sldId="2147483648"/>
-            <pc:sldLayoutMk cId="2895062710" sldId="2147483657"/>
-          </pc:sldLayoutMkLst>
-        </pc:sldLayoutChg>
-        <pc:sldLayoutChg chg="add del">
-          <pc:chgData name="Riihimäki, Johanna" userId="S::jopariih@jyu.fi::f06ad8bf-b251-424f-a727-84aaec4fba8d" providerId="AD" clId="Web-{E2B5C3F3-6A21-5FFA-74D2-B4EF3E4B32FE}" dt="2024-04-10T05:57:45.956" v="1216"/>
-          <pc:sldLayoutMkLst>
-            <pc:docMk/>
-            <pc:sldMasterMk cId="2685460780" sldId="2147483648"/>
-            <pc:sldLayoutMk cId="1408259005" sldId="2147483658"/>
-          </pc:sldLayoutMkLst>
-        </pc:sldLayoutChg>
-        <pc:sldLayoutChg chg="add del">
-          <pc:chgData name="Riihimäki, Johanna" userId="S::jopariih@jyu.fi::f06ad8bf-b251-424f-a727-84aaec4fba8d" providerId="AD" clId="Web-{E2B5C3F3-6A21-5FFA-74D2-B4EF3E4B32FE}" dt="2024-04-10T05:57:45.956" v="1216"/>
-          <pc:sldLayoutMkLst>
-            <pc:docMk/>
-            <pc:sldMasterMk cId="2685460780" sldId="2147483648"/>
-            <pc:sldLayoutMk cId="2239792720" sldId="2147483659"/>
-          </pc:sldLayoutMkLst>
-        </pc:sldLayoutChg>
-      </pc:sldMasterChg>
-      <pc:sldMasterChg chg="add addSldLayout modSldLayout">
-        <pc:chgData name="Riihimäki, Johanna" userId="S::jopariih@jyu.fi::f06ad8bf-b251-424f-a727-84aaec4fba8d" providerId="AD" clId="Web-{E2B5C3F3-6A21-5FFA-74D2-B4EF3E4B32FE}" dt="2024-04-10T05:57:45.956" v="1216"/>
-        <pc:sldMasterMkLst>
-          <pc:docMk/>
-          <pc:sldMasterMk cId="777485583" sldId="2147483660"/>
-        </pc:sldMasterMkLst>
-        <pc:sldLayoutChg chg="add mod replId">
-          <pc:chgData name="Riihimäki, Johanna" userId="S::jopariih@jyu.fi::f06ad8bf-b251-424f-a727-84aaec4fba8d" providerId="AD" clId="Web-{E2B5C3F3-6A21-5FFA-74D2-B4EF3E4B32FE}" dt="2024-04-10T05:57:45.956" v="1216"/>
-          <pc:sldLayoutMkLst>
-            <pc:docMk/>
-            <pc:sldMasterMk cId="777485583" sldId="2147483660"/>
-            <pc:sldLayoutMk cId="4231511172" sldId="2147483661"/>
-          </pc:sldLayoutMkLst>
-        </pc:sldLayoutChg>
-        <pc:sldLayoutChg chg="add mod replId">
-          <pc:chgData name="Riihimäki, Johanna" userId="S::jopariih@jyu.fi::f06ad8bf-b251-424f-a727-84aaec4fba8d" providerId="AD" clId="Web-{E2B5C3F3-6A21-5FFA-74D2-B4EF3E4B32FE}" dt="2024-04-10T05:57:45.956" v="1216"/>
-          <pc:sldLayoutMkLst>
-            <pc:docMk/>
-            <pc:sldMasterMk cId="777485583" sldId="2147483660"/>
-            <pc:sldLayoutMk cId="3986243442" sldId="2147483662"/>
-          </pc:sldLayoutMkLst>
-        </pc:sldLayoutChg>
-        <pc:sldLayoutChg chg="add mod replId">
-          <pc:chgData name="Riihimäki, Johanna" userId="S::jopariih@jyu.fi::f06ad8bf-b251-424f-a727-84aaec4fba8d" providerId="AD" clId="Web-{E2B5C3F3-6A21-5FFA-74D2-B4EF3E4B32FE}" dt="2024-04-10T05:57:45.956" v="1216"/>
-          <pc:sldLayoutMkLst>
-            <pc:docMk/>
-            <pc:sldMasterMk cId="777485583" sldId="2147483660"/>
-            <pc:sldLayoutMk cId="2274769685" sldId="2147483663"/>
-          </pc:sldLayoutMkLst>
-        </pc:sldLayoutChg>
-        <pc:sldLayoutChg chg="add mod replId">
-          <pc:chgData name="Riihimäki, Johanna" userId="S::jopariih@jyu.fi::f06ad8bf-b251-424f-a727-84aaec4fba8d" providerId="AD" clId="Web-{E2B5C3F3-6A21-5FFA-74D2-B4EF3E4B32FE}" dt="2024-04-10T05:57:45.956" v="1216"/>
-          <pc:sldLayoutMkLst>
-            <pc:docMk/>
-            <pc:sldMasterMk cId="777485583" sldId="2147483660"/>
-            <pc:sldLayoutMk cId="2844695321" sldId="2147483664"/>
-          </pc:sldLayoutMkLst>
-        </pc:sldLayoutChg>
-        <pc:sldLayoutChg chg="add mod replId">
-          <pc:chgData name="Riihimäki, Johanna" userId="S::jopariih@jyu.fi::f06ad8bf-b251-424f-a727-84aaec4fba8d" providerId="AD" clId="Web-{E2B5C3F3-6A21-5FFA-74D2-B4EF3E4B32FE}" dt="2024-04-10T05:57:45.956" v="1216"/>
-          <pc:sldLayoutMkLst>
-            <pc:docMk/>
-            <pc:sldMasterMk cId="777485583" sldId="2147483660"/>
-            <pc:sldLayoutMk cId="3001545152" sldId="2147483665"/>
-          </pc:sldLayoutMkLst>
-        </pc:sldLayoutChg>
-        <pc:sldLayoutChg chg="add mod replId">
-          <pc:chgData name="Riihimäki, Johanna" userId="S::jopariih@jyu.fi::f06ad8bf-b251-424f-a727-84aaec4fba8d" providerId="AD" clId="Web-{E2B5C3F3-6A21-5FFA-74D2-B4EF3E4B32FE}" dt="2024-04-10T05:57:45.956" v="1216"/>
-          <pc:sldLayoutMkLst>
-            <pc:docMk/>
-            <pc:sldMasterMk cId="777485583" sldId="2147483660"/>
-            <pc:sldLayoutMk cId="1009404726" sldId="2147483666"/>
-          </pc:sldLayoutMkLst>
-        </pc:sldLayoutChg>
-        <pc:sldLayoutChg chg="add mod replId">
-          <pc:chgData name="Riihimäki, Johanna" userId="S::jopariih@jyu.fi::f06ad8bf-b251-424f-a727-84aaec4fba8d" providerId="AD" clId="Web-{E2B5C3F3-6A21-5FFA-74D2-B4EF3E4B32FE}" dt="2024-04-10T05:57:45.956" v="1216"/>
-          <pc:sldLayoutMkLst>
-            <pc:docMk/>
-            <pc:sldMasterMk cId="777485583" sldId="2147483660"/>
-            <pc:sldLayoutMk cId="869668647" sldId="2147483667"/>
-          </pc:sldLayoutMkLst>
-        </pc:sldLayoutChg>
-        <pc:sldLayoutChg chg="add mod replId">
-          <pc:chgData name="Riihimäki, Johanna" userId="S::jopariih@jyu.fi::f06ad8bf-b251-424f-a727-84aaec4fba8d" providerId="AD" clId="Web-{E2B5C3F3-6A21-5FFA-74D2-B4EF3E4B32FE}" dt="2024-04-10T05:57:45.956" v="1216"/>
-          <pc:sldLayoutMkLst>
-            <pc:docMk/>
-            <pc:sldMasterMk cId="777485583" sldId="2147483660"/>
-            <pc:sldLayoutMk cId="4156882223" sldId="2147483668"/>
-          </pc:sldLayoutMkLst>
-        </pc:sldLayoutChg>
-        <pc:sldLayoutChg chg="add mod replId">
-          <pc:chgData name="Riihimäki, Johanna" userId="S::jopariih@jyu.fi::f06ad8bf-b251-424f-a727-84aaec4fba8d" providerId="AD" clId="Web-{E2B5C3F3-6A21-5FFA-74D2-B4EF3E4B32FE}" dt="2024-04-10T05:57:45.956" v="1216"/>
-          <pc:sldLayoutMkLst>
-            <pc:docMk/>
-            <pc:sldMasterMk cId="777485583" sldId="2147483660"/>
-            <pc:sldLayoutMk cId="1908275589" sldId="2147483669"/>
-          </pc:sldLayoutMkLst>
-        </pc:sldLayoutChg>
-        <pc:sldLayoutChg chg="add mod replId">
-          <pc:chgData name="Riihimäki, Johanna" userId="S::jopariih@jyu.fi::f06ad8bf-b251-424f-a727-84aaec4fba8d" providerId="AD" clId="Web-{E2B5C3F3-6A21-5FFA-74D2-B4EF3E4B32FE}" dt="2024-04-10T05:57:45.956" v="1216"/>
-          <pc:sldLayoutMkLst>
-            <pc:docMk/>
-            <pc:sldMasterMk cId="777485583" sldId="2147483660"/>
-            <pc:sldLayoutMk cId="3621225239" sldId="2147483670"/>
-          </pc:sldLayoutMkLst>
-        </pc:sldLayoutChg>
-        <pc:sldLayoutChg chg="add mod replId">
-          <pc:chgData name="Riihimäki, Johanna" userId="S::jopariih@jyu.fi::f06ad8bf-b251-424f-a727-84aaec4fba8d" providerId="AD" clId="Web-{E2B5C3F3-6A21-5FFA-74D2-B4EF3E4B32FE}" dt="2024-04-10T05:57:45.956" v="1216"/>
-          <pc:sldLayoutMkLst>
-            <pc:docMk/>
-            <pc:sldMasterMk cId="777485583" sldId="2147483660"/>
-            <pc:sldLayoutMk cId="2667323727" sldId="2147483671"/>
-          </pc:sldLayoutMkLst>
-        </pc:sldLayoutChg>
-      </pc:sldMasterChg>
-      <pc:sldMasterChg chg="add del addSldLayout delSldLayout modSldLayout">
-        <pc:chgData name="Riihimäki, Johanna" userId="S::jopariih@jyu.fi::f06ad8bf-b251-424f-a727-84aaec4fba8d" providerId="AD" clId="Web-{E2B5C3F3-6A21-5FFA-74D2-B4EF3E4B32FE}" dt="2024-04-10T05:57:32.502" v="703"/>
-        <pc:sldMasterMkLst>
-          <pc:docMk/>
-          <pc:sldMasterMk cId="2093472072" sldId="2147483660"/>
-        </pc:sldMasterMkLst>
-        <pc:sldLayoutChg chg="add del mod replId">
-          <pc:chgData name="Riihimäki, Johanna" userId="S::jopariih@jyu.fi::f06ad8bf-b251-424f-a727-84aaec4fba8d" providerId="AD" clId="Web-{E2B5C3F3-6A21-5FFA-74D2-B4EF3E4B32FE}" dt="2024-04-10T05:57:32.502" v="703"/>
-          <pc:sldLayoutMkLst>
-            <pc:docMk/>
-            <pc:sldMasterMk cId="2093472072" sldId="2147483660"/>
-            <pc:sldLayoutMk cId="3206537318" sldId="2147483661"/>
-          </pc:sldLayoutMkLst>
-        </pc:sldLayoutChg>
-        <pc:sldLayoutChg chg="add del mod replId">
-          <pc:chgData name="Riihimäki, Johanna" userId="S::jopariih@jyu.fi::f06ad8bf-b251-424f-a727-84aaec4fba8d" providerId="AD" clId="Web-{E2B5C3F3-6A21-5FFA-74D2-B4EF3E4B32FE}" dt="2024-04-10T05:57:32.502" v="703"/>
-          <pc:sldLayoutMkLst>
-            <pc:docMk/>
-            <pc:sldMasterMk cId="2093472072" sldId="2147483660"/>
-            <pc:sldLayoutMk cId="1372092966" sldId="2147483662"/>
-          </pc:sldLayoutMkLst>
-        </pc:sldLayoutChg>
-        <pc:sldLayoutChg chg="add del mod replId">
-          <pc:chgData name="Riihimäki, Johanna" userId="S::jopariih@jyu.fi::f06ad8bf-b251-424f-a727-84aaec4fba8d" providerId="AD" clId="Web-{E2B5C3F3-6A21-5FFA-74D2-B4EF3E4B32FE}" dt="2024-04-10T05:57:32.502" v="703"/>
-          <pc:sldLayoutMkLst>
-            <pc:docMk/>
-            <pc:sldMasterMk cId="2093472072" sldId="2147483660"/>
-            <pc:sldLayoutMk cId="2901315582" sldId="2147483663"/>
-          </pc:sldLayoutMkLst>
-        </pc:sldLayoutChg>
-        <pc:sldLayoutChg chg="add del mod replId">
-          <pc:chgData name="Riihimäki, Johanna" userId="S::jopariih@jyu.fi::f06ad8bf-b251-424f-a727-84aaec4fba8d" providerId="AD" clId="Web-{E2B5C3F3-6A21-5FFA-74D2-B4EF3E4B32FE}" dt="2024-04-10T05:57:32.502" v="703"/>
-          <pc:sldLayoutMkLst>
-            <pc:docMk/>
-            <pc:sldMasterMk cId="2093472072" sldId="2147483660"/>
-            <pc:sldLayoutMk cId="1383653382" sldId="2147483664"/>
-          </pc:sldLayoutMkLst>
-        </pc:sldLayoutChg>
-        <pc:sldLayoutChg chg="add del mod replId">
-          <pc:chgData name="Riihimäki, Johanna" userId="S::jopariih@jyu.fi::f06ad8bf-b251-424f-a727-84aaec4fba8d" providerId="AD" clId="Web-{E2B5C3F3-6A21-5FFA-74D2-B4EF3E4B32FE}" dt="2024-04-10T05:57:32.502" v="703"/>
-          <pc:sldLayoutMkLst>
-            <pc:docMk/>
-            <pc:sldMasterMk cId="2093472072" sldId="2147483660"/>
-            <pc:sldLayoutMk cId="2915382397" sldId="2147483665"/>
-          </pc:sldLayoutMkLst>
-        </pc:sldLayoutChg>
-        <pc:sldLayoutChg chg="add del mod replId">
-          <pc:chgData name="Riihimäki, Johanna" userId="S::jopariih@jyu.fi::f06ad8bf-b251-424f-a727-84aaec4fba8d" providerId="AD" clId="Web-{E2B5C3F3-6A21-5FFA-74D2-B4EF3E4B32FE}" dt="2024-04-10T05:57:32.502" v="703"/>
-          <pc:sldLayoutMkLst>
-            <pc:docMk/>
-            <pc:sldMasterMk cId="2093472072" sldId="2147483660"/>
-            <pc:sldLayoutMk cId="1591528710" sldId="2147483666"/>
-          </pc:sldLayoutMkLst>
-        </pc:sldLayoutChg>
-        <pc:sldLayoutChg chg="add del mod replId">
-          <pc:chgData name="Riihimäki, Johanna" userId="S::jopariih@jyu.fi::f06ad8bf-b251-424f-a727-84aaec4fba8d" providerId="AD" clId="Web-{E2B5C3F3-6A21-5FFA-74D2-B4EF3E4B32FE}" dt="2024-04-10T05:57:32.502" v="703"/>
-          <pc:sldLayoutMkLst>
-            <pc:docMk/>
-            <pc:sldMasterMk cId="2093472072" sldId="2147483660"/>
-            <pc:sldLayoutMk cId="222235148" sldId="2147483667"/>
-          </pc:sldLayoutMkLst>
-        </pc:sldLayoutChg>
-        <pc:sldLayoutChg chg="add del mod replId">
-          <pc:chgData name="Riihimäki, Johanna" userId="S::jopariih@jyu.fi::f06ad8bf-b251-424f-a727-84aaec4fba8d" providerId="AD" clId="Web-{E2B5C3F3-6A21-5FFA-74D2-B4EF3E4B32FE}" dt="2024-04-10T05:57:32.502" v="703"/>
-          <pc:sldLayoutMkLst>
-            <pc:docMk/>
-            <pc:sldMasterMk cId="2093472072" sldId="2147483660"/>
-            <pc:sldLayoutMk cId="3909181443" sldId="2147483668"/>
-          </pc:sldLayoutMkLst>
-        </pc:sldLayoutChg>
-        <pc:sldLayoutChg chg="add del mod replId">
-          <pc:chgData name="Riihimäki, Johanna" userId="S::jopariih@jyu.fi::f06ad8bf-b251-424f-a727-84aaec4fba8d" providerId="AD" clId="Web-{E2B5C3F3-6A21-5FFA-74D2-B4EF3E4B32FE}" dt="2024-04-10T05:57:32.502" v="703"/>
-          <pc:sldLayoutMkLst>
-            <pc:docMk/>
-            <pc:sldMasterMk cId="2093472072" sldId="2147483660"/>
-            <pc:sldLayoutMk cId="867802297" sldId="2147483669"/>
-          </pc:sldLayoutMkLst>
-        </pc:sldLayoutChg>
-        <pc:sldLayoutChg chg="add del mod replId">
-          <pc:chgData name="Riihimäki, Johanna" userId="S::jopariih@jyu.fi::f06ad8bf-b251-424f-a727-84aaec4fba8d" providerId="AD" clId="Web-{E2B5C3F3-6A21-5FFA-74D2-B4EF3E4B32FE}" dt="2024-04-10T05:57:32.502" v="703"/>
-          <pc:sldLayoutMkLst>
-            <pc:docMk/>
-            <pc:sldMasterMk cId="2093472072" sldId="2147483660"/>
-            <pc:sldLayoutMk cId="229226257" sldId="2147483670"/>
-          </pc:sldLayoutMkLst>
-        </pc:sldLayoutChg>
-        <pc:sldLayoutChg chg="add del mod replId">
-          <pc:chgData name="Riihimäki, Johanna" userId="S::jopariih@jyu.fi::f06ad8bf-b251-424f-a727-84aaec4fba8d" providerId="AD" clId="Web-{E2B5C3F3-6A21-5FFA-74D2-B4EF3E4B32FE}" dt="2024-04-10T05:57:32.502" v="703"/>
-          <pc:sldLayoutMkLst>
-            <pc:docMk/>
-            <pc:sldMasterMk cId="2093472072" sldId="2147483660"/>
-            <pc:sldLayoutMk cId="2635114559" sldId="2147483671"/>
-          </pc:sldLayoutMkLst>
-        </pc:sldLayoutChg>
-      </pc:sldMasterChg>
     </pc:docChg>
   </pc:docChgLst>
 </pc:chgInfo>
@@ -5222,103 +5293,11 @@
           <a:p>
             <a:r>
               <a:rPr lang="en-GB" dirty="0"/>
-              <a:t>Does the compilation time affect the score?</a:t>
+              <a:t>Does the completion time affect the score?</a:t>
             </a:r>
           </a:p>
           <a:p>
             <a:endParaRPr lang="en-GB" dirty="0"/>
-          </a:p>
-        </p:txBody>
-      </p:sp>
-      <p:sp>
-        <p:nvSpPr>
-          <p:cNvPr id="4" name="TextBox 3">
-            <a:extLst>
-              <a:ext uri="{FF2B5EF4-FFF2-40B4-BE49-F238E27FC236}">
-                <a16:creationId xmlns:a16="http://schemas.microsoft.com/office/drawing/2014/main" id="{B4968B89-D53F-CA45-D195-19DB619FB6BF}"/>
-              </a:ext>
-            </a:extLst>
-          </p:cNvPr>
-          <p:cNvSpPr txBox="1"/>
-          <p:nvPr/>
-        </p:nvSpPr>
-        <p:spPr>
-          <a:xfrm>
-            <a:off x="6184490" y="3244334"/>
-            <a:ext cx="3470787" cy="369332"/>
-          </a:xfrm>
-          <a:prstGeom prst="rect">
-            <a:avLst/>
-          </a:prstGeom>
-          <a:noFill/>
-        </p:spPr>
-        <p:txBody>
-          <a:bodyPr wrap="square" rtlCol="0">
-            <a:spAutoFit/>
-          </a:bodyPr>
-          <a:lstStyle/>
-          <a:p>
-            <a:r>
-              <a:rPr lang="it-IT" dirty="0">
-                <a:solidFill>
-                  <a:srgbClr val="FF0000"/>
-                </a:solidFill>
-              </a:rPr>
-              <a:t>Do </a:t>
-            </a:r>
-            <a:r>
-              <a:rPr lang="it-IT" dirty="0" err="1">
-                <a:solidFill>
-                  <a:srgbClr val="FF0000"/>
-                </a:solidFill>
-              </a:rPr>
-              <a:t>you</a:t>
-            </a:r>
-            <a:r>
-              <a:rPr lang="it-IT" dirty="0">
-                <a:solidFill>
-                  <a:srgbClr val="FF0000"/>
-                </a:solidFill>
-              </a:rPr>
-              <a:t> </a:t>
-            </a:r>
-            <a:r>
-              <a:rPr lang="it-IT" dirty="0" err="1">
-                <a:solidFill>
-                  <a:srgbClr val="FF0000"/>
-                </a:solidFill>
-              </a:rPr>
-              <a:t>mean</a:t>
-            </a:r>
-            <a:r>
-              <a:rPr lang="it-IT" dirty="0">
-                <a:solidFill>
-                  <a:srgbClr val="FF0000"/>
-                </a:solidFill>
-              </a:rPr>
-              <a:t> </a:t>
-            </a:r>
-            <a:r>
-              <a:rPr lang="it-IT" dirty="0" err="1">
-                <a:solidFill>
-                  <a:srgbClr val="FF0000"/>
-                </a:solidFill>
-              </a:rPr>
-              <a:t>completion</a:t>
-            </a:r>
-            <a:r>
-              <a:rPr lang="it-IT" dirty="0">
-                <a:solidFill>
-                  <a:srgbClr val="FF0000"/>
-                </a:solidFill>
-              </a:rPr>
-              <a:t> time?</a:t>
-            </a:r>
-            <a:endParaRPr lang="en-GB" dirty="0">
-              <a:solidFill>
-                <a:srgbClr val="FF0000"/>
-              </a:solidFill>
-            </a:endParaRPr>
           </a:p>
         </p:txBody>
       </p:sp>
@@ -5556,13 +5535,13 @@
         </p:nvSpPr>
         <p:spPr>
           <a:xfrm>
-            <a:off x="630936" y="2168111"/>
-            <a:ext cx="3429000" cy="3410712"/>
+            <a:off x="630936" y="1453004"/>
+            <a:ext cx="3429000" cy="4172711"/>
           </a:xfrm>
         </p:spPr>
         <p:txBody>
           <a:bodyPr vert="horz" lIns="91440" tIns="45720" rIns="91440" bIns="45720" rtlCol="0" anchor="t">
-            <a:normAutofit fontScale="92500" lnSpcReduction="20000"/>
+            <a:normAutofit lnSpcReduction="10000"/>
           </a:bodyPr>
           <a:lstStyle/>
           <a:p>
@@ -5688,260 +5667,6 @@
               <a:rPr lang="en-GB" dirty="0"/>
               <a:t>Goal: predict the category of the score (classification)</a:t>
             </a:r>
-          </a:p>
-        </p:txBody>
-      </p:sp>
-      <p:sp>
-        <p:nvSpPr>
-          <p:cNvPr id="5" name="TextBox 4">
-            <a:extLst>
-              <a:ext uri="{FF2B5EF4-FFF2-40B4-BE49-F238E27FC236}">
-                <a16:creationId xmlns:a16="http://schemas.microsoft.com/office/drawing/2014/main" id="{076DF964-3FEA-F85B-A3F6-CF759A4A7F7C}"/>
-              </a:ext>
-            </a:extLst>
-          </p:cNvPr>
-          <p:cNvSpPr txBox="1"/>
-          <p:nvPr/>
-        </p:nvSpPr>
-        <p:spPr>
-          <a:xfrm>
-            <a:off x="630936" y="1285851"/>
-            <a:ext cx="7008187" cy="923330"/>
-          </a:xfrm>
-          <a:prstGeom prst="rect">
-            <a:avLst/>
-          </a:prstGeom>
-          <a:noFill/>
-        </p:spPr>
-        <p:txBody>
-          <a:bodyPr wrap="square" rtlCol="0">
-            <a:spAutoFit/>
-          </a:bodyPr>
-          <a:lstStyle/>
-          <a:p>
-            <a:r>
-              <a:rPr lang="it-IT" dirty="0" err="1">
-                <a:solidFill>
-                  <a:srgbClr val="FF0000"/>
-                </a:solidFill>
-              </a:rPr>
-              <a:t>Maybe</a:t>
-            </a:r>
-            <a:r>
-              <a:rPr lang="it-IT" dirty="0">
-                <a:solidFill>
-                  <a:srgbClr val="FF0000"/>
-                </a:solidFill>
-              </a:rPr>
-              <a:t> </a:t>
-            </a:r>
-            <a:r>
-              <a:rPr lang="it-IT" dirty="0" err="1">
-                <a:solidFill>
-                  <a:srgbClr val="FF0000"/>
-                </a:solidFill>
-              </a:rPr>
-              <a:t>mention</a:t>
-            </a:r>
-            <a:r>
-              <a:rPr lang="it-IT" dirty="0">
-                <a:solidFill>
-                  <a:srgbClr val="FF0000"/>
-                </a:solidFill>
-              </a:rPr>
-              <a:t> </a:t>
-            </a:r>
-            <a:r>
-              <a:rPr lang="it-IT" dirty="0" err="1">
-                <a:solidFill>
-                  <a:srgbClr val="FF0000"/>
-                </a:solidFill>
-              </a:rPr>
-              <a:t>that</a:t>
-            </a:r>
-            <a:r>
-              <a:rPr lang="it-IT" dirty="0">
-                <a:solidFill>
-                  <a:srgbClr val="FF0000"/>
-                </a:solidFill>
-              </a:rPr>
-              <a:t> </a:t>
-            </a:r>
-            <a:r>
-              <a:rPr lang="it-IT" dirty="0" err="1">
-                <a:solidFill>
-                  <a:srgbClr val="FF0000"/>
-                </a:solidFill>
-              </a:rPr>
-              <a:t>we</a:t>
-            </a:r>
-            <a:r>
-              <a:rPr lang="it-IT" dirty="0">
-                <a:solidFill>
-                  <a:srgbClr val="FF0000"/>
-                </a:solidFill>
-              </a:rPr>
-              <a:t> </a:t>
-            </a:r>
-            <a:r>
-              <a:rPr lang="it-IT" dirty="0" err="1">
-                <a:solidFill>
-                  <a:srgbClr val="FF0000"/>
-                </a:solidFill>
-              </a:rPr>
-              <a:t>did</a:t>
-            </a:r>
-            <a:r>
-              <a:rPr lang="it-IT" dirty="0">
-                <a:solidFill>
-                  <a:srgbClr val="FF0000"/>
-                </a:solidFill>
-              </a:rPr>
-              <a:t> </a:t>
-            </a:r>
-            <a:r>
-              <a:rPr lang="it-IT" dirty="0" err="1">
-                <a:solidFill>
-                  <a:srgbClr val="FF0000"/>
-                </a:solidFill>
-              </a:rPr>
-              <a:t>it</a:t>
-            </a:r>
-            <a:r>
-              <a:rPr lang="it-IT" dirty="0">
-                <a:solidFill>
-                  <a:srgbClr val="FF0000"/>
-                </a:solidFill>
-              </a:rPr>
-              <a:t> with </a:t>
-            </a:r>
-            <a:r>
-              <a:rPr lang="it-IT" dirty="0" err="1">
-                <a:solidFill>
-                  <a:srgbClr val="FF0000"/>
-                </a:solidFill>
-              </a:rPr>
-              <a:t>two</a:t>
-            </a:r>
-            <a:r>
-              <a:rPr lang="it-IT" dirty="0">
-                <a:solidFill>
-                  <a:srgbClr val="FF0000"/>
-                </a:solidFill>
-              </a:rPr>
-              <a:t> </a:t>
-            </a:r>
-            <a:r>
-              <a:rPr lang="it-IT" dirty="0" err="1">
-                <a:solidFill>
-                  <a:srgbClr val="FF0000"/>
-                </a:solidFill>
-              </a:rPr>
-              <a:t>different</a:t>
-            </a:r>
-            <a:r>
-              <a:rPr lang="it-IT" dirty="0">
-                <a:solidFill>
-                  <a:srgbClr val="FF0000"/>
-                </a:solidFill>
-              </a:rPr>
-              <a:t> </a:t>
-            </a:r>
-            <a:r>
-              <a:rPr lang="it-IT" dirty="0" err="1">
-                <a:solidFill>
-                  <a:srgbClr val="FF0000"/>
-                </a:solidFill>
-              </a:rPr>
-              <a:t>categorizations</a:t>
-            </a:r>
-            <a:r>
-              <a:rPr lang="it-IT" dirty="0">
-                <a:solidFill>
-                  <a:srgbClr val="FF0000"/>
-                </a:solidFill>
-              </a:rPr>
-              <a:t>? 0-3 and 0-5</a:t>
-            </a:r>
-          </a:p>
-          <a:p>
-            <a:r>
-              <a:rPr lang="it-IT" dirty="0">
-                <a:solidFill>
-                  <a:srgbClr val="FF0000"/>
-                </a:solidFill>
-              </a:rPr>
-              <a:t>(</a:t>
-            </a:r>
-            <a:r>
-              <a:rPr lang="it-IT" dirty="0" err="1">
-                <a:solidFill>
-                  <a:srgbClr val="FF0000"/>
-                </a:solidFill>
-              </a:rPr>
-              <a:t>also</a:t>
-            </a:r>
-            <a:r>
-              <a:rPr lang="it-IT" dirty="0">
-                <a:solidFill>
-                  <a:srgbClr val="FF0000"/>
-                </a:solidFill>
-              </a:rPr>
-              <a:t> can be </a:t>
-            </a:r>
-            <a:r>
-              <a:rPr lang="it-IT" dirty="0" err="1">
-                <a:solidFill>
-                  <a:srgbClr val="FF0000"/>
-                </a:solidFill>
-              </a:rPr>
-              <a:t>mentioned</a:t>
-            </a:r>
-            <a:r>
-              <a:rPr lang="it-IT" dirty="0">
-                <a:solidFill>
-                  <a:srgbClr val="FF0000"/>
-                </a:solidFill>
-              </a:rPr>
-              <a:t> just </a:t>
-            </a:r>
-            <a:r>
-              <a:rPr lang="it-IT" dirty="0" err="1">
-                <a:solidFill>
-                  <a:srgbClr val="FF0000"/>
-                </a:solidFill>
-              </a:rPr>
-              <a:t>when</a:t>
-            </a:r>
-            <a:r>
-              <a:rPr lang="it-IT" dirty="0">
-                <a:solidFill>
-                  <a:srgbClr val="FF0000"/>
-                </a:solidFill>
-              </a:rPr>
-              <a:t> </a:t>
-            </a:r>
-            <a:r>
-              <a:rPr lang="it-IT" dirty="0" err="1">
-                <a:solidFill>
-                  <a:srgbClr val="FF0000"/>
-                </a:solidFill>
-              </a:rPr>
-              <a:t>presenting</a:t>
-            </a:r>
-            <a:r>
-              <a:rPr lang="it-IT" dirty="0">
-                <a:solidFill>
-                  <a:srgbClr val="FF0000"/>
-                </a:solidFill>
-              </a:rPr>
-              <a:t>)</a:t>
-            </a:r>
-            <a:endParaRPr lang="en-GB" dirty="0">
-              <a:solidFill>
-                <a:srgbClr val="FF0000"/>
-              </a:solidFill>
-            </a:endParaRPr>
           </a:p>
         </p:txBody>
       </p:sp>
@@ -6577,16 +6302,8 @@
           <a:lstStyle/>
           <a:p>
             <a:r>
-              <a:rPr lang="en-US" dirty="0">
-                <a:solidFill>
-                  <a:srgbClr val="FF0000"/>
-                </a:solidFill>
-              </a:rPr>
-              <a:t>Compilation</a:t>
-            </a:r>
-            <a:r>
-              <a:rPr lang="en-US" dirty="0"/>
-              <a:t> time, number of active days and logs does have a significant effect on the score.</a:t>
+              <a:rPr lang="en-US" dirty="0"/>
+              <a:t>Compilation time, number of active days and logs does have a significant effect on the score.</a:t>
             </a:r>
           </a:p>
           <a:p>

--- a/edm-project.pptx
+++ b/edm-project.pptx
@@ -122,7 +122,7 @@
 <p1510:revInfo xmlns:a="http://schemas.openxmlformats.org/drawingml/2006/main" xmlns:r="http://schemas.openxmlformats.org/officeDocument/2006/relationships" xmlns:p1510="http://schemas.microsoft.com/office/powerpoint/2015/10/main">
   <p1510:revLst>
     <p1510:client id="{BD2E4B26-851C-1418-C40F-9E67C99D36EA}" v="66" dt="2024-04-10T12:37:04.942"/>
-    <p1510:client id="{D44E5873-CDAB-47DF-95E1-D784EB74AE2C}" v="7" dt="2024-04-10T10:56:30.114"/>
+    <p1510:client id="{D44E5873-CDAB-47DF-95E1-D784EB74AE2C}" v="155" dt="2024-04-10T15:41:05.139"/>
     <p1510:client id="{E2B5C3F3-6A21-5FFA-74D2-B4EF3E4B32FE}" v="1549" dt="2024-04-10T06:06:50.797"/>
   </p1510:revLst>
 </p1510:revInfo>
@@ -130,6 +130,511 @@
 
 <file path=ppt/changesInfos/changesInfo1.xml><?xml version="1.0" encoding="utf-8"?>
 <pc:chgInfo xmlns:a="http://schemas.openxmlformats.org/drawingml/2006/main" xmlns:r="http://schemas.openxmlformats.org/officeDocument/2006/relationships" xmlns:ac="http://schemas.microsoft.com/office/drawing/2013/main/command" xmlns:pc="http://schemas.microsoft.com/office/powerpoint/2013/main/command">
+  <pc:docChgLst>
+    <pc:chgData name="Giulia Ortolani" userId="d9212689-430e-4ee3-81b3-d947e43afdd0" providerId="ADAL" clId="{D44E5873-CDAB-47DF-95E1-D784EB74AE2C}"/>
+    <pc:docChg chg="undo custSel addSld delSld modSld sldOrd">
+      <pc:chgData name="Giulia Ortolani" userId="d9212689-430e-4ee3-81b3-d947e43afdd0" providerId="ADAL" clId="{D44E5873-CDAB-47DF-95E1-D784EB74AE2C}" dt="2024-04-10T15:41:51.985" v="1413" actId="9405"/>
+      <pc:docMkLst>
+        <pc:docMk/>
+      </pc:docMkLst>
+      <pc:sldChg chg="addSp modSp mod">
+        <pc:chgData name="Giulia Ortolani" userId="d9212689-430e-4ee3-81b3-d947e43afdd0" providerId="ADAL" clId="{D44E5873-CDAB-47DF-95E1-D784EB74AE2C}" dt="2024-04-10T10:56:05.614" v="1165" actId="1076"/>
+        <pc:sldMkLst>
+          <pc:docMk/>
+          <pc:sldMk cId="4159415826" sldId="258"/>
+        </pc:sldMkLst>
+        <pc:spChg chg="mod">
+          <ac:chgData name="Giulia Ortolani" userId="d9212689-430e-4ee3-81b3-d947e43afdd0" providerId="ADAL" clId="{D44E5873-CDAB-47DF-95E1-D784EB74AE2C}" dt="2024-04-10T10:54:25.852" v="1121" actId="6549"/>
+          <ac:spMkLst>
+            <pc:docMk/>
+            <pc:sldMk cId="4159415826" sldId="258"/>
+            <ac:spMk id="3" creationId="{D86CE192-4586-DB48-7AAA-2D9A164B5AAE}"/>
+          </ac:spMkLst>
+        </pc:spChg>
+        <pc:spChg chg="add mod">
+          <ac:chgData name="Giulia Ortolani" userId="d9212689-430e-4ee3-81b3-d947e43afdd0" providerId="ADAL" clId="{D44E5873-CDAB-47DF-95E1-D784EB74AE2C}" dt="2024-04-10T10:56:05.614" v="1165" actId="1076"/>
+          <ac:spMkLst>
+            <pc:docMk/>
+            <pc:sldMk cId="4159415826" sldId="258"/>
+            <ac:spMk id="4" creationId="{B4968B89-D53F-CA45-D195-19DB619FB6BF}"/>
+          </ac:spMkLst>
+        </pc:spChg>
+      </pc:sldChg>
+      <pc:sldChg chg="addSp modSp mod">
+        <pc:chgData name="Giulia Ortolani" userId="d9212689-430e-4ee3-81b3-d947e43afdd0" providerId="ADAL" clId="{D44E5873-CDAB-47DF-95E1-D784EB74AE2C}" dt="2024-04-10T06:59:38.417" v="233" actId="14100"/>
+        <pc:sldMkLst>
+          <pc:docMk/>
+          <pc:sldMk cId="426450475" sldId="259"/>
+        </pc:sldMkLst>
+        <pc:spChg chg="mod">
+          <ac:chgData name="Giulia Ortolani" userId="d9212689-430e-4ee3-81b3-d947e43afdd0" providerId="ADAL" clId="{D44E5873-CDAB-47DF-95E1-D784EB74AE2C}" dt="2024-04-10T06:59:30.128" v="230" actId="404"/>
+          <ac:spMkLst>
+            <pc:docMk/>
+            <pc:sldMk cId="426450475" sldId="259"/>
+            <ac:spMk id="6" creationId="{AFF3DB45-E302-4670-75B3-7AC4A64D2F66}"/>
+          </ac:spMkLst>
+        </pc:spChg>
+        <pc:spChg chg="add mod">
+          <ac:chgData name="Giulia Ortolani" userId="d9212689-430e-4ee3-81b3-d947e43afdd0" providerId="ADAL" clId="{D44E5873-CDAB-47DF-95E1-D784EB74AE2C}" dt="2024-04-09T19:20:45.188" v="222" actId="20577"/>
+          <ac:spMkLst>
+            <pc:docMk/>
+            <pc:sldMk cId="426450475" sldId="259"/>
+            <ac:spMk id="11" creationId="{F63174D4-1103-3DEA-DA32-C74599CDE2FC}"/>
+          </ac:spMkLst>
+        </pc:spChg>
+        <pc:picChg chg="mod">
+          <ac:chgData name="Giulia Ortolani" userId="d9212689-430e-4ee3-81b3-d947e43afdd0" providerId="ADAL" clId="{D44E5873-CDAB-47DF-95E1-D784EB74AE2C}" dt="2024-04-10T06:59:34.349" v="232" actId="1076"/>
+          <ac:picMkLst>
+            <pc:docMk/>
+            <pc:sldMk cId="426450475" sldId="259"/>
+            <ac:picMk id="8" creationId="{87DD2B49-E047-0A7D-2316-A4AB9881626B}"/>
+          </ac:picMkLst>
+        </pc:picChg>
+        <pc:picChg chg="add mod">
+          <ac:chgData name="Giulia Ortolani" userId="d9212689-430e-4ee3-81b3-d947e43afdd0" providerId="ADAL" clId="{D44E5873-CDAB-47DF-95E1-D784EB74AE2C}" dt="2024-04-10T06:59:38.417" v="233" actId="14100"/>
+          <ac:picMkLst>
+            <pc:docMk/>
+            <pc:sldMk cId="426450475" sldId="259"/>
+            <ac:picMk id="10" creationId="{70D134E1-AEAE-4AF8-ABE0-1A2A9AC7BC09}"/>
+          </ac:picMkLst>
+        </pc:picChg>
+      </pc:sldChg>
+      <pc:sldChg chg="modSp mod">
+        <pc:chgData name="Giulia Ortolani" userId="d9212689-430e-4ee3-81b3-d947e43afdd0" providerId="ADAL" clId="{D44E5873-CDAB-47DF-95E1-D784EB74AE2C}" dt="2024-04-10T07:00:59.294" v="269" actId="20577"/>
+        <pc:sldMkLst>
+          <pc:docMk/>
+          <pc:sldMk cId="827827499" sldId="260"/>
+        </pc:sldMkLst>
+        <pc:spChg chg="mod">
+          <ac:chgData name="Giulia Ortolani" userId="d9212689-430e-4ee3-81b3-d947e43afdd0" providerId="ADAL" clId="{D44E5873-CDAB-47DF-95E1-D784EB74AE2C}" dt="2024-04-09T19:17:59.207" v="16" actId="20577"/>
+          <ac:spMkLst>
+            <pc:docMk/>
+            <pc:sldMk cId="827827499" sldId="260"/>
+            <ac:spMk id="2" creationId="{F25E4AA6-F6AA-B07F-9246-03A6D22661F7}"/>
+          </ac:spMkLst>
+        </pc:spChg>
+        <pc:spChg chg="mod">
+          <ac:chgData name="Giulia Ortolani" userId="d9212689-430e-4ee3-81b3-d947e43afdd0" providerId="ADAL" clId="{D44E5873-CDAB-47DF-95E1-D784EB74AE2C}" dt="2024-04-10T07:00:59.294" v="269" actId="20577"/>
+          <ac:spMkLst>
+            <pc:docMk/>
+            <pc:sldMk cId="827827499" sldId="260"/>
+            <ac:spMk id="3" creationId="{251D08DA-1A0A-3DDF-8F26-1938022CF5CF}"/>
+          </ac:spMkLst>
+        </pc:spChg>
+      </pc:sldChg>
+      <pc:sldChg chg="addSp modSp new mod">
+        <pc:chgData name="Giulia Ortolani" userId="d9212689-430e-4ee3-81b3-d947e43afdd0" providerId="ADAL" clId="{D44E5873-CDAB-47DF-95E1-D784EB74AE2C}" dt="2024-04-10T10:53:31.638" v="1111" actId="14100"/>
+        <pc:sldMkLst>
+          <pc:docMk/>
+          <pc:sldMk cId="3116678895" sldId="261"/>
+        </pc:sldMkLst>
+        <pc:spChg chg="mod">
+          <ac:chgData name="Giulia Ortolani" userId="d9212689-430e-4ee3-81b3-d947e43afdd0" providerId="ADAL" clId="{D44E5873-CDAB-47DF-95E1-D784EB74AE2C}" dt="2024-04-10T07:01:05.551" v="270" actId="20577"/>
+          <ac:spMkLst>
+            <pc:docMk/>
+            <pc:sldMk cId="3116678895" sldId="261"/>
+            <ac:spMk id="2" creationId="{871493D0-421A-731A-15F8-199F0756E2FB}"/>
+          </ac:spMkLst>
+        </pc:spChg>
+        <pc:spChg chg="mod">
+          <ac:chgData name="Giulia Ortolani" userId="d9212689-430e-4ee3-81b3-d947e43afdd0" providerId="ADAL" clId="{D44E5873-CDAB-47DF-95E1-D784EB74AE2C}" dt="2024-04-10T07:04:30.856" v="359" actId="20577"/>
+          <ac:spMkLst>
+            <pc:docMk/>
+            <pc:sldMk cId="3116678895" sldId="261"/>
+            <ac:spMk id="3" creationId="{09F1A851-803D-339D-199F-94C9F38D2B70}"/>
+          </ac:spMkLst>
+        </pc:spChg>
+        <pc:spChg chg="add mod">
+          <ac:chgData name="Giulia Ortolani" userId="d9212689-430e-4ee3-81b3-d947e43afdd0" providerId="ADAL" clId="{D44E5873-CDAB-47DF-95E1-D784EB74AE2C}" dt="2024-04-10T10:46:53.480" v="604" actId="20577"/>
+          <ac:spMkLst>
+            <pc:docMk/>
+            <pc:sldMk cId="3116678895" sldId="261"/>
+            <ac:spMk id="4" creationId="{17334863-CDD8-3F84-F67C-632A9B1BE908}"/>
+          </ac:spMkLst>
+        </pc:spChg>
+        <pc:spChg chg="add mod">
+          <ac:chgData name="Giulia Ortolani" userId="d9212689-430e-4ee3-81b3-d947e43afdd0" providerId="ADAL" clId="{D44E5873-CDAB-47DF-95E1-D784EB74AE2C}" dt="2024-04-10T10:53:31.638" v="1111" actId="14100"/>
+          <ac:spMkLst>
+            <pc:docMk/>
+            <pc:sldMk cId="3116678895" sldId="261"/>
+            <ac:spMk id="5" creationId="{076DF964-3FEA-F85B-A3F6-CF759A4A7F7C}"/>
+          </ac:spMkLst>
+        </pc:spChg>
+      </pc:sldChg>
+      <pc:sldChg chg="del ord">
+        <pc:chgData name="Giulia Ortolani" userId="d9212689-430e-4ee3-81b3-d947e43afdd0" providerId="ADAL" clId="{D44E5873-CDAB-47DF-95E1-D784EB74AE2C}" dt="2024-04-10T07:07:31.665" v="502" actId="47"/>
+        <pc:sldMkLst>
+          <pc:docMk/>
+          <pc:sldMk cId="3594638006" sldId="262"/>
+        </pc:sldMkLst>
+      </pc:sldChg>
+      <pc:sldChg chg="addSp delSp modSp mod">
+        <pc:chgData name="Giulia Ortolani" userId="d9212689-430e-4ee3-81b3-d947e43afdd0" providerId="ADAL" clId="{D44E5873-CDAB-47DF-95E1-D784EB74AE2C}" dt="2024-04-10T10:56:43.166" v="1203" actId="207"/>
+        <pc:sldMkLst>
+          <pc:docMk/>
+          <pc:sldMk cId="1732863363" sldId="263"/>
+        </pc:sldMkLst>
+        <pc:spChg chg="mod">
+          <ac:chgData name="Giulia Ortolani" userId="d9212689-430e-4ee3-81b3-d947e43afdd0" providerId="ADAL" clId="{D44E5873-CDAB-47DF-95E1-D784EB74AE2C}" dt="2024-04-10T10:53:46.594" v="1118" actId="20577"/>
+          <ac:spMkLst>
+            <pc:docMk/>
+            <pc:sldMk cId="1732863363" sldId="263"/>
+            <ac:spMk id="2" creationId="{9D27FD30-3FE5-356F-D334-04EA15279315}"/>
+          </ac:spMkLst>
+        </pc:spChg>
+        <pc:spChg chg="mod">
+          <ac:chgData name="Giulia Ortolani" userId="d9212689-430e-4ee3-81b3-d947e43afdd0" providerId="ADAL" clId="{D44E5873-CDAB-47DF-95E1-D784EB74AE2C}" dt="2024-04-10T10:56:43.166" v="1203" actId="207"/>
+          <ac:spMkLst>
+            <pc:docMk/>
+            <pc:sldMk cId="1732863363" sldId="263"/>
+            <ac:spMk id="3" creationId="{97097577-6DDE-C60B-114D-E37EAD9C34BE}"/>
+          </ac:spMkLst>
+        </pc:spChg>
+        <pc:spChg chg="add del">
+          <ac:chgData name="Giulia Ortolani" userId="d9212689-430e-4ee3-81b3-d947e43afdd0" providerId="ADAL" clId="{D44E5873-CDAB-47DF-95E1-D784EB74AE2C}" dt="2024-04-10T10:54:32.910" v="1123" actId="22"/>
+          <ac:spMkLst>
+            <pc:docMk/>
+            <pc:sldMk cId="1732863363" sldId="263"/>
+            <ac:spMk id="5" creationId="{858D3829-0601-FCD5-B8E8-06890689B523}"/>
+          </ac:spMkLst>
+        </pc:spChg>
+        <pc:spChg chg="add del mod">
+          <ac:chgData name="Giulia Ortolani" userId="d9212689-430e-4ee3-81b3-d947e43afdd0" providerId="ADAL" clId="{D44E5873-CDAB-47DF-95E1-D784EB74AE2C}" dt="2024-04-10T10:56:40.576" v="1202" actId="478"/>
+          <ac:spMkLst>
+            <pc:docMk/>
+            <pc:sldMk cId="1732863363" sldId="263"/>
+            <ac:spMk id="6" creationId="{44B5EB35-B24B-1D6D-7842-15BF3904A7ED}"/>
+          </ac:spMkLst>
+        </pc:spChg>
+      </pc:sldChg>
+      <pc:sldChg chg="modSp del mod">
+        <pc:chgData name="Giulia Ortolani" userId="d9212689-430e-4ee3-81b3-d947e43afdd0" providerId="ADAL" clId="{D44E5873-CDAB-47DF-95E1-D784EB74AE2C}" dt="2024-04-10T07:02:06.197" v="279" actId="47"/>
+        <pc:sldMkLst>
+          <pc:docMk/>
+          <pc:sldMk cId="830418775" sldId="264"/>
+        </pc:sldMkLst>
+        <pc:spChg chg="mod">
+          <ac:chgData name="Giulia Ortolani" userId="d9212689-430e-4ee3-81b3-d947e43afdd0" providerId="ADAL" clId="{D44E5873-CDAB-47DF-95E1-D784EB74AE2C}" dt="2024-04-10T07:01:47.211" v="274" actId="14100"/>
+          <ac:spMkLst>
+            <pc:docMk/>
+            <pc:sldMk cId="830418775" sldId="264"/>
+            <ac:spMk id="2" creationId="{871493D0-421A-731A-15F8-199F0756E2FB}"/>
+          </ac:spMkLst>
+        </pc:spChg>
+        <pc:spChg chg="mod">
+          <ac:chgData name="Giulia Ortolani" userId="d9212689-430e-4ee3-81b3-d947e43afdd0" providerId="ADAL" clId="{D44E5873-CDAB-47DF-95E1-D784EB74AE2C}" dt="2024-04-10T07:02:02.968" v="277" actId="27636"/>
+          <ac:spMkLst>
+            <pc:docMk/>
+            <pc:sldMk cId="830418775" sldId="264"/>
+            <ac:spMk id="3" creationId="{09F1A851-803D-339D-199F-94C9F38D2B70}"/>
+          </ac:spMkLst>
+        </pc:spChg>
+      </pc:sldChg>
+      <pc:sldChg chg="addSp delSp modSp add mod setBg">
+        <pc:chgData name="Giulia Ortolani" userId="d9212689-430e-4ee3-81b3-d947e43afdd0" providerId="ADAL" clId="{D44E5873-CDAB-47DF-95E1-D784EB74AE2C}" dt="2024-04-10T15:41:51.985" v="1413" actId="9405"/>
+        <pc:sldMkLst>
+          <pc:docMk/>
+          <pc:sldMk cId="1315151638" sldId="265"/>
+        </pc:sldMkLst>
+        <pc:spChg chg="mod">
+          <ac:chgData name="Giulia Ortolani" userId="d9212689-430e-4ee3-81b3-d947e43afdd0" providerId="ADAL" clId="{D44E5873-CDAB-47DF-95E1-D784EB74AE2C}" dt="2024-04-10T07:02:16.529" v="291" actId="20577"/>
+          <ac:spMkLst>
+            <pc:docMk/>
+            <pc:sldMk cId="1315151638" sldId="265"/>
+            <ac:spMk id="2" creationId="{871493D0-421A-731A-15F8-199F0756E2FB}"/>
+          </ac:spMkLst>
+        </pc:spChg>
+        <pc:spChg chg="mod">
+          <ac:chgData name="Giulia Ortolani" userId="d9212689-430e-4ee3-81b3-d947e43afdd0" providerId="ADAL" clId="{D44E5873-CDAB-47DF-95E1-D784EB74AE2C}" dt="2024-04-10T07:06:20.117" v="489" actId="27636"/>
+          <ac:spMkLst>
+            <pc:docMk/>
+            <pc:sldMk cId="1315151638" sldId="265"/>
+            <ac:spMk id="3" creationId="{09F1A851-803D-339D-199F-94C9F38D2B70}"/>
+          </ac:spMkLst>
+        </pc:spChg>
+        <pc:spChg chg="add mod">
+          <ac:chgData name="Giulia Ortolani" userId="d9212689-430e-4ee3-81b3-d947e43afdd0" providerId="ADAL" clId="{D44E5873-CDAB-47DF-95E1-D784EB74AE2C}" dt="2024-04-10T15:41:05.139" v="1403" actId="6549"/>
+          <ac:spMkLst>
+            <pc:docMk/>
+            <pc:sldMk cId="1315151638" sldId="265"/>
+            <ac:spMk id="4" creationId="{03DA7C4A-A2FD-ABEC-A8BE-2C1A9A1671C2}"/>
+          </ac:spMkLst>
+        </pc:spChg>
+        <pc:spChg chg="add mod">
+          <ac:chgData name="Giulia Ortolani" userId="d9212689-430e-4ee3-81b3-d947e43afdd0" providerId="ADAL" clId="{D44E5873-CDAB-47DF-95E1-D784EB74AE2C}" dt="2024-04-10T10:47:02.560" v="605" actId="1076"/>
+          <ac:spMkLst>
+            <pc:docMk/>
+            <pc:sldMk cId="1315151638" sldId="265"/>
+            <ac:spMk id="5" creationId="{7F53CC1F-88DE-B27A-A652-86F6E887563E}"/>
+          </ac:spMkLst>
+        </pc:spChg>
+        <pc:spChg chg="add del">
+          <ac:chgData name="Giulia Ortolani" userId="d9212689-430e-4ee3-81b3-d947e43afdd0" providerId="ADAL" clId="{D44E5873-CDAB-47DF-95E1-D784EB74AE2C}" dt="2024-04-10T15:41:20.296" v="1409" actId="478"/>
+          <ac:spMkLst>
+            <pc:docMk/>
+            <pc:sldMk cId="1315151638" sldId="265"/>
+            <ac:spMk id="15" creationId="{0F9F62BA-0939-49B7-A9E4-017633DB489A}"/>
+          </ac:spMkLst>
+        </pc:spChg>
+        <pc:grpChg chg="add mod">
+          <ac:chgData name="Giulia Ortolani" userId="d9212689-430e-4ee3-81b3-d947e43afdd0" providerId="ADAL" clId="{D44E5873-CDAB-47DF-95E1-D784EB74AE2C}" dt="2024-04-10T07:07:05.749" v="500" actId="1076"/>
+          <ac:grpSpMkLst>
+            <pc:docMk/>
+            <pc:sldMk cId="1315151638" sldId="265"/>
+            <ac:grpSpMk id="21" creationId="{302BC75F-890D-6476-F8EC-C61B14C021FD}"/>
+          </ac:grpSpMkLst>
+        </pc:grpChg>
+        <pc:picChg chg="add del mod">
+          <ac:chgData name="Giulia Ortolani" userId="d9212689-430e-4ee3-81b3-d947e43afdd0" providerId="ADAL" clId="{D44E5873-CDAB-47DF-95E1-D784EB74AE2C}" dt="2024-04-10T07:03:21.413" v="310" actId="478"/>
+          <ac:picMkLst>
+            <pc:docMk/>
+            <pc:sldMk cId="1315151638" sldId="265"/>
+            <ac:picMk id="6" creationId="{661D9C16-B604-55CA-2B30-6F83D4590CDF}"/>
+          </ac:picMkLst>
+        </pc:picChg>
+        <pc:picChg chg="add del">
+          <ac:chgData name="Giulia Ortolani" userId="d9212689-430e-4ee3-81b3-d947e43afdd0" providerId="ADAL" clId="{D44E5873-CDAB-47DF-95E1-D784EB74AE2C}" dt="2024-04-10T07:03:14.181" v="308" actId="22"/>
+          <ac:picMkLst>
+            <pc:docMk/>
+            <pc:sldMk cId="1315151638" sldId="265"/>
+            <ac:picMk id="8" creationId="{D20EF277-7A54-8E4E-4638-D9088E30DA4C}"/>
+          </ac:picMkLst>
+        </pc:picChg>
+        <pc:picChg chg="add mod">
+          <ac:chgData name="Giulia Ortolani" userId="d9212689-430e-4ee3-81b3-d947e43afdd0" providerId="ADAL" clId="{D44E5873-CDAB-47DF-95E1-D784EB74AE2C}" dt="2024-04-10T07:06:56.006" v="498" actId="164"/>
+          <ac:picMkLst>
+            <pc:docMk/>
+            <pc:sldMk cId="1315151638" sldId="265"/>
+            <ac:picMk id="10" creationId="{BF3206CB-C183-5B99-1BFA-9D131C0A9783}"/>
+          </ac:picMkLst>
+        </pc:picChg>
+        <pc:picChg chg="add del mod modCrop">
+          <ac:chgData name="Giulia Ortolani" userId="d9212689-430e-4ee3-81b3-d947e43afdd0" providerId="ADAL" clId="{D44E5873-CDAB-47DF-95E1-D784EB74AE2C}" dt="2024-04-10T15:38:27.113" v="1335" actId="478"/>
+          <ac:picMkLst>
+            <pc:docMk/>
+            <pc:sldMk cId="1315151638" sldId="265"/>
+            <ac:picMk id="18" creationId="{DCAD6247-6847-5832-ED4D-0B13AC3B5832}"/>
+          </ac:picMkLst>
+        </pc:picChg>
+        <pc:picChg chg="add mod">
+          <ac:chgData name="Giulia Ortolani" userId="d9212689-430e-4ee3-81b3-d947e43afdd0" providerId="ADAL" clId="{D44E5873-CDAB-47DF-95E1-D784EB74AE2C}" dt="2024-04-10T07:07:11.416" v="501" actId="1076"/>
+          <ac:picMkLst>
+            <pc:docMk/>
+            <pc:sldMk cId="1315151638" sldId="265"/>
+            <ac:picMk id="20" creationId="{BABD3554-018B-B6CE-BFAB-CBD85E29D962}"/>
+          </ac:picMkLst>
+        </pc:picChg>
+        <pc:inkChg chg="add del">
+          <ac:chgData name="Giulia Ortolani" userId="d9212689-430e-4ee3-81b3-d947e43afdd0" providerId="ADAL" clId="{D44E5873-CDAB-47DF-95E1-D784EB74AE2C}" dt="2024-04-10T15:39:19.664" v="1374" actId="9405"/>
+          <ac:inkMkLst>
+            <pc:docMk/>
+            <pc:sldMk cId="1315151638" sldId="265"/>
+            <ac:inkMk id="6" creationId="{F1FCD45B-8A8A-00B8-8592-68C12456CF11}"/>
+          </ac:inkMkLst>
+        </pc:inkChg>
+        <pc:inkChg chg="add del">
+          <ac:chgData name="Giulia Ortolani" userId="d9212689-430e-4ee3-81b3-d947e43afdd0" providerId="ADAL" clId="{D44E5873-CDAB-47DF-95E1-D784EB74AE2C}" dt="2024-04-10T15:39:19.089" v="1373" actId="9405"/>
+          <ac:inkMkLst>
+            <pc:docMk/>
+            <pc:sldMk cId="1315151638" sldId="265"/>
+            <ac:inkMk id="7" creationId="{94AA6C40-090D-7041-CF83-D9865079FC25}"/>
+          </ac:inkMkLst>
+        </pc:inkChg>
+        <pc:inkChg chg="add del mod">
+          <ac:chgData name="Giulia Ortolani" userId="d9212689-430e-4ee3-81b3-d947e43afdd0" providerId="ADAL" clId="{D44E5873-CDAB-47DF-95E1-D784EB74AE2C}" dt="2024-04-10T15:41:14.548" v="1406" actId="478"/>
+          <ac:inkMkLst>
+            <pc:docMk/>
+            <pc:sldMk cId="1315151638" sldId="265"/>
+            <ac:inkMk id="8" creationId="{5F0B51C8-0CE8-6379-4AC4-750A04EBD9A2}"/>
+          </ac:inkMkLst>
+        </pc:inkChg>
+        <pc:inkChg chg="add del">
+          <ac:chgData name="Giulia Ortolani" userId="d9212689-430e-4ee3-81b3-d947e43afdd0" providerId="ADAL" clId="{D44E5873-CDAB-47DF-95E1-D784EB74AE2C}" dt="2024-04-10T15:39:30.851" v="1377" actId="9405"/>
+          <ac:inkMkLst>
+            <pc:docMk/>
+            <pc:sldMk cId="1315151638" sldId="265"/>
+            <ac:inkMk id="9" creationId="{3449243C-2DA5-EADE-E374-2898E207ED6A}"/>
+          </ac:inkMkLst>
+        </pc:inkChg>
+        <pc:inkChg chg="add mod">
+          <ac:chgData name="Giulia Ortolani" userId="d9212689-430e-4ee3-81b3-d947e43afdd0" providerId="ADAL" clId="{D44E5873-CDAB-47DF-95E1-D784EB74AE2C}" dt="2024-04-10T07:06:56.006" v="498" actId="164"/>
+          <ac:inkMkLst>
+            <pc:docMk/>
+            <pc:sldMk cId="1315151638" sldId="265"/>
+            <ac:inkMk id="11" creationId="{62300043-DB56-53B2-D8AB-4E197CAAB531}"/>
+          </ac:inkMkLst>
+        </pc:inkChg>
+        <pc:inkChg chg="add mod">
+          <ac:chgData name="Giulia Ortolani" userId="d9212689-430e-4ee3-81b3-d947e43afdd0" providerId="ADAL" clId="{D44E5873-CDAB-47DF-95E1-D784EB74AE2C}" dt="2024-04-10T07:06:56.006" v="498" actId="164"/>
+          <ac:inkMkLst>
+            <pc:docMk/>
+            <pc:sldMk cId="1315151638" sldId="265"/>
+            <ac:inkMk id="12" creationId="{82AA106E-4A04-47A3-D48D-81BACCC1B63C}"/>
+          </ac:inkMkLst>
+        </pc:inkChg>
+        <pc:inkChg chg="add mod">
+          <ac:chgData name="Giulia Ortolani" userId="d9212689-430e-4ee3-81b3-d947e43afdd0" providerId="ADAL" clId="{D44E5873-CDAB-47DF-95E1-D784EB74AE2C}" dt="2024-04-10T07:06:56.006" v="498" actId="164"/>
+          <ac:inkMkLst>
+            <pc:docMk/>
+            <pc:sldMk cId="1315151638" sldId="265"/>
+            <ac:inkMk id="13" creationId="{46747C8A-8EA5-60E2-078E-28B272BF39FC}"/>
+          </ac:inkMkLst>
+        </pc:inkChg>
+        <pc:inkChg chg="add mod">
+          <ac:chgData name="Giulia Ortolani" userId="d9212689-430e-4ee3-81b3-d947e43afdd0" providerId="ADAL" clId="{D44E5873-CDAB-47DF-95E1-D784EB74AE2C}" dt="2024-04-10T07:06:56.006" v="498" actId="164"/>
+          <ac:inkMkLst>
+            <pc:docMk/>
+            <pc:sldMk cId="1315151638" sldId="265"/>
+            <ac:inkMk id="14" creationId="{1C8A16F8-5AFA-F579-0257-E92286EBCB91}"/>
+          </ac:inkMkLst>
+        </pc:inkChg>
+        <pc:inkChg chg="add del">
+          <ac:chgData name="Giulia Ortolani" userId="d9212689-430e-4ee3-81b3-d947e43afdd0" providerId="ADAL" clId="{D44E5873-CDAB-47DF-95E1-D784EB74AE2C}" dt="2024-04-10T07:04:01.641" v="320" actId="9405"/>
+          <ac:inkMkLst>
+            <pc:docMk/>
+            <pc:sldMk cId="1315151638" sldId="265"/>
+            <ac:inkMk id="15" creationId="{7724BA2D-9D31-1BD5-E5BA-6CB7E1C5F992}"/>
+          </ac:inkMkLst>
+        </pc:inkChg>
+        <pc:inkChg chg="add del">
+          <ac:chgData name="Giulia Ortolani" userId="d9212689-430e-4ee3-81b3-d947e43afdd0" providerId="ADAL" clId="{D44E5873-CDAB-47DF-95E1-D784EB74AE2C}" dt="2024-04-10T15:39:36.926" v="1379" actId="9405"/>
+          <ac:inkMkLst>
+            <pc:docMk/>
+            <pc:sldMk cId="1315151638" sldId="265"/>
+            <ac:inkMk id="15" creationId="{F35F40FA-2843-7CA6-1825-E49162AF415D}"/>
+          </ac:inkMkLst>
+        </pc:inkChg>
+        <pc:inkChg chg="add mod">
+          <ac:chgData name="Giulia Ortolani" userId="d9212689-430e-4ee3-81b3-d947e43afdd0" providerId="ADAL" clId="{D44E5873-CDAB-47DF-95E1-D784EB74AE2C}" dt="2024-04-10T07:06:56.006" v="498" actId="164"/>
+          <ac:inkMkLst>
+            <pc:docMk/>
+            <pc:sldMk cId="1315151638" sldId="265"/>
+            <ac:inkMk id="16" creationId="{6BA8642A-ED0D-7AD6-CD6E-F4F0C8536829}"/>
+          </ac:inkMkLst>
+        </pc:inkChg>
+        <pc:inkChg chg="add del">
+          <ac:chgData name="Giulia Ortolani" userId="d9212689-430e-4ee3-81b3-d947e43afdd0" providerId="ADAL" clId="{D44E5873-CDAB-47DF-95E1-D784EB74AE2C}" dt="2024-04-10T15:39:42.300" v="1381" actId="9405"/>
+          <ac:inkMkLst>
+            <pc:docMk/>
+            <pc:sldMk cId="1315151638" sldId="265"/>
+            <ac:inkMk id="17" creationId="{487CFA3F-A2A1-EB48-45B7-49C59E8D8B85}"/>
+          </ac:inkMkLst>
+        </pc:inkChg>
+        <pc:inkChg chg="add del">
+          <ac:chgData name="Giulia Ortolani" userId="d9212689-430e-4ee3-81b3-d947e43afdd0" providerId="ADAL" clId="{D44E5873-CDAB-47DF-95E1-D784EB74AE2C}" dt="2024-04-10T15:39:46.259" v="1383" actId="9405"/>
+          <ac:inkMkLst>
+            <pc:docMk/>
+            <pc:sldMk cId="1315151638" sldId="265"/>
+            <ac:inkMk id="19" creationId="{AF4032C0-3B21-B83C-B89A-E966B6E99B57}"/>
+          </ac:inkMkLst>
+        </pc:inkChg>
+        <pc:inkChg chg="add del">
+          <ac:chgData name="Giulia Ortolani" userId="d9212689-430e-4ee3-81b3-d947e43afdd0" providerId="ADAL" clId="{D44E5873-CDAB-47DF-95E1-D784EB74AE2C}" dt="2024-04-10T15:39:51.351" v="1385" actId="9405"/>
+          <ac:inkMkLst>
+            <pc:docMk/>
+            <pc:sldMk cId="1315151638" sldId="265"/>
+            <ac:inkMk id="22" creationId="{8C21D23B-4FE3-6690-6867-A989FDAD9BB4}"/>
+          </ac:inkMkLst>
+        </pc:inkChg>
+        <pc:inkChg chg="add">
+          <ac:chgData name="Giulia Ortolani" userId="d9212689-430e-4ee3-81b3-d947e43afdd0" providerId="ADAL" clId="{D44E5873-CDAB-47DF-95E1-D784EB74AE2C}" dt="2024-04-10T15:39:55.107" v="1386" actId="9405"/>
+          <ac:inkMkLst>
+            <pc:docMk/>
+            <pc:sldMk cId="1315151638" sldId="265"/>
+            <ac:inkMk id="23" creationId="{0F3A30B4-61C5-BE6C-0659-95C024A777E4}"/>
+          </ac:inkMkLst>
+        </pc:inkChg>
+        <pc:inkChg chg="add del">
+          <ac:chgData name="Giulia Ortolani" userId="d9212689-430e-4ee3-81b3-d947e43afdd0" providerId="ADAL" clId="{D44E5873-CDAB-47DF-95E1-D784EB74AE2C}" dt="2024-04-10T15:41:16.231" v="1407" actId="478"/>
+          <ac:inkMkLst>
+            <pc:docMk/>
+            <pc:sldMk cId="1315151638" sldId="265"/>
+            <ac:inkMk id="24" creationId="{26267917-6A7E-2E3B-0566-DBF7536054EB}"/>
+          </ac:inkMkLst>
+        </pc:inkChg>
+        <pc:inkChg chg="add del">
+          <ac:chgData name="Giulia Ortolani" userId="d9212689-430e-4ee3-81b3-d947e43afdd0" providerId="ADAL" clId="{D44E5873-CDAB-47DF-95E1-D784EB74AE2C}" dt="2024-04-10T15:40:06.580" v="1389" actId="9405"/>
+          <ac:inkMkLst>
+            <pc:docMk/>
+            <pc:sldMk cId="1315151638" sldId="265"/>
+            <ac:inkMk id="25" creationId="{DA6DB16B-3C51-8307-02E2-8E534680A338}"/>
+          </ac:inkMkLst>
+        </pc:inkChg>
+        <pc:inkChg chg="add">
+          <ac:chgData name="Giulia Ortolani" userId="d9212689-430e-4ee3-81b3-d947e43afdd0" providerId="ADAL" clId="{D44E5873-CDAB-47DF-95E1-D784EB74AE2C}" dt="2024-04-10T15:40:09.915" v="1390" actId="9405"/>
+          <ac:inkMkLst>
+            <pc:docMk/>
+            <pc:sldMk cId="1315151638" sldId="265"/>
+            <ac:inkMk id="26" creationId="{F4FE1E0A-DA7F-0284-E2A4-589D7B39AD6D}"/>
+          </ac:inkMkLst>
+        </pc:inkChg>
+        <pc:inkChg chg="add del">
+          <ac:chgData name="Giulia Ortolani" userId="d9212689-430e-4ee3-81b3-d947e43afdd0" providerId="ADAL" clId="{D44E5873-CDAB-47DF-95E1-D784EB74AE2C}" dt="2024-04-10T15:41:19.912" v="1408" actId="34122"/>
+          <ac:inkMkLst>
+            <pc:docMk/>
+            <pc:sldMk cId="1315151638" sldId="265"/>
+            <ac:inkMk id="27" creationId="{F0E76511-EC58-71FB-AD90-381349427CA6}"/>
+          </ac:inkMkLst>
+        </pc:inkChg>
+        <pc:inkChg chg="add">
+          <ac:chgData name="Giulia Ortolani" userId="d9212689-430e-4ee3-81b3-d947e43afdd0" providerId="ADAL" clId="{D44E5873-CDAB-47DF-95E1-D784EB74AE2C}" dt="2024-04-10T15:40:20.385" v="1392" actId="9405"/>
+          <ac:inkMkLst>
+            <pc:docMk/>
+            <pc:sldMk cId="1315151638" sldId="265"/>
+            <ac:inkMk id="28" creationId="{4501DF3F-9708-04B3-24D5-05312126C9FA}"/>
+          </ac:inkMkLst>
+        </pc:inkChg>
+        <pc:inkChg chg="add del">
+          <ac:chgData name="Giulia Ortolani" userId="d9212689-430e-4ee3-81b3-d947e43afdd0" providerId="ADAL" clId="{D44E5873-CDAB-47DF-95E1-D784EB74AE2C}" dt="2024-04-10T15:41:12.074" v="1405" actId="478"/>
+          <ac:inkMkLst>
+            <pc:docMk/>
+            <pc:sldMk cId="1315151638" sldId="265"/>
+            <ac:inkMk id="29" creationId="{881F135F-BB63-CC97-438B-A8FF3A935604}"/>
+          </ac:inkMkLst>
+        </pc:inkChg>
+        <pc:inkChg chg="add">
+          <ac:chgData name="Giulia Ortolani" userId="d9212689-430e-4ee3-81b3-d947e43afdd0" providerId="ADAL" clId="{D44E5873-CDAB-47DF-95E1-D784EB74AE2C}" dt="2024-04-10T15:40:39.034" v="1394" actId="9405"/>
+          <ac:inkMkLst>
+            <pc:docMk/>
+            <pc:sldMk cId="1315151638" sldId="265"/>
+            <ac:inkMk id="30" creationId="{ABAFC698-B1E4-7926-9F53-266219C7C6B3}"/>
+          </ac:inkMkLst>
+        </pc:inkChg>
+        <pc:inkChg chg="add">
+          <ac:chgData name="Giulia Ortolani" userId="d9212689-430e-4ee3-81b3-d947e43afdd0" providerId="ADAL" clId="{D44E5873-CDAB-47DF-95E1-D784EB74AE2C}" dt="2024-04-10T15:41:30.471" v="1410" actId="9405"/>
+          <ac:inkMkLst>
+            <pc:docMk/>
+            <pc:sldMk cId="1315151638" sldId="265"/>
+            <ac:inkMk id="31" creationId="{EB37CC7D-6DDD-3C79-1CD4-51A8CB2BF582}"/>
+          </ac:inkMkLst>
+        </pc:inkChg>
+        <pc:inkChg chg="add">
+          <ac:chgData name="Giulia Ortolani" userId="d9212689-430e-4ee3-81b3-d947e43afdd0" providerId="ADAL" clId="{D44E5873-CDAB-47DF-95E1-D784EB74AE2C}" dt="2024-04-10T15:41:38.293" v="1411" actId="9405"/>
+          <ac:inkMkLst>
+            <pc:docMk/>
+            <pc:sldMk cId="1315151638" sldId="265"/>
+            <ac:inkMk id="32" creationId="{100F4497-24BE-E182-B23B-BB266CE278CB}"/>
+          </ac:inkMkLst>
+        </pc:inkChg>
+        <pc:inkChg chg="add">
+          <ac:chgData name="Giulia Ortolani" userId="d9212689-430e-4ee3-81b3-d947e43afdd0" providerId="ADAL" clId="{D44E5873-CDAB-47DF-95E1-D784EB74AE2C}" dt="2024-04-10T15:41:45.140" v="1412" actId="9405"/>
+          <ac:inkMkLst>
+            <pc:docMk/>
+            <pc:sldMk cId="1315151638" sldId="265"/>
+            <ac:inkMk id="33" creationId="{E2AE22B0-77AB-20F1-4FFB-E04CD30E3FDF}"/>
+          </ac:inkMkLst>
+        </pc:inkChg>
+        <pc:inkChg chg="add">
+          <ac:chgData name="Giulia Ortolani" userId="d9212689-430e-4ee3-81b3-d947e43afdd0" providerId="ADAL" clId="{D44E5873-CDAB-47DF-95E1-D784EB74AE2C}" dt="2024-04-10T15:41:51.985" v="1413" actId="9405"/>
+          <ac:inkMkLst>
+            <pc:docMk/>
+            <pc:sldMk cId="1315151638" sldId="265"/>
+            <ac:inkMk id="34" creationId="{367BF16E-A820-DC28-6732-AB715EE93630}"/>
+          </ac:inkMkLst>
+        </pc:inkChg>
+      </pc:sldChg>
+    </pc:docChg>
+  </pc:docChgLst>
   <pc:docChgLst>
     <pc:chgData name="Riihimäki, Johanna" userId="S::jopariih@jyu.fi::f06ad8bf-b251-424f-a727-84aaec4fba8d" providerId="AD" clId="Web-{E2B5C3F3-6A21-5FFA-74D2-B4EF3E4B32FE}"/>
     <pc:docChg chg="addSld delSld modSld sldOrd addMainMaster delMainMaster">
@@ -1002,335 +1507,6 @@
             <ac:spMk id="3" creationId="{97097577-6DDE-C60B-114D-E37EAD9C34BE}"/>
           </ac:spMkLst>
         </pc:spChg>
-      </pc:sldChg>
-    </pc:docChg>
-  </pc:docChgLst>
-  <pc:docChgLst>
-    <pc:chgData name="Giulia Ortolani" userId="d9212689-430e-4ee3-81b3-d947e43afdd0" providerId="ADAL" clId="{D44E5873-CDAB-47DF-95E1-D784EB74AE2C}"/>
-    <pc:docChg chg="undo custSel addSld delSld modSld sldOrd">
-      <pc:chgData name="Giulia Ortolani" userId="d9212689-430e-4ee3-81b3-d947e43afdd0" providerId="ADAL" clId="{D44E5873-CDAB-47DF-95E1-D784EB74AE2C}" dt="2024-04-10T10:56:43.166" v="1203" actId="207"/>
-      <pc:docMkLst>
-        <pc:docMk/>
-      </pc:docMkLst>
-      <pc:sldChg chg="addSp modSp mod">
-        <pc:chgData name="Giulia Ortolani" userId="d9212689-430e-4ee3-81b3-d947e43afdd0" providerId="ADAL" clId="{D44E5873-CDAB-47DF-95E1-D784EB74AE2C}" dt="2024-04-10T10:56:05.614" v="1165" actId="1076"/>
-        <pc:sldMkLst>
-          <pc:docMk/>
-          <pc:sldMk cId="4159415826" sldId="258"/>
-        </pc:sldMkLst>
-        <pc:spChg chg="mod">
-          <ac:chgData name="Giulia Ortolani" userId="d9212689-430e-4ee3-81b3-d947e43afdd0" providerId="ADAL" clId="{D44E5873-CDAB-47DF-95E1-D784EB74AE2C}" dt="2024-04-10T10:54:25.852" v="1121" actId="6549"/>
-          <ac:spMkLst>
-            <pc:docMk/>
-            <pc:sldMk cId="4159415826" sldId="258"/>
-            <ac:spMk id="3" creationId="{D86CE192-4586-DB48-7AAA-2D9A164B5AAE}"/>
-          </ac:spMkLst>
-        </pc:spChg>
-        <pc:spChg chg="add mod">
-          <ac:chgData name="Giulia Ortolani" userId="d9212689-430e-4ee3-81b3-d947e43afdd0" providerId="ADAL" clId="{D44E5873-CDAB-47DF-95E1-D784EB74AE2C}" dt="2024-04-10T10:56:05.614" v="1165" actId="1076"/>
-          <ac:spMkLst>
-            <pc:docMk/>
-            <pc:sldMk cId="4159415826" sldId="258"/>
-            <ac:spMk id="4" creationId="{B4968B89-D53F-CA45-D195-19DB619FB6BF}"/>
-          </ac:spMkLst>
-        </pc:spChg>
-      </pc:sldChg>
-      <pc:sldChg chg="addSp modSp mod">
-        <pc:chgData name="Giulia Ortolani" userId="d9212689-430e-4ee3-81b3-d947e43afdd0" providerId="ADAL" clId="{D44E5873-CDAB-47DF-95E1-D784EB74AE2C}" dt="2024-04-10T06:59:38.417" v="233" actId="14100"/>
-        <pc:sldMkLst>
-          <pc:docMk/>
-          <pc:sldMk cId="426450475" sldId="259"/>
-        </pc:sldMkLst>
-        <pc:spChg chg="mod">
-          <ac:chgData name="Giulia Ortolani" userId="d9212689-430e-4ee3-81b3-d947e43afdd0" providerId="ADAL" clId="{D44E5873-CDAB-47DF-95E1-D784EB74AE2C}" dt="2024-04-10T06:59:30.128" v="230" actId="404"/>
-          <ac:spMkLst>
-            <pc:docMk/>
-            <pc:sldMk cId="426450475" sldId="259"/>
-            <ac:spMk id="6" creationId="{AFF3DB45-E302-4670-75B3-7AC4A64D2F66}"/>
-          </ac:spMkLst>
-        </pc:spChg>
-        <pc:spChg chg="add mod">
-          <ac:chgData name="Giulia Ortolani" userId="d9212689-430e-4ee3-81b3-d947e43afdd0" providerId="ADAL" clId="{D44E5873-CDAB-47DF-95E1-D784EB74AE2C}" dt="2024-04-09T19:20:45.188" v="222" actId="20577"/>
-          <ac:spMkLst>
-            <pc:docMk/>
-            <pc:sldMk cId="426450475" sldId="259"/>
-            <ac:spMk id="11" creationId="{F63174D4-1103-3DEA-DA32-C74599CDE2FC}"/>
-          </ac:spMkLst>
-        </pc:spChg>
-        <pc:picChg chg="mod">
-          <ac:chgData name="Giulia Ortolani" userId="d9212689-430e-4ee3-81b3-d947e43afdd0" providerId="ADAL" clId="{D44E5873-CDAB-47DF-95E1-D784EB74AE2C}" dt="2024-04-10T06:59:34.349" v="232" actId="1076"/>
-          <ac:picMkLst>
-            <pc:docMk/>
-            <pc:sldMk cId="426450475" sldId="259"/>
-            <ac:picMk id="8" creationId="{87DD2B49-E047-0A7D-2316-A4AB9881626B}"/>
-          </ac:picMkLst>
-        </pc:picChg>
-        <pc:picChg chg="add mod">
-          <ac:chgData name="Giulia Ortolani" userId="d9212689-430e-4ee3-81b3-d947e43afdd0" providerId="ADAL" clId="{D44E5873-CDAB-47DF-95E1-D784EB74AE2C}" dt="2024-04-10T06:59:38.417" v="233" actId="14100"/>
-          <ac:picMkLst>
-            <pc:docMk/>
-            <pc:sldMk cId="426450475" sldId="259"/>
-            <ac:picMk id="10" creationId="{70D134E1-AEAE-4AF8-ABE0-1A2A9AC7BC09}"/>
-          </ac:picMkLst>
-        </pc:picChg>
-      </pc:sldChg>
-      <pc:sldChg chg="modSp mod">
-        <pc:chgData name="Giulia Ortolani" userId="d9212689-430e-4ee3-81b3-d947e43afdd0" providerId="ADAL" clId="{D44E5873-CDAB-47DF-95E1-D784EB74AE2C}" dt="2024-04-10T07:00:59.294" v="269" actId="20577"/>
-        <pc:sldMkLst>
-          <pc:docMk/>
-          <pc:sldMk cId="827827499" sldId="260"/>
-        </pc:sldMkLst>
-        <pc:spChg chg="mod">
-          <ac:chgData name="Giulia Ortolani" userId="d9212689-430e-4ee3-81b3-d947e43afdd0" providerId="ADAL" clId="{D44E5873-CDAB-47DF-95E1-D784EB74AE2C}" dt="2024-04-09T19:17:59.207" v="16" actId="20577"/>
-          <ac:spMkLst>
-            <pc:docMk/>
-            <pc:sldMk cId="827827499" sldId="260"/>
-            <ac:spMk id="2" creationId="{F25E4AA6-F6AA-B07F-9246-03A6D22661F7}"/>
-          </ac:spMkLst>
-        </pc:spChg>
-        <pc:spChg chg="mod">
-          <ac:chgData name="Giulia Ortolani" userId="d9212689-430e-4ee3-81b3-d947e43afdd0" providerId="ADAL" clId="{D44E5873-CDAB-47DF-95E1-D784EB74AE2C}" dt="2024-04-10T07:00:59.294" v="269" actId="20577"/>
-          <ac:spMkLst>
-            <pc:docMk/>
-            <pc:sldMk cId="827827499" sldId="260"/>
-            <ac:spMk id="3" creationId="{251D08DA-1A0A-3DDF-8F26-1938022CF5CF}"/>
-          </ac:spMkLst>
-        </pc:spChg>
-      </pc:sldChg>
-      <pc:sldChg chg="addSp modSp new mod">
-        <pc:chgData name="Giulia Ortolani" userId="d9212689-430e-4ee3-81b3-d947e43afdd0" providerId="ADAL" clId="{D44E5873-CDAB-47DF-95E1-D784EB74AE2C}" dt="2024-04-10T10:53:31.638" v="1111" actId="14100"/>
-        <pc:sldMkLst>
-          <pc:docMk/>
-          <pc:sldMk cId="3116678895" sldId="261"/>
-        </pc:sldMkLst>
-        <pc:spChg chg="mod">
-          <ac:chgData name="Giulia Ortolani" userId="d9212689-430e-4ee3-81b3-d947e43afdd0" providerId="ADAL" clId="{D44E5873-CDAB-47DF-95E1-D784EB74AE2C}" dt="2024-04-10T07:01:05.551" v="270" actId="20577"/>
-          <ac:spMkLst>
-            <pc:docMk/>
-            <pc:sldMk cId="3116678895" sldId="261"/>
-            <ac:spMk id="2" creationId="{871493D0-421A-731A-15F8-199F0756E2FB}"/>
-          </ac:spMkLst>
-        </pc:spChg>
-        <pc:spChg chg="mod">
-          <ac:chgData name="Giulia Ortolani" userId="d9212689-430e-4ee3-81b3-d947e43afdd0" providerId="ADAL" clId="{D44E5873-CDAB-47DF-95E1-D784EB74AE2C}" dt="2024-04-10T07:04:30.856" v="359" actId="20577"/>
-          <ac:spMkLst>
-            <pc:docMk/>
-            <pc:sldMk cId="3116678895" sldId="261"/>
-            <ac:spMk id="3" creationId="{09F1A851-803D-339D-199F-94C9F38D2B70}"/>
-          </ac:spMkLst>
-        </pc:spChg>
-        <pc:spChg chg="add mod">
-          <ac:chgData name="Giulia Ortolani" userId="d9212689-430e-4ee3-81b3-d947e43afdd0" providerId="ADAL" clId="{D44E5873-CDAB-47DF-95E1-D784EB74AE2C}" dt="2024-04-10T10:46:53.480" v="604" actId="20577"/>
-          <ac:spMkLst>
-            <pc:docMk/>
-            <pc:sldMk cId="3116678895" sldId="261"/>
-            <ac:spMk id="4" creationId="{17334863-CDD8-3F84-F67C-632A9B1BE908}"/>
-          </ac:spMkLst>
-        </pc:spChg>
-        <pc:spChg chg="add mod">
-          <ac:chgData name="Giulia Ortolani" userId="d9212689-430e-4ee3-81b3-d947e43afdd0" providerId="ADAL" clId="{D44E5873-CDAB-47DF-95E1-D784EB74AE2C}" dt="2024-04-10T10:53:31.638" v="1111" actId="14100"/>
-          <ac:spMkLst>
-            <pc:docMk/>
-            <pc:sldMk cId="3116678895" sldId="261"/>
-            <ac:spMk id="5" creationId="{076DF964-3FEA-F85B-A3F6-CF759A4A7F7C}"/>
-          </ac:spMkLst>
-        </pc:spChg>
-      </pc:sldChg>
-      <pc:sldChg chg="del ord">
-        <pc:chgData name="Giulia Ortolani" userId="d9212689-430e-4ee3-81b3-d947e43afdd0" providerId="ADAL" clId="{D44E5873-CDAB-47DF-95E1-D784EB74AE2C}" dt="2024-04-10T07:07:31.665" v="502" actId="47"/>
-        <pc:sldMkLst>
-          <pc:docMk/>
-          <pc:sldMk cId="3594638006" sldId="262"/>
-        </pc:sldMkLst>
-      </pc:sldChg>
-      <pc:sldChg chg="addSp delSp modSp mod">
-        <pc:chgData name="Giulia Ortolani" userId="d9212689-430e-4ee3-81b3-d947e43afdd0" providerId="ADAL" clId="{D44E5873-CDAB-47DF-95E1-D784EB74AE2C}" dt="2024-04-10T10:56:43.166" v="1203" actId="207"/>
-        <pc:sldMkLst>
-          <pc:docMk/>
-          <pc:sldMk cId="1732863363" sldId="263"/>
-        </pc:sldMkLst>
-        <pc:spChg chg="mod">
-          <ac:chgData name="Giulia Ortolani" userId="d9212689-430e-4ee3-81b3-d947e43afdd0" providerId="ADAL" clId="{D44E5873-CDAB-47DF-95E1-D784EB74AE2C}" dt="2024-04-10T10:53:46.594" v="1118" actId="20577"/>
-          <ac:spMkLst>
-            <pc:docMk/>
-            <pc:sldMk cId="1732863363" sldId="263"/>
-            <ac:spMk id="2" creationId="{9D27FD30-3FE5-356F-D334-04EA15279315}"/>
-          </ac:spMkLst>
-        </pc:spChg>
-        <pc:spChg chg="mod">
-          <ac:chgData name="Giulia Ortolani" userId="d9212689-430e-4ee3-81b3-d947e43afdd0" providerId="ADAL" clId="{D44E5873-CDAB-47DF-95E1-D784EB74AE2C}" dt="2024-04-10T10:56:43.166" v="1203" actId="207"/>
-          <ac:spMkLst>
-            <pc:docMk/>
-            <pc:sldMk cId="1732863363" sldId="263"/>
-            <ac:spMk id="3" creationId="{97097577-6DDE-C60B-114D-E37EAD9C34BE}"/>
-          </ac:spMkLst>
-        </pc:spChg>
-        <pc:spChg chg="add del">
-          <ac:chgData name="Giulia Ortolani" userId="d9212689-430e-4ee3-81b3-d947e43afdd0" providerId="ADAL" clId="{D44E5873-CDAB-47DF-95E1-D784EB74AE2C}" dt="2024-04-10T10:54:32.910" v="1123" actId="22"/>
-          <ac:spMkLst>
-            <pc:docMk/>
-            <pc:sldMk cId="1732863363" sldId="263"/>
-            <ac:spMk id="5" creationId="{858D3829-0601-FCD5-B8E8-06890689B523}"/>
-          </ac:spMkLst>
-        </pc:spChg>
-        <pc:spChg chg="add del mod">
-          <ac:chgData name="Giulia Ortolani" userId="d9212689-430e-4ee3-81b3-d947e43afdd0" providerId="ADAL" clId="{D44E5873-CDAB-47DF-95E1-D784EB74AE2C}" dt="2024-04-10T10:56:40.576" v="1202" actId="478"/>
-          <ac:spMkLst>
-            <pc:docMk/>
-            <pc:sldMk cId="1732863363" sldId="263"/>
-            <ac:spMk id="6" creationId="{44B5EB35-B24B-1D6D-7842-15BF3904A7ED}"/>
-          </ac:spMkLst>
-        </pc:spChg>
-      </pc:sldChg>
-      <pc:sldChg chg="modSp del mod">
-        <pc:chgData name="Giulia Ortolani" userId="d9212689-430e-4ee3-81b3-d947e43afdd0" providerId="ADAL" clId="{D44E5873-CDAB-47DF-95E1-D784EB74AE2C}" dt="2024-04-10T07:02:06.197" v="279" actId="47"/>
-        <pc:sldMkLst>
-          <pc:docMk/>
-          <pc:sldMk cId="830418775" sldId="264"/>
-        </pc:sldMkLst>
-        <pc:spChg chg="mod">
-          <ac:chgData name="Giulia Ortolani" userId="d9212689-430e-4ee3-81b3-d947e43afdd0" providerId="ADAL" clId="{D44E5873-CDAB-47DF-95E1-D784EB74AE2C}" dt="2024-04-10T07:01:47.211" v="274" actId="14100"/>
-          <ac:spMkLst>
-            <pc:docMk/>
-            <pc:sldMk cId="830418775" sldId="264"/>
-            <ac:spMk id="2" creationId="{871493D0-421A-731A-15F8-199F0756E2FB}"/>
-          </ac:spMkLst>
-        </pc:spChg>
-        <pc:spChg chg="mod">
-          <ac:chgData name="Giulia Ortolani" userId="d9212689-430e-4ee3-81b3-d947e43afdd0" providerId="ADAL" clId="{D44E5873-CDAB-47DF-95E1-D784EB74AE2C}" dt="2024-04-10T07:02:02.968" v="277" actId="27636"/>
-          <ac:spMkLst>
-            <pc:docMk/>
-            <pc:sldMk cId="830418775" sldId="264"/>
-            <ac:spMk id="3" creationId="{09F1A851-803D-339D-199F-94C9F38D2B70}"/>
-          </ac:spMkLst>
-        </pc:spChg>
-      </pc:sldChg>
-      <pc:sldChg chg="addSp delSp modSp add mod setBg">
-        <pc:chgData name="Giulia Ortolani" userId="d9212689-430e-4ee3-81b3-d947e43afdd0" providerId="ADAL" clId="{D44E5873-CDAB-47DF-95E1-D784EB74AE2C}" dt="2024-04-10T10:47:02.560" v="605" actId="1076"/>
-        <pc:sldMkLst>
-          <pc:docMk/>
-          <pc:sldMk cId="1315151638" sldId="265"/>
-        </pc:sldMkLst>
-        <pc:spChg chg="mod">
-          <ac:chgData name="Giulia Ortolani" userId="d9212689-430e-4ee3-81b3-d947e43afdd0" providerId="ADAL" clId="{D44E5873-CDAB-47DF-95E1-D784EB74AE2C}" dt="2024-04-10T07:02:16.529" v="291" actId="20577"/>
-          <ac:spMkLst>
-            <pc:docMk/>
-            <pc:sldMk cId="1315151638" sldId="265"/>
-            <ac:spMk id="2" creationId="{871493D0-421A-731A-15F8-199F0756E2FB}"/>
-          </ac:spMkLst>
-        </pc:spChg>
-        <pc:spChg chg="mod">
-          <ac:chgData name="Giulia Ortolani" userId="d9212689-430e-4ee3-81b3-d947e43afdd0" providerId="ADAL" clId="{D44E5873-CDAB-47DF-95E1-D784EB74AE2C}" dt="2024-04-10T07:06:20.117" v="489" actId="27636"/>
-          <ac:spMkLst>
-            <pc:docMk/>
-            <pc:sldMk cId="1315151638" sldId="265"/>
-            <ac:spMk id="3" creationId="{09F1A851-803D-339D-199F-94C9F38D2B70}"/>
-          </ac:spMkLst>
-        </pc:spChg>
-        <pc:spChg chg="add mod">
-          <ac:chgData name="Giulia Ortolani" userId="d9212689-430e-4ee3-81b3-d947e43afdd0" providerId="ADAL" clId="{D44E5873-CDAB-47DF-95E1-D784EB74AE2C}" dt="2024-04-10T10:47:02.560" v="605" actId="1076"/>
-          <ac:spMkLst>
-            <pc:docMk/>
-            <pc:sldMk cId="1315151638" sldId="265"/>
-            <ac:spMk id="5" creationId="{7F53CC1F-88DE-B27A-A652-86F6E887563E}"/>
-          </ac:spMkLst>
-        </pc:spChg>
-        <pc:grpChg chg="add mod">
-          <ac:chgData name="Giulia Ortolani" userId="d9212689-430e-4ee3-81b3-d947e43afdd0" providerId="ADAL" clId="{D44E5873-CDAB-47DF-95E1-D784EB74AE2C}" dt="2024-04-10T07:07:05.749" v="500" actId="1076"/>
-          <ac:grpSpMkLst>
-            <pc:docMk/>
-            <pc:sldMk cId="1315151638" sldId="265"/>
-            <ac:grpSpMk id="21" creationId="{302BC75F-890D-6476-F8EC-C61B14C021FD}"/>
-          </ac:grpSpMkLst>
-        </pc:grpChg>
-        <pc:picChg chg="add del mod">
-          <ac:chgData name="Giulia Ortolani" userId="d9212689-430e-4ee3-81b3-d947e43afdd0" providerId="ADAL" clId="{D44E5873-CDAB-47DF-95E1-D784EB74AE2C}" dt="2024-04-10T07:03:21.413" v="310" actId="478"/>
-          <ac:picMkLst>
-            <pc:docMk/>
-            <pc:sldMk cId="1315151638" sldId="265"/>
-            <ac:picMk id="6" creationId="{661D9C16-B604-55CA-2B30-6F83D4590CDF}"/>
-          </ac:picMkLst>
-        </pc:picChg>
-        <pc:picChg chg="add del">
-          <ac:chgData name="Giulia Ortolani" userId="d9212689-430e-4ee3-81b3-d947e43afdd0" providerId="ADAL" clId="{D44E5873-CDAB-47DF-95E1-D784EB74AE2C}" dt="2024-04-10T07:03:14.181" v="308" actId="22"/>
-          <ac:picMkLst>
-            <pc:docMk/>
-            <pc:sldMk cId="1315151638" sldId="265"/>
-            <ac:picMk id="8" creationId="{D20EF277-7A54-8E4E-4638-D9088E30DA4C}"/>
-          </ac:picMkLst>
-        </pc:picChg>
-        <pc:picChg chg="add mod">
-          <ac:chgData name="Giulia Ortolani" userId="d9212689-430e-4ee3-81b3-d947e43afdd0" providerId="ADAL" clId="{D44E5873-CDAB-47DF-95E1-D784EB74AE2C}" dt="2024-04-10T07:06:56.006" v="498" actId="164"/>
-          <ac:picMkLst>
-            <pc:docMk/>
-            <pc:sldMk cId="1315151638" sldId="265"/>
-            <ac:picMk id="10" creationId="{BF3206CB-C183-5B99-1BFA-9D131C0A9783}"/>
-          </ac:picMkLst>
-        </pc:picChg>
-        <pc:picChg chg="add mod modCrop">
-          <ac:chgData name="Giulia Ortolani" userId="d9212689-430e-4ee3-81b3-d947e43afdd0" providerId="ADAL" clId="{D44E5873-CDAB-47DF-95E1-D784EB74AE2C}" dt="2024-04-10T07:06:23.351" v="490" actId="1076"/>
-          <ac:picMkLst>
-            <pc:docMk/>
-            <pc:sldMk cId="1315151638" sldId="265"/>
-            <ac:picMk id="18" creationId="{DCAD6247-6847-5832-ED4D-0B13AC3B5832}"/>
-          </ac:picMkLst>
-        </pc:picChg>
-        <pc:picChg chg="add mod">
-          <ac:chgData name="Giulia Ortolani" userId="d9212689-430e-4ee3-81b3-d947e43afdd0" providerId="ADAL" clId="{D44E5873-CDAB-47DF-95E1-D784EB74AE2C}" dt="2024-04-10T07:07:11.416" v="501" actId="1076"/>
-          <ac:picMkLst>
-            <pc:docMk/>
-            <pc:sldMk cId="1315151638" sldId="265"/>
-            <ac:picMk id="20" creationId="{BABD3554-018B-B6CE-BFAB-CBD85E29D962}"/>
-          </ac:picMkLst>
-        </pc:picChg>
-        <pc:inkChg chg="add mod">
-          <ac:chgData name="Giulia Ortolani" userId="d9212689-430e-4ee3-81b3-d947e43afdd0" providerId="ADAL" clId="{D44E5873-CDAB-47DF-95E1-D784EB74AE2C}" dt="2024-04-10T07:06:56.006" v="498" actId="164"/>
-          <ac:inkMkLst>
-            <pc:docMk/>
-            <pc:sldMk cId="1315151638" sldId="265"/>
-            <ac:inkMk id="11" creationId="{62300043-DB56-53B2-D8AB-4E197CAAB531}"/>
-          </ac:inkMkLst>
-        </pc:inkChg>
-        <pc:inkChg chg="add mod">
-          <ac:chgData name="Giulia Ortolani" userId="d9212689-430e-4ee3-81b3-d947e43afdd0" providerId="ADAL" clId="{D44E5873-CDAB-47DF-95E1-D784EB74AE2C}" dt="2024-04-10T07:06:56.006" v="498" actId="164"/>
-          <ac:inkMkLst>
-            <pc:docMk/>
-            <pc:sldMk cId="1315151638" sldId="265"/>
-            <ac:inkMk id="12" creationId="{82AA106E-4A04-47A3-D48D-81BACCC1B63C}"/>
-          </ac:inkMkLst>
-        </pc:inkChg>
-        <pc:inkChg chg="add mod">
-          <ac:chgData name="Giulia Ortolani" userId="d9212689-430e-4ee3-81b3-d947e43afdd0" providerId="ADAL" clId="{D44E5873-CDAB-47DF-95E1-D784EB74AE2C}" dt="2024-04-10T07:06:56.006" v="498" actId="164"/>
-          <ac:inkMkLst>
-            <pc:docMk/>
-            <pc:sldMk cId="1315151638" sldId="265"/>
-            <ac:inkMk id="13" creationId="{46747C8A-8EA5-60E2-078E-28B272BF39FC}"/>
-          </ac:inkMkLst>
-        </pc:inkChg>
-        <pc:inkChg chg="add mod">
-          <ac:chgData name="Giulia Ortolani" userId="d9212689-430e-4ee3-81b3-d947e43afdd0" providerId="ADAL" clId="{D44E5873-CDAB-47DF-95E1-D784EB74AE2C}" dt="2024-04-10T07:06:56.006" v="498" actId="164"/>
-          <ac:inkMkLst>
-            <pc:docMk/>
-            <pc:sldMk cId="1315151638" sldId="265"/>
-            <ac:inkMk id="14" creationId="{1C8A16F8-5AFA-F579-0257-E92286EBCB91}"/>
-          </ac:inkMkLst>
-        </pc:inkChg>
-        <pc:inkChg chg="add del">
-          <ac:chgData name="Giulia Ortolani" userId="d9212689-430e-4ee3-81b3-d947e43afdd0" providerId="ADAL" clId="{D44E5873-CDAB-47DF-95E1-D784EB74AE2C}" dt="2024-04-10T07:04:01.641" v="320" actId="9405"/>
-          <ac:inkMkLst>
-            <pc:docMk/>
-            <pc:sldMk cId="1315151638" sldId="265"/>
-            <ac:inkMk id="15" creationId="{7724BA2D-9D31-1BD5-E5BA-6CB7E1C5F992}"/>
-          </ac:inkMkLst>
-        </pc:inkChg>
-        <pc:inkChg chg="add mod">
-          <ac:chgData name="Giulia Ortolani" userId="d9212689-430e-4ee3-81b3-d947e43afdd0" providerId="ADAL" clId="{D44E5873-CDAB-47DF-95E1-D784EB74AE2C}" dt="2024-04-10T07:06:56.006" v="498" actId="164"/>
-          <ac:inkMkLst>
-            <pc:docMk/>
-            <pc:sldMk cId="1315151638" sldId="265"/>
-            <ac:inkMk id="16" creationId="{6BA8642A-ED0D-7AD6-CD6E-F4F0C8536829}"/>
-          </ac:inkMkLst>
-        </pc:inkChg>
       </pc:sldChg>
     </pc:docChg>
   </pc:docChgLst>
@@ -1363,6 +1539,122 @@
     </inkml:brush>
   </inkml:definitions>
   <inkml:trace contextRef="#ctx0" brushRef="#br0">0 1,'908'0,"-895"1,1 0,-1 1,14 4,-9-2,3 0</inkml:trace>
+</inkml:ink>
+</file>
+
+<file path=ppt/ink/ink10.xml><?xml version="1.0" encoding="utf-8"?>
+<inkml:ink xmlns:inkml="http://www.w3.org/2003/InkML">
+  <inkml:definitions>
+    <inkml:context xml:id="ctx0">
+      <inkml:inkSource xml:id="inkSrc0">
+        <inkml:traceFormat>
+          <inkml:channel name="X" type="integer" min="-2.14748E9" max="2.14748E9" units="cm"/>
+          <inkml:channel name="Y" type="integer" min="-2.14748E9" max="2.14748E9" units="cm"/>
+        </inkml:traceFormat>
+        <inkml:channelProperties>
+          <inkml:channelProperty channel="X" name="resolution" value="1000" units="1/cm"/>
+          <inkml:channelProperty channel="Y" name="resolution" value="1000" units="1/cm"/>
+        </inkml:channelProperties>
+      </inkml:inkSource>
+      <inkml:timestamp xml:id="ts0" timeString="2024-04-10T15:41:30.471"/>
+    </inkml:context>
+    <inkml:brush xml:id="br0">
+      <inkml:brushProperty name="width" value="0.1" units="cm"/>
+      <inkml:brushProperty name="height" value="0.2" units="cm"/>
+      <inkml:brushProperty name="color" value="#FF8517"/>
+      <inkml:brushProperty name="tip" value="rectangle"/>
+      <inkml:brushProperty name="rasterOp" value="maskPen"/>
+      <inkml:brushProperty name="ignorePressure" value="1"/>
+    </inkml:brush>
+  </inkml:definitions>
+  <inkml:trace contextRef="#ctx0" brushRef="#br0">0 0,'497'0,"-482"0</inkml:trace>
+</inkml:ink>
+</file>
+
+<file path=ppt/ink/ink11.xml><?xml version="1.0" encoding="utf-8"?>
+<inkml:ink xmlns:inkml="http://www.w3.org/2003/InkML">
+  <inkml:definitions>
+    <inkml:context xml:id="ctx0">
+      <inkml:inkSource xml:id="inkSrc0">
+        <inkml:traceFormat>
+          <inkml:channel name="X" type="integer" min="-2.14748E9" max="2.14748E9" units="cm"/>
+          <inkml:channel name="Y" type="integer" min="-2.14748E9" max="2.14748E9" units="cm"/>
+        </inkml:traceFormat>
+        <inkml:channelProperties>
+          <inkml:channelProperty channel="X" name="resolution" value="1000" units="1/cm"/>
+          <inkml:channelProperty channel="Y" name="resolution" value="1000" units="1/cm"/>
+        </inkml:channelProperties>
+      </inkml:inkSource>
+      <inkml:timestamp xml:id="ts0" timeString="2024-04-10T15:41:38.293"/>
+    </inkml:context>
+    <inkml:brush xml:id="br0">
+      <inkml:brushProperty name="width" value="0.1" units="cm"/>
+      <inkml:brushProperty name="height" value="0.2" units="cm"/>
+      <inkml:brushProperty name="color" value="#A2D762"/>
+      <inkml:brushProperty name="tip" value="rectangle"/>
+      <inkml:brushProperty name="rasterOp" value="maskPen"/>
+      <inkml:brushProperty name="ignorePressure" value="1"/>
+    </inkml:brush>
+  </inkml:definitions>
+  <inkml:trace contextRef="#ctx0" brushRef="#br0">1 0,'537'0,"-525"0</inkml:trace>
+</inkml:ink>
+</file>
+
+<file path=ppt/ink/ink12.xml><?xml version="1.0" encoding="utf-8"?>
+<inkml:ink xmlns:inkml="http://www.w3.org/2003/InkML">
+  <inkml:definitions>
+    <inkml:context xml:id="ctx0">
+      <inkml:inkSource xml:id="inkSrc0">
+        <inkml:traceFormat>
+          <inkml:channel name="X" type="integer" min="-2.14748E9" max="2.14748E9" units="cm"/>
+          <inkml:channel name="Y" type="integer" min="-2.14748E9" max="2.14748E9" units="cm"/>
+        </inkml:traceFormat>
+        <inkml:channelProperties>
+          <inkml:channelProperty channel="X" name="resolution" value="1000" units="1/cm"/>
+          <inkml:channelProperty channel="Y" name="resolution" value="1000" units="1/cm"/>
+        </inkml:channelProperties>
+      </inkml:inkSource>
+      <inkml:timestamp xml:id="ts0" timeString="2024-04-10T15:41:45.139"/>
+    </inkml:context>
+    <inkml:brush xml:id="br0">
+      <inkml:brushProperty name="width" value="0.1" units="cm"/>
+      <inkml:brushProperty name="height" value="0.2" units="cm"/>
+      <inkml:brushProperty name="color" value="#FFACD5"/>
+      <inkml:brushProperty name="tip" value="rectangle"/>
+      <inkml:brushProperty name="rasterOp" value="maskPen"/>
+      <inkml:brushProperty name="ignorePressure" value="1"/>
+    </inkml:brush>
+  </inkml:definitions>
+  <inkml:trace contextRef="#ctx0" brushRef="#br0">0 0,'509'0,"-497"0</inkml:trace>
+</inkml:ink>
+</file>
+
+<file path=ppt/ink/ink13.xml><?xml version="1.0" encoding="utf-8"?>
+<inkml:ink xmlns:inkml="http://www.w3.org/2003/InkML">
+  <inkml:definitions>
+    <inkml:context xml:id="ctx0">
+      <inkml:inkSource xml:id="inkSrc0">
+        <inkml:traceFormat>
+          <inkml:channel name="X" type="integer" min="-2.14748E9" max="2.14748E9" units="cm"/>
+          <inkml:channel name="Y" type="integer" min="-2.14748E9" max="2.14748E9" units="cm"/>
+        </inkml:traceFormat>
+        <inkml:channelProperties>
+          <inkml:channelProperty channel="X" name="resolution" value="1000" units="1/cm"/>
+          <inkml:channelProperty channel="Y" name="resolution" value="1000" units="1/cm"/>
+        </inkml:channelProperties>
+      </inkml:inkSource>
+      <inkml:timestamp xml:id="ts0" timeString="2024-04-10T15:41:51.985"/>
+    </inkml:context>
+    <inkml:brush xml:id="br0">
+      <inkml:brushProperty name="width" value="0.1" units="cm"/>
+      <inkml:brushProperty name="height" value="0.2" units="cm"/>
+      <inkml:brushProperty name="color" value="#A9D8FF"/>
+      <inkml:brushProperty name="tip" value="rectangle"/>
+      <inkml:brushProperty name="rasterOp" value="maskPen"/>
+      <inkml:brushProperty name="ignorePressure" value="1"/>
+    </inkml:brush>
+  </inkml:definitions>
+  <inkml:trace contextRef="#ctx0" brushRef="#br0">0 0,'424'0,"-412"0</inkml:trace>
 </inkml:ink>
 </file>
 
@@ -1479,6 +1771,122 @@
     </inkml:brush>
   </inkml:definitions>
   <inkml:trace contextRef="#ctx0" brushRef="#br0">0 25,'183'-12,"-20"0,156 12,-147 1,-151-1</inkml:trace>
+</inkml:ink>
+</file>
+
+<file path=ppt/ink/ink6.xml><?xml version="1.0" encoding="utf-8"?>
+<inkml:ink xmlns:inkml="http://www.w3.org/2003/InkML">
+  <inkml:definitions>
+    <inkml:context xml:id="ctx0">
+      <inkml:inkSource xml:id="inkSrc0">
+        <inkml:traceFormat>
+          <inkml:channel name="X" type="integer" min="-2.14748E9" max="2.14748E9" units="cm"/>
+          <inkml:channel name="Y" type="integer" min="-2.14748E9" max="2.14748E9" units="cm"/>
+        </inkml:traceFormat>
+        <inkml:channelProperties>
+          <inkml:channelProperty channel="X" name="resolution" value="1000" units="1/cm"/>
+          <inkml:channelProperty channel="Y" name="resolution" value="1000" units="1/cm"/>
+        </inkml:channelProperties>
+      </inkml:inkSource>
+      <inkml:timestamp xml:id="ts0" timeString="2024-04-10T15:39:55.107"/>
+    </inkml:context>
+    <inkml:brush xml:id="br0">
+      <inkml:brushProperty name="width" value="0.1" units="cm"/>
+      <inkml:brushProperty name="height" value="0.2" units="cm"/>
+      <inkml:brushProperty name="color" value="#A2D762"/>
+      <inkml:brushProperty name="tip" value="rectangle"/>
+      <inkml:brushProperty name="rasterOp" value="maskPen"/>
+      <inkml:brushProperty name="ignorePressure" value="1"/>
+    </inkml:brush>
+  </inkml:definitions>
+  <inkml:trace contextRef="#ctx0" brushRef="#br0">1 70,'156'-9,"-5"0,965 10,-1097-2,0-1,0-1,27-8,-22 5,35-4,-1 1,-40 5,0 1,23 0,-26 3</inkml:trace>
+</inkml:ink>
+</file>
+
+<file path=ppt/ink/ink7.xml><?xml version="1.0" encoding="utf-8"?>
+<inkml:ink xmlns:inkml="http://www.w3.org/2003/InkML">
+  <inkml:definitions>
+    <inkml:context xml:id="ctx0">
+      <inkml:inkSource xml:id="inkSrc0">
+        <inkml:traceFormat>
+          <inkml:channel name="X" type="integer" min="-2.14748E9" max="2.14748E9" units="cm"/>
+          <inkml:channel name="Y" type="integer" min="-2.14748E9" max="2.14748E9" units="cm"/>
+        </inkml:traceFormat>
+        <inkml:channelProperties>
+          <inkml:channelProperty channel="X" name="resolution" value="1000" units="1/cm"/>
+          <inkml:channelProperty channel="Y" name="resolution" value="1000" units="1/cm"/>
+        </inkml:channelProperties>
+      </inkml:inkSource>
+      <inkml:timestamp xml:id="ts0" timeString="2024-04-10T15:40:09.915"/>
+    </inkml:context>
+    <inkml:brush xml:id="br0">
+      <inkml:brushProperty name="width" value="0.1" units="cm"/>
+      <inkml:brushProperty name="height" value="0.2" units="cm"/>
+      <inkml:brushProperty name="color" value="#A9D8FF"/>
+      <inkml:brushProperty name="tip" value="rectangle"/>
+      <inkml:brushProperty name="rasterOp" value="maskPen"/>
+      <inkml:brushProperty name="ignorePressure" value="1"/>
+    </inkml:brush>
+  </inkml:definitions>
+  <inkml:trace contextRef="#ctx0" brushRef="#br0">1 2,'22'0,"95"-1,205 26,-245-17,1-3,103-6,-55-1,305 2,-411-2,1 0,0-1,28-8,-29 6,0 1,0 0,30 0,-35 4</inkml:trace>
+</inkml:ink>
+</file>
+
+<file path=ppt/ink/ink8.xml><?xml version="1.0" encoding="utf-8"?>
+<inkml:ink xmlns:inkml="http://www.w3.org/2003/InkML">
+  <inkml:definitions>
+    <inkml:context xml:id="ctx0">
+      <inkml:inkSource xml:id="inkSrc0">
+        <inkml:traceFormat>
+          <inkml:channel name="X" type="integer" min="-2.14748E9" max="2.14748E9" units="cm"/>
+          <inkml:channel name="Y" type="integer" min="-2.14748E9" max="2.14748E9" units="cm"/>
+        </inkml:traceFormat>
+        <inkml:channelProperties>
+          <inkml:channelProperty channel="X" name="resolution" value="1000" units="1/cm"/>
+          <inkml:channelProperty channel="Y" name="resolution" value="1000" units="1/cm"/>
+        </inkml:channelProperties>
+      </inkml:inkSource>
+      <inkml:timestamp xml:id="ts0" timeString="2024-04-10T15:40:20.385"/>
+    </inkml:context>
+    <inkml:brush xml:id="br0">
+      <inkml:brushProperty name="width" value="0.1" units="cm"/>
+      <inkml:brushProperty name="height" value="0.2" units="cm"/>
+      <inkml:brushProperty name="color" value="#FFACD5"/>
+      <inkml:brushProperty name="tip" value="rectangle"/>
+      <inkml:brushProperty name="rasterOp" value="maskPen"/>
+      <inkml:brushProperty name="ignorePressure" value="1"/>
+    </inkml:brush>
+  </inkml:definitions>
+  <inkml:trace contextRef="#ctx0" brushRef="#br0">1 0,'1524'0,"-1509"0</inkml:trace>
+</inkml:ink>
+</file>
+
+<file path=ppt/ink/ink9.xml><?xml version="1.0" encoding="utf-8"?>
+<inkml:ink xmlns:inkml="http://www.w3.org/2003/InkML">
+  <inkml:definitions>
+    <inkml:context xml:id="ctx0">
+      <inkml:inkSource xml:id="inkSrc0">
+        <inkml:traceFormat>
+          <inkml:channel name="X" type="integer" min="-2.14748E9" max="2.14748E9" units="cm"/>
+          <inkml:channel name="Y" type="integer" min="-2.14748E9" max="2.14748E9" units="cm"/>
+        </inkml:traceFormat>
+        <inkml:channelProperties>
+          <inkml:channelProperty channel="X" name="resolution" value="1000" units="1/cm"/>
+          <inkml:channelProperty channel="Y" name="resolution" value="1000" units="1/cm"/>
+        </inkml:channelProperties>
+      </inkml:inkSource>
+      <inkml:timestamp xml:id="ts0" timeString="2024-04-10T15:40:39.034"/>
+    </inkml:context>
+    <inkml:brush xml:id="br0">
+      <inkml:brushProperty name="width" value="0.1" units="cm"/>
+      <inkml:brushProperty name="height" value="0.2" units="cm"/>
+      <inkml:brushProperty name="color" value="#FF8517"/>
+      <inkml:brushProperty name="tip" value="rectangle"/>
+      <inkml:brushProperty name="rasterOp" value="maskPen"/>
+      <inkml:brushProperty name="ignorePressure" value="1"/>
+    </inkml:brush>
+  </inkml:definitions>
+  <inkml:trace contextRef="#ctx0" brushRef="#br0">1 1,'736'0,"-715"1,37 7,21 0,14 1,-61-5,34 0,390-5,-441 1</inkml:trace>
 </inkml:ink>
 </file>
 
@@ -6163,35 +6571,6 @@
       </p:grpSp>
       <p:pic>
         <p:nvPicPr>
-          <p:cNvPr id="18" name="Picture 17">
-            <a:extLst>
-              <a:ext uri="{FF2B5EF4-FFF2-40B4-BE49-F238E27FC236}">
-                <a16:creationId xmlns:a16="http://schemas.microsoft.com/office/drawing/2014/main" id="{DCAD6247-6847-5832-ED4D-0B13AC3B5832}"/>
-              </a:ext>
-            </a:extLst>
-          </p:cNvPr>
-          <p:cNvPicPr>
-            <a:picLocks noChangeAspect="1"/>
-          </p:cNvPicPr>
-          <p:nvPr/>
-        </p:nvPicPr>
-        <p:blipFill rotWithShape="1">
-          <a:blip r:embed="rId13"/>
-          <a:srcRect t="1" r="30135" b="13488"/>
-          <a:stretch/>
-        </p:blipFill>
-        <p:spPr>
-          <a:xfrm>
-            <a:off x="1159481" y="2614093"/>
-            <a:ext cx="3181361" cy="362623"/>
-          </a:xfrm>
-          <a:prstGeom prst="rect">
-            <a:avLst/>
-          </a:prstGeom>
-        </p:spPr>
-      </p:pic>
-      <p:pic>
-        <p:nvPicPr>
           <p:cNvPr id="20" name="Picture 19">
             <a:extLst>
               <a:ext uri="{FF2B5EF4-FFF2-40B4-BE49-F238E27FC236}">
@@ -6205,7 +6584,7 @@
           <p:nvPr/>
         </p:nvPicPr>
         <p:blipFill>
-          <a:blip r:embed="rId14"/>
+          <a:blip r:embed="rId13"/>
           <a:stretch>
             <a:fillRect/>
           </a:stretch>
@@ -6220,6 +6599,789 @@
           </a:prstGeom>
         </p:spPr>
       </p:pic>
+      <mc:AlternateContent xmlns:mc="http://schemas.openxmlformats.org/markup-compatibility/2006">
+        <mc:Choice xmlns:a14="http://schemas.microsoft.com/office/drawing/2010/main" Requires="a14">
+          <p:sp>
+            <p:nvSpPr>
+              <p:cNvPr id="4" name="TextBox 3">
+                <a:extLst>
+                  <a:ext uri="{FF2B5EF4-FFF2-40B4-BE49-F238E27FC236}">
+                    <a16:creationId xmlns:a16="http://schemas.microsoft.com/office/drawing/2014/main" id="{03DA7C4A-A2FD-ABEC-A8BE-2C1A9A1671C2}"/>
+                  </a:ext>
+                </a:extLst>
+              </p:cNvPr>
+              <p:cNvSpPr txBox="1"/>
+              <p:nvPr/>
+            </p:nvSpPr>
+            <p:spPr>
+              <a:xfrm>
+                <a:off x="792898" y="2654268"/>
+                <a:ext cx="4312141" cy="246221"/>
+              </a:xfrm>
+              <a:prstGeom prst="rect">
+                <a:avLst/>
+              </a:prstGeom>
+              <a:noFill/>
+            </p:spPr>
+            <p:txBody>
+              <a:bodyPr wrap="none" lIns="0" tIns="0" rIns="0" bIns="0" rtlCol="0">
+                <a:spAutoFit/>
+              </a:bodyPr>
+              <a:lstStyle/>
+              <a:p>
+                <a14:m>
+                  <m:oMathPara xmlns:m="http://schemas.openxmlformats.org/officeDocument/2006/math">
+                    <m:oMathParaPr>
+                      <m:jc m:val="centerGroup"/>
+                    </m:oMathParaPr>
+                    <m:oMath xmlns:m="http://schemas.openxmlformats.org/officeDocument/2006/math">
+                      <m:r>
+                        <m:rPr>
+                          <m:sty m:val="p"/>
+                        </m:rPr>
+                        <a:rPr lang="it-IT" sz="1600" b="0" i="0" smtClean="0">
+                          <a:latin typeface="Cambria Math" panose="02040503050406030204" pitchFamily="18" charset="0"/>
+                        </a:rPr>
+                        <m:t>scor</m:t>
+                      </m:r>
+                      <m:sSub>
+                        <m:sSubPr>
+                          <m:ctrlPr>
+                            <a:rPr lang="it-IT" sz="1600" b="0" smtClean="0">
+                              <a:latin typeface="Cambria Math" panose="02040503050406030204" pitchFamily="18" charset="0"/>
+                            </a:rPr>
+                          </m:ctrlPr>
+                        </m:sSubPr>
+                        <m:e>
+                          <m:r>
+                            <m:rPr>
+                              <m:sty m:val="p"/>
+                            </m:rPr>
+                            <a:rPr lang="it-IT" sz="1600" b="0" i="0" smtClean="0">
+                              <a:latin typeface="Cambria Math" panose="02040503050406030204" pitchFamily="18" charset="0"/>
+                            </a:rPr>
+                            <m:t>e</m:t>
+                          </m:r>
+                        </m:e>
+                        <m:sub>
+                          <m:r>
+                            <m:rPr>
+                              <m:sty m:val="p"/>
+                            </m:rPr>
+                            <a:rPr lang="it-IT" sz="1600" b="0" i="0" smtClean="0">
+                              <a:latin typeface="Cambria Math" panose="02040503050406030204" pitchFamily="18" charset="0"/>
+                            </a:rPr>
+                            <m:t>i</m:t>
+                          </m:r>
+                        </m:sub>
+                      </m:sSub>
+                      <m:r>
+                        <a:rPr lang="it-IT" sz="1600" b="0" i="0" smtClean="0">
+                          <a:latin typeface="Cambria Math" panose="02040503050406030204" pitchFamily="18" charset="0"/>
+                        </a:rPr>
+                        <m:t>=</m:t>
+                      </m:r>
+                      <m:sSub>
+                        <m:sSubPr>
+                          <m:ctrlPr>
+                            <a:rPr lang="it-IT" sz="1600" b="0" smtClean="0">
+                              <a:latin typeface="Cambria Math" panose="02040503050406030204" pitchFamily="18" charset="0"/>
+                            </a:rPr>
+                          </m:ctrlPr>
+                        </m:sSubPr>
+                        <m:e>
+                          <m:r>
+                            <m:rPr>
+                              <m:sty m:val="p"/>
+                            </m:rPr>
+                            <a:rPr lang="it-IT" sz="1600" b="0" i="0" smtClean="0">
+                              <a:latin typeface="Cambria Math" panose="02040503050406030204" pitchFamily="18" charset="0"/>
+                            </a:rPr>
+                            <m:t>β</m:t>
+                          </m:r>
+                        </m:e>
+                        <m:sub>
+                          <m:r>
+                            <a:rPr lang="it-IT" sz="1600" b="0" i="0" smtClean="0">
+                              <a:latin typeface="Cambria Math" panose="02040503050406030204" pitchFamily="18" charset="0"/>
+                            </a:rPr>
+                            <m:t>0</m:t>
+                          </m:r>
+                        </m:sub>
+                      </m:sSub>
+                      <m:r>
+                        <a:rPr lang="it-IT" sz="1600" b="0" i="0" smtClean="0">
+                          <a:latin typeface="Cambria Math" panose="02040503050406030204" pitchFamily="18" charset="0"/>
+                        </a:rPr>
+                        <m:t>+</m:t>
+                      </m:r>
+                      <m:sSub>
+                        <m:sSubPr>
+                          <m:ctrlPr>
+                            <a:rPr lang="it-IT" sz="1600" b="0" smtClean="0">
+                              <a:latin typeface="Cambria Math" panose="02040503050406030204" pitchFamily="18" charset="0"/>
+                            </a:rPr>
+                          </m:ctrlPr>
+                        </m:sSubPr>
+                        <m:e>
+                          <m:r>
+                            <m:rPr>
+                              <m:sty m:val="p"/>
+                            </m:rPr>
+                            <a:rPr lang="it-IT" sz="1600" b="0" i="0" smtClean="0">
+                              <a:latin typeface="Cambria Math" panose="02040503050406030204" pitchFamily="18" charset="0"/>
+                            </a:rPr>
+                            <m:t>β</m:t>
+                          </m:r>
+                        </m:e>
+                        <m:sub>
+                          <m:r>
+                            <a:rPr lang="it-IT" sz="1600" b="0" i="0" smtClean="0">
+                              <a:latin typeface="Cambria Math" panose="02040503050406030204" pitchFamily="18" charset="0"/>
+                            </a:rPr>
+                            <m:t>1</m:t>
+                          </m:r>
+                        </m:sub>
+                      </m:sSub>
+                      <m:r>
+                        <m:rPr>
+                          <m:sty m:val="p"/>
+                        </m:rPr>
+                        <a:rPr lang="it-IT" sz="1600" b="0" i="0" smtClean="0">
+                          <a:latin typeface="Cambria Math" panose="02040503050406030204" pitchFamily="18" charset="0"/>
+                        </a:rPr>
+                        <m:t>log</m:t>
+                      </m:r>
+                      <m:sSub>
+                        <m:sSubPr>
+                          <m:ctrlPr>
+                            <a:rPr lang="it-IT" sz="1600" b="0" smtClean="0">
+                              <a:latin typeface="Cambria Math" panose="02040503050406030204" pitchFamily="18" charset="0"/>
+                            </a:rPr>
+                          </m:ctrlPr>
+                        </m:sSubPr>
+                        <m:e>
+                          <m:r>
+                            <m:rPr>
+                              <m:sty m:val="p"/>
+                            </m:rPr>
+                            <a:rPr lang="it-IT" sz="1600" b="0" i="0" smtClean="0">
+                              <a:latin typeface="Cambria Math" panose="02040503050406030204" pitchFamily="18" charset="0"/>
+                            </a:rPr>
+                            <m:t>s</m:t>
+                          </m:r>
+                        </m:e>
+                        <m:sub>
+                          <m:r>
+                            <m:rPr>
+                              <m:sty m:val="p"/>
+                            </m:rPr>
+                            <a:rPr lang="it-IT" sz="1600" b="0" i="0" smtClean="0">
+                              <a:latin typeface="Cambria Math" panose="02040503050406030204" pitchFamily="18" charset="0"/>
+                            </a:rPr>
+                            <m:t>i</m:t>
+                          </m:r>
+                        </m:sub>
+                      </m:sSub>
+                      <m:r>
+                        <a:rPr lang="it-IT" sz="1600" b="0" i="0" smtClean="0">
+                          <a:latin typeface="Cambria Math" panose="02040503050406030204" pitchFamily="18" charset="0"/>
+                        </a:rPr>
+                        <m:t>+</m:t>
+                      </m:r>
+                      <m:sSub>
+                        <m:sSubPr>
+                          <m:ctrlPr>
+                            <a:rPr lang="it-IT" sz="1600" b="0" smtClean="0">
+                              <a:latin typeface="Cambria Math" panose="02040503050406030204" pitchFamily="18" charset="0"/>
+                            </a:rPr>
+                          </m:ctrlPr>
+                        </m:sSubPr>
+                        <m:e>
+                          <m:r>
+                            <m:rPr>
+                              <m:sty m:val="p"/>
+                            </m:rPr>
+                            <a:rPr lang="it-IT" sz="1600" b="0" i="0" smtClean="0">
+                              <a:latin typeface="Cambria Math" panose="02040503050406030204" pitchFamily="18" charset="0"/>
+                            </a:rPr>
+                            <m:t>β</m:t>
+                          </m:r>
+                        </m:e>
+                        <m:sub>
+                          <m:r>
+                            <a:rPr lang="it-IT" sz="1600" b="0" i="0" smtClean="0">
+                              <a:latin typeface="Cambria Math" panose="02040503050406030204" pitchFamily="18" charset="0"/>
+                            </a:rPr>
+                            <m:t>2</m:t>
+                          </m:r>
+                        </m:sub>
+                      </m:sSub>
+                      <m:r>
+                        <m:rPr>
+                          <m:sty m:val="p"/>
+                        </m:rPr>
+                        <a:rPr lang="it-IT" sz="1600" b="0" i="0" smtClean="0">
+                          <a:latin typeface="Cambria Math" panose="02040503050406030204" pitchFamily="18" charset="0"/>
+                        </a:rPr>
+                        <m:t>comp</m:t>
+                      </m:r>
+                      <m:r>
+                        <a:rPr lang="it-IT" sz="1600" b="0" i="0" smtClean="0">
+                          <a:latin typeface="Cambria Math" panose="02040503050406030204" pitchFamily="18" charset="0"/>
+                        </a:rPr>
+                        <m:t>_</m:t>
+                      </m:r>
+                      <m:r>
+                        <m:rPr>
+                          <m:sty m:val="p"/>
+                        </m:rPr>
+                        <a:rPr lang="it-IT" sz="1600" b="0" i="0" smtClean="0">
+                          <a:latin typeface="Cambria Math" panose="02040503050406030204" pitchFamily="18" charset="0"/>
+                        </a:rPr>
+                        <m:t>t</m:t>
+                      </m:r>
+                      <m:r>
+                        <a:rPr lang="it-IT" sz="1600" b="0" i="0" smtClean="0">
+                          <a:latin typeface="Cambria Math" panose="02040503050406030204" pitchFamily="18" charset="0"/>
+                        </a:rPr>
+                        <m:t>+</m:t>
+                      </m:r>
+                      <m:sSub>
+                        <m:sSubPr>
+                          <m:ctrlPr>
+                            <a:rPr lang="it-IT" sz="1600" b="0" smtClean="0">
+                              <a:latin typeface="Cambria Math" panose="02040503050406030204" pitchFamily="18" charset="0"/>
+                            </a:rPr>
+                          </m:ctrlPr>
+                        </m:sSubPr>
+                        <m:e>
+                          <m:r>
+                            <m:rPr>
+                              <m:sty m:val="p"/>
+                            </m:rPr>
+                            <a:rPr lang="it-IT" sz="1600" b="0" i="0" smtClean="0">
+                              <a:latin typeface="Cambria Math" panose="02040503050406030204" pitchFamily="18" charset="0"/>
+                            </a:rPr>
+                            <m:t>β</m:t>
+                          </m:r>
+                        </m:e>
+                        <m:sub>
+                          <m:r>
+                            <a:rPr lang="it-IT" sz="1600" b="0" i="0" smtClean="0">
+                              <a:latin typeface="Cambria Math" panose="02040503050406030204" pitchFamily="18" charset="0"/>
+                            </a:rPr>
+                            <m:t>3</m:t>
+                          </m:r>
+                        </m:sub>
+                      </m:sSub>
+                      <m:sSub>
+                        <m:sSubPr>
+                          <m:ctrlPr>
+                            <a:rPr lang="it-IT" sz="1600" b="0" i="0" smtClean="0">
+                              <a:latin typeface="Cambria Math" panose="02040503050406030204" pitchFamily="18" charset="0"/>
+                            </a:rPr>
+                          </m:ctrlPr>
+                        </m:sSubPr>
+                        <m:e>
+                          <m:r>
+                            <m:rPr>
+                              <m:sty m:val="p"/>
+                            </m:rPr>
+                            <a:rPr lang="it-IT" sz="1600" b="0" i="0" smtClean="0">
+                              <a:latin typeface="Cambria Math" panose="02040503050406030204" pitchFamily="18" charset="0"/>
+                            </a:rPr>
+                            <m:t>log</m:t>
+                          </m:r>
+                          <m:r>
+                            <a:rPr lang="it-IT" sz="1600" b="0" i="0" smtClean="0">
+                              <a:latin typeface="Cambria Math" panose="02040503050406030204" pitchFamily="18" charset="0"/>
+                            </a:rPr>
+                            <m:t>_</m:t>
+                          </m:r>
+                          <m:r>
+                            <m:rPr>
+                              <m:sty m:val="p"/>
+                            </m:rPr>
+                            <a:rPr lang="it-IT" sz="1600" b="0" i="0" smtClean="0">
+                              <a:latin typeface="Cambria Math" panose="02040503050406030204" pitchFamily="18" charset="0"/>
+                            </a:rPr>
+                            <m:t>days</m:t>
+                          </m:r>
+                        </m:e>
+                        <m:sub>
+                          <m:r>
+                            <m:rPr>
+                              <m:sty m:val="p"/>
+                            </m:rPr>
+                            <a:rPr lang="it-IT" sz="1600" b="0" i="0" smtClean="0">
+                              <a:latin typeface="Cambria Math" panose="02040503050406030204" pitchFamily="18" charset="0"/>
+                            </a:rPr>
+                            <m:t>i</m:t>
+                          </m:r>
+                        </m:sub>
+                      </m:sSub>
+                    </m:oMath>
+                  </m:oMathPara>
+                </a14:m>
+                <a:endParaRPr lang="en-GB" sz="1600" dirty="0"/>
+              </a:p>
+            </p:txBody>
+          </p:sp>
+        </mc:Choice>
+        <mc:Fallback>
+          <p:sp>
+            <p:nvSpPr>
+              <p:cNvPr id="4" name="TextBox 3">
+                <a:extLst>
+                  <a:ext uri="{FF2B5EF4-FFF2-40B4-BE49-F238E27FC236}">
+                    <a16:creationId xmlns:a16="http://schemas.microsoft.com/office/drawing/2014/main" id="{03DA7C4A-A2FD-ABEC-A8BE-2C1A9A1671C2}"/>
+                  </a:ext>
+                </a:extLst>
+              </p:cNvPr>
+              <p:cNvSpPr txBox="1">
+                <a:spLocks noRot="1" noChangeAspect="1" noMove="1" noResize="1" noEditPoints="1" noAdjustHandles="1" noChangeArrowheads="1" noChangeShapeType="1" noTextEdit="1"/>
+              </p:cNvSpPr>
+              <p:nvPr/>
+            </p:nvSpPr>
+            <p:spPr>
+              <a:xfrm>
+                <a:off x="792898" y="2654268"/>
+                <a:ext cx="4312141" cy="246221"/>
+              </a:xfrm>
+              <a:prstGeom prst="rect">
+                <a:avLst/>
+              </a:prstGeom>
+              <a:blipFill>
+                <a:blip r:embed="rId14"/>
+                <a:stretch>
+                  <a:fillRect b="-36585"/>
+                </a:stretch>
+              </a:blipFill>
+            </p:spPr>
+            <p:txBody>
+              <a:bodyPr/>
+              <a:lstStyle/>
+              <a:p>
+                <a:r>
+                  <a:rPr lang="en-GB">
+                    <a:noFill/>
+                  </a:rPr>
+                  <a:t> </a:t>
+                </a:r>
+              </a:p>
+            </p:txBody>
+          </p:sp>
+        </mc:Fallback>
+      </mc:AlternateContent>
+      <mc:AlternateContent xmlns:mc="http://schemas.openxmlformats.org/markup-compatibility/2006">
+        <mc:Choice xmlns:p14="http://schemas.microsoft.com/office/powerpoint/2010/main" Requires="p14">
+          <p:contentPart p14:bwMode="auto" r:id="rId15">
+            <p14:nvContentPartPr>
+              <p14:cNvPr id="23" name="Ink 22">
+                <a:extLst>
+                  <a:ext uri="{FF2B5EF4-FFF2-40B4-BE49-F238E27FC236}">
+                    <a16:creationId xmlns:a16="http://schemas.microsoft.com/office/drawing/2014/main" id="{0F3A30B4-61C5-BE6C-0659-95C024A777E4}"/>
+                  </a:ext>
+                </a:extLst>
+              </p14:cNvPr>
+              <p14:cNvContentPartPr/>
+              <p14:nvPr/>
+            </p14:nvContentPartPr>
+            <p14:xfrm>
+              <a:off x="6583080" y="4187208"/>
+              <a:ext cx="633600" cy="25200"/>
+            </p14:xfrm>
+          </p:contentPart>
+        </mc:Choice>
+        <mc:Fallback>
+          <p:pic>
+            <p:nvPicPr>
+              <p:cNvPr id="23" name="Ink 22">
+                <a:extLst>
+                  <a:ext uri="{FF2B5EF4-FFF2-40B4-BE49-F238E27FC236}">
+                    <a16:creationId xmlns:a16="http://schemas.microsoft.com/office/drawing/2014/main" id="{0F3A30B4-61C5-BE6C-0659-95C024A777E4}"/>
+                  </a:ext>
+                </a:extLst>
+              </p:cNvPr>
+              <p:cNvPicPr/>
+              <p:nvPr/>
+            </p:nvPicPr>
+            <p:blipFill>
+              <a:blip r:embed="rId16"/>
+              <a:stretch>
+                <a:fillRect/>
+              </a:stretch>
+            </p:blipFill>
+            <p:spPr>
+              <a:xfrm>
+                <a:off x="6565440" y="4151568"/>
+                <a:ext cx="669240" cy="96840"/>
+              </a:xfrm>
+              <a:prstGeom prst="rect">
+                <a:avLst/>
+              </a:prstGeom>
+            </p:spPr>
+          </p:pic>
+        </mc:Fallback>
+      </mc:AlternateContent>
+      <mc:AlternateContent xmlns:mc="http://schemas.openxmlformats.org/markup-compatibility/2006">
+        <mc:Choice xmlns:p14="http://schemas.microsoft.com/office/powerpoint/2010/main" Requires="p14">
+          <p:contentPart p14:bwMode="auto" r:id="rId17">
+            <p14:nvContentPartPr>
+              <p14:cNvPr id="26" name="Ink 25">
+                <a:extLst>
+                  <a:ext uri="{FF2B5EF4-FFF2-40B4-BE49-F238E27FC236}">
+                    <a16:creationId xmlns:a16="http://schemas.microsoft.com/office/drawing/2014/main" id="{F4FE1E0A-DA7F-0284-E2A4-589D7B39AD6D}"/>
+                  </a:ext>
+                </a:extLst>
+              </p14:cNvPr>
+              <p14:cNvContentPartPr/>
+              <p14:nvPr/>
+            </p14:nvContentPartPr>
+            <p14:xfrm>
+              <a:off x="6638160" y="4540728"/>
+              <a:ext cx="572760" cy="14040"/>
+            </p14:xfrm>
+          </p:contentPart>
+        </mc:Choice>
+        <mc:Fallback>
+          <p:pic>
+            <p:nvPicPr>
+              <p:cNvPr id="26" name="Ink 25">
+                <a:extLst>
+                  <a:ext uri="{FF2B5EF4-FFF2-40B4-BE49-F238E27FC236}">
+                    <a16:creationId xmlns:a16="http://schemas.microsoft.com/office/drawing/2014/main" id="{F4FE1E0A-DA7F-0284-E2A4-589D7B39AD6D}"/>
+                  </a:ext>
+                </a:extLst>
+              </p:cNvPr>
+              <p:cNvPicPr/>
+              <p:nvPr/>
+            </p:nvPicPr>
+            <p:blipFill>
+              <a:blip r:embed="rId18"/>
+              <a:stretch>
+                <a:fillRect/>
+              </a:stretch>
+            </p:blipFill>
+            <p:spPr>
+              <a:xfrm>
+                <a:off x="6620520" y="4505088"/>
+                <a:ext cx="608400" cy="85680"/>
+              </a:xfrm>
+              <a:prstGeom prst="rect">
+                <a:avLst/>
+              </a:prstGeom>
+            </p:spPr>
+          </p:pic>
+        </mc:Fallback>
+      </mc:AlternateContent>
+      <mc:AlternateContent xmlns:mc="http://schemas.openxmlformats.org/markup-compatibility/2006">
+        <mc:Choice xmlns:p14="http://schemas.microsoft.com/office/powerpoint/2010/main" Requires="p14">
+          <p:contentPart p14:bwMode="auto" r:id="rId19">
+            <p14:nvContentPartPr>
+              <p14:cNvPr id="28" name="Ink 27">
+                <a:extLst>
+                  <a:ext uri="{FF2B5EF4-FFF2-40B4-BE49-F238E27FC236}">
+                    <a16:creationId xmlns:a16="http://schemas.microsoft.com/office/drawing/2014/main" id="{4501DF3F-9708-04B3-24D5-05312126C9FA}"/>
+                  </a:ext>
+                </a:extLst>
+              </p14:cNvPr>
+              <p14:cNvContentPartPr/>
+              <p14:nvPr/>
+            </p14:nvContentPartPr>
+            <p14:xfrm>
+              <a:off x="6638160" y="4693728"/>
+              <a:ext cx="554400" cy="360"/>
+            </p14:xfrm>
+          </p:contentPart>
+        </mc:Choice>
+        <mc:Fallback>
+          <p:pic>
+            <p:nvPicPr>
+              <p:cNvPr id="28" name="Ink 27">
+                <a:extLst>
+                  <a:ext uri="{FF2B5EF4-FFF2-40B4-BE49-F238E27FC236}">
+                    <a16:creationId xmlns:a16="http://schemas.microsoft.com/office/drawing/2014/main" id="{4501DF3F-9708-04B3-24D5-05312126C9FA}"/>
+                  </a:ext>
+                </a:extLst>
+              </p:cNvPr>
+              <p:cNvPicPr/>
+              <p:nvPr/>
+            </p:nvPicPr>
+            <p:blipFill>
+              <a:blip r:embed="rId20"/>
+              <a:stretch>
+                <a:fillRect/>
+              </a:stretch>
+            </p:blipFill>
+            <p:spPr>
+              <a:xfrm>
+                <a:off x="6620520" y="4657728"/>
+                <a:ext cx="590040" cy="72000"/>
+              </a:xfrm>
+              <a:prstGeom prst="rect">
+                <a:avLst/>
+              </a:prstGeom>
+            </p:spPr>
+          </p:pic>
+        </mc:Fallback>
+      </mc:AlternateContent>
+      <mc:AlternateContent xmlns:mc="http://schemas.openxmlformats.org/markup-compatibility/2006">
+        <mc:Choice xmlns:p14="http://schemas.microsoft.com/office/powerpoint/2010/main" Requires="p14">
+          <p:contentPart p14:bwMode="auto" r:id="rId21">
+            <p14:nvContentPartPr>
+              <p14:cNvPr id="30" name="Ink 29">
+                <a:extLst>
+                  <a:ext uri="{FF2B5EF4-FFF2-40B4-BE49-F238E27FC236}">
+                    <a16:creationId xmlns:a16="http://schemas.microsoft.com/office/drawing/2014/main" id="{ABAFC698-B1E4-7926-9F53-266219C7C6B3}"/>
+                  </a:ext>
+                </a:extLst>
+              </p14:cNvPr>
+              <p14:cNvContentPartPr/>
+              <p14:nvPr/>
+            </p14:nvContentPartPr>
+            <p14:xfrm>
+              <a:off x="6638160" y="4364328"/>
+              <a:ext cx="560520" cy="12600"/>
+            </p14:xfrm>
+          </p:contentPart>
+        </mc:Choice>
+        <mc:Fallback>
+          <p:pic>
+            <p:nvPicPr>
+              <p:cNvPr id="30" name="Ink 29">
+                <a:extLst>
+                  <a:ext uri="{FF2B5EF4-FFF2-40B4-BE49-F238E27FC236}">
+                    <a16:creationId xmlns:a16="http://schemas.microsoft.com/office/drawing/2014/main" id="{ABAFC698-B1E4-7926-9F53-266219C7C6B3}"/>
+                  </a:ext>
+                </a:extLst>
+              </p:cNvPr>
+              <p:cNvPicPr/>
+              <p:nvPr/>
+            </p:nvPicPr>
+            <p:blipFill>
+              <a:blip r:embed="rId22"/>
+              <a:stretch>
+                <a:fillRect/>
+              </a:stretch>
+            </p:blipFill>
+            <p:spPr>
+              <a:xfrm>
+                <a:off x="6620520" y="4328688"/>
+                <a:ext cx="596160" cy="84240"/>
+              </a:xfrm>
+              <a:prstGeom prst="rect">
+                <a:avLst/>
+              </a:prstGeom>
+            </p:spPr>
+          </p:pic>
+        </mc:Fallback>
+      </mc:AlternateContent>
+      <mc:AlternateContent xmlns:mc="http://schemas.openxmlformats.org/markup-compatibility/2006">
+        <mc:Choice xmlns:p14="http://schemas.microsoft.com/office/powerpoint/2010/main" Requires="p14">
+          <p:contentPart p14:bwMode="auto" r:id="rId23">
+            <p14:nvContentPartPr>
+              <p14:cNvPr id="31" name="Ink 30">
+                <a:extLst>
+                  <a:ext uri="{FF2B5EF4-FFF2-40B4-BE49-F238E27FC236}">
+                    <a16:creationId xmlns:a16="http://schemas.microsoft.com/office/drawing/2014/main" id="{EB37CC7D-6DDD-3C79-1CD4-51A8CB2BF582}"/>
+                  </a:ext>
+                </a:extLst>
+              </p14:cNvPr>
+              <p14:cNvContentPartPr/>
+              <p14:nvPr/>
+            </p14:nvContentPartPr>
+            <p14:xfrm>
+              <a:off x="2103000" y="2920760"/>
+              <a:ext cx="184680" cy="360"/>
+            </p14:xfrm>
+          </p:contentPart>
+        </mc:Choice>
+        <mc:Fallback>
+          <p:pic>
+            <p:nvPicPr>
+              <p:cNvPr id="31" name="Ink 30">
+                <a:extLst>
+                  <a:ext uri="{FF2B5EF4-FFF2-40B4-BE49-F238E27FC236}">
+                    <a16:creationId xmlns:a16="http://schemas.microsoft.com/office/drawing/2014/main" id="{EB37CC7D-6DDD-3C79-1CD4-51A8CB2BF582}"/>
+                  </a:ext>
+                </a:extLst>
+              </p:cNvPr>
+              <p:cNvPicPr/>
+              <p:nvPr/>
+            </p:nvPicPr>
+            <p:blipFill>
+              <a:blip r:embed="rId24"/>
+              <a:stretch>
+                <a:fillRect/>
+              </a:stretch>
+            </p:blipFill>
+            <p:spPr>
+              <a:xfrm>
+                <a:off x="2085000" y="2884760"/>
+                <a:ext cx="220320" cy="72000"/>
+              </a:xfrm>
+              <a:prstGeom prst="rect">
+                <a:avLst/>
+              </a:prstGeom>
+            </p:spPr>
+          </p:pic>
+        </mc:Fallback>
+      </mc:AlternateContent>
+      <mc:AlternateContent xmlns:mc="http://schemas.openxmlformats.org/markup-compatibility/2006">
+        <mc:Choice xmlns:p14="http://schemas.microsoft.com/office/powerpoint/2010/main" Requires="p14">
+          <p:contentPart p14:bwMode="auto" r:id="rId25">
+            <p14:nvContentPartPr>
+              <p14:cNvPr id="32" name="Ink 31">
+                <a:extLst>
+                  <a:ext uri="{FF2B5EF4-FFF2-40B4-BE49-F238E27FC236}">
+                    <a16:creationId xmlns:a16="http://schemas.microsoft.com/office/drawing/2014/main" id="{100F4497-24BE-E182-B23B-BB266CE278CB}"/>
+                  </a:ext>
+                </a:extLst>
+              </p14:cNvPr>
+              <p14:cNvContentPartPr/>
+              <p14:nvPr/>
+            </p14:nvContentPartPr>
+            <p14:xfrm>
+              <a:off x="1640400" y="2925800"/>
+              <a:ext cx="198000" cy="360"/>
+            </p14:xfrm>
+          </p:contentPart>
+        </mc:Choice>
+        <mc:Fallback>
+          <p:pic>
+            <p:nvPicPr>
+              <p:cNvPr id="32" name="Ink 31">
+                <a:extLst>
+                  <a:ext uri="{FF2B5EF4-FFF2-40B4-BE49-F238E27FC236}">
+                    <a16:creationId xmlns:a16="http://schemas.microsoft.com/office/drawing/2014/main" id="{100F4497-24BE-E182-B23B-BB266CE278CB}"/>
+                  </a:ext>
+                </a:extLst>
+              </p:cNvPr>
+              <p:cNvPicPr/>
+              <p:nvPr/>
+            </p:nvPicPr>
+            <p:blipFill>
+              <a:blip r:embed="rId26"/>
+              <a:stretch>
+                <a:fillRect/>
+              </a:stretch>
+            </p:blipFill>
+            <p:spPr>
+              <a:xfrm>
+                <a:off x="1622760" y="2889800"/>
+                <a:ext cx="233640" cy="72000"/>
+              </a:xfrm>
+              <a:prstGeom prst="rect">
+                <a:avLst/>
+              </a:prstGeom>
+            </p:spPr>
+          </p:pic>
+        </mc:Fallback>
+      </mc:AlternateContent>
+      <mc:AlternateContent xmlns:mc="http://schemas.openxmlformats.org/markup-compatibility/2006">
+        <mc:Choice xmlns:p14="http://schemas.microsoft.com/office/powerpoint/2010/main" Requires="p14">
+          <p:contentPart p14:bwMode="auto" r:id="rId27">
+            <p14:nvContentPartPr>
+              <p14:cNvPr id="33" name="Ink 32">
+                <a:extLst>
+                  <a:ext uri="{FF2B5EF4-FFF2-40B4-BE49-F238E27FC236}">
+                    <a16:creationId xmlns:a16="http://schemas.microsoft.com/office/drawing/2014/main" id="{E2AE22B0-77AB-20F1-4FFB-E04CD30E3FDF}"/>
+                  </a:ext>
+                </a:extLst>
+              </p14:cNvPr>
+              <p14:cNvContentPartPr/>
+              <p14:nvPr/>
+            </p14:nvContentPartPr>
+            <p14:xfrm>
+              <a:off x="4033320" y="2905640"/>
+              <a:ext cx="187920" cy="360"/>
+            </p14:xfrm>
+          </p:contentPart>
+        </mc:Choice>
+        <mc:Fallback>
+          <p:pic>
+            <p:nvPicPr>
+              <p:cNvPr id="33" name="Ink 32">
+                <a:extLst>
+                  <a:ext uri="{FF2B5EF4-FFF2-40B4-BE49-F238E27FC236}">
+                    <a16:creationId xmlns:a16="http://schemas.microsoft.com/office/drawing/2014/main" id="{E2AE22B0-77AB-20F1-4FFB-E04CD30E3FDF}"/>
+                  </a:ext>
+                </a:extLst>
+              </p:cNvPr>
+              <p:cNvPicPr/>
+              <p:nvPr/>
+            </p:nvPicPr>
+            <p:blipFill>
+              <a:blip r:embed="rId28"/>
+              <a:stretch>
+                <a:fillRect/>
+              </a:stretch>
+            </p:blipFill>
+            <p:spPr>
+              <a:xfrm>
+                <a:off x="4015320" y="2869640"/>
+                <a:ext cx="223560" cy="72000"/>
+              </a:xfrm>
+              <a:prstGeom prst="rect">
+                <a:avLst/>
+              </a:prstGeom>
+            </p:spPr>
+          </p:pic>
+        </mc:Fallback>
+      </mc:AlternateContent>
+      <mc:AlternateContent xmlns:mc="http://schemas.openxmlformats.org/markup-compatibility/2006">
+        <mc:Choice xmlns:p14="http://schemas.microsoft.com/office/powerpoint/2010/main" Requires="p14">
+          <p:contentPart p14:bwMode="auto" r:id="rId29">
+            <p14:nvContentPartPr>
+              <p14:cNvPr id="34" name="Ink 33">
+                <a:extLst>
+                  <a:ext uri="{FF2B5EF4-FFF2-40B4-BE49-F238E27FC236}">
+                    <a16:creationId xmlns:a16="http://schemas.microsoft.com/office/drawing/2014/main" id="{367BF16E-A820-DC28-6732-AB715EE93630}"/>
+                  </a:ext>
+                </a:extLst>
+              </p14:cNvPr>
+              <p14:cNvContentPartPr/>
+              <p14:nvPr/>
+            </p14:nvContentPartPr>
+            <p14:xfrm>
+              <a:off x="2971680" y="2915720"/>
+              <a:ext cx="157320" cy="360"/>
+            </p14:xfrm>
+          </p:contentPart>
+        </mc:Choice>
+        <mc:Fallback>
+          <p:pic>
+            <p:nvPicPr>
+              <p:cNvPr id="34" name="Ink 33">
+                <a:extLst>
+                  <a:ext uri="{FF2B5EF4-FFF2-40B4-BE49-F238E27FC236}">
+                    <a16:creationId xmlns:a16="http://schemas.microsoft.com/office/drawing/2014/main" id="{367BF16E-A820-DC28-6732-AB715EE93630}"/>
+                  </a:ext>
+                </a:extLst>
+              </p:cNvPr>
+              <p:cNvPicPr/>
+              <p:nvPr/>
+            </p:nvPicPr>
+            <p:blipFill>
+              <a:blip r:embed="rId30"/>
+              <a:stretch>
+                <a:fillRect/>
+              </a:stretch>
+            </p:blipFill>
+            <p:spPr>
+              <a:xfrm>
+                <a:off x="2953680" y="2879720"/>
+                <a:ext cx="192960" cy="72000"/>
+              </a:xfrm>
+              <a:prstGeom prst="rect">
+                <a:avLst/>
+              </a:prstGeom>
+            </p:spPr>
+          </p:pic>
+        </mc:Fallback>
+      </mc:AlternateContent>
     </p:spTree>
     <p:extLst>
       <p:ext uri="{BB962C8B-B14F-4D97-AF65-F5344CB8AC3E}">
